--- a/tutorial-12-debugging-13-optimization.pptx
+++ b/tutorial-12-debugging-13-optimization.pptx
@@ -222,7 +222,7 @@
           <a:p>
             <a:fld id="{775CE290-E0F5-444C-B849-A8F17CD4104C}" type="datetimeFigureOut">
               <a:rPr lang="en-US" smtClean="0"/>
-              <a:t>9/4/14</a:t>
+              <a:t>9/9/14</a:t>
             </a:fld>
             <a:endParaRPr lang="en-US"/>
           </a:p>
@@ -388,7 +388,7 @@
           <a:p>
             <a:fld id="{AD53A24C-4135-094C-957B-35852E7EDFA4}" type="datetimeFigureOut">
               <a:rPr lang="en-US" smtClean="0"/>
-              <a:t>9/3/14</a:t>
+              <a:t>9/9/14</a:t>
             </a:fld>
             <a:endParaRPr lang="en-US"/>
           </a:p>
@@ -849,7 +849,7 @@
           <a:p>
             <a:fld id="{B594EA25-E4F4-3746-A0BA-A11E27330E0F}" type="datetime2">
               <a:rPr lang="en-US" smtClean="0"/>
-              <a:t>Thursday, September 4, 14</a:t>
+              <a:t>Tuesday, September 9, 14</a:t>
             </a:fld>
             <a:endParaRPr lang="en-US"/>
           </a:p>
@@ -1152,7 +1152,7 @@
                 <a:latin typeface="Times New Roman"/>
                 <a:cs typeface="Times New Roman"/>
               </a:rPr>
-              <a:t>September 3, 2014</a:t>
+              <a:t>September 9, 2014</a:t>
             </a:fld>
             <a:endParaRPr lang="en-US" dirty="0">
               <a:latin typeface="Times New Roman"/>
@@ -1439,7 +1439,7 @@
           <a:p>
             <a:fld id="{EA699BF9-66CB-F244-8E74-7B1BE1C77046}" type="datetime2">
               <a:rPr lang="en-US" smtClean="0"/>
-              <a:t>Thursday, September 4, 14</a:t>
+              <a:t>Tuesday, September 9, 14</a:t>
             </a:fld>
             <a:endParaRPr lang="en-US"/>
           </a:p>
@@ -1750,7 +1750,7 @@
           <a:p>
             <a:fld id="{D300BE84-9843-8B4F-B3C8-647B06AC46C9}" type="datetime2">
               <a:rPr lang="en-US" smtClean="0"/>
-              <a:t>Thursday, September 4, 14</a:t>
+              <a:t>Tuesday, September 9, 14</a:t>
             </a:fld>
             <a:endParaRPr lang="en-US"/>
           </a:p>
@@ -1921,7 +1921,7 @@
           <a:p>
             <a:fld id="{C460AE39-2092-A945-8296-F25085B9A0F1}" type="datetime2">
               <a:rPr lang="en-US" smtClean="0"/>
-              <a:t>Thursday, September 4, 14</a:t>
+              <a:t>Tuesday, September 9, 14</a:t>
             </a:fld>
             <a:endParaRPr lang="en-US"/>
           </a:p>
@@ -2102,7 +2102,7 @@
           <a:p>
             <a:fld id="{63BC7E9D-3218-5E49-A867-E087AB2F4618}" type="datetime2">
               <a:rPr lang="en-US" smtClean="0"/>
-              <a:t>Thursday, September 4, 14</a:t>
+              <a:t>Tuesday, September 9, 14</a:t>
             </a:fld>
             <a:endParaRPr lang="en-US"/>
           </a:p>
@@ -2273,7 +2273,7 @@
           <a:p>
             <a:fld id="{34621E95-60A9-FF44-9869-513D9D7A859F}" type="datetime2">
               <a:rPr lang="en-US" smtClean="0"/>
-              <a:t>Thursday, September 4, 14</a:t>
+              <a:t>Tuesday, September 9, 14</a:t>
             </a:fld>
             <a:endParaRPr lang="en-US"/>
           </a:p>
@@ -2392,7 +2392,7 @@
           <a:p>
             <a:fld id="{BD5AFB16-13FE-DF4A-8CB7-09756A57B2EA}" type="datetime2">
               <a:rPr lang="en-US" smtClean="0"/>
-              <a:t>Thursday, September 4, 14</a:t>
+              <a:t>Tuesday, September 9, 14</a:t>
             </a:fld>
             <a:endParaRPr lang="en-US" dirty="0"/>
           </a:p>
@@ -2879,7 +2879,7 @@
           <a:p>
             <a:fld id="{1BDEC705-8EA9-6C46-8E3B-2CAC7E2C0F7D}" type="datetime2">
               <a:rPr lang="en-US" smtClean="0"/>
-              <a:t>Thursday, September 4, 14</a:t>
+              <a:t>Tuesday, September 9, 14</a:t>
             </a:fld>
             <a:endParaRPr lang="en-US"/>
           </a:p>
@@ -3210,7 +3210,7 @@
           <a:p>
             <a:fld id="{BF613BD3-C5FD-9543-B738-679BF38D8C83}" type="datetime2">
               <a:rPr lang="en-US" smtClean="0"/>
-              <a:t>Thursday, September 4, 14</a:t>
+              <a:t>Tuesday, September 9, 14</a:t>
             </a:fld>
             <a:endParaRPr lang="en-US" dirty="0"/>
           </a:p>
@@ -3689,7 +3689,7 @@
           <a:p>
             <a:fld id="{4B5E4F0C-9A9C-5448-99FD-D30288B385C9}" type="datetime2">
               <a:rPr lang="en-US" smtClean="0"/>
-              <a:t>Thursday, September 4, 14</a:t>
+              <a:t>Tuesday, September 9, 14</a:t>
             </a:fld>
             <a:endParaRPr lang="en-US"/>
           </a:p>
@@ -3985,7 +3985,7 @@
           <a:p>
             <a:fld id="{30545249-FD76-6844-B252-CAB05FC2DAA8}" type="datetime2">
               <a:rPr lang="en-US" smtClean="0"/>
-              <a:t>Thursday, September 4, 14</a:t>
+              <a:t>Tuesday, September 9, 14</a:t>
             </a:fld>
             <a:endParaRPr lang="en-US" dirty="0"/>
           </a:p>
@@ -4229,7 +4229,7 @@
           <a:p>
             <a:fld id="{CC859171-EEDD-0B48-A5C0-E7218AE20EA7}" type="datetime2">
               <a:rPr lang="en-US" smtClean="0"/>
-              <a:t>Thursday, September 4, 14</a:t>
+              <a:t>Tuesday, September 9, 14</a:t>
             </a:fld>
             <a:endParaRPr lang="en-US"/>
           </a:p>
@@ -4325,7 +4325,7 @@
           <a:p>
             <a:fld id="{C32F9216-0342-7440-9504-BD6C1382BF27}" type="datetime2">
               <a:rPr lang="en-US" smtClean="0"/>
-              <a:t>Thursday, September 4, 14</a:t>
+              <a:t>Tuesday, September 9, 14</a:t>
             </a:fld>
             <a:endParaRPr lang="en-US"/>
           </a:p>
@@ -4596,7 +4596,7 @@
           <a:p>
             <a:fld id="{D36DC8F2-AD63-E841-8C23-5DC3A41041BE}" type="datetime2">
               <a:rPr lang="en-US" smtClean="0"/>
-              <a:t>Thursday, September 4, 14</a:t>
+              <a:t>Tuesday, September 9, 14</a:t>
             </a:fld>
             <a:endParaRPr lang="en-US" dirty="0"/>
           </a:p>
@@ -5315,7 +5315,7 @@
           <a:p>
             <a:fld id="{7DCE861A-EA6B-EA43-8AA5-DB216DBB40BC}" type="datetime2">
               <a:rPr lang="en-US" smtClean="0"/>
-              <a:t>Monday, September 8, 14</a:t>
+              <a:t>Tuesday, September 9, 14</a:t>
             </a:fld>
             <a:endParaRPr lang="en-US"/>
           </a:p>
@@ -5537,7 +5537,6 @@
               <a:rPr lang="en-US" dirty="0"/>
               <a:t>? </a:t>
             </a:r>
-            <a:endParaRPr lang="en-US" dirty="0"/>
           </a:p>
           <a:p>
             <a:r>
@@ -5552,7 +5551,6 @@
               <a:rPr lang="en-US" dirty="0"/>
               <a:t>! </a:t>
             </a:r>
-            <a:endParaRPr lang="en-US" dirty="0"/>
           </a:p>
           <a:p>
             <a:r>
@@ -5567,7 +5565,6 @@
               <a:rPr lang="en-US" dirty="0"/>
               <a:t>, invoke </a:t>
             </a:r>
-            <a:endParaRPr lang="en-US" dirty="0"/>
           </a:p>
           <a:p>
             <a:pPr marL="223838" indent="0">
@@ -5590,12 +5587,12 @@
               <a:t>(</a:t>
             </a:r>
             <a:r>
-              <a:rPr lang="en-US" i="1" dirty="0" err="1"/>
-              <a:t>CkIndex</a:t>
+              <a:rPr lang="en-US" i="1" dirty="0" err="1" smtClean="0"/>
+              <a:t>CkIndex_Main</a:t>
             </a:r>
             <a:r>
               <a:rPr lang="en-US" i="1" dirty="0"/>
-              <a:t> Main::finished(), </a:t>
+              <a:t>::finished(), </a:t>
             </a:r>
             <a:r>
               <a:rPr lang="en-US" i="1" dirty="0" err="1"/>
@@ -5614,25 +5611,25 @@
             </a:r>
             <a:r>
               <a:rPr lang="en-US" dirty="0"/>
-              <a:t>in background, waits for all outstanding messages to be </a:t>
-            </a:r>
-            <a:endParaRPr lang="en-US" dirty="0"/>
-          </a:p>
-          <a:p>
-            <a:r>
-              <a:rPr lang="en-US" dirty="0"/>
-              <a:t>consumed.</a:t>
-            </a:r>
-            <a:br>
-              <a:rPr lang="en-US" dirty="0"/>
-            </a:br>
-            <a:r>
-              <a:rPr lang="en-US" dirty="0"/>
-              <a:t>Invokes the callback </a:t>
+              <a:t>in background, waits for all outstanding messages to </a:t>
+            </a:r>
+            <a:r>
+              <a:rPr lang="en-US" dirty="0" smtClean="0"/>
+              <a:t>be consumed.</a:t>
+            </a:r>
+          </a:p>
+          <a:p>
+            <a:r>
+              <a:rPr lang="en-US" dirty="0" smtClean="0"/>
+              <a:t>Invokes </a:t>
+            </a:r>
+            <a:r>
+              <a:rPr lang="en-US" dirty="0"/>
+              <a:t>the callback </a:t>
             </a:r>
             <a:r>
               <a:rPr lang="en-US" dirty="0">
-                <a:latin typeface="Lucida Console"/>
+                <a:latin typeface="+mn-lt"/>
                 <a:cs typeface="Lucida Console"/>
               </a:rPr>
               <a:t>when</a:t>
@@ -5672,7 +5669,7 @@
           <a:p>
             <a:fld id="{34621E95-60A9-FF44-9869-513D9D7A859F}" type="datetime2">
               <a:rPr lang="en-US" smtClean="0"/>
-              <a:t>Monday, September 8, 14</a:t>
+              <a:t>Tuesday, September 9, 14</a:t>
             </a:fld>
             <a:endParaRPr lang="en-US"/>
           </a:p>
@@ -5736,6 +5733,13 @@
   <p:clrMapOvr>
     <a:masterClrMapping/>
   </p:clrMapOvr>
+  <p:timing>
+    <p:tnLst>
+      <p:par>
+        <p:cTn xmlns:p14="http://schemas.microsoft.com/office/powerpoint/2010/main" id="1" dur="indefinite" restart="never" nodeType="tmRoot"/>
+      </p:par>
+    </p:tnLst>
+  </p:timing>
 </p:sld>
 </file>
 
@@ -5869,7 +5873,7 @@
           <a:p>
             <a:fld id="{34621E95-60A9-FF44-9869-513D9D7A859F}" type="datetime2">
               <a:rPr lang="en-US" smtClean="0"/>
-              <a:t>Monday, September 8, 14</a:t>
+              <a:t>Tuesday, September 9, 14</a:t>
             </a:fld>
             <a:endParaRPr lang="en-US"/>
           </a:p>
@@ -5933,6 +5937,13 @@
   <p:clrMapOvr>
     <a:masterClrMapping/>
   </p:clrMapOvr>
+  <p:timing>
+    <p:tnLst>
+      <p:par>
+        <p:cTn xmlns:p14="http://schemas.microsoft.com/office/powerpoint/2010/main" id="1" dur="indefinite" restart="never" nodeType="tmRoot"/>
+      </p:par>
+    </p:tnLst>
+  </p:timing>
 </p:sld>
 </file>
 
@@ -6076,7 +6087,7 @@
           <a:p>
             <a:fld id="{34621E95-60A9-FF44-9869-513D9D7A859F}" type="datetime2">
               <a:rPr lang="en-US" smtClean="0"/>
-              <a:t>Monday, September 8, 14</a:t>
+              <a:t>Tuesday, September 9, 14</a:t>
             </a:fld>
             <a:endParaRPr lang="en-US"/>
           </a:p>
@@ -6260,7 +6271,7 @@
           <a:p>
             <a:fld id="{34621E95-60A9-FF44-9869-513D9D7A859F}" type="datetime2">
               <a:rPr lang="en-US" smtClean="0"/>
-              <a:t>Monday, September 8, 14</a:t>
+              <a:t>Tuesday, September 9, 14</a:t>
             </a:fld>
             <a:endParaRPr lang="en-US"/>
           </a:p>
@@ -6386,7 +6397,7 @@
           <a:p>
             <a:fld id="{BD5AFB16-13FE-DF4A-8CB7-09756A57B2EA}" type="datetime2">
               <a:rPr lang="en-US" smtClean="0"/>
-              <a:t>Monday, September 8, 14</a:t>
+              <a:t>Tuesday, September 9, 14</a:t>
             </a:fld>
             <a:endParaRPr lang="en-US" dirty="0"/>
           </a:p>
@@ -6819,7 +6830,15 @@
             </a:r>
             <a:r>
               <a:rPr lang="en-US" dirty="0"/>
-              <a:t> node groups and node groups are same </a:t>
+              <a:t> </a:t>
+            </a:r>
+            <a:r>
+              <a:rPr lang="en-US" dirty="0" smtClean="0"/>
+              <a:t>mode </a:t>
+            </a:r>
+            <a:r>
+              <a:rPr lang="en-US" dirty="0"/>
+              <a:t>groups and node groups are same </a:t>
             </a:r>
             <a:endParaRPr lang="en-US" dirty="0" smtClean="0"/>
           </a:p>
@@ -6893,7 +6912,7 @@
           <a:p>
             <a:fld id="{BD5AFB16-13FE-DF4A-8CB7-09756A57B2EA}" type="datetime2">
               <a:rPr lang="en-US" smtClean="0"/>
-              <a:t>Monday, September 8, 14</a:t>
+              <a:t>Tuesday, September 9, 14</a:t>
             </a:fld>
             <a:endParaRPr lang="en-US" dirty="0"/>
           </a:p>
@@ -7036,14 +7055,13 @@
             </a:r>
             <a:r>
               <a:rPr lang="en-US" dirty="0"/>
-              <a:t>thread has a stack, and may be suspended, for sync methods or</a:t>
-            </a:r>
-          </a:p>
-          <a:p>
-            <a:r>
-              <a:rPr lang="en-US" dirty="0"/>
-              <a:t>futures</a:t>
-            </a:r>
+              <a:t>thread has a stack, and may be suspended, for sync methods </a:t>
+            </a:r>
+            <a:r>
+              <a:rPr lang="en-US" dirty="0" smtClean="0"/>
+              <a:t>or futures</a:t>
+            </a:r>
+            <a:endParaRPr lang="en-US" dirty="0"/>
           </a:p>
           <a:p>
             <a:pPr lvl="1"/>
@@ -7178,7 +7196,7 @@
           <a:p>
             <a:fld id="{34621E95-60A9-FF44-9869-513D9D7A859F}" type="datetime2">
               <a:rPr lang="en-US" smtClean="0"/>
-              <a:t>Monday, September 8, 14</a:t>
+              <a:t>Tuesday, September 9, 14</a:t>
             </a:fld>
             <a:endParaRPr lang="en-US"/>
           </a:p>
@@ -7413,7 +7431,7 @@
           <a:p>
             <a:fld id="{34621E95-60A9-FF44-9869-513D9D7A859F}" type="datetime2">
               <a:rPr lang="en-US" smtClean="0"/>
-              <a:t>Monday, September 8, 14</a:t>
+              <a:t>Tuesday, September 9, 14</a:t>
             </a:fld>
             <a:endParaRPr lang="en-US"/>
           </a:p>
@@ -7539,7 +7557,7 @@
           <a:p>
             <a:fld id="{BD5AFB16-13FE-DF4A-8CB7-09756A57B2EA}" type="datetime2">
               <a:rPr lang="en-US" smtClean="0"/>
-              <a:t>Monday, September 8, 14</a:t>
+              <a:t>Tuesday, September 9, 14</a:t>
             </a:fld>
             <a:endParaRPr lang="en-US" dirty="0"/>
           </a:p>
@@ -7669,29 +7687,30 @@
               <a:rPr lang="en-US" dirty="0" err="1" smtClean="0"/>
               <a:t>subcollection</a:t>
             </a:r>
-            <a:endParaRPr lang="en-US" dirty="0" smtClean="0"/>
-          </a:p>
-          <a:p>
-            <a:pPr marL="274320" lvl="1" indent="0">
-              <a:buNone/>
-            </a:pPr>
-            <a:r>
-              <a:rPr lang="en-US" dirty="0"/>
-              <a:t>	</a:t>
-            </a:r>
-            <a:r>
-              <a:rPr lang="en-US" dirty="0" smtClean="0"/>
-              <a:t>(</a:t>
-            </a:r>
-            <a:r>
-              <a:rPr lang="en-US" dirty="0"/>
-              <a:t>e.g. broadcast, reduction)</a:t>
-            </a:r>
-          </a:p>
-          <a:p>
-            <a:r>
-              <a:rPr lang="en-US" dirty="0"/>
-              <a:t>Sections are the standard </a:t>
+            <a:r>
+              <a:rPr lang="en-US" dirty="0"/>
+              <a:t> </a:t>
+            </a:r>
+            <a:r>
+              <a:rPr lang="en-US" dirty="0" smtClean="0"/>
+              <a:t/>
+            </a:r>
+            <a:br>
+              <a:rPr lang="en-US" dirty="0" smtClean="0"/>
+            </a:br>
+            <a:r>
+              <a:rPr lang="en-US" dirty="0" smtClean="0"/>
+              <a:t>(e.g. broadcast, reduction)</a:t>
+            </a:r>
+          </a:p>
+          <a:p>
+            <a:r>
+              <a:rPr lang="en-US" dirty="0" smtClean="0"/>
+              <a:t>Sections </a:t>
+            </a:r>
+            <a:r>
+              <a:rPr lang="en-US" dirty="0"/>
+              <a:t>are the standard </a:t>
             </a:r>
             <a:r>
               <a:rPr lang="en-US" dirty="0" err="1"/>
@@ -7730,7 +7749,7 @@
         </p:spPr>
         <p:txBody>
           <a:bodyPr>
-            <a:normAutofit fontScale="92500"/>
+            <a:normAutofit fontScale="85000" lnSpcReduction="10000"/>
           </a:bodyPr>
           <a:lstStyle/>
           <a:p>
@@ -7738,12 +7757,24 @@
               <a:buNone/>
             </a:pPr>
             <a:r>
+              <a:rPr lang="en-US" dirty="0" err="1" smtClean="0"/>
+              <a:t>CProxySection</a:t>
+            </a:r>
+            <a:r>
               <a:rPr lang="en-US" dirty="0" err="1"/>
-              <a:t>CProxySection</a:t>
-            </a:r>
-            <a:r>
-              <a:rPr lang="en-US" dirty="0"/>
-              <a:t> Hello proxy =</a:t>
+              <a:t>_</a:t>
+            </a:r>
+            <a:r>
+              <a:rPr lang="en-US" dirty="0" err="1" smtClean="0"/>
+              <a:t>Hello</a:t>
+            </a:r>
+            <a:r>
+              <a:rPr lang="en-US" dirty="0" smtClean="0"/>
+              <a:t> </a:t>
+            </a:r>
+            <a:r>
+              <a:rPr lang="en-US" dirty="0"/>
+              <a:t>proxy =</a:t>
             </a:r>
           </a:p>
           <a:p>
@@ -7751,12 +7782,24 @@
               <a:buNone/>
             </a:pPr>
             <a:r>
+              <a:rPr lang="en-US" dirty="0" smtClean="0"/>
+              <a:t>  </a:t>
+            </a:r>
+            <a:r>
+              <a:rPr lang="en-US" dirty="0" err="1" smtClean="0"/>
+              <a:t>CProxySection</a:t>
+            </a:r>
+            <a:r>
               <a:rPr lang="en-US" dirty="0" err="1"/>
-              <a:t>CProxySection</a:t>
-            </a:r>
-            <a:r>
-              <a:rPr lang="en-US" dirty="0"/>
-              <a:t> Hello::</a:t>
+              <a:t>_</a:t>
+            </a:r>
+            <a:r>
+              <a:rPr lang="en-US" dirty="0" err="1" smtClean="0"/>
+              <a:t>Hello</a:t>
+            </a:r>
+            <a:r>
+              <a:rPr lang="en-US" dirty="0"/>
+              <a:t>::</a:t>
             </a:r>
             <a:r>
               <a:rPr lang="en-US" dirty="0" err="1"/>
@@ -7856,7 +7899,7 @@
           <a:p>
             <a:fld id="{BD5AFB16-13FE-DF4A-8CB7-09756A57B2EA}" type="datetime2">
               <a:rPr lang="en-US" smtClean="0"/>
-              <a:t>Monday, September 8, 14</a:t>
+              <a:t>Tuesday, September 9, 14</a:t>
             </a:fld>
             <a:endParaRPr lang="en-US" dirty="0"/>
           </a:p>
@@ -8347,7 +8390,6 @@
               <a:rPr lang="en-US" dirty="0"/>
               <a:t> </a:t>
             </a:r>
-            <a:endParaRPr lang="en-US" dirty="0"/>
           </a:p>
           <a:p>
             <a:pPr lvl="1"/>
@@ -8391,81 +8433,77 @@
               <a:rPr lang="en-US" dirty="0"/>
               <a:t> window for each PE will open through X (and can be forwarded) </a:t>
             </a:r>
+          </a:p>
+          <a:p>
+            <a:pPr lvl="2"/>
+            <a:r>
+              <a:rPr lang="en-US" dirty="0" smtClean="0"/>
+              <a:t>Not </a:t>
+            </a:r>
+            <a:r>
+              <a:rPr lang="en-US" dirty="0"/>
+              <a:t>very scalable </a:t>
+            </a:r>
+          </a:p>
+          <a:p>
+            <a:r>
+              <a:rPr lang="en-US" dirty="0"/>
+              <a:t>We have developed a scalable tool for debugging Charm++ applications </a:t>
+            </a:r>
+          </a:p>
+          <a:p>
+            <a:pPr lvl="1"/>
+            <a:r>
+              <a:rPr lang="en-US" dirty="0" smtClean="0"/>
+              <a:t>It’s interactive</a:t>
+            </a:r>
             <a:endParaRPr lang="en-US" dirty="0"/>
           </a:p>
           <a:p>
-            <a:pPr lvl="2"/>
-            <a:r>
-              <a:rPr lang="en-US" dirty="0" smtClean="0"/>
-              <a:t>Not </a:t>
-            </a:r>
-            <a:r>
-              <a:rPr lang="en-US" dirty="0"/>
-              <a:t>very scalable </a:t>
+            <a:pPr lvl="1"/>
+            <a:r>
+              <a:rPr lang="en-US" dirty="0" smtClean="0"/>
+              <a:t>Allows </a:t>
+            </a:r>
+            <a:r>
+              <a:rPr lang="en-US" dirty="0"/>
+              <a:t>you to change message order to find bugs</a:t>
+            </a:r>
+            <a:r>
+              <a:rPr lang="en-US" dirty="0" smtClean="0"/>
+              <a:t>!</a:t>
             </a:r>
             <a:endParaRPr lang="en-US" dirty="0"/>
           </a:p>
           <a:p>
-            <a:r>
-              <a:rPr lang="en-US" dirty="0"/>
-              <a:t>We have developed a scalable tool for debugging Charm++ applications </a:t>
-            </a:r>
+            <a:pPr lvl="1"/>
+            <a:r>
+              <a:rPr lang="en-US" dirty="0" smtClean="0"/>
+              <a:t>“</a:t>
+            </a:r>
+            <a:r>
+              <a:rPr lang="en-US" dirty="0"/>
+              <a:t>What-if” scenarios can be explored using provisional message </a:t>
+            </a:r>
+            <a:r>
+              <a:rPr lang="en-US" dirty="0" smtClean="0"/>
+              <a:t>delivery</a:t>
+            </a:r>
+          </a:p>
+          <a:p>
+            <a:pPr lvl="1"/>
+            <a:r>
+              <a:rPr lang="en-US" dirty="0" smtClean="0"/>
+              <a:t>Memory </a:t>
+            </a:r>
+            <a:r>
+              <a:rPr lang="en-US" dirty="0"/>
+              <a:t>can be tracked to find memory leaks </a:t>
+            </a:r>
+          </a:p>
+          <a:p>
             <a:endParaRPr lang="en-US" dirty="0"/>
           </a:p>
-          <a:p>
-            <a:pPr lvl="1"/>
-            <a:r>
-              <a:rPr lang="en-US" dirty="0" smtClean="0"/>
-              <a:t>It’s interactive</a:t>
-            </a:r>
-            <a:endParaRPr lang="en-US" dirty="0"/>
-          </a:p>
-          <a:p>
-            <a:pPr lvl="1"/>
-            <a:r>
-              <a:rPr lang="en-US" dirty="0" smtClean="0"/>
-              <a:t>Allows </a:t>
-            </a:r>
-            <a:r>
-              <a:rPr lang="en-US" dirty="0"/>
-              <a:t>you to change message order to find bugs</a:t>
-            </a:r>
-            <a:r>
-              <a:rPr lang="en-US" dirty="0" smtClean="0"/>
-              <a:t>!</a:t>
-            </a:r>
-            <a:endParaRPr lang="en-US" dirty="0"/>
-          </a:p>
-          <a:p>
-            <a:pPr lvl="1"/>
-            <a:r>
-              <a:rPr lang="en-US" dirty="0" smtClean="0"/>
-              <a:t>“</a:t>
-            </a:r>
-            <a:r>
-              <a:rPr lang="en-US" dirty="0"/>
-              <a:t>What-if” scenarios can be explored using provisional message </a:t>
-            </a:r>
-            <a:r>
-              <a:rPr lang="en-US" dirty="0" smtClean="0"/>
-              <a:t>delivery</a:t>
-            </a:r>
-          </a:p>
-          <a:p>
-            <a:pPr lvl="1"/>
-            <a:r>
-              <a:rPr lang="en-US" dirty="0" smtClean="0"/>
-              <a:t>Memory </a:t>
-            </a:r>
-            <a:r>
-              <a:rPr lang="en-US" dirty="0"/>
-              <a:t>can be tracked to find memory leaks </a:t>
-            </a:r>
-            <a:endParaRPr lang="en-US" dirty="0"/>
-          </a:p>
-          <a:p>
-            <a:endParaRPr lang="en-US" dirty="0"/>
-          </a:p>
         </p:txBody>
       </p:sp>
       <p:sp>
@@ -8485,7 +8523,7 @@
           <a:p>
             <a:fld id="{34621E95-60A9-FF44-9869-513D9D7A859F}" type="datetime2">
               <a:rPr lang="en-US" smtClean="0"/>
-              <a:t>Monday, September 8, 14</a:t>
+              <a:t>Tuesday, September 9, 14</a:t>
             </a:fld>
             <a:endParaRPr lang="en-US"/>
           </a:p>
@@ -8826,7 +8864,7 @@
           <a:p>
             <a:fld id="{BD5AFB16-13FE-DF4A-8CB7-09756A57B2EA}" type="datetime2">
               <a:rPr lang="en-US" smtClean="0"/>
-              <a:t>Monday, September 8, 14</a:t>
+              <a:t>Tuesday, September 9, 14</a:t>
             </a:fld>
             <a:endParaRPr lang="en-US" dirty="0"/>
           </a:p>
@@ -8927,7 +8965,11 @@
           </a:bodyPr>
           <a:lstStyle/>
           <a:p>
-            <a:endParaRPr lang="en-US"/>
+            <a:r>
+              <a:rPr lang="en-US" dirty="0" smtClean="0"/>
+              <a:t>Customized Load Balancers</a:t>
+            </a:r>
+            <a:endParaRPr lang="en-US" dirty="0"/>
           </a:p>
         </p:txBody>
       </p:sp>
@@ -8948,7 +8990,7 @@
           <a:p>
             <a:fld id="{BD5AFB16-13FE-DF4A-8CB7-09756A57B2EA}" type="datetime2">
               <a:rPr lang="en-US" smtClean="0"/>
-              <a:t>Monday, September 8, 14</a:t>
+              <a:t>Tuesday, September 9, 14</a:t>
             </a:fld>
             <a:endParaRPr lang="en-US" dirty="0"/>
           </a:p>
@@ -9066,11 +9108,11 @@
               <a:buNone/>
             </a:pPr>
             <a:r>
-              <a:rPr lang="en-US" b="1" dirty="0" err="1"/>
+              <a:rPr lang="en-US" b="1" dirty="0" err="1" smtClean="0"/>
               <a:t>struct</a:t>
             </a:r>
             <a:r>
-              <a:rPr lang="en-US" dirty="0"/>
+              <a:rPr lang="en-US" dirty="0" smtClean="0"/>
               <a:t> </a:t>
             </a:r>
             <a:r>
@@ -9172,12 +9214,8 @@
               <a:t> </a:t>
             </a:r>
             <a:r>
-              <a:rPr lang="en-US" dirty="0"/>
-              <a:t>n </a:t>
-            </a:r>
-            <a:r>
-              <a:rPr lang="en-US" dirty="0" err="1"/>
-              <a:t>objs</a:t>
+              <a:rPr lang="en-US" dirty="0" err="1" smtClean="0"/>
+              <a:t>n_objs</a:t>
             </a:r>
             <a:r>
               <a:rPr lang="en-US" dirty="0"/>
@@ -9201,12 +9239,8 @@
               <a:t> </a:t>
             </a:r>
             <a:r>
-              <a:rPr lang="en-US" dirty="0"/>
-              <a:t>n </a:t>
-            </a:r>
-            <a:r>
-              <a:rPr lang="en-US" dirty="0" err="1"/>
-              <a:t>migrateobjs</a:t>
+              <a:rPr lang="en-US" dirty="0" err="1" smtClean="0"/>
+              <a:t>n_migrateobjs</a:t>
             </a:r>
             <a:r>
               <a:rPr lang="en-US" dirty="0"/>
@@ -9274,12 +9308,8 @@
               <a:t> </a:t>
             </a:r>
             <a:r>
-              <a:rPr lang="en-US" dirty="0"/>
-              <a:t>n </a:t>
-            </a:r>
-            <a:r>
-              <a:rPr lang="en-US" dirty="0" err="1"/>
-              <a:t>comm</a:t>
+              <a:rPr lang="en-US" dirty="0" err="1" smtClean="0"/>
+              <a:t>n_comm</a:t>
             </a:r>
             <a:r>
               <a:rPr lang="en-US" dirty="0"/>
@@ -9343,19 +9373,19 @@
             </a:r>
             <a:r>
               <a:rPr lang="en-US" dirty="0"/>
-              <a:t>∗from </a:t>
-            </a:r>
-            <a:r>
-              <a:rPr lang="en-US" dirty="0" err="1"/>
-              <a:t>proc</a:t>
-            </a:r>
-            <a:r>
-              <a:rPr lang="en-US" dirty="0"/>
-              <a:t>, ∗to </a:t>
-            </a:r>
-            <a:r>
-              <a:rPr lang="en-US" dirty="0" err="1"/>
-              <a:t>proc</a:t>
+              <a:t>∗</a:t>
+            </a:r>
+            <a:r>
+              <a:rPr lang="en-US" dirty="0" err="1" smtClean="0"/>
+              <a:t>from_proc</a:t>
+            </a:r>
+            <a:r>
+              <a:rPr lang="en-US" dirty="0"/>
+              <a:t>, ∗</a:t>
+            </a:r>
+            <a:r>
+              <a:rPr lang="en-US" dirty="0" err="1" smtClean="0"/>
+              <a:t>to_proc</a:t>
             </a:r>
             <a:r>
               <a:rPr lang="en-US" dirty="0"/>
@@ -9363,16 +9393,11 @@
             </a:r>
             <a:r>
               <a:rPr lang="en-US" i="1" dirty="0"/>
-              <a:t>//residence of</a:t>
-            </a:r>
-          </a:p>
-          <a:p>
-            <a:pPr marL="0" indent="0">
-              <a:buNone/>
-            </a:pPr>
-            <a:r>
-              <a:rPr lang="en-US" dirty="0" smtClean="0"/>
-              <a:t>   </a:t>
+              <a:t>//residence </a:t>
+            </a:r>
+            <a:r>
+              <a:rPr lang="en-US" i="1" dirty="0" smtClean="0"/>
+              <a:t>of </a:t>
             </a:r>
             <a:r>
               <a:rPr lang="en-US" dirty="0" err="1" smtClean="0"/>
@@ -9687,7 +9712,7 @@
           <a:p>
             <a:fld id="{BD5AFB16-13FE-DF4A-8CB7-09756A57B2EA}" type="datetime2">
               <a:rPr lang="en-US" smtClean="0"/>
-              <a:t>Monday, September 8, 14</a:t>
+              <a:t>Tuesday, September 9, 14</a:t>
             </a:fld>
             <a:endParaRPr lang="en-US" dirty="0"/>
           </a:p>
@@ -9842,7 +9867,7 @@
           <a:p>
             <a:fld id="{34621E95-60A9-FF44-9869-513D9D7A859F}" type="datetime2">
               <a:rPr lang="en-US" smtClean="0"/>
-              <a:t>Monday, September 8, 14</a:t>
+              <a:t>Tuesday, September 9, 14</a:t>
             </a:fld>
             <a:endParaRPr lang="en-US"/>
           </a:p>
@@ -9993,7 +10018,7 @@
           <a:p>
             <a:fld id="{34621E95-60A9-FF44-9869-513D9D7A859F}" type="datetime2">
               <a:rPr lang="en-US" smtClean="0"/>
-              <a:t>Monday, September 8, 14</a:t>
+              <a:t>Tuesday, September 9, 14</a:t>
             </a:fld>
             <a:endParaRPr lang="en-US"/>
           </a:p>
@@ -10129,7 +10154,21 @@
           <a:p>
             <a:r>
               <a:rPr lang="en-US" dirty="0"/>
-              <a:t>For the basic feature set, nothing special needs to be done Precompiled for java 6</a:t>
+              <a:t>For the basic feature set, nothing special needs to be </a:t>
+            </a:r>
+            <a:r>
+              <a:rPr lang="en-US" dirty="0" smtClean="0"/>
+              <a:t>done</a:t>
+            </a:r>
+          </a:p>
+          <a:p>
+            <a:r>
+              <a:rPr lang="en-US" dirty="0" smtClean="0"/>
+              <a:t>Precompiled </a:t>
+            </a:r>
+            <a:r>
+              <a:rPr lang="en-US" dirty="0"/>
+              <a:t>for java 6</a:t>
             </a:r>
           </a:p>
           <a:p>
@@ -10230,7 +10269,7 @@
           <a:p>
             <a:fld id="{34621E95-60A9-FF44-9869-513D9D7A859F}" type="datetime2">
               <a:rPr lang="en-US" smtClean="0"/>
-              <a:t>Monday, September 8, 14</a:t>
+              <a:t>Tuesday, September 9, 14</a:t>
             </a:fld>
             <a:endParaRPr lang="en-US"/>
           </a:p>
@@ -10511,7 +10550,7 @@
           <a:p>
             <a:fld id="{34621E95-60A9-FF44-9869-513D9D7A859F}" type="datetime2">
               <a:rPr lang="en-US" smtClean="0"/>
-              <a:t>Monday, September 8, 14</a:t>
+              <a:t>Tuesday, September 9, 14</a:t>
             </a:fld>
             <a:endParaRPr lang="en-US"/>
           </a:p>
@@ -10685,14 +10724,20 @@
             </a:r>
             <a:r>
               <a:rPr lang="en-US" dirty="0">
-                <a:latin typeface="Consolas"/>
+                <a:latin typeface="+mn-lt"/>
                 <a:cs typeface="Consolas"/>
               </a:rPr>
               <a:t>net</a:t>
             </a:r>
             <a:r>
-              <a:rPr lang="en-US" dirty="0"/>
-              <a:t>- build</a:t>
+              <a:rPr lang="en-US" dirty="0">
+                <a:latin typeface="+mn-lt"/>
+              </a:rPr>
+              <a:t>- </a:t>
+            </a:r>
+            <a:r>
+              <a:rPr lang="en-US" dirty="0"/>
+              <a:t>build</a:t>
             </a:r>
           </a:p>
           <a:p>
@@ -10706,14 +10751,7 @@
                 <a:latin typeface="+mn-lt"/>
                 <a:cs typeface="Consolas"/>
               </a:rPr>
-              <a:t>use</a:t>
-            </a:r>
-            <a:r>
-              <a:rPr lang="en-US" dirty="0">
-                <a:latin typeface="Consolas"/>
-                <a:cs typeface="Consolas"/>
-              </a:rPr>
-              <a:t> tunnels</a:t>
+              <a:t>use tunnels</a:t>
             </a:r>
           </a:p>
           <a:p>
@@ -10759,7 +10797,7 @@
           <a:p>
             <a:fld id="{34621E95-60A9-FF44-9869-513D9D7A859F}" type="datetime2">
               <a:rPr lang="en-US" smtClean="0"/>
-              <a:t>Monday, September 8, 14</a:t>
+              <a:t>Tuesday, September 9, 14</a:t>
             </a:fld>
             <a:endParaRPr lang="en-US"/>
           </a:p>
@@ -11150,7 +11188,7 @@
           <a:p>
             <a:fld id="{7DCE861A-EA6B-EA43-8AA5-DB216DBB40BC}" type="datetime2">
               <a:rPr lang="en-US" smtClean="0"/>
-              <a:t>Monday, September 8, 14</a:t>
+              <a:t>Tuesday, September 9, 14</a:t>
             </a:fld>
             <a:endParaRPr lang="en-US"/>
           </a:p>
@@ -11300,7 +11338,7 @@
 </file>
 
 <file path=ppt/slides/slide9.xml><?xml version="1.0" encoding="utf-8"?>
-<p:sld xmlns:a="http://schemas.openxmlformats.org/drawingml/2006/main" xmlns:r="http://schemas.openxmlformats.org/officeDocument/2006/relationships" xmlns:p="http://schemas.openxmlformats.org/presentationml/2006/main">
+<p:sld xmlns:a="http://schemas.openxmlformats.org/drawingml/2006/main" xmlns:r="http://schemas.openxmlformats.org/officeDocument/2006/relationships" xmlns:p="http://schemas.openxmlformats.org/presentationml/2006/main" show="0">
   <p:cSld>
     <p:spTree>
       <p:nvGrpSpPr>
@@ -11333,7 +11371,7 @@
           <a:p>
             <a:fld id="{C32F9216-0342-7440-9504-BD6C1382BF27}" type="datetime2">
               <a:rPr lang="en-US" smtClean="0"/>
-              <a:t>Monday, September 8, 14</a:t>
+              <a:t>Tuesday, September 9, 14</a:t>
             </a:fld>
             <a:endParaRPr lang="en-US"/>
           </a:p>
@@ -11428,6 +11466,21 @@
   <p:clrMapOvr>
     <a:masterClrMapping/>
   </p:clrMapOvr>
+  <mc:AlternateContent xmlns:mc="http://schemas.openxmlformats.org/markup-compatibility/2006">
+    <mc:Choice xmlns:p14="http://schemas.microsoft.com/office/powerpoint/2010/main" Requires="p14">
+      <p:transition spd="slow" p14:dur="2000"/>
+    </mc:Choice>
+    <mc:Fallback>
+      <p:transition xmlns:p14="http://schemas.microsoft.com/office/powerpoint/2010/main" spd="slow"/>
+    </mc:Fallback>
+  </mc:AlternateContent>
+  <p:timing>
+    <p:tnLst>
+      <p:par>
+        <p:cTn xmlns:p14="http://schemas.microsoft.com/office/powerpoint/2010/main" id="1" dur="indefinite" restart="never" nodeType="tmRoot"/>
+      </p:par>
+    </p:tnLst>
+  </p:timing>
 </p:sld>
 </file>
 

--- a/tutorial-12-debugging-13-optimization.pptx
+++ b/tutorial-12-debugging-13-optimization.pptx
@@ -2,13 +2,13 @@
 <file path=ppt/presentation.xml><?xml version="1.0" encoding="utf-8"?>
 <p:presentation xmlns:a="http://schemas.openxmlformats.org/drawingml/2006/main" xmlns:r="http://schemas.openxmlformats.org/officeDocument/2006/relationships" xmlns:p="http://schemas.openxmlformats.org/presentationml/2006/main" showSpecialPlsOnTitleSld="0" saveSubsetFonts="1">
   <p:sldMasterIdLst>
-    <p:sldMasterId id="2147483960" r:id="rId1"/>
+    <p:sldMasterId id="2147483974" r:id="rId1"/>
   </p:sldMasterIdLst>
   <p:notesMasterIdLst>
-    <p:notesMasterId r:id="rId24"/>
+    <p:notesMasterId r:id="rId23"/>
   </p:notesMasterIdLst>
   <p:handoutMasterIdLst>
-    <p:handoutMasterId r:id="rId25"/>
+    <p:handoutMasterId r:id="rId24"/>
   </p:handoutMasterIdLst>
   <p:sldIdLst>
     <p:sldId id="462" r:id="rId2"/>
@@ -19,20 +19,19 @@
     <p:sldId id="467" r:id="rId7"/>
     <p:sldId id="468" r:id="rId8"/>
     <p:sldId id="469" r:id="rId9"/>
-    <p:sldId id="470" r:id="rId10"/>
-    <p:sldId id="471" r:id="rId11"/>
-    <p:sldId id="472" r:id="rId12"/>
-    <p:sldId id="473" r:id="rId13"/>
-    <p:sldId id="474" r:id="rId14"/>
-    <p:sldId id="475" r:id="rId15"/>
-    <p:sldId id="476" r:id="rId16"/>
-    <p:sldId id="477" r:id="rId17"/>
-    <p:sldId id="478" r:id="rId18"/>
-    <p:sldId id="479" r:id="rId19"/>
-    <p:sldId id="480" r:id="rId20"/>
-    <p:sldId id="481" r:id="rId21"/>
-    <p:sldId id="482" r:id="rId22"/>
-    <p:sldId id="483" r:id="rId23"/>
+    <p:sldId id="471" r:id="rId10"/>
+    <p:sldId id="472" r:id="rId11"/>
+    <p:sldId id="473" r:id="rId12"/>
+    <p:sldId id="474" r:id="rId13"/>
+    <p:sldId id="475" r:id="rId14"/>
+    <p:sldId id="476" r:id="rId15"/>
+    <p:sldId id="477" r:id="rId16"/>
+    <p:sldId id="478" r:id="rId17"/>
+    <p:sldId id="479" r:id="rId18"/>
+    <p:sldId id="480" r:id="rId19"/>
+    <p:sldId id="481" r:id="rId20"/>
+    <p:sldId id="482" r:id="rId21"/>
+    <p:sldId id="483" r:id="rId22"/>
   </p:sldIdLst>
   <p:sldSz cx="9144000" cy="6858000" type="screen4x3"/>
   <p:notesSz cx="6858000" cy="9144000"/>
@@ -222,7 +221,7 @@
           <a:p>
             <a:fld id="{775CE290-E0F5-444C-B849-A8F17CD4104C}" type="datetimeFigureOut">
               <a:rPr lang="en-US" smtClean="0"/>
-              <a:t>9/9/14</a:t>
+              <a:t>9/10/14</a:t>
             </a:fld>
             <a:endParaRPr lang="en-US"/>
           </a:p>
@@ -388,7 +387,7 @@
           <a:p>
             <a:fld id="{AD53A24C-4135-094C-957B-35852E7EDFA4}" type="datetimeFigureOut">
               <a:rPr lang="en-US" smtClean="0"/>
-              <a:t>9/9/14</a:t>
+              <a:t>9/10/14</a:t>
             </a:fld>
             <a:endParaRPr lang="en-US"/>
           </a:p>
@@ -658,7 +657,7 @@
 </file>
 
 <file path=ppt/slideLayouts/slideLayout1.xml><?xml version="1.0" encoding="utf-8"?>
-<p:sldLayout xmlns:a="http://schemas.openxmlformats.org/drawingml/2006/main" xmlns:r="http://schemas.openxmlformats.org/officeDocument/2006/relationships" xmlns:p="http://schemas.openxmlformats.org/presentationml/2006/main" preserve="1" userDrawn="1">
+<p:sldLayout xmlns:a="http://schemas.openxmlformats.org/drawingml/2006/main" xmlns:r="http://schemas.openxmlformats.org/officeDocument/2006/relationships" xmlns:p="http://schemas.openxmlformats.org/presentationml/2006/main" preserve="1">
   <p:cSld name="Title Slide">
     <p:spTree>
       <p:nvGrpSpPr>
@@ -705,7 +704,7 @@
           </a:lstStyle>
           <a:p>
             <a:r>
-              <a:rPr lang="en-US" dirty="0" smtClean="0"/>
+              <a:rPr lang="en-US" smtClean="0"/>
               <a:t>Click to edit Master title style</a:t>
             </a:r>
             <a:endParaRPr lang="en-US" dirty="0"/>
@@ -825,7 +824,7 @@
           </a:lstStyle>
           <a:p>
             <a:r>
-              <a:rPr lang="en-US" dirty="0" smtClean="0"/>
+              <a:rPr lang="en-US" smtClean="0"/>
               <a:t>Click to edit Master subtitle style</a:t>
             </a:r>
             <a:endParaRPr lang="en-US" dirty="0"/>
@@ -849,7 +848,7 @@
           <a:p>
             <a:fld id="{B594EA25-E4F4-3746-A0BA-A11E27330E0F}" type="datetime2">
               <a:rPr lang="en-US" smtClean="0"/>
-              <a:t>Tuesday, September 9, 14</a:t>
+              <a:t>Wednesday, September 10, 14</a:t>
             </a:fld>
             <a:endParaRPr lang="en-US"/>
           </a:p>
@@ -944,7 +943,7 @@
           <p:cNvSpPr txBox="1">
             <a:spLocks/>
           </p:cNvSpPr>
-          <p:nvPr userDrawn="1"/>
+          <p:nvPr/>
         </p:nvSpPr>
         <p:spPr>
           <a:xfrm>
@@ -1152,7 +1151,7 @@
                 <a:latin typeface="Times New Roman"/>
                 <a:cs typeface="Times New Roman"/>
               </a:rPr>
-              <a:t>September 9, 2014</a:t>
+              <a:t>September 10, 2014</a:t>
             </a:fld>
             <a:endParaRPr lang="en-US" dirty="0">
               <a:latin typeface="Times New Roman"/>
@@ -1206,10 +1205,232 @@
           <a:p>
             <a:pPr lvl="0"/>
             <a:r>
-              <a:rPr lang="en-US" dirty="0" smtClean="0"/>
+              <a:rPr lang="en-US" smtClean="0"/>
               <a:t>Click to edit Master text styles</a:t>
             </a:r>
-            <a:endParaRPr lang="en-US" dirty="0"/>
+          </a:p>
+        </p:txBody>
+      </p:sp>
+      <p:sp>
+        <p:nvSpPr>
+          <p:cNvPr id="11" name="Subtitle 2"/>
+          <p:cNvSpPr txBox="1">
+            <a:spLocks/>
+          </p:cNvSpPr>
+          <p:nvPr userDrawn="1"/>
+        </p:nvSpPr>
+        <p:spPr>
+          <a:xfrm>
+            <a:off x="1404926" y="4774277"/>
+            <a:ext cx="6400800" cy="700402"/>
+          </a:xfrm>
+          <a:prstGeom prst="rect">
+            <a:avLst/>
+          </a:prstGeom>
+        </p:spPr>
+        <p:txBody>
+          <a:bodyPr vert="horz" lIns="91440" tIns="45720" rIns="91440" bIns="45720" rtlCol="0">
+            <a:normAutofit/>
+          </a:bodyPr>
+          <a:lstStyle>
+            <a:lvl1pPr marL="0" indent="0" algn="ctr" defTabSz="914400" rtl="0" eaLnBrk="1" latinLnBrk="0" hangingPunct="1">
+              <a:spcBef>
+                <a:spcPct val="20000"/>
+              </a:spcBef>
+              <a:buClr>
+                <a:schemeClr val="accent1"/>
+              </a:buClr>
+              <a:buSzPct val="85000"/>
+              <a:buFont typeface="Arial" pitchFamily="34" charset="0"/>
+              <a:buNone/>
+              <a:defRPr sz="2400" kern="1200">
+                <a:solidFill>
+                  <a:schemeClr val="tx1">
+                    <a:lumMod val="75000"/>
+                    <a:lumOff val="25000"/>
+                  </a:schemeClr>
+                </a:solidFill>
+                <a:latin typeface="+mn-lt"/>
+                <a:ea typeface="+mn-ea"/>
+                <a:cs typeface="+mn-cs"/>
+              </a:defRPr>
+            </a:lvl1pPr>
+            <a:lvl2pPr marL="457200" indent="0" algn="ctr" defTabSz="914400" rtl="0" eaLnBrk="1" latinLnBrk="0" hangingPunct="1">
+              <a:spcBef>
+                <a:spcPct val="20000"/>
+              </a:spcBef>
+              <a:buClr>
+                <a:schemeClr val="accent1"/>
+              </a:buClr>
+              <a:buSzPct val="85000"/>
+              <a:buFont typeface="Arial" pitchFamily="34" charset="0"/>
+              <a:buNone/>
+              <a:defRPr sz="2000" kern="1200">
+                <a:solidFill>
+                  <a:schemeClr val="tx1">
+                    <a:tint val="75000"/>
+                  </a:schemeClr>
+                </a:solidFill>
+                <a:latin typeface="+mn-lt"/>
+                <a:ea typeface="+mn-ea"/>
+                <a:cs typeface="+mn-cs"/>
+              </a:defRPr>
+            </a:lvl2pPr>
+            <a:lvl3pPr marL="914400" indent="0" algn="ctr" defTabSz="914400" rtl="0" eaLnBrk="1" latinLnBrk="0" hangingPunct="1">
+              <a:spcBef>
+                <a:spcPct val="20000"/>
+              </a:spcBef>
+              <a:buClr>
+                <a:schemeClr val="accent1"/>
+              </a:buClr>
+              <a:buSzPct val="90000"/>
+              <a:buFont typeface="Arial" pitchFamily="34" charset="0"/>
+              <a:buNone/>
+              <a:defRPr sz="1800" kern="1200">
+                <a:solidFill>
+                  <a:schemeClr val="tx1">
+                    <a:tint val="75000"/>
+                  </a:schemeClr>
+                </a:solidFill>
+                <a:latin typeface="+mn-lt"/>
+                <a:ea typeface="+mn-ea"/>
+                <a:cs typeface="+mn-cs"/>
+              </a:defRPr>
+            </a:lvl3pPr>
+            <a:lvl4pPr marL="1371600" indent="0" algn="ctr" defTabSz="914400" rtl="0" eaLnBrk="1" latinLnBrk="0" hangingPunct="1">
+              <a:spcBef>
+                <a:spcPct val="20000"/>
+              </a:spcBef>
+              <a:buClr>
+                <a:schemeClr val="accent1"/>
+              </a:buClr>
+              <a:buFont typeface="Arial" pitchFamily="34" charset="0"/>
+              <a:buNone/>
+              <a:defRPr sz="1600" kern="1200">
+                <a:solidFill>
+                  <a:schemeClr val="tx1">
+                    <a:tint val="75000"/>
+                  </a:schemeClr>
+                </a:solidFill>
+                <a:latin typeface="+mn-lt"/>
+                <a:ea typeface="+mn-ea"/>
+                <a:cs typeface="+mn-cs"/>
+              </a:defRPr>
+            </a:lvl4pPr>
+            <a:lvl5pPr marL="1828800" indent="0" algn="ctr" defTabSz="914400" rtl="0" eaLnBrk="1" latinLnBrk="0" hangingPunct="1">
+              <a:spcBef>
+                <a:spcPct val="20000"/>
+              </a:spcBef>
+              <a:buClr>
+                <a:schemeClr val="accent1"/>
+              </a:buClr>
+              <a:buSzPct val="100000"/>
+              <a:buFont typeface="Arial" pitchFamily="34" charset="0"/>
+              <a:buNone/>
+              <a:defRPr sz="1400" kern="1200" baseline="0">
+                <a:solidFill>
+                  <a:schemeClr val="tx1">
+                    <a:tint val="75000"/>
+                  </a:schemeClr>
+                </a:solidFill>
+                <a:latin typeface="+mn-lt"/>
+                <a:ea typeface="+mn-ea"/>
+                <a:cs typeface="+mn-cs"/>
+              </a:defRPr>
+            </a:lvl5pPr>
+            <a:lvl6pPr marL="2286000" indent="0" algn="ctr" defTabSz="914400" rtl="0" eaLnBrk="1" latinLnBrk="0" hangingPunct="1">
+              <a:spcBef>
+                <a:spcPct val="20000"/>
+              </a:spcBef>
+              <a:buClr>
+                <a:schemeClr val="accent1"/>
+              </a:buClr>
+              <a:buFont typeface="Arial" pitchFamily="34" charset="0"/>
+              <a:buNone/>
+              <a:defRPr sz="1300" kern="1200">
+                <a:solidFill>
+                  <a:schemeClr val="tx1">
+                    <a:tint val="75000"/>
+                  </a:schemeClr>
+                </a:solidFill>
+                <a:latin typeface="+mn-lt"/>
+                <a:ea typeface="+mn-ea"/>
+                <a:cs typeface="+mn-cs"/>
+              </a:defRPr>
+            </a:lvl6pPr>
+            <a:lvl7pPr marL="2743200" indent="0" algn="ctr" defTabSz="914400" rtl="0" eaLnBrk="1" latinLnBrk="0" hangingPunct="1">
+              <a:spcBef>
+                <a:spcPct val="20000"/>
+              </a:spcBef>
+              <a:buClr>
+                <a:schemeClr val="accent1"/>
+              </a:buClr>
+              <a:buFont typeface="Arial" pitchFamily="34" charset="0"/>
+              <a:buNone/>
+              <a:defRPr sz="1300" kern="1200">
+                <a:solidFill>
+                  <a:schemeClr val="tx1">
+                    <a:tint val="75000"/>
+                  </a:schemeClr>
+                </a:solidFill>
+                <a:latin typeface="+mn-lt"/>
+                <a:ea typeface="+mn-ea"/>
+                <a:cs typeface="+mn-cs"/>
+              </a:defRPr>
+            </a:lvl7pPr>
+            <a:lvl8pPr marL="3200400" indent="0" algn="ctr" defTabSz="914400" rtl="0" eaLnBrk="1" latinLnBrk="0" hangingPunct="1">
+              <a:spcBef>
+                <a:spcPct val="20000"/>
+              </a:spcBef>
+              <a:buClr>
+                <a:schemeClr val="accent1"/>
+              </a:buClr>
+              <a:buFont typeface="Arial" pitchFamily="34" charset="0"/>
+              <a:buNone/>
+              <a:defRPr sz="1300" kern="1200">
+                <a:solidFill>
+                  <a:schemeClr val="tx1">
+                    <a:tint val="75000"/>
+                  </a:schemeClr>
+                </a:solidFill>
+                <a:latin typeface="+mn-lt"/>
+                <a:ea typeface="+mn-ea"/>
+                <a:cs typeface="+mn-cs"/>
+              </a:defRPr>
+            </a:lvl8pPr>
+            <a:lvl9pPr marL="3657600" indent="0" algn="ctr" defTabSz="914400" rtl="0" eaLnBrk="1" latinLnBrk="0" hangingPunct="1">
+              <a:spcBef>
+                <a:spcPct val="20000"/>
+              </a:spcBef>
+              <a:buClr>
+                <a:schemeClr val="accent1"/>
+              </a:buClr>
+              <a:buFont typeface="Arial" pitchFamily="34" charset="0"/>
+              <a:buNone/>
+              <a:defRPr sz="1300" kern="1200">
+                <a:solidFill>
+                  <a:schemeClr val="tx1">
+                    <a:tint val="75000"/>
+                  </a:schemeClr>
+                </a:solidFill>
+                <a:latin typeface="+mn-lt"/>
+                <a:ea typeface="+mn-ea"/>
+                <a:cs typeface="+mn-cs"/>
+              </a:defRPr>
+            </a:lvl9pPr>
+          </a:lstStyle>
+          <a:p>
+            <a:fld id="{B07CD00D-ECE2-B341-910C-3E5E7B4740E6}" type="datetime4">
+              <a:rPr lang="en-US" smtClean="0">
+                <a:latin typeface="Times New Roman"/>
+                <a:cs typeface="Times New Roman"/>
+              </a:rPr>
+              <a:t>September 10, 2014</a:t>
+            </a:fld>
+            <a:endParaRPr lang="en-US" dirty="0">
+              <a:latin typeface="Times New Roman"/>
+              <a:cs typeface="Times New Roman"/>
+            </a:endParaRPr>
           </a:p>
         </p:txBody>
       </p:sp>
@@ -1250,8 +1471,8 @@
         </p:nvSpPr>
         <p:spPr>
           <a:xfrm>
-            <a:off x="457200" y="792080"/>
-            <a:ext cx="2139696" cy="1261872"/>
+            <a:off x="261865" y="161144"/>
+            <a:ext cx="2335031" cy="1261872"/>
           </a:xfrm>
         </p:spPr>
         <p:txBody>
@@ -1284,8 +1505,8 @@
         </p:nvSpPr>
         <p:spPr>
           <a:xfrm>
-            <a:off x="2971800" y="792080"/>
-            <a:ext cx="5715000" cy="5577840"/>
+            <a:off x="2971799" y="161144"/>
+            <a:ext cx="5905425" cy="6208776"/>
           </a:xfrm>
         </p:spPr>
         <p:txBody>
@@ -1369,8 +1590,8 @@
         </p:nvSpPr>
         <p:spPr>
           <a:xfrm>
-            <a:off x="457201" y="2130552"/>
-            <a:ext cx="2139696" cy="4243615"/>
+            <a:off x="261865" y="1625600"/>
+            <a:ext cx="2335032" cy="4748567"/>
           </a:xfrm>
         </p:spPr>
         <p:txBody>
@@ -1439,7 +1660,7 @@
           <a:p>
             <a:fld id="{EA699BF9-66CB-F244-8E74-7B1BE1C77046}" type="datetime2">
               <a:rPr lang="en-US" smtClean="0"/>
-              <a:t>Tuesday, September 9, 14</a:t>
+              <a:t>Wednesday, September 10, 14</a:t>
             </a:fld>
             <a:endParaRPr lang="en-US"/>
           </a:p>
@@ -1500,9 +1721,9 @@
           <p:nvPr/>
         </p:nvCxnSpPr>
         <p:spPr>
-          <a:xfrm rot="5400000">
-            <a:off x="-13116" y="3580206"/>
-            <a:ext cx="5577840" cy="1588"/>
+          <a:xfrm>
+            <a:off x="2775010" y="161144"/>
+            <a:ext cx="0" cy="6208776"/>
           </a:xfrm>
           <a:prstGeom prst="line">
             <a:avLst/>
@@ -1565,8 +1786,8 @@
         </p:nvSpPr>
         <p:spPr>
           <a:xfrm>
-            <a:off x="457200" y="792480"/>
-            <a:ext cx="2142680" cy="1264920"/>
+            <a:off x="258881" y="160020"/>
+            <a:ext cx="2338015" cy="1264920"/>
           </a:xfrm>
         </p:spPr>
         <p:txBody>
@@ -1599,8 +1820,8 @@
         </p:nvSpPr>
         <p:spPr>
           <a:xfrm>
-            <a:off x="2858610" y="838201"/>
-            <a:ext cx="5904390" cy="5500456"/>
+            <a:off x="2858609" y="160020"/>
+            <a:ext cx="6018615" cy="6178637"/>
           </a:xfrm>
           <a:solidFill>
             <a:schemeClr val="bg2"/>
@@ -1680,8 +1901,8 @@
         </p:nvSpPr>
         <p:spPr>
           <a:xfrm>
-            <a:off x="457200" y="2133600"/>
-            <a:ext cx="2139696" cy="4242816"/>
+            <a:off x="261865" y="1663700"/>
+            <a:ext cx="2335031" cy="4712716"/>
           </a:xfrm>
         </p:spPr>
         <p:txBody>
@@ -1750,7 +1971,7 @@
           <a:p>
             <a:fld id="{D300BE84-9843-8B4F-B3C8-647B06AC46C9}" type="datetime2">
               <a:rPr lang="en-US" smtClean="0"/>
-              <a:t>Tuesday, September 9, 14</a:t>
+              <a:t>Wednesday, September 10, 14</a:t>
             </a:fld>
             <a:endParaRPr lang="en-US"/>
           </a:p>
@@ -1921,7 +2142,7 @@
           <a:p>
             <a:fld id="{C460AE39-2092-A945-8296-F25085B9A0F1}" type="datetime2">
               <a:rPr lang="en-US" smtClean="0"/>
-              <a:t>Tuesday, September 9, 14</a:t>
+              <a:t>Wednesday, September 10, 14</a:t>
             </a:fld>
             <a:endParaRPr lang="en-US"/>
           </a:p>
@@ -2012,7 +2233,7 @@
         </p:nvSpPr>
         <p:spPr>
           <a:xfrm>
-            <a:off x="6629400" y="609600"/>
+            <a:off x="6819825" y="508000"/>
             <a:ext cx="2057400" cy="5867400"/>
           </a:xfrm>
         </p:spPr>
@@ -2040,8 +2261,8 @@
         </p:nvSpPr>
         <p:spPr>
           <a:xfrm>
-            <a:off x="457200" y="609600"/>
-            <a:ext cx="6019800" cy="5867400"/>
+            <a:off x="261865" y="508000"/>
+            <a:ext cx="6405635" cy="5867400"/>
           </a:xfrm>
         </p:spPr>
         <p:txBody>
@@ -2102,7 +2323,7 @@
           <a:p>
             <a:fld id="{63BC7E9D-3218-5E49-A867-E087AB2F4618}" type="datetime2">
               <a:rPr lang="en-US" smtClean="0"/>
-              <a:t>Tuesday, September 9, 14</a:t>
+              <a:t>Wednesday, September 10, 14</a:t>
             </a:fld>
             <a:endParaRPr lang="en-US"/>
           </a:p>
@@ -2157,6 +2378,1343 @@
         </p:txBody>
       </p:sp>
     </p:spTree>
+  </p:cSld>
+  <p:clrMapOvr>
+    <a:masterClrMapping/>
+  </p:clrMapOvr>
+</p:sldLayout>
+</file>
+
+<file path=ppt/slideLayouts/slideLayout14.xml><?xml version="1.0" encoding="utf-8"?>
+<p:sldLayout xmlns:a="http://schemas.openxmlformats.org/drawingml/2006/main" xmlns:r="http://schemas.openxmlformats.org/officeDocument/2006/relationships" xmlns:p="http://schemas.openxmlformats.org/presentationml/2006/main" preserve="1" userDrawn="1">
+  <p:cSld name="1_Title Slide">
+    <p:spTree>
+      <p:nvGrpSpPr>
+        <p:cNvPr id="1" name=""/>
+        <p:cNvGrpSpPr/>
+        <p:nvPr/>
+      </p:nvGrpSpPr>
+      <p:grpSpPr>
+        <a:xfrm>
+          <a:off x="0" y="0"/>
+          <a:ext cx="0" cy="0"/>
+          <a:chOff x="0" y="0"/>
+          <a:chExt cx="0" cy="0"/>
+        </a:xfrm>
+      </p:grpSpPr>
+      <p:sp>
+        <p:nvSpPr>
+          <p:cNvPr id="2" name="Title 1"/>
+          <p:cNvSpPr>
+            <a:spLocks noGrp="1"/>
+          </p:cNvSpPr>
+          <p:nvPr>
+            <p:ph type="ctrTitle"/>
+          </p:nvPr>
+        </p:nvSpPr>
+        <p:spPr>
+          <a:xfrm>
+            <a:off x="107103" y="1734127"/>
+            <a:ext cx="8904929" cy="698493"/>
+          </a:xfrm>
+        </p:spPr>
+        <p:txBody>
+          <a:bodyPr anchor="b">
+            <a:normAutofit/>
+          </a:bodyPr>
+          <a:lstStyle>
+            <a:lvl1pPr algn="ctr">
+              <a:defRPr sz="4400" cap="small" baseline="0">
+                <a:solidFill>
+                  <a:schemeClr val="tx2"/>
+                </a:solidFill>
+              </a:defRPr>
+            </a:lvl1pPr>
+          </a:lstStyle>
+          <a:p>
+            <a:r>
+              <a:rPr lang="en-US" dirty="0" smtClean="0"/>
+              <a:t>Click to edit Master title style</a:t>
+            </a:r>
+            <a:endParaRPr lang="en-US" dirty="0"/>
+          </a:p>
+        </p:txBody>
+      </p:sp>
+      <p:sp>
+        <p:nvSpPr>
+          <p:cNvPr id="3" name="Subtitle 2"/>
+          <p:cNvSpPr>
+            <a:spLocks noGrp="1"/>
+          </p:cNvSpPr>
+          <p:nvPr>
+            <p:ph type="subTitle" idx="1"/>
+          </p:nvPr>
+        </p:nvSpPr>
+        <p:spPr>
+          <a:xfrm>
+            <a:off x="1404926" y="2849782"/>
+            <a:ext cx="6400800" cy="700402"/>
+          </a:xfrm>
+        </p:spPr>
+        <p:txBody>
+          <a:bodyPr/>
+          <a:lstStyle>
+            <a:lvl1pPr marL="0" indent="0" algn="ctr">
+              <a:buNone/>
+              <a:defRPr>
+                <a:solidFill>
+                  <a:schemeClr val="tx1">
+                    <a:lumMod val="75000"/>
+                    <a:lumOff val="25000"/>
+                  </a:schemeClr>
+                </a:solidFill>
+              </a:defRPr>
+            </a:lvl1pPr>
+            <a:lvl2pPr marL="457200" indent="0" algn="ctr">
+              <a:buNone/>
+              <a:defRPr>
+                <a:solidFill>
+                  <a:schemeClr val="tx1">
+                    <a:tint val="75000"/>
+                  </a:schemeClr>
+                </a:solidFill>
+              </a:defRPr>
+            </a:lvl2pPr>
+            <a:lvl3pPr marL="914400" indent="0" algn="ctr">
+              <a:buNone/>
+              <a:defRPr>
+                <a:solidFill>
+                  <a:schemeClr val="tx1">
+                    <a:tint val="75000"/>
+                  </a:schemeClr>
+                </a:solidFill>
+              </a:defRPr>
+            </a:lvl3pPr>
+            <a:lvl4pPr marL="1371600" indent="0" algn="ctr">
+              <a:buNone/>
+              <a:defRPr>
+                <a:solidFill>
+                  <a:schemeClr val="tx1">
+                    <a:tint val="75000"/>
+                  </a:schemeClr>
+                </a:solidFill>
+              </a:defRPr>
+            </a:lvl4pPr>
+            <a:lvl5pPr marL="1828800" indent="0" algn="ctr">
+              <a:buNone/>
+              <a:defRPr>
+                <a:solidFill>
+                  <a:schemeClr val="tx1">
+                    <a:tint val="75000"/>
+                  </a:schemeClr>
+                </a:solidFill>
+              </a:defRPr>
+            </a:lvl5pPr>
+            <a:lvl6pPr marL="2286000" indent="0" algn="ctr">
+              <a:buNone/>
+              <a:defRPr>
+                <a:solidFill>
+                  <a:schemeClr val="tx1">
+                    <a:tint val="75000"/>
+                  </a:schemeClr>
+                </a:solidFill>
+              </a:defRPr>
+            </a:lvl6pPr>
+            <a:lvl7pPr marL="2743200" indent="0" algn="ctr">
+              <a:buNone/>
+              <a:defRPr>
+                <a:solidFill>
+                  <a:schemeClr val="tx1">
+                    <a:tint val="75000"/>
+                  </a:schemeClr>
+                </a:solidFill>
+              </a:defRPr>
+            </a:lvl7pPr>
+            <a:lvl8pPr marL="3200400" indent="0" algn="ctr">
+              <a:buNone/>
+              <a:defRPr>
+                <a:solidFill>
+                  <a:schemeClr val="tx1">
+                    <a:tint val="75000"/>
+                  </a:schemeClr>
+                </a:solidFill>
+              </a:defRPr>
+            </a:lvl8pPr>
+            <a:lvl9pPr marL="3657600" indent="0" algn="ctr">
+              <a:buNone/>
+              <a:defRPr>
+                <a:solidFill>
+                  <a:schemeClr val="tx1">
+                    <a:tint val="75000"/>
+                  </a:schemeClr>
+                </a:solidFill>
+              </a:defRPr>
+            </a:lvl9pPr>
+          </a:lstStyle>
+          <a:p>
+            <a:r>
+              <a:rPr lang="en-US" dirty="0" smtClean="0"/>
+              <a:t>Click to edit Master subtitle style</a:t>
+            </a:r>
+            <a:endParaRPr lang="en-US" dirty="0"/>
+          </a:p>
+        </p:txBody>
+      </p:sp>
+      <p:sp>
+        <p:nvSpPr>
+          <p:cNvPr id="4" name="Date Placeholder 3"/>
+          <p:cNvSpPr>
+            <a:spLocks noGrp="1"/>
+          </p:cNvSpPr>
+          <p:nvPr>
+            <p:ph type="dt" sz="half" idx="10"/>
+          </p:nvPr>
+        </p:nvSpPr>
+        <p:spPr/>
+        <p:txBody>
+          <a:bodyPr/>
+          <a:lstStyle/>
+          <a:p>
+            <a:fld id="{B594EA25-E4F4-3746-A0BA-A11E27330E0F}" type="datetime2">
+              <a:rPr lang="en-US" smtClean="0"/>
+              <a:t>Wednesday, September 10, 14</a:t>
+            </a:fld>
+            <a:endParaRPr lang="en-US"/>
+          </a:p>
+        </p:txBody>
+      </p:sp>
+      <p:sp>
+        <p:nvSpPr>
+          <p:cNvPr id="5" name="Footer Placeholder 4"/>
+          <p:cNvSpPr>
+            <a:spLocks noGrp="1"/>
+          </p:cNvSpPr>
+          <p:nvPr>
+            <p:ph type="ftr" sz="quarter" idx="11"/>
+          </p:nvPr>
+        </p:nvSpPr>
+        <p:spPr/>
+        <p:txBody>
+          <a:bodyPr/>
+          <a:lstStyle/>
+          <a:p>
+            <a:pPr algn="r"/>
+            <a:r>
+              <a:rPr lang="en-US" smtClean="0"/>
+              <a:t>Sanjay Kalé and PPL (UIUC) – Parallel Migratable Objects </a:t>
+            </a:r>
+            <a:endParaRPr lang="en-US" dirty="0"/>
+          </a:p>
+        </p:txBody>
+      </p:sp>
+      <p:sp>
+        <p:nvSpPr>
+          <p:cNvPr id="6" name="Slide Number Placeholder 5"/>
+          <p:cNvSpPr>
+            <a:spLocks noGrp="1"/>
+          </p:cNvSpPr>
+          <p:nvPr>
+            <p:ph type="sldNum" sz="quarter" idx="12"/>
+          </p:nvPr>
+        </p:nvSpPr>
+        <p:spPr/>
+        <p:txBody>
+          <a:bodyPr/>
+          <a:lstStyle/>
+          <a:p>
+            <a:fld id="{0CFEC368-1D7A-4F81-ABF6-AE0E36BAF64C}" type="slidenum">
+              <a:rPr lang="en-US" smtClean="0"/>
+              <a:pPr/>
+              <a:t>‹#›</a:t>
+            </a:fld>
+            <a:endParaRPr lang="en-US"/>
+          </a:p>
+        </p:txBody>
+      </p:sp>
+      <p:cxnSp>
+        <p:nvCxnSpPr>
+          <p:cNvPr id="8" name="Straight Connector 7"/>
+          <p:cNvCxnSpPr/>
+          <p:nvPr/>
+        </p:nvCxnSpPr>
+        <p:spPr>
+          <a:xfrm>
+            <a:off x="685800" y="2444811"/>
+            <a:ext cx="7848600" cy="1588"/>
+          </a:xfrm>
+          <a:prstGeom prst="line">
+            <a:avLst/>
+          </a:prstGeom>
+          <a:ln w="19050">
+            <a:solidFill>
+              <a:schemeClr val="tx2"/>
+            </a:solidFill>
+          </a:ln>
+        </p:spPr>
+        <p:style>
+          <a:lnRef idx="1">
+            <a:schemeClr val="accent1"/>
+          </a:lnRef>
+          <a:fillRef idx="0">
+            <a:schemeClr val="accent1"/>
+          </a:fillRef>
+          <a:effectRef idx="0">
+            <a:schemeClr val="accent1"/>
+          </a:effectRef>
+          <a:fontRef idx="minor">
+            <a:schemeClr val="tx1"/>
+          </a:fontRef>
+        </p:style>
+      </p:cxnSp>
+      <p:sp>
+        <p:nvSpPr>
+          <p:cNvPr id="10" name="Subtitle 2"/>
+          <p:cNvSpPr txBox="1">
+            <a:spLocks/>
+          </p:cNvSpPr>
+          <p:nvPr userDrawn="1"/>
+        </p:nvSpPr>
+        <p:spPr>
+          <a:xfrm>
+            <a:off x="1404926" y="4774277"/>
+            <a:ext cx="6400800" cy="700402"/>
+          </a:xfrm>
+          <a:prstGeom prst="rect">
+            <a:avLst/>
+          </a:prstGeom>
+        </p:spPr>
+        <p:txBody>
+          <a:bodyPr vert="horz" lIns="91440" tIns="45720" rIns="91440" bIns="45720" rtlCol="0">
+            <a:normAutofit/>
+          </a:bodyPr>
+          <a:lstStyle>
+            <a:lvl1pPr marL="0" indent="0" algn="ctr" defTabSz="914400" rtl="0" eaLnBrk="1" latinLnBrk="0" hangingPunct="1">
+              <a:spcBef>
+                <a:spcPct val="20000"/>
+              </a:spcBef>
+              <a:buClr>
+                <a:schemeClr val="accent1"/>
+              </a:buClr>
+              <a:buSzPct val="85000"/>
+              <a:buFont typeface="Arial" pitchFamily="34" charset="0"/>
+              <a:buNone/>
+              <a:defRPr sz="2400" kern="1200">
+                <a:solidFill>
+                  <a:schemeClr val="tx1">
+                    <a:lumMod val="75000"/>
+                    <a:lumOff val="25000"/>
+                  </a:schemeClr>
+                </a:solidFill>
+                <a:latin typeface="+mn-lt"/>
+                <a:ea typeface="+mn-ea"/>
+                <a:cs typeface="+mn-cs"/>
+              </a:defRPr>
+            </a:lvl1pPr>
+            <a:lvl2pPr marL="457200" indent="0" algn="ctr" defTabSz="914400" rtl="0" eaLnBrk="1" latinLnBrk="0" hangingPunct="1">
+              <a:spcBef>
+                <a:spcPct val="20000"/>
+              </a:spcBef>
+              <a:buClr>
+                <a:schemeClr val="accent1"/>
+              </a:buClr>
+              <a:buSzPct val="85000"/>
+              <a:buFont typeface="Arial" pitchFamily="34" charset="0"/>
+              <a:buNone/>
+              <a:defRPr sz="2000" kern="1200">
+                <a:solidFill>
+                  <a:schemeClr val="tx1">
+                    <a:tint val="75000"/>
+                  </a:schemeClr>
+                </a:solidFill>
+                <a:latin typeface="+mn-lt"/>
+                <a:ea typeface="+mn-ea"/>
+                <a:cs typeface="+mn-cs"/>
+              </a:defRPr>
+            </a:lvl2pPr>
+            <a:lvl3pPr marL="914400" indent="0" algn="ctr" defTabSz="914400" rtl="0" eaLnBrk="1" latinLnBrk="0" hangingPunct="1">
+              <a:spcBef>
+                <a:spcPct val="20000"/>
+              </a:spcBef>
+              <a:buClr>
+                <a:schemeClr val="accent1"/>
+              </a:buClr>
+              <a:buSzPct val="90000"/>
+              <a:buFont typeface="Arial" pitchFamily="34" charset="0"/>
+              <a:buNone/>
+              <a:defRPr sz="1800" kern="1200">
+                <a:solidFill>
+                  <a:schemeClr val="tx1">
+                    <a:tint val="75000"/>
+                  </a:schemeClr>
+                </a:solidFill>
+                <a:latin typeface="+mn-lt"/>
+                <a:ea typeface="+mn-ea"/>
+                <a:cs typeface="+mn-cs"/>
+              </a:defRPr>
+            </a:lvl3pPr>
+            <a:lvl4pPr marL="1371600" indent="0" algn="ctr" defTabSz="914400" rtl="0" eaLnBrk="1" latinLnBrk="0" hangingPunct="1">
+              <a:spcBef>
+                <a:spcPct val="20000"/>
+              </a:spcBef>
+              <a:buClr>
+                <a:schemeClr val="accent1"/>
+              </a:buClr>
+              <a:buFont typeface="Arial" pitchFamily="34" charset="0"/>
+              <a:buNone/>
+              <a:defRPr sz="1600" kern="1200">
+                <a:solidFill>
+                  <a:schemeClr val="tx1">
+                    <a:tint val="75000"/>
+                  </a:schemeClr>
+                </a:solidFill>
+                <a:latin typeface="+mn-lt"/>
+                <a:ea typeface="+mn-ea"/>
+                <a:cs typeface="+mn-cs"/>
+              </a:defRPr>
+            </a:lvl4pPr>
+            <a:lvl5pPr marL="1828800" indent="0" algn="ctr" defTabSz="914400" rtl="0" eaLnBrk="1" latinLnBrk="0" hangingPunct="1">
+              <a:spcBef>
+                <a:spcPct val="20000"/>
+              </a:spcBef>
+              <a:buClr>
+                <a:schemeClr val="accent1"/>
+              </a:buClr>
+              <a:buSzPct val="100000"/>
+              <a:buFont typeface="Arial" pitchFamily="34" charset="0"/>
+              <a:buNone/>
+              <a:defRPr sz="1400" kern="1200" baseline="0">
+                <a:solidFill>
+                  <a:schemeClr val="tx1">
+                    <a:tint val="75000"/>
+                  </a:schemeClr>
+                </a:solidFill>
+                <a:latin typeface="+mn-lt"/>
+                <a:ea typeface="+mn-ea"/>
+                <a:cs typeface="+mn-cs"/>
+              </a:defRPr>
+            </a:lvl5pPr>
+            <a:lvl6pPr marL="2286000" indent="0" algn="ctr" defTabSz="914400" rtl="0" eaLnBrk="1" latinLnBrk="0" hangingPunct="1">
+              <a:spcBef>
+                <a:spcPct val="20000"/>
+              </a:spcBef>
+              <a:buClr>
+                <a:schemeClr val="accent1"/>
+              </a:buClr>
+              <a:buFont typeface="Arial" pitchFamily="34" charset="0"/>
+              <a:buNone/>
+              <a:defRPr sz="1300" kern="1200">
+                <a:solidFill>
+                  <a:schemeClr val="tx1">
+                    <a:tint val="75000"/>
+                  </a:schemeClr>
+                </a:solidFill>
+                <a:latin typeface="+mn-lt"/>
+                <a:ea typeface="+mn-ea"/>
+                <a:cs typeface="+mn-cs"/>
+              </a:defRPr>
+            </a:lvl6pPr>
+            <a:lvl7pPr marL="2743200" indent="0" algn="ctr" defTabSz="914400" rtl="0" eaLnBrk="1" latinLnBrk="0" hangingPunct="1">
+              <a:spcBef>
+                <a:spcPct val="20000"/>
+              </a:spcBef>
+              <a:buClr>
+                <a:schemeClr val="accent1"/>
+              </a:buClr>
+              <a:buFont typeface="Arial" pitchFamily="34" charset="0"/>
+              <a:buNone/>
+              <a:defRPr sz="1300" kern="1200">
+                <a:solidFill>
+                  <a:schemeClr val="tx1">
+                    <a:tint val="75000"/>
+                  </a:schemeClr>
+                </a:solidFill>
+                <a:latin typeface="+mn-lt"/>
+                <a:ea typeface="+mn-ea"/>
+                <a:cs typeface="+mn-cs"/>
+              </a:defRPr>
+            </a:lvl7pPr>
+            <a:lvl8pPr marL="3200400" indent="0" algn="ctr" defTabSz="914400" rtl="0" eaLnBrk="1" latinLnBrk="0" hangingPunct="1">
+              <a:spcBef>
+                <a:spcPct val="20000"/>
+              </a:spcBef>
+              <a:buClr>
+                <a:schemeClr val="accent1"/>
+              </a:buClr>
+              <a:buFont typeface="Arial" pitchFamily="34" charset="0"/>
+              <a:buNone/>
+              <a:defRPr sz="1300" kern="1200">
+                <a:solidFill>
+                  <a:schemeClr val="tx1">
+                    <a:tint val="75000"/>
+                  </a:schemeClr>
+                </a:solidFill>
+                <a:latin typeface="+mn-lt"/>
+                <a:ea typeface="+mn-ea"/>
+                <a:cs typeface="+mn-cs"/>
+              </a:defRPr>
+            </a:lvl8pPr>
+            <a:lvl9pPr marL="3657600" indent="0" algn="ctr" defTabSz="914400" rtl="0" eaLnBrk="1" latinLnBrk="0" hangingPunct="1">
+              <a:spcBef>
+                <a:spcPct val="20000"/>
+              </a:spcBef>
+              <a:buClr>
+                <a:schemeClr val="accent1"/>
+              </a:buClr>
+              <a:buFont typeface="Arial" pitchFamily="34" charset="0"/>
+              <a:buNone/>
+              <a:defRPr sz="1300" kern="1200">
+                <a:solidFill>
+                  <a:schemeClr val="tx1">
+                    <a:tint val="75000"/>
+                  </a:schemeClr>
+                </a:solidFill>
+                <a:latin typeface="+mn-lt"/>
+                <a:ea typeface="+mn-ea"/>
+                <a:cs typeface="+mn-cs"/>
+              </a:defRPr>
+            </a:lvl9pPr>
+          </a:lstStyle>
+          <a:p>
+            <a:fld id="{B07CD00D-ECE2-B341-910C-3E5E7B4740E6}" type="datetime4">
+              <a:rPr lang="en-US" smtClean="0">
+                <a:latin typeface="Times New Roman"/>
+                <a:cs typeface="Times New Roman"/>
+              </a:rPr>
+              <a:t>September 10, 2014</a:t>
+            </a:fld>
+            <a:endParaRPr lang="en-US" dirty="0">
+              <a:latin typeface="Times New Roman"/>
+              <a:cs typeface="Times New Roman"/>
+            </a:endParaRPr>
+          </a:p>
+        </p:txBody>
+      </p:sp>
+      <p:sp>
+        <p:nvSpPr>
+          <p:cNvPr id="14" name="Content Placeholder 13"/>
+          <p:cNvSpPr>
+            <a:spLocks noGrp="1"/>
+          </p:cNvSpPr>
+          <p:nvPr>
+            <p:ph sz="quarter" idx="13"/>
+          </p:nvPr>
+        </p:nvSpPr>
+        <p:spPr>
+          <a:xfrm>
+            <a:off x="1404938" y="3700463"/>
+            <a:ext cx="6400800" cy="1073150"/>
+          </a:xfrm>
+        </p:spPr>
+        <p:txBody>
+          <a:bodyPr>
+            <a:normAutofit/>
+          </a:bodyPr>
+          <a:lstStyle>
+            <a:lvl1pPr marL="0" indent="0" algn="ctr">
+              <a:buNone/>
+              <a:defRPr sz="1800"/>
+            </a:lvl1pPr>
+            <a:lvl2pPr marL="274320" indent="0">
+              <a:buNone/>
+              <a:defRPr/>
+            </a:lvl2pPr>
+            <a:lvl3pPr marL="548640" indent="0">
+              <a:buNone/>
+              <a:defRPr/>
+            </a:lvl3pPr>
+            <a:lvl4pPr marL="822960" indent="0">
+              <a:buNone/>
+              <a:defRPr/>
+            </a:lvl4pPr>
+            <a:lvl5pPr marL="1051560" indent="0">
+              <a:buNone/>
+              <a:defRPr/>
+            </a:lvl5pPr>
+          </a:lstStyle>
+          <a:p>
+            <a:pPr lvl="0"/>
+            <a:r>
+              <a:rPr lang="en-US" dirty="0" smtClean="0"/>
+              <a:t>Click to edit Master text styles</a:t>
+            </a:r>
+            <a:endParaRPr lang="en-US" dirty="0"/>
+          </a:p>
+        </p:txBody>
+      </p:sp>
+    </p:spTree>
+  </p:cSld>
+  <p:clrMapOvr>
+    <a:masterClrMapping/>
+  </p:clrMapOvr>
+</p:sldLayout>
+</file>
+
+<file path=ppt/slideLayouts/slideLayout15.xml><?xml version="1.0" encoding="utf-8"?>
+<p:sldLayout xmlns:a="http://schemas.openxmlformats.org/drawingml/2006/main" xmlns:r="http://schemas.openxmlformats.org/officeDocument/2006/relationships" xmlns:p="http://schemas.openxmlformats.org/presentationml/2006/main" preserve="1" userDrawn="1">
+  <p:cSld name="1_Custom Layout">
+    <p:spTree>
+      <p:nvGrpSpPr>
+        <p:cNvPr id="1" name=""/>
+        <p:cNvGrpSpPr/>
+        <p:nvPr/>
+      </p:nvGrpSpPr>
+      <p:grpSpPr>
+        <a:xfrm>
+          <a:off x="0" y="0"/>
+          <a:ext cx="0" cy="0"/>
+          <a:chOff x="0" y="0"/>
+          <a:chExt cx="0" cy="0"/>
+        </a:xfrm>
+      </p:grpSpPr>
+      <p:sp>
+        <p:nvSpPr>
+          <p:cNvPr id="2" name="Title 1"/>
+          <p:cNvSpPr>
+            <a:spLocks noGrp="1"/>
+          </p:cNvSpPr>
+          <p:nvPr>
+            <p:ph type="title"/>
+          </p:nvPr>
+        </p:nvSpPr>
+        <p:spPr/>
+        <p:txBody>
+          <a:bodyPr/>
+          <a:lstStyle/>
+          <a:p>
+            <a:r>
+              <a:rPr lang="en-US" smtClean="0"/>
+              <a:t>Click to edit Master title style</a:t>
+            </a:r>
+            <a:endParaRPr lang="en-US"/>
+          </a:p>
+        </p:txBody>
+      </p:sp>
+      <p:sp>
+        <p:nvSpPr>
+          <p:cNvPr id="3" name="Date Placeholder 2"/>
+          <p:cNvSpPr>
+            <a:spLocks noGrp="1"/>
+          </p:cNvSpPr>
+          <p:nvPr>
+            <p:ph type="dt" sz="half" idx="10"/>
+          </p:nvPr>
+        </p:nvSpPr>
+        <p:spPr/>
+        <p:txBody>
+          <a:bodyPr/>
+          <a:lstStyle/>
+          <a:p>
+            <a:fld id="{BD5AFB16-13FE-DF4A-8CB7-09756A57B2EA}" type="datetime2">
+              <a:rPr lang="en-US" smtClean="0"/>
+              <a:t>Wednesday, September 10, 14</a:t>
+            </a:fld>
+            <a:endParaRPr lang="en-US" dirty="0"/>
+          </a:p>
+        </p:txBody>
+      </p:sp>
+      <p:sp>
+        <p:nvSpPr>
+          <p:cNvPr id="4" name="Footer Placeholder 3"/>
+          <p:cNvSpPr>
+            <a:spLocks noGrp="1"/>
+          </p:cNvSpPr>
+          <p:nvPr>
+            <p:ph type="ftr" sz="quarter" idx="11"/>
+          </p:nvPr>
+        </p:nvSpPr>
+        <p:spPr/>
+        <p:txBody>
+          <a:bodyPr/>
+          <a:lstStyle/>
+          <a:p>
+            <a:pPr algn="r"/>
+            <a:r>
+              <a:rPr lang="en-US" smtClean="0"/>
+              <a:t>Sanjay Kalé and PPL (UIUC) – Parallel Migratable Objects </a:t>
+            </a:r>
+            <a:endParaRPr lang="en-US" dirty="0"/>
+          </a:p>
+        </p:txBody>
+      </p:sp>
+      <p:sp>
+        <p:nvSpPr>
+          <p:cNvPr id="5" name="Slide Number Placeholder 4"/>
+          <p:cNvSpPr>
+            <a:spLocks noGrp="1"/>
+          </p:cNvSpPr>
+          <p:nvPr>
+            <p:ph type="sldNum" sz="quarter" idx="12"/>
+          </p:nvPr>
+        </p:nvSpPr>
+        <p:spPr/>
+        <p:txBody>
+          <a:bodyPr/>
+          <a:lstStyle/>
+          <a:p>
+            <a:fld id="{0CFEC368-1D7A-4F81-ABF6-AE0E36BAF64C}" type="slidenum">
+              <a:rPr lang="en-US" smtClean="0"/>
+              <a:pPr/>
+              <a:t>‹#›</a:t>
+            </a:fld>
+            <a:endParaRPr lang="en-US" dirty="0"/>
+          </a:p>
+        </p:txBody>
+      </p:sp>
+      <p:sp>
+        <p:nvSpPr>
+          <p:cNvPr id="7" name="Content Placeholder 6"/>
+          <p:cNvSpPr>
+            <a:spLocks noGrp="1"/>
+          </p:cNvSpPr>
+          <p:nvPr>
+            <p:ph sz="quarter" idx="13"/>
+          </p:nvPr>
+        </p:nvSpPr>
+        <p:spPr>
+          <a:xfrm>
+            <a:off x="457200" y="909977"/>
+            <a:ext cx="8229600" cy="1118512"/>
+          </a:xfrm>
+        </p:spPr>
+        <p:txBody>
+          <a:bodyPr/>
+          <a:lstStyle/>
+          <a:p>
+            <a:pPr lvl="0"/>
+            <a:r>
+              <a:rPr lang="en-US" dirty="0" smtClean="0"/>
+              <a:t>Click to edit Master text styles</a:t>
+            </a:r>
+          </a:p>
+          <a:p>
+            <a:pPr lvl="1"/>
+            <a:r>
+              <a:rPr lang="en-US" dirty="0" smtClean="0"/>
+              <a:t>Second level</a:t>
+            </a:r>
+          </a:p>
+          <a:p>
+            <a:pPr lvl="2"/>
+            <a:r>
+              <a:rPr lang="en-US" dirty="0" smtClean="0"/>
+              <a:t>Third level</a:t>
+            </a:r>
+          </a:p>
+          <a:p>
+            <a:pPr lvl="3"/>
+            <a:r>
+              <a:rPr lang="en-US" dirty="0" smtClean="0"/>
+              <a:t>Fourth level</a:t>
+            </a:r>
+          </a:p>
+          <a:p>
+            <a:pPr lvl="4"/>
+            <a:r>
+              <a:rPr lang="en-US" dirty="0" smtClean="0"/>
+              <a:t>Fifth level</a:t>
+            </a:r>
+            <a:endParaRPr lang="en-US" dirty="0"/>
+          </a:p>
+        </p:txBody>
+      </p:sp>
+      <p:sp>
+        <p:nvSpPr>
+          <p:cNvPr id="9" name="Content Placeholder 8"/>
+          <p:cNvSpPr>
+            <a:spLocks noGrp="1"/>
+          </p:cNvSpPr>
+          <p:nvPr>
+            <p:ph sz="quarter" idx="14"/>
+          </p:nvPr>
+        </p:nvSpPr>
+        <p:spPr>
+          <a:xfrm>
+            <a:off x="457200" y="2198574"/>
+            <a:ext cx="8229600" cy="1119049"/>
+          </a:xfrm>
+        </p:spPr>
+        <p:txBody>
+          <a:bodyPr/>
+          <a:lstStyle/>
+          <a:p>
+            <a:pPr lvl="0"/>
+            <a:r>
+              <a:rPr lang="en-US" dirty="0" smtClean="0"/>
+              <a:t>Click to edit Master text styles</a:t>
+            </a:r>
+          </a:p>
+          <a:p>
+            <a:pPr lvl="1"/>
+            <a:r>
+              <a:rPr lang="en-US" dirty="0" smtClean="0"/>
+              <a:t>Second level</a:t>
+            </a:r>
+          </a:p>
+          <a:p>
+            <a:pPr lvl="2"/>
+            <a:r>
+              <a:rPr lang="en-US" dirty="0" smtClean="0"/>
+              <a:t>Third level</a:t>
+            </a:r>
+          </a:p>
+          <a:p>
+            <a:pPr lvl="3"/>
+            <a:r>
+              <a:rPr lang="en-US" dirty="0" smtClean="0"/>
+              <a:t>Fourth level</a:t>
+            </a:r>
+          </a:p>
+          <a:p>
+            <a:pPr lvl="4"/>
+            <a:r>
+              <a:rPr lang="en-US" dirty="0" smtClean="0"/>
+              <a:t>Fifth level</a:t>
+            </a:r>
+            <a:endParaRPr lang="en-US" dirty="0"/>
+          </a:p>
+        </p:txBody>
+      </p:sp>
+      <p:sp>
+        <p:nvSpPr>
+          <p:cNvPr id="11" name="Content Placeholder 10"/>
+          <p:cNvSpPr>
+            <a:spLocks noGrp="1"/>
+          </p:cNvSpPr>
+          <p:nvPr>
+            <p:ph sz="quarter" idx="15"/>
+          </p:nvPr>
+        </p:nvSpPr>
+        <p:spPr>
+          <a:xfrm>
+            <a:off x="457200" y="3583427"/>
+            <a:ext cx="8229600" cy="1136650"/>
+          </a:xfrm>
+        </p:spPr>
+        <p:txBody>
+          <a:bodyPr/>
+          <a:lstStyle/>
+          <a:p>
+            <a:pPr lvl="0"/>
+            <a:r>
+              <a:rPr lang="en-US" smtClean="0"/>
+              <a:t>Click to edit Master text styles</a:t>
+            </a:r>
+          </a:p>
+          <a:p>
+            <a:pPr lvl="1"/>
+            <a:r>
+              <a:rPr lang="en-US" smtClean="0"/>
+              <a:t>Second level</a:t>
+            </a:r>
+          </a:p>
+          <a:p>
+            <a:pPr lvl="2"/>
+            <a:r>
+              <a:rPr lang="en-US" smtClean="0"/>
+              <a:t>Third level</a:t>
+            </a:r>
+          </a:p>
+          <a:p>
+            <a:pPr lvl="3"/>
+            <a:r>
+              <a:rPr lang="en-US" smtClean="0"/>
+              <a:t>Fourth level</a:t>
+            </a:r>
+          </a:p>
+          <a:p>
+            <a:pPr lvl="4"/>
+            <a:r>
+              <a:rPr lang="en-US" smtClean="0"/>
+              <a:t>Fifth level</a:t>
+            </a:r>
+            <a:endParaRPr lang="en-US"/>
+          </a:p>
+        </p:txBody>
+      </p:sp>
+      <p:sp>
+        <p:nvSpPr>
+          <p:cNvPr id="13" name="Content Placeholder 12"/>
+          <p:cNvSpPr>
+            <a:spLocks noGrp="1"/>
+          </p:cNvSpPr>
+          <p:nvPr>
+            <p:ph sz="quarter" idx="16"/>
+          </p:nvPr>
+        </p:nvSpPr>
+        <p:spPr>
+          <a:xfrm>
+            <a:off x="457200" y="5043465"/>
+            <a:ext cx="8229600" cy="1136791"/>
+          </a:xfrm>
+        </p:spPr>
+        <p:txBody>
+          <a:bodyPr/>
+          <a:lstStyle/>
+          <a:p>
+            <a:pPr lvl="0"/>
+            <a:r>
+              <a:rPr lang="en-US" smtClean="0"/>
+              <a:t>Click to edit Master text styles</a:t>
+            </a:r>
+          </a:p>
+          <a:p>
+            <a:pPr lvl="1"/>
+            <a:r>
+              <a:rPr lang="en-US" smtClean="0"/>
+              <a:t>Second level</a:t>
+            </a:r>
+          </a:p>
+          <a:p>
+            <a:pPr lvl="2"/>
+            <a:r>
+              <a:rPr lang="en-US" smtClean="0"/>
+              <a:t>Third level</a:t>
+            </a:r>
+          </a:p>
+          <a:p>
+            <a:pPr lvl="3"/>
+            <a:r>
+              <a:rPr lang="en-US" smtClean="0"/>
+              <a:t>Fourth level</a:t>
+            </a:r>
+          </a:p>
+          <a:p>
+            <a:pPr lvl="4"/>
+            <a:r>
+              <a:rPr lang="en-US" smtClean="0"/>
+              <a:t>Fifth level</a:t>
+            </a:r>
+            <a:endParaRPr lang="en-US"/>
+          </a:p>
+        </p:txBody>
+      </p:sp>
+    </p:spTree>
+    <p:extLst>
+      <p:ext uri="{BB962C8B-B14F-4D97-AF65-F5344CB8AC3E}">
+        <p14:creationId xmlns:p14="http://schemas.microsoft.com/office/powerpoint/2010/main" val="596550497"/>
+      </p:ext>
+    </p:extLst>
+  </p:cSld>
+  <p:clrMapOvr>
+    <a:masterClrMapping/>
+  </p:clrMapOvr>
+</p:sldLayout>
+</file>
+
+<file path=ppt/slideLayouts/slideLayout16.xml><?xml version="1.0" encoding="utf-8"?>
+<p:sldLayout xmlns:a="http://schemas.openxmlformats.org/drawingml/2006/main" xmlns:r="http://schemas.openxmlformats.org/officeDocument/2006/relationships" xmlns:p="http://schemas.openxmlformats.org/presentationml/2006/main" preserve="1" userDrawn="1">
+  <p:cSld name="2_Two Content">
+    <p:spTree>
+      <p:nvGrpSpPr>
+        <p:cNvPr id="1" name=""/>
+        <p:cNvGrpSpPr/>
+        <p:nvPr/>
+      </p:nvGrpSpPr>
+      <p:grpSpPr>
+        <a:xfrm>
+          <a:off x="0" y="0"/>
+          <a:ext cx="0" cy="0"/>
+          <a:chOff x="0" y="0"/>
+          <a:chExt cx="0" cy="0"/>
+        </a:xfrm>
+      </p:grpSpPr>
+      <p:sp>
+        <p:nvSpPr>
+          <p:cNvPr id="2" name="Title 1"/>
+          <p:cNvSpPr>
+            <a:spLocks noGrp="1"/>
+          </p:cNvSpPr>
+          <p:nvPr>
+            <p:ph type="title"/>
+          </p:nvPr>
+        </p:nvSpPr>
+        <p:spPr/>
+        <p:txBody>
+          <a:bodyPr/>
+          <a:lstStyle/>
+          <a:p>
+            <a:r>
+              <a:rPr lang="en-US" dirty="0" smtClean="0"/>
+              <a:t>Click to edit Master title style</a:t>
+            </a:r>
+            <a:endParaRPr lang="en-US" dirty="0"/>
+          </a:p>
+        </p:txBody>
+      </p:sp>
+      <p:sp>
+        <p:nvSpPr>
+          <p:cNvPr id="3" name="Content Placeholder 2"/>
+          <p:cNvSpPr>
+            <a:spLocks noGrp="1"/>
+          </p:cNvSpPr>
+          <p:nvPr>
+            <p:ph sz="half" idx="1"/>
+          </p:nvPr>
+        </p:nvSpPr>
+        <p:spPr>
+          <a:xfrm>
+            <a:off x="457200" y="935846"/>
+            <a:ext cx="4038600" cy="3140187"/>
+          </a:xfrm>
+        </p:spPr>
+        <p:txBody>
+          <a:bodyPr/>
+          <a:lstStyle>
+            <a:lvl1pPr>
+              <a:defRPr sz="2800"/>
+            </a:lvl1pPr>
+            <a:lvl2pPr>
+              <a:defRPr sz="2400"/>
+            </a:lvl2pPr>
+            <a:lvl3pPr>
+              <a:defRPr sz="2000"/>
+            </a:lvl3pPr>
+            <a:lvl4pPr>
+              <a:defRPr sz="1800"/>
+            </a:lvl4pPr>
+            <a:lvl5pPr>
+              <a:defRPr sz="1800"/>
+            </a:lvl5pPr>
+            <a:lvl6pPr>
+              <a:defRPr sz="1800"/>
+            </a:lvl6pPr>
+            <a:lvl7pPr>
+              <a:defRPr sz="1800"/>
+            </a:lvl7pPr>
+            <a:lvl8pPr>
+              <a:defRPr sz="1800"/>
+            </a:lvl8pPr>
+            <a:lvl9pPr>
+              <a:defRPr sz="1800"/>
+            </a:lvl9pPr>
+          </a:lstStyle>
+          <a:p>
+            <a:pPr lvl="0"/>
+            <a:r>
+              <a:rPr lang="en-US" dirty="0" smtClean="0"/>
+              <a:t>Click to edit Master text styles</a:t>
+            </a:r>
+          </a:p>
+          <a:p>
+            <a:pPr lvl="1"/>
+            <a:r>
+              <a:rPr lang="en-US" dirty="0" smtClean="0"/>
+              <a:t>Second level</a:t>
+            </a:r>
+          </a:p>
+          <a:p>
+            <a:pPr lvl="2"/>
+            <a:r>
+              <a:rPr lang="en-US" dirty="0" smtClean="0"/>
+              <a:t>Third level</a:t>
+            </a:r>
+          </a:p>
+          <a:p>
+            <a:pPr lvl="3"/>
+            <a:r>
+              <a:rPr lang="en-US" dirty="0" smtClean="0"/>
+              <a:t>Fourth level</a:t>
+            </a:r>
+          </a:p>
+          <a:p>
+            <a:pPr lvl="4"/>
+            <a:r>
+              <a:rPr lang="en-US" dirty="0" smtClean="0"/>
+              <a:t>Fifth level</a:t>
+            </a:r>
+            <a:endParaRPr lang="en-US" dirty="0"/>
+          </a:p>
+        </p:txBody>
+      </p:sp>
+      <p:sp>
+        <p:nvSpPr>
+          <p:cNvPr id="4" name="Content Placeholder 3"/>
+          <p:cNvSpPr>
+            <a:spLocks noGrp="1"/>
+          </p:cNvSpPr>
+          <p:nvPr>
+            <p:ph sz="half" idx="2"/>
+          </p:nvPr>
+        </p:nvSpPr>
+        <p:spPr>
+          <a:xfrm>
+            <a:off x="4648200" y="935846"/>
+            <a:ext cx="4038600" cy="3140187"/>
+          </a:xfrm>
+        </p:spPr>
+        <p:txBody>
+          <a:bodyPr/>
+          <a:lstStyle>
+            <a:lvl1pPr>
+              <a:defRPr sz="2800"/>
+            </a:lvl1pPr>
+            <a:lvl2pPr>
+              <a:defRPr sz="2400"/>
+            </a:lvl2pPr>
+            <a:lvl3pPr>
+              <a:defRPr sz="2000"/>
+            </a:lvl3pPr>
+            <a:lvl4pPr>
+              <a:defRPr sz="1800"/>
+            </a:lvl4pPr>
+            <a:lvl5pPr>
+              <a:defRPr sz="1800"/>
+            </a:lvl5pPr>
+            <a:lvl6pPr>
+              <a:defRPr sz="1800"/>
+            </a:lvl6pPr>
+            <a:lvl7pPr>
+              <a:defRPr sz="1800"/>
+            </a:lvl7pPr>
+            <a:lvl8pPr>
+              <a:defRPr sz="1800"/>
+            </a:lvl8pPr>
+            <a:lvl9pPr>
+              <a:defRPr sz="1800"/>
+            </a:lvl9pPr>
+          </a:lstStyle>
+          <a:p>
+            <a:pPr lvl="0"/>
+            <a:r>
+              <a:rPr lang="en-US" dirty="0" smtClean="0"/>
+              <a:t>Click to edit Master text styles</a:t>
+            </a:r>
+          </a:p>
+          <a:p>
+            <a:pPr lvl="1"/>
+            <a:r>
+              <a:rPr lang="en-US" dirty="0" smtClean="0"/>
+              <a:t>Second level</a:t>
+            </a:r>
+          </a:p>
+          <a:p>
+            <a:pPr lvl="2"/>
+            <a:r>
+              <a:rPr lang="en-US" dirty="0" smtClean="0"/>
+              <a:t>Third level</a:t>
+            </a:r>
+          </a:p>
+          <a:p>
+            <a:pPr lvl="3"/>
+            <a:r>
+              <a:rPr lang="en-US" dirty="0" smtClean="0"/>
+              <a:t>Fourth level</a:t>
+            </a:r>
+          </a:p>
+          <a:p>
+            <a:pPr lvl="4"/>
+            <a:r>
+              <a:rPr lang="en-US" dirty="0" smtClean="0"/>
+              <a:t>Fifth level</a:t>
+            </a:r>
+            <a:endParaRPr lang="en-US" dirty="0"/>
+          </a:p>
+        </p:txBody>
+      </p:sp>
+      <p:sp>
+        <p:nvSpPr>
+          <p:cNvPr id="5" name="Date Placeholder 4"/>
+          <p:cNvSpPr>
+            <a:spLocks noGrp="1"/>
+          </p:cNvSpPr>
+          <p:nvPr>
+            <p:ph type="dt" sz="half" idx="10"/>
+          </p:nvPr>
+        </p:nvSpPr>
+        <p:spPr/>
+        <p:txBody>
+          <a:bodyPr/>
+          <a:lstStyle>
+            <a:lvl1pPr>
+              <a:defRPr>
+                <a:latin typeface="Times New Roman"/>
+                <a:cs typeface="Times New Roman"/>
+              </a:defRPr>
+            </a:lvl1pPr>
+          </a:lstStyle>
+          <a:p>
+            <a:fld id="{30545249-FD76-6844-B252-CAB05FC2DAA8}" type="datetime2">
+              <a:rPr lang="en-US" smtClean="0"/>
+              <a:t>Wednesday, September 10, 14</a:t>
+            </a:fld>
+            <a:endParaRPr lang="en-US" dirty="0"/>
+          </a:p>
+        </p:txBody>
+      </p:sp>
+      <p:sp>
+        <p:nvSpPr>
+          <p:cNvPr id="6" name="Footer Placeholder 5"/>
+          <p:cNvSpPr>
+            <a:spLocks noGrp="1"/>
+          </p:cNvSpPr>
+          <p:nvPr>
+            <p:ph type="ftr" sz="quarter" idx="11"/>
+          </p:nvPr>
+        </p:nvSpPr>
+        <p:spPr/>
+        <p:txBody>
+          <a:bodyPr/>
+          <a:lstStyle>
+            <a:lvl1pPr>
+              <a:defRPr>
+                <a:latin typeface="Times New Roman"/>
+                <a:cs typeface="Times New Roman"/>
+              </a:defRPr>
+            </a:lvl1pPr>
+          </a:lstStyle>
+          <a:p>
+            <a:pPr algn="r"/>
+            <a:r>
+              <a:rPr lang="en-US" smtClean="0"/>
+              <a:t>Sanjay Kalé and PPL (UIUC) – Parallel Migratable Objects </a:t>
+            </a:r>
+            <a:endParaRPr lang="en-US" dirty="0"/>
+          </a:p>
+        </p:txBody>
+      </p:sp>
+      <p:sp>
+        <p:nvSpPr>
+          <p:cNvPr id="7" name="Slide Number Placeholder 6"/>
+          <p:cNvSpPr>
+            <a:spLocks noGrp="1"/>
+          </p:cNvSpPr>
+          <p:nvPr>
+            <p:ph type="sldNum" sz="quarter" idx="12"/>
+          </p:nvPr>
+        </p:nvSpPr>
+        <p:spPr/>
+        <p:txBody>
+          <a:bodyPr/>
+          <a:lstStyle/>
+          <a:p>
+            <a:fld id="{0CFEC368-1D7A-4F81-ABF6-AE0E36BAF64C}" type="slidenum">
+              <a:rPr lang="en-US" smtClean="0"/>
+              <a:pPr/>
+              <a:t>‹#›</a:t>
+            </a:fld>
+            <a:endParaRPr lang="en-US" dirty="0"/>
+          </a:p>
+        </p:txBody>
+      </p:sp>
+      <p:sp>
+        <p:nvSpPr>
+          <p:cNvPr id="9" name="Content Placeholder 8"/>
+          <p:cNvSpPr>
+            <a:spLocks noGrp="1"/>
+          </p:cNvSpPr>
+          <p:nvPr>
+            <p:ph sz="quarter" idx="13"/>
+          </p:nvPr>
+        </p:nvSpPr>
+        <p:spPr>
+          <a:xfrm>
+            <a:off x="457200" y="4829213"/>
+            <a:ext cx="8229600" cy="1550950"/>
+          </a:xfrm>
+          <a:solidFill>
+            <a:schemeClr val="tx2">
+              <a:lumMod val="20000"/>
+              <a:lumOff val="80000"/>
+            </a:schemeClr>
+          </a:solidFill>
+          <a:ln>
+            <a:solidFill>
+              <a:schemeClr val="tx2"/>
+            </a:solidFill>
+          </a:ln>
+        </p:spPr>
+        <p:txBody>
+          <a:bodyPr/>
+          <a:lstStyle/>
+          <a:p>
+            <a:pPr lvl="0"/>
+            <a:r>
+              <a:rPr lang="en-US" dirty="0" smtClean="0"/>
+              <a:t>Click to edit Master text styles</a:t>
+            </a:r>
+          </a:p>
+          <a:p>
+            <a:pPr lvl="1"/>
+            <a:r>
+              <a:rPr lang="en-US" dirty="0" smtClean="0"/>
+              <a:t>Second level</a:t>
+            </a:r>
+          </a:p>
+          <a:p>
+            <a:pPr lvl="2"/>
+            <a:r>
+              <a:rPr lang="en-US" dirty="0" smtClean="0"/>
+              <a:t>Third level</a:t>
+            </a:r>
+          </a:p>
+          <a:p>
+            <a:pPr lvl="3"/>
+            <a:r>
+              <a:rPr lang="en-US" dirty="0" smtClean="0"/>
+              <a:t>Fourth level</a:t>
+            </a:r>
+          </a:p>
+          <a:p>
+            <a:pPr lvl="4"/>
+            <a:r>
+              <a:rPr lang="en-US" dirty="0" smtClean="0"/>
+              <a:t>Fifth level</a:t>
+            </a:r>
+            <a:endParaRPr lang="en-US" dirty="0"/>
+          </a:p>
+        </p:txBody>
+      </p:sp>
+      <p:sp>
+        <p:nvSpPr>
+          <p:cNvPr id="11" name="Text Placeholder 10"/>
+          <p:cNvSpPr>
+            <a:spLocks noGrp="1"/>
+          </p:cNvSpPr>
+          <p:nvPr>
+            <p:ph type="body" sz="quarter" idx="14"/>
+          </p:nvPr>
+        </p:nvSpPr>
+        <p:spPr>
+          <a:xfrm>
+            <a:off x="457200" y="4238625"/>
+            <a:ext cx="8229600" cy="590550"/>
+          </a:xfrm>
+          <a:solidFill>
+            <a:schemeClr val="tx2">
+              <a:lumMod val="40000"/>
+              <a:lumOff val="60000"/>
+            </a:schemeClr>
+          </a:solidFill>
+          <a:ln>
+            <a:solidFill>
+              <a:schemeClr val="tx2"/>
+            </a:solidFill>
+          </a:ln>
+        </p:spPr>
+        <p:txBody>
+          <a:bodyPr/>
+          <a:lstStyle>
+            <a:lvl1pPr marL="0" indent="0">
+              <a:buNone/>
+              <a:defRPr b="1"/>
+            </a:lvl1pPr>
+          </a:lstStyle>
+          <a:p>
+            <a:pPr lvl="0"/>
+            <a:r>
+              <a:rPr lang="en-US" dirty="0" smtClean="0"/>
+              <a:t>Click to edit Master text styles</a:t>
+            </a:r>
+            <a:endParaRPr lang="en-US" dirty="0"/>
+          </a:p>
+        </p:txBody>
+      </p:sp>
+    </p:spTree>
+    <p:extLst>
+      <p:ext uri="{BB962C8B-B14F-4D97-AF65-F5344CB8AC3E}">
+        <p14:creationId xmlns:p14="http://schemas.microsoft.com/office/powerpoint/2010/main" val="707568992"/>
+      </p:ext>
+    </p:extLst>
   </p:cSld>
   <p:clrMapOvr>
     <a:masterClrMapping/>
@@ -2221,35 +3779,35 @@
           <a:p>
             <a:pPr lvl="0"/>
             <a:r>
-              <a:rPr lang="en-US" dirty="0" smtClean="0"/>
+              <a:rPr lang="en-US" smtClean="0"/>
               <a:t>Click to edit Master text styles</a:t>
             </a:r>
           </a:p>
           <a:p>
             <a:pPr lvl="1"/>
             <a:r>
-              <a:rPr lang="en-US" dirty="0" smtClean="0"/>
+              <a:rPr lang="en-US" smtClean="0"/>
               <a:t>Second level</a:t>
             </a:r>
           </a:p>
           <a:p>
             <a:pPr lvl="2"/>
             <a:r>
-              <a:rPr lang="en-US" dirty="0" smtClean="0"/>
+              <a:rPr lang="en-US" smtClean="0"/>
               <a:t>Third level</a:t>
             </a:r>
           </a:p>
           <a:p>
             <a:pPr lvl="3"/>
             <a:r>
-              <a:rPr lang="en-US" dirty="0" smtClean="0"/>
+              <a:rPr lang="en-US" smtClean="0"/>
               <a:t>Fourth level</a:t>
             </a:r>
           </a:p>
           <a:p>
             <a:pPr lvl="4"/>
             <a:r>
-              <a:rPr lang="en-US" dirty="0" smtClean="0"/>
+              <a:rPr lang="en-US" smtClean="0"/>
               <a:t>Fifth level</a:t>
             </a:r>
             <a:endParaRPr lang="en-US" dirty="0"/>
@@ -2273,7 +3831,7 @@
           <a:p>
             <a:fld id="{34621E95-60A9-FF44-9869-513D9D7A859F}" type="datetime2">
               <a:rPr lang="en-US" smtClean="0"/>
-              <a:t>Tuesday, September 9, 14</a:t>
+              <a:t>Wednesday, September 10, 14</a:t>
             </a:fld>
             <a:endParaRPr lang="en-US"/>
           </a:p>
@@ -2336,7 +3894,7 @@
 </file>
 
 <file path=ppt/slideLayouts/slideLayout3.xml><?xml version="1.0" encoding="utf-8"?>
-<p:sldLayout xmlns:a="http://schemas.openxmlformats.org/drawingml/2006/main" xmlns:r="http://schemas.openxmlformats.org/officeDocument/2006/relationships" xmlns:p="http://schemas.openxmlformats.org/presentationml/2006/main" preserve="1" userDrawn="1">
+<p:sldLayout xmlns:a="http://schemas.openxmlformats.org/drawingml/2006/main" xmlns:r="http://schemas.openxmlformats.org/officeDocument/2006/relationships" xmlns:p="http://schemas.openxmlformats.org/presentationml/2006/main" preserve="1">
   <p:cSld name="Custom Layout">
     <p:spTree>
       <p:nvGrpSpPr>
@@ -2392,7 +3950,7 @@
           <a:p>
             <a:fld id="{BD5AFB16-13FE-DF4A-8CB7-09756A57B2EA}" type="datetime2">
               <a:rPr lang="en-US" smtClean="0"/>
-              <a:t>Tuesday, September 9, 14</a:t>
+              <a:t>Wednesday, September 10, 14</a:t>
             </a:fld>
             <a:endParaRPr lang="en-US" dirty="0"/>
           </a:p>
@@ -2458,8 +4016,8 @@
         </p:nvSpPr>
         <p:spPr>
           <a:xfrm>
-            <a:off x="457200" y="909977"/>
-            <a:ext cx="8229600" cy="1118512"/>
+            <a:off x="261865" y="909977"/>
+            <a:ext cx="8615360" cy="1118512"/>
           </a:xfrm>
         </p:spPr>
         <p:txBody>
@@ -2468,35 +4026,35 @@
           <a:p>
             <a:pPr lvl="0"/>
             <a:r>
-              <a:rPr lang="en-US" dirty="0" smtClean="0"/>
+              <a:rPr lang="en-US" smtClean="0"/>
               <a:t>Click to edit Master text styles</a:t>
             </a:r>
           </a:p>
           <a:p>
             <a:pPr lvl="1"/>
             <a:r>
-              <a:rPr lang="en-US" dirty="0" smtClean="0"/>
+              <a:rPr lang="en-US" smtClean="0"/>
               <a:t>Second level</a:t>
             </a:r>
           </a:p>
           <a:p>
             <a:pPr lvl="2"/>
             <a:r>
-              <a:rPr lang="en-US" dirty="0" smtClean="0"/>
+              <a:rPr lang="en-US" smtClean="0"/>
               <a:t>Third level</a:t>
             </a:r>
           </a:p>
           <a:p>
             <a:pPr lvl="3"/>
             <a:r>
-              <a:rPr lang="en-US" dirty="0" smtClean="0"/>
+              <a:rPr lang="en-US" smtClean="0"/>
               <a:t>Fourth level</a:t>
             </a:r>
           </a:p>
           <a:p>
             <a:pPr lvl="4"/>
             <a:r>
-              <a:rPr lang="en-US" dirty="0" smtClean="0"/>
+              <a:rPr lang="en-US" smtClean="0"/>
               <a:t>Fifth level</a:t>
             </a:r>
             <a:endParaRPr lang="en-US" dirty="0"/>
@@ -2515,8 +4073,8 @@
         </p:nvSpPr>
         <p:spPr>
           <a:xfrm>
-            <a:off x="457200" y="2198574"/>
-            <a:ext cx="8229600" cy="1119049"/>
+            <a:off x="261865" y="2198574"/>
+            <a:ext cx="8615360" cy="1119049"/>
           </a:xfrm>
         </p:spPr>
         <p:txBody>
@@ -2525,35 +4083,35 @@
           <a:p>
             <a:pPr lvl="0"/>
             <a:r>
-              <a:rPr lang="en-US" dirty="0" smtClean="0"/>
+              <a:rPr lang="en-US" smtClean="0"/>
               <a:t>Click to edit Master text styles</a:t>
             </a:r>
           </a:p>
           <a:p>
             <a:pPr lvl="1"/>
             <a:r>
-              <a:rPr lang="en-US" dirty="0" smtClean="0"/>
+              <a:rPr lang="en-US" smtClean="0"/>
               <a:t>Second level</a:t>
             </a:r>
           </a:p>
           <a:p>
             <a:pPr lvl="2"/>
             <a:r>
-              <a:rPr lang="en-US" dirty="0" smtClean="0"/>
+              <a:rPr lang="en-US" smtClean="0"/>
               <a:t>Third level</a:t>
             </a:r>
           </a:p>
           <a:p>
             <a:pPr lvl="3"/>
             <a:r>
-              <a:rPr lang="en-US" dirty="0" smtClean="0"/>
+              <a:rPr lang="en-US" smtClean="0"/>
               <a:t>Fourth level</a:t>
             </a:r>
           </a:p>
           <a:p>
             <a:pPr lvl="4"/>
             <a:r>
-              <a:rPr lang="en-US" dirty="0" smtClean="0"/>
+              <a:rPr lang="en-US" smtClean="0"/>
               <a:t>Fifth level</a:t>
             </a:r>
             <a:endParaRPr lang="en-US" dirty="0"/>
@@ -2572,8 +4130,8 @@
         </p:nvSpPr>
         <p:spPr>
           <a:xfrm>
-            <a:off x="457200" y="3583427"/>
-            <a:ext cx="8229600" cy="1136650"/>
+            <a:off x="261865" y="3583427"/>
+            <a:ext cx="8615360" cy="1136650"/>
           </a:xfrm>
         </p:spPr>
         <p:txBody>
@@ -2613,7 +4171,7 @@
               <a:rPr lang="en-US" smtClean="0"/>
               <a:t>Fifth level</a:t>
             </a:r>
-            <a:endParaRPr lang="en-US"/>
+            <a:endParaRPr lang="en-US" dirty="0"/>
           </a:p>
         </p:txBody>
       </p:sp>
@@ -2629,8 +4187,8 @@
         </p:nvSpPr>
         <p:spPr>
           <a:xfrm>
-            <a:off x="457200" y="5043465"/>
-            <a:ext cx="8229600" cy="1136791"/>
+            <a:off x="261865" y="5043465"/>
+            <a:ext cx="8615360" cy="1136791"/>
           </a:xfrm>
         </p:spPr>
         <p:txBody>
@@ -2670,7 +4228,7 @@
               <a:rPr lang="en-US" smtClean="0"/>
               <a:t>Fifth level</a:t>
             </a:r>
-            <a:endParaRPr lang="en-US"/>
+            <a:endParaRPr lang="en-US" dirty="0"/>
           </a:p>
         </p:txBody>
       </p:sp>
@@ -2879,7 +4437,7 @@
           <a:p>
             <a:fld id="{1BDEC705-8EA9-6C46-8E3B-2CAC7E2C0F7D}" type="datetime2">
               <a:rPr lang="en-US" smtClean="0"/>
-              <a:t>Tuesday, September 9, 14</a:t>
+              <a:t>Wednesday, September 10, 14</a:t>
             </a:fld>
             <a:endParaRPr lang="en-US"/>
           </a:p>
@@ -3009,7 +4567,7 @@
           <a:lstStyle/>
           <a:p>
             <a:r>
-              <a:rPr lang="en-US" dirty="0" smtClean="0"/>
+              <a:rPr lang="en-US" smtClean="0"/>
               <a:t>Click to edit Master title style</a:t>
             </a:r>
             <a:endParaRPr lang="en-US" dirty="0"/>
@@ -3028,8 +4586,8 @@
         </p:nvSpPr>
         <p:spPr>
           <a:xfrm>
-            <a:off x="457200" y="935846"/>
-            <a:ext cx="4038600" cy="5455810"/>
+            <a:off x="261866" y="935846"/>
+            <a:ext cx="4114800" cy="5455810"/>
           </a:xfrm>
         </p:spPr>
         <p:txBody>
@@ -3066,35 +4624,35 @@
           <a:p>
             <a:pPr lvl="0"/>
             <a:r>
-              <a:rPr lang="en-US" dirty="0" smtClean="0"/>
+              <a:rPr lang="en-US" smtClean="0"/>
               <a:t>Click to edit Master text styles</a:t>
             </a:r>
           </a:p>
           <a:p>
             <a:pPr lvl="1"/>
             <a:r>
-              <a:rPr lang="en-US" dirty="0" smtClean="0"/>
+              <a:rPr lang="en-US" smtClean="0"/>
               <a:t>Second level</a:t>
             </a:r>
           </a:p>
           <a:p>
             <a:pPr lvl="2"/>
             <a:r>
-              <a:rPr lang="en-US" dirty="0" smtClean="0"/>
+              <a:rPr lang="en-US" smtClean="0"/>
               <a:t>Third level</a:t>
             </a:r>
           </a:p>
           <a:p>
             <a:pPr lvl="3"/>
             <a:r>
-              <a:rPr lang="en-US" dirty="0" smtClean="0"/>
+              <a:rPr lang="en-US" smtClean="0"/>
               <a:t>Fourth level</a:t>
             </a:r>
           </a:p>
           <a:p>
             <a:pPr lvl="4"/>
             <a:r>
-              <a:rPr lang="en-US" dirty="0" smtClean="0"/>
+              <a:rPr lang="en-US" smtClean="0"/>
               <a:t>Fifth level</a:t>
             </a:r>
             <a:endParaRPr lang="en-US" dirty="0"/>
@@ -3113,8 +4671,8 @@
         </p:nvSpPr>
         <p:spPr>
           <a:xfrm>
-            <a:off x="4648200" y="935846"/>
-            <a:ext cx="4038600" cy="5455810"/>
+            <a:off x="4737099" y="935846"/>
+            <a:ext cx="4140125" cy="5455810"/>
           </a:xfrm>
         </p:spPr>
         <p:txBody>
@@ -3151,35 +4709,35 @@
           <a:p>
             <a:pPr lvl="0"/>
             <a:r>
-              <a:rPr lang="en-US" dirty="0" smtClean="0"/>
+              <a:rPr lang="en-US" smtClean="0"/>
               <a:t>Click to edit Master text styles</a:t>
             </a:r>
           </a:p>
           <a:p>
             <a:pPr lvl="1"/>
             <a:r>
-              <a:rPr lang="en-US" dirty="0" smtClean="0"/>
+              <a:rPr lang="en-US" smtClean="0"/>
               <a:t>Second level</a:t>
             </a:r>
           </a:p>
           <a:p>
             <a:pPr lvl="2"/>
             <a:r>
-              <a:rPr lang="en-US" dirty="0" smtClean="0"/>
+              <a:rPr lang="en-US" smtClean="0"/>
               <a:t>Third level</a:t>
             </a:r>
           </a:p>
           <a:p>
             <a:pPr lvl="3"/>
             <a:r>
-              <a:rPr lang="en-US" dirty="0" smtClean="0"/>
+              <a:rPr lang="en-US" smtClean="0"/>
               <a:t>Fourth level</a:t>
             </a:r>
           </a:p>
           <a:p>
             <a:pPr lvl="4"/>
             <a:r>
-              <a:rPr lang="en-US" dirty="0" smtClean="0"/>
+              <a:rPr lang="en-US" smtClean="0"/>
               <a:t>Fifth level</a:t>
             </a:r>
             <a:endParaRPr lang="en-US" dirty="0"/>
@@ -3210,7 +4768,7 @@
           <a:p>
             <a:fld id="{BF613BD3-C5FD-9543-B738-679BF38D8C83}" type="datetime2">
               <a:rPr lang="en-US" smtClean="0"/>
-              <a:t>Tuesday, September 9, 14</a:t>
+              <a:t>Wednesday, September 10, 14</a:t>
             </a:fld>
             <a:endParaRPr lang="en-US" dirty="0"/>
           </a:p>
@@ -3335,8 +4893,8 @@
         </p:nvSpPr>
         <p:spPr>
           <a:xfrm>
-            <a:off x="457200" y="1676400"/>
-            <a:ext cx="3931920" cy="639762"/>
+            <a:off x="261865" y="914400"/>
+            <a:ext cx="4114800" cy="639762"/>
           </a:xfrm>
           <a:noFill/>
           <a:ln>
@@ -3423,8 +4981,8 @@
         </p:nvSpPr>
         <p:spPr>
           <a:xfrm>
-            <a:off x="457200" y="2438400"/>
-            <a:ext cx="3931920" cy="3951288"/>
+            <a:off x="261865" y="1714500"/>
+            <a:ext cx="4114800" cy="4675188"/>
           </a:xfrm>
         </p:spPr>
         <p:txBody>
@@ -3508,8 +5066,8 @@
         </p:nvSpPr>
         <p:spPr>
           <a:xfrm>
-            <a:off x="4754880" y="1676400"/>
-            <a:ext cx="3931920" cy="639762"/>
+            <a:off x="4737100" y="914400"/>
+            <a:ext cx="4140125" cy="639762"/>
           </a:xfrm>
           <a:noFill/>
           <a:ln>
@@ -3599,8 +5157,8 @@
         </p:nvSpPr>
         <p:spPr>
           <a:xfrm>
-            <a:off x="4754880" y="2438400"/>
-            <a:ext cx="3931920" cy="3951288"/>
+            <a:off x="4737100" y="1714500"/>
+            <a:ext cx="4140125" cy="4675188"/>
           </a:xfrm>
         </p:spPr>
         <p:txBody>
@@ -3689,7 +5247,7 @@
           <a:p>
             <a:fld id="{4B5E4F0C-9A9C-5448-99FD-D30288B385C9}" type="datetime2">
               <a:rPr lang="en-US" smtClean="0"/>
-              <a:t>Tuesday, September 9, 14</a:t>
+              <a:t>Wednesday, September 10, 14</a:t>
             </a:fld>
             <a:endParaRPr lang="en-US"/>
           </a:p>
@@ -3752,7 +5310,7 @@
 </file>
 
 <file path=ppt/slideLayouts/slideLayout7.xml><?xml version="1.0" encoding="utf-8"?>
-<p:sldLayout xmlns:a="http://schemas.openxmlformats.org/drawingml/2006/main" xmlns:r="http://schemas.openxmlformats.org/officeDocument/2006/relationships" xmlns:p="http://schemas.openxmlformats.org/presentationml/2006/main" preserve="1" userDrawn="1">
+<p:sldLayout xmlns:a="http://schemas.openxmlformats.org/drawingml/2006/main" xmlns:r="http://schemas.openxmlformats.org/officeDocument/2006/relationships" xmlns:p="http://schemas.openxmlformats.org/presentationml/2006/main" preserve="1">
   <p:cSld name="1_Two Content">
     <p:spTree>
       <p:nvGrpSpPr>
@@ -3784,7 +5342,7 @@
           <a:lstStyle/>
           <a:p>
             <a:r>
-              <a:rPr lang="en-US" dirty="0" smtClean="0"/>
+              <a:rPr lang="en-US" smtClean="0"/>
               <a:t>Click to edit Master title style</a:t>
             </a:r>
             <a:endParaRPr lang="en-US" dirty="0"/>
@@ -3803,8 +5361,8 @@
         </p:nvSpPr>
         <p:spPr>
           <a:xfrm>
-            <a:off x="457200" y="935846"/>
-            <a:ext cx="4038600" cy="3140187"/>
+            <a:off x="261866" y="935846"/>
+            <a:ext cx="4114800" cy="3140187"/>
           </a:xfrm>
         </p:spPr>
         <p:txBody>
@@ -3841,35 +5399,35 @@
           <a:p>
             <a:pPr lvl="0"/>
             <a:r>
-              <a:rPr lang="en-US" dirty="0" smtClean="0"/>
+              <a:rPr lang="en-US" smtClean="0"/>
               <a:t>Click to edit Master text styles</a:t>
             </a:r>
           </a:p>
           <a:p>
             <a:pPr lvl="1"/>
             <a:r>
-              <a:rPr lang="en-US" dirty="0" smtClean="0"/>
+              <a:rPr lang="en-US" smtClean="0"/>
               <a:t>Second level</a:t>
             </a:r>
           </a:p>
           <a:p>
             <a:pPr lvl="2"/>
             <a:r>
-              <a:rPr lang="en-US" dirty="0" smtClean="0"/>
+              <a:rPr lang="en-US" smtClean="0"/>
               <a:t>Third level</a:t>
             </a:r>
           </a:p>
           <a:p>
             <a:pPr lvl="3"/>
             <a:r>
-              <a:rPr lang="en-US" dirty="0" smtClean="0"/>
+              <a:rPr lang="en-US" smtClean="0"/>
               <a:t>Fourth level</a:t>
             </a:r>
           </a:p>
           <a:p>
             <a:pPr lvl="4"/>
             <a:r>
-              <a:rPr lang="en-US" dirty="0" smtClean="0"/>
+              <a:rPr lang="en-US" smtClean="0"/>
               <a:t>Fifth level</a:t>
             </a:r>
             <a:endParaRPr lang="en-US" dirty="0"/>
@@ -3888,8 +5446,8 @@
         </p:nvSpPr>
         <p:spPr>
           <a:xfrm>
-            <a:off x="4648200" y="935846"/>
-            <a:ext cx="4038600" cy="3140187"/>
+            <a:off x="4737100" y="935846"/>
+            <a:ext cx="4140124" cy="3140187"/>
           </a:xfrm>
         </p:spPr>
         <p:txBody>
@@ -3926,35 +5484,35 @@
           <a:p>
             <a:pPr lvl="0"/>
             <a:r>
-              <a:rPr lang="en-US" dirty="0" smtClean="0"/>
+              <a:rPr lang="en-US" smtClean="0"/>
               <a:t>Click to edit Master text styles</a:t>
             </a:r>
           </a:p>
           <a:p>
             <a:pPr lvl="1"/>
             <a:r>
-              <a:rPr lang="en-US" dirty="0" smtClean="0"/>
+              <a:rPr lang="en-US" smtClean="0"/>
               <a:t>Second level</a:t>
             </a:r>
           </a:p>
           <a:p>
             <a:pPr lvl="2"/>
             <a:r>
-              <a:rPr lang="en-US" dirty="0" smtClean="0"/>
+              <a:rPr lang="en-US" smtClean="0"/>
               <a:t>Third level</a:t>
             </a:r>
           </a:p>
           <a:p>
             <a:pPr lvl="3"/>
             <a:r>
-              <a:rPr lang="en-US" dirty="0" smtClean="0"/>
+              <a:rPr lang="en-US" smtClean="0"/>
               <a:t>Fourth level</a:t>
             </a:r>
           </a:p>
           <a:p>
             <a:pPr lvl="4"/>
             <a:r>
-              <a:rPr lang="en-US" dirty="0" smtClean="0"/>
+              <a:rPr lang="en-US" smtClean="0"/>
               <a:t>Fifth level</a:t>
             </a:r>
             <a:endParaRPr lang="en-US" dirty="0"/>
@@ -3985,7 +5543,7 @@
           <a:p>
             <a:fld id="{30545249-FD76-6844-B252-CAB05FC2DAA8}" type="datetime2">
               <a:rPr lang="en-US" smtClean="0"/>
-              <a:t>Tuesday, September 9, 14</a:t>
+              <a:t>Wednesday, September 10, 14</a:t>
             </a:fld>
             <a:endParaRPr lang="en-US" dirty="0"/>
           </a:p>
@@ -4058,8 +5616,8 @@
         </p:nvSpPr>
         <p:spPr>
           <a:xfrm>
-            <a:off x="457200" y="4829213"/>
-            <a:ext cx="8229600" cy="1550950"/>
+            <a:off x="261865" y="4829213"/>
+            <a:ext cx="8615360" cy="1550950"/>
           </a:xfrm>
           <a:solidFill>
             <a:schemeClr val="tx2">
@@ -4079,35 +5637,35 @@
           <a:p>
             <a:pPr lvl="0"/>
             <a:r>
-              <a:rPr lang="en-US" dirty="0" smtClean="0"/>
+              <a:rPr lang="en-US" smtClean="0"/>
               <a:t>Click to edit Master text styles</a:t>
             </a:r>
           </a:p>
           <a:p>
             <a:pPr lvl="1"/>
             <a:r>
-              <a:rPr lang="en-US" dirty="0" smtClean="0"/>
+              <a:rPr lang="en-US" smtClean="0"/>
               <a:t>Second level</a:t>
             </a:r>
           </a:p>
           <a:p>
             <a:pPr lvl="2"/>
             <a:r>
-              <a:rPr lang="en-US" dirty="0" smtClean="0"/>
+              <a:rPr lang="en-US" smtClean="0"/>
               <a:t>Third level</a:t>
             </a:r>
           </a:p>
           <a:p>
             <a:pPr lvl="3"/>
             <a:r>
-              <a:rPr lang="en-US" dirty="0" smtClean="0"/>
+              <a:rPr lang="en-US" smtClean="0"/>
               <a:t>Fourth level</a:t>
             </a:r>
           </a:p>
           <a:p>
             <a:pPr lvl="4"/>
             <a:r>
-              <a:rPr lang="en-US" dirty="0" smtClean="0"/>
+              <a:rPr lang="en-US" smtClean="0"/>
               <a:t>Fifth level</a:t>
             </a:r>
             <a:endParaRPr lang="en-US" dirty="0"/>
@@ -4126,8 +5684,8 @@
         </p:nvSpPr>
         <p:spPr>
           <a:xfrm>
-            <a:off x="457200" y="4238625"/>
-            <a:ext cx="8229600" cy="590550"/>
+            <a:off x="261865" y="4238625"/>
+            <a:ext cx="8615359" cy="590550"/>
           </a:xfrm>
           <a:solidFill>
             <a:schemeClr val="tx2">
@@ -4152,10 +5710,9 @@
           <a:p>
             <a:pPr lvl="0"/>
             <a:r>
-              <a:rPr lang="en-US" dirty="0" smtClean="0"/>
+              <a:rPr lang="en-US" smtClean="0"/>
               <a:t>Click to edit Master text styles</a:t>
             </a:r>
-            <a:endParaRPr lang="en-US" dirty="0"/>
           </a:p>
         </p:txBody>
       </p:sp>
@@ -4229,7 +5786,7 @@
           <a:p>
             <a:fld id="{CC859171-EEDD-0B48-A5C0-E7218AE20EA7}" type="datetime2">
               <a:rPr lang="en-US" smtClean="0"/>
-              <a:t>Tuesday, September 9, 14</a:t>
+              <a:t>Wednesday, September 10, 14</a:t>
             </a:fld>
             <a:endParaRPr lang="en-US"/>
           </a:p>
@@ -4325,7 +5882,7 @@
           <a:p>
             <a:fld id="{C32F9216-0342-7440-9504-BD6C1382BF27}" type="datetime2">
               <a:rPr lang="en-US" smtClean="0"/>
-              <a:t>Tuesday, September 9, 14</a:t>
+              <a:t>Wednesday, September 10, 14</a:t>
             </a:fld>
             <a:endParaRPr lang="en-US"/>
           </a:p>
@@ -4417,7 +5974,7 @@
         </p:nvSpPr>
         <p:spPr>
           <a:xfrm>
-            <a:off x="0" y="6506351"/>
+            <a:off x="0" y="6469775"/>
             <a:ext cx="9144000" cy="365760"/>
           </a:xfrm>
           <a:prstGeom prst="rect">
@@ -4462,18 +6019,62 @@
       </p:sp>
       <p:sp>
         <p:nvSpPr>
-          <p:cNvPr id="2" name="Title Placeholder 1"/>
-          <p:cNvSpPr>
-            <a:spLocks noGrp="1"/>
-          </p:cNvSpPr>
-          <p:nvPr>
-            <p:ph type="title"/>
+          <p:cNvPr id="5" name="Footer Placeholder 4"/>
+          <p:cNvSpPr>
+            <a:spLocks noGrp="1"/>
+          </p:cNvSpPr>
+          <p:nvPr>
+            <p:ph type="ftr" sz="quarter" idx="3"/>
           </p:nvPr>
         </p:nvSpPr>
         <p:spPr>
           <a:xfrm>
-            <a:off x="0" y="0"/>
-            <a:ext cx="9144000" cy="678666"/>
+            <a:off x="261865" y="6501045"/>
+            <a:ext cx="4114800" cy="329184"/>
+          </a:xfrm>
+          <a:prstGeom prst="rect">
+            <a:avLst/>
+          </a:prstGeom>
+          <a:solidFill>
+            <a:srgbClr val="A53926"/>
+          </a:solidFill>
+        </p:spPr>
+        <p:txBody>
+          <a:bodyPr vert="horz" lIns="91440" tIns="45720" rIns="91440" bIns="45720" rtlCol="0" anchor="ctr"/>
+          <a:lstStyle>
+            <a:lvl1pPr algn="ctr">
+              <a:defRPr sz="1200" b="1">
+                <a:solidFill>
+                  <a:srgbClr val="FFFFFF"/>
+                </a:solidFill>
+                <a:latin typeface="Times New Roman"/>
+                <a:cs typeface="Times New Roman"/>
+              </a:defRPr>
+            </a:lvl1pPr>
+          </a:lstStyle>
+          <a:p>
+            <a:r>
+              <a:rPr lang="en-US" smtClean="0"/>
+              <a:t>Sanjay Kalé and PPL (UIUC) – Parallel Migratable Objects </a:t>
+            </a:r>
+            <a:endParaRPr lang="en-US" dirty="0"/>
+          </a:p>
+        </p:txBody>
+      </p:sp>
+      <p:sp>
+        <p:nvSpPr>
+          <p:cNvPr id="2" name="Title Placeholder 1"/>
+          <p:cNvSpPr>
+            <a:spLocks noGrp="1"/>
+          </p:cNvSpPr>
+          <p:nvPr>
+            <p:ph type="title"/>
+          </p:nvPr>
+        </p:nvSpPr>
+        <p:spPr>
+          <a:xfrm>
+            <a:off x="0" y="-1"/>
+            <a:ext cx="9144000" cy="741859"/>
           </a:xfrm>
           <a:prstGeom prst="rect">
             <a:avLst/>
@@ -4492,7 +6093,7 @@
           <a:lstStyle/>
           <a:p>
             <a:r>
-              <a:rPr lang="en-US" dirty="0" smtClean="0"/>
+              <a:rPr lang="en-US" smtClean="0"/>
               <a:t>Click to edit Master title style</a:t>
             </a:r>
             <a:endParaRPr lang="en-US" dirty="0"/>
@@ -4511,50 +6112,50 @@
         </p:nvSpPr>
         <p:spPr>
           <a:xfrm>
-            <a:off x="457200" y="1143000"/>
-            <a:ext cx="8229600" cy="5235222"/>
+            <a:off x="261865" y="942770"/>
+            <a:ext cx="8615360" cy="5435452"/>
           </a:xfrm>
           <a:prstGeom prst="rect">
             <a:avLst/>
           </a:prstGeom>
         </p:spPr>
         <p:txBody>
-          <a:bodyPr vert="horz" lIns="91440" tIns="45720" rIns="91440" bIns="45720" rtlCol="0">
+          <a:bodyPr vert="horz" lIns="91440" tIns="45720" rIns="91440" bIns="45720" rtlCol="0" anchor="ctr">
             <a:normAutofit/>
           </a:bodyPr>
           <a:lstStyle/>
           <a:p>
             <a:pPr lvl="0"/>
             <a:r>
-              <a:rPr lang="en-US" dirty="0" smtClean="0"/>
+              <a:rPr lang="en-US" smtClean="0"/>
               <a:t>Click to edit Master text styles</a:t>
             </a:r>
           </a:p>
           <a:p>
             <a:pPr lvl="1"/>
             <a:r>
-              <a:rPr lang="en-US" dirty="0" smtClean="0"/>
+              <a:rPr lang="en-US" smtClean="0"/>
               <a:t>Second level</a:t>
             </a:r>
           </a:p>
           <a:p>
             <a:pPr lvl="2"/>
             <a:r>
-              <a:rPr lang="en-US" dirty="0" smtClean="0"/>
+              <a:rPr lang="en-US" smtClean="0"/>
               <a:t>Third level</a:t>
             </a:r>
           </a:p>
           <a:p>
             <a:pPr lvl="3"/>
             <a:r>
-              <a:rPr lang="en-US" dirty="0" smtClean="0"/>
+              <a:rPr lang="en-US" smtClean="0"/>
               <a:t>Fourth level</a:t>
             </a:r>
           </a:p>
           <a:p>
             <a:pPr lvl="4"/>
             <a:r>
-              <a:rPr lang="en-US" dirty="0" smtClean="0"/>
+              <a:rPr lang="en-US" smtClean="0"/>
               <a:t>Fifth level</a:t>
             </a:r>
             <a:endParaRPr lang="en-US" dirty="0"/>
@@ -4573,8 +6174,8 @@
         </p:nvSpPr>
         <p:spPr>
           <a:xfrm>
-            <a:off x="457200" y="6506351"/>
-            <a:ext cx="2895600" cy="329184"/>
+            <a:off x="4737100" y="6501045"/>
+            <a:ext cx="2726982" cy="329184"/>
           </a:xfrm>
           <a:prstGeom prst="rect">
             <a:avLst/>
@@ -4596,7 +6197,7 @@
           <a:p>
             <a:fld id="{D36DC8F2-AD63-E841-8C23-5DC3A41041BE}" type="datetime2">
               <a:rPr lang="en-US" smtClean="0"/>
-              <a:t>Tuesday, September 9, 14</a:t>
+              <a:t>Wednesday, September 10, 14</a:t>
             </a:fld>
             <a:endParaRPr lang="en-US" dirty="0"/>
           </a:p>
@@ -4604,62 +6205,18 @@
       </p:sp>
       <p:sp>
         <p:nvSpPr>
-          <p:cNvPr id="5" name="Footer Placeholder 4"/>
-          <p:cNvSpPr>
-            <a:spLocks noGrp="1"/>
-          </p:cNvSpPr>
-          <p:nvPr>
-            <p:ph type="ftr" sz="quarter" idx="3"/>
+          <p:cNvPr id="6" name="Slide Number Placeholder 5"/>
+          <p:cNvSpPr>
+            <a:spLocks noGrp="1"/>
+          </p:cNvSpPr>
+          <p:nvPr>
+            <p:ph type="sldNum" sz="quarter" idx="4"/>
           </p:nvPr>
         </p:nvSpPr>
         <p:spPr>
           <a:xfrm>
-            <a:off x="3429000" y="6501045"/>
-            <a:ext cx="4114800" cy="329184"/>
-          </a:xfrm>
-          <a:prstGeom prst="rect">
-            <a:avLst/>
-          </a:prstGeom>
-          <a:solidFill>
-            <a:srgbClr val="A53926"/>
-          </a:solidFill>
-        </p:spPr>
-        <p:txBody>
-          <a:bodyPr vert="horz" lIns="91440" tIns="45720" rIns="91440" bIns="45720" rtlCol="0" anchor="ctr"/>
-          <a:lstStyle>
-            <a:lvl1pPr algn="ctr">
-              <a:defRPr sz="1200" b="1">
-                <a:solidFill>
-                  <a:srgbClr val="FFFFFF"/>
-                </a:solidFill>
-                <a:latin typeface="Times New Roman"/>
-                <a:cs typeface="Times New Roman"/>
-              </a:defRPr>
-            </a:lvl1pPr>
-          </a:lstStyle>
-          <a:p>
-            <a:r>
-              <a:rPr lang="en-US" smtClean="0"/>
-              <a:t>Sanjay Kalé and PPL (UIUC) – Parallel Migratable Objects </a:t>
-            </a:r>
-            <a:endParaRPr lang="en-US" dirty="0"/>
-          </a:p>
-        </p:txBody>
-      </p:sp>
-      <p:sp>
-        <p:nvSpPr>
-          <p:cNvPr id="6" name="Slide Number Placeholder 5"/>
-          <p:cNvSpPr>
-            <a:spLocks noGrp="1"/>
-          </p:cNvSpPr>
-          <p:nvPr>
-            <p:ph type="sldNum" sz="quarter" idx="4"/>
-          </p:nvPr>
-        </p:nvSpPr>
-        <p:spPr>
-          <a:xfrm>
-            <a:off x="7620000" y="6506351"/>
-            <a:ext cx="1066800" cy="329184"/>
+            <a:off x="7646459" y="6506351"/>
+            <a:ext cx="1230766" cy="329184"/>
           </a:xfrm>
           <a:prstGeom prst="rect">
             <a:avLst/>
@@ -4692,19 +6249,22 @@
   </p:cSld>
   <p:clrMap bg1="lt1" tx1="dk1" bg2="lt2" tx2="dk2" accent1="accent1" accent2="accent2" accent3="accent3" accent4="accent4" accent5="accent5" accent6="accent6" hlink="hlink" folHlink="folHlink"/>
   <p:sldLayoutIdLst>
-    <p:sldLayoutId id="2147483961" r:id="rId1"/>
-    <p:sldLayoutId id="2147483962" r:id="rId2"/>
-    <p:sldLayoutId id="2147483973" r:id="rId3"/>
-    <p:sldLayoutId id="2147483963" r:id="rId4"/>
-    <p:sldLayoutId id="2147483964" r:id="rId5"/>
-    <p:sldLayoutId id="2147483965" r:id="rId6"/>
-    <p:sldLayoutId id="2147483972" r:id="rId7"/>
-    <p:sldLayoutId id="2147483966" r:id="rId8"/>
-    <p:sldLayoutId id="2147483967" r:id="rId9"/>
-    <p:sldLayoutId id="2147483968" r:id="rId10"/>
-    <p:sldLayoutId id="2147483969" r:id="rId11"/>
-    <p:sldLayoutId id="2147483970" r:id="rId12"/>
-    <p:sldLayoutId id="2147483971" r:id="rId13"/>
+    <p:sldLayoutId id="2147483975" r:id="rId1"/>
+    <p:sldLayoutId id="2147483976" r:id="rId2"/>
+    <p:sldLayoutId id="2147483977" r:id="rId3"/>
+    <p:sldLayoutId id="2147483978" r:id="rId4"/>
+    <p:sldLayoutId id="2147483979" r:id="rId5"/>
+    <p:sldLayoutId id="2147483980" r:id="rId6"/>
+    <p:sldLayoutId id="2147483981" r:id="rId7"/>
+    <p:sldLayoutId id="2147483982" r:id="rId8"/>
+    <p:sldLayoutId id="2147483983" r:id="rId9"/>
+    <p:sldLayoutId id="2147483984" r:id="rId10"/>
+    <p:sldLayoutId id="2147483985" r:id="rId11"/>
+    <p:sldLayoutId id="2147483986" r:id="rId12"/>
+    <p:sldLayoutId id="2147483987" r:id="rId13"/>
+    <p:sldLayoutId id="2147483961" r:id="rId14"/>
+    <p:sldLayoutId id="2147483973" r:id="rId15"/>
+    <p:sldLayoutId id="2147483972" r:id="rId16"/>
   </p:sldLayoutIdLst>
   <p:hf hdr="0"/>
   <p:txStyles>
@@ -5021,7 +6581,7 @@
         <p:spPr/>
         <p:txBody>
           <a:bodyPr>
-            <a:normAutofit fontScale="90000"/>
+            <a:normAutofit/>
           </a:bodyPr>
           <a:lstStyle/>
           <a:p>
@@ -5315,7 +6875,7 @@
           <a:p>
             <a:fld id="{7DCE861A-EA6B-EA43-8AA5-DB216DBB40BC}" type="datetime2">
               <a:rPr lang="en-US" smtClean="0"/>
-              <a:t>Tuesday, September 9, 14</a:t>
+              <a:t>Wednesday, September 10, 14</a:t>
             </a:fld>
             <a:endParaRPr lang="en-US"/>
           </a:p>
@@ -5494,17 +7054,84 @@
         <p:spPr/>
         <p:txBody>
           <a:bodyPr>
-            <a:normAutofit fontScale="90000"/>
+            <a:normAutofit/>
           </a:bodyPr>
           <a:lstStyle/>
           <a:p>
             <a:r>
-              <a:rPr lang="en-US" dirty="0" err="1" smtClean="0"/>
-              <a:t>Quiesence</a:t>
-            </a:r>
-            <a:r>
-              <a:rPr lang="en-US" dirty="0" smtClean="0"/>
-              <a:t> Detection</a:t>
+              <a:rPr lang="en-US" dirty="0"/>
+              <a:t>Shared Memory Optimizations</a:t>
+            </a:r>
+          </a:p>
+        </p:txBody>
+      </p:sp>
+      <p:sp>
+        <p:nvSpPr>
+          <p:cNvPr id="3" name="Content Placeholder 2"/>
+          <p:cNvSpPr>
+            <a:spLocks noGrp="1"/>
+          </p:cNvSpPr>
+          <p:nvPr>
+            <p:ph idx="1"/>
+          </p:nvPr>
+        </p:nvSpPr>
+        <p:spPr/>
+        <p:txBody>
+          <a:bodyPr anchor="ctr"/>
+          <a:lstStyle/>
+          <a:p>
+            <a:r>
+              <a:rPr lang="en-US" dirty="0"/>
+              <a:t>Objects’ memory </a:t>
+            </a:r>
+            <a:r>
+              <a:rPr lang="en-US" dirty="0" smtClean="0"/>
+              <a:t>buffers </a:t>
+            </a:r>
+            <a:r>
+              <a:rPr lang="en-US" dirty="0"/>
+              <a:t>disjoint</a:t>
+            </a:r>
+          </a:p>
+          <a:p>
+            <a:r>
+              <a:rPr lang="en-US" dirty="0"/>
+              <a:t>Communication will leverage </a:t>
+            </a:r>
+            <a:r>
+              <a:rPr lang="en-US" dirty="0" err="1"/>
+              <a:t>refcounted</a:t>
+            </a:r>
+            <a:r>
+              <a:rPr lang="en-US" dirty="0"/>
+              <a:t> message pointers to avoid copying</a:t>
+            </a:r>
+          </a:p>
+          <a:p>
+            <a:r>
+              <a:rPr lang="en-US" dirty="0"/>
+              <a:t>Avoids packing/unpacking within node</a:t>
+            </a:r>
+          </a:p>
+          <a:p>
+            <a:r>
+              <a:rPr lang="en-US" dirty="0"/>
+              <a:t>Single copy of node level read only structures </a:t>
+            </a:r>
+            <a:endParaRPr lang="en-US" dirty="0" smtClean="0"/>
+          </a:p>
+          <a:p>
+            <a:r>
+              <a:rPr lang="en-US" dirty="0" smtClean="0"/>
+              <a:t>Dedicated </a:t>
+            </a:r>
+            <a:r>
+              <a:rPr lang="en-US" dirty="0"/>
+              <a:t>thread for intra-node </a:t>
+            </a:r>
+            <a:r>
+              <a:rPr lang="en-US" dirty="0" smtClean="0"/>
+              <a:t>communication</a:t>
             </a:r>
             <a:endParaRPr lang="en-US" dirty="0"/>
           </a:p>
@@ -5512,148 +7139,6 @@
       </p:sp>
       <p:sp>
         <p:nvSpPr>
-          <p:cNvPr id="3" name="Content Placeholder 2"/>
-          <p:cNvSpPr>
-            <a:spLocks noGrp="1"/>
-          </p:cNvSpPr>
-          <p:nvPr>
-            <p:ph idx="1"/>
-          </p:nvPr>
-        </p:nvSpPr>
-        <p:spPr/>
-        <p:txBody>
-          <a:bodyPr/>
-          <a:lstStyle/>
-          <a:p>
-            <a:r>
-              <a:rPr lang="en-US" dirty="0"/>
-              <a:t>What if determining global termination of an application is </a:t>
-            </a:r>
-            <a:r>
-              <a:rPr lang="en-US" dirty="0" smtClean="0"/>
-              <a:t>difficult</a:t>
-            </a:r>
-            <a:r>
-              <a:rPr lang="en-US" dirty="0"/>
-              <a:t>? </a:t>
-            </a:r>
-          </a:p>
-          <a:p>
-            <a:r>
-              <a:rPr lang="en-US" dirty="0"/>
-              <a:t>Mechanism to detect completion - </a:t>
-            </a:r>
-            <a:r>
-              <a:rPr lang="en-US" dirty="0" err="1"/>
-              <a:t>Quiesence</a:t>
-            </a:r>
-            <a:r>
-              <a:rPr lang="en-US" dirty="0"/>
-              <a:t>! </a:t>
-            </a:r>
-          </a:p>
-          <a:p>
-            <a:r>
-              <a:rPr lang="en-US" dirty="0"/>
-              <a:t>From any </a:t>
-            </a:r>
-            <a:r>
-              <a:rPr lang="en-US" dirty="0" err="1"/>
-              <a:t>chare</a:t>
-            </a:r>
-            <a:r>
-              <a:rPr lang="en-US" dirty="0"/>
-              <a:t>, invoke </a:t>
-            </a:r>
-          </a:p>
-          <a:p>
-            <a:pPr marL="223838" indent="0">
-              <a:buNone/>
-            </a:pPr>
-            <a:r>
-              <a:rPr lang="en-US" i="1" dirty="0" err="1"/>
-              <a:t>CkStartQD</a:t>
-            </a:r>
-            <a:r>
-              <a:rPr lang="en-US" i="1" dirty="0"/>
-              <a:t>(</a:t>
-            </a:r>
-            <a:r>
-              <a:rPr lang="en-US" i="1" dirty="0" err="1"/>
-              <a:t>CkCallback</a:t>
-            </a:r>
-            <a:r>
-              <a:rPr lang="en-US" i="1" dirty="0"/>
-              <a:t>(</a:t>
-            </a:r>
-            <a:r>
-              <a:rPr lang="en-US" i="1" dirty="0" err="1" smtClean="0"/>
-              <a:t>CkIndex_Main</a:t>
-            </a:r>
-            <a:r>
-              <a:rPr lang="en-US" i="1" dirty="0"/>
-              <a:t>::finished(), </a:t>
-            </a:r>
-            <a:r>
-              <a:rPr lang="en-US" i="1" dirty="0" err="1"/>
-              <a:t>mainProxy</a:t>
-            </a:r>
-            <a:r>
-              <a:rPr lang="en-US" i="1" dirty="0"/>
-              <a:t>)); </a:t>
-            </a:r>
-            <a:endParaRPr lang="en-US" i="1" dirty="0" smtClean="0"/>
-          </a:p>
-          <a:p>
-            <a:r>
-              <a:rPr lang="en-US" dirty="0" smtClean="0"/>
-              <a:t>Runs </a:t>
-            </a:r>
-            <a:r>
-              <a:rPr lang="en-US" dirty="0"/>
-              <a:t>in background, waits for all outstanding messages to </a:t>
-            </a:r>
-            <a:r>
-              <a:rPr lang="en-US" dirty="0" smtClean="0"/>
-              <a:t>be consumed.</a:t>
-            </a:r>
-          </a:p>
-          <a:p>
-            <a:r>
-              <a:rPr lang="en-US" dirty="0" smtClean="0"/>
-              <a:t>Invokes </a:t>
-            </a:r>
-            <a:r>
-              <a:rPr lang="en-US" dirty="0"/>
-              <a:t>the callback </a:t>
-            </a:r>
-            <a:r>
-              <a:rPr lang="en-US" dirty="0">
-                <a:latin typeface="+mn-lt"/>
-                <a:cs typeface="Lucida Console"/>
-              </a:rPr>
-              <a:t>when</a:t>
-            </a:r>
-            <a:r>
-              <a:rPr lang="en-US" dirty="0"/>
-              <a:t> </a:t>
-            </a:r>
-            <a:r>
-              <a:rPr lang="en-US" dirty="0" err="1"/>
-              <a:t>quiesence</a:t>
-            </a:r>
-            <a:r>
-              <a:rPr lang="en-US" dirty="0"/>
-              <a:t> is detected. </a:t>
-            </a:r>
-            <a:endParaRPr lang="en-US" dirty="0">
-              <a:effectLst/>
-            </a:endParaRPr>
-          </a:p>
-        </p:txBody>
-      </p:sp>
-      <p:sp>
-        <p:nvSpPr>
           <p:cNvPr id="4" name="Date Placeholder 3"/>
           <p:cNvSpPr>
             <a:spLocks noGrp="1"/>
@@ -5669,7 +7154,7 @@
           <a:p>
             <a:fld id="{34621E95-60A9-FF44-9869-513D9D7A859F}" type="datetime2">
               <a:rPr lang="en-US" smtClean="0"/>
-              <a:t>Tuesday, September 9, 14</a:t>
+              <a:t>Wednesday, September 10, 14</a:t>
             </a:fld>
             <a:endParaRPr lang="en-US"/>
           </a:p>
@@ -5726,7 +7211,7 @@
     </p:spTree>
     <p:extLst>
       <p:ext uri="{BB962C8B-B14F-4D97-AF65-F5344CB8AC3E}">
-        <p14:creationId xmlns:p14="http://schemas.microsoft.com/office/powerpoint/2010/main" val="1607325296"/>
+        <p14:creationId xmlns:p14="http://schemas.microsoft.com/office/powerpoint/2010/main" val="2166900457"/>
       </p:ext>
     </p:extLst>
   </p:cSld>
@@ -5773,13 +7258,13 @@
         <p:spPr/>
         <p:txBody>
           <a:bodyPr>
-            <a:normAutofit fontScale="90000"/>
+            <a:normAutofit/>
           </a:bodyPr>
           <a:lstStyle/>
           <a:p>
             <a:r>
               <a:rPr lang="en-US" dirty="0"/>
-              <a:t>Shared Memory Optimizations</a:t>
+              <a:t>Controlling Placement</a:t>
             </a:r>
           </a:p>
         </p:txBody>
@@ -5796,64 +7281,74 @@
         </p:nvSpPr>
         <p:spPr/>
         <p:txBody>
-          <a:bodyPr anchor="ctr"/>
-          <a:lstStyle/>
-          <a:p>
-            <a:r>
-              <a:rPr lang="en-US" dirty="0"/>
-              <a:t>Objects’ memory </a:t>
-            </a:r>
-            <a:r>
-              <a:rPr lang="en-US" dirty="0" smtClean="0"/>
-              <a:t>buffers </a:t>
-            </a:r>
-            <a:r>
-              <a:rPr lang="en-US" dirty="0"/>
-              <a:t>disjoint</a:t>
-            </a:r>
-          </a:p>
-          <a:p>
-            <a:r>
-              <a:rPr lang="en-US" dirty="0"/>
-              <a:t>Communication will leverage </a:t>
+          <a:bodyPr/>
+          <a:lstStyle/>
+          <a:p>
+            <a:r>
+              <a:rPr lang="en-US" dirty="0"/>
+              <a:t>In some applications, load patterns </a:t>
+            </a:r>
+            <a:r>
+              <a:rPr lang="en-US" dirty="0" smtClean="0"/>
+              <a:t>don’t </a:t>
+            </a:r>
+            <a:r>
+              <a:rPr lang="en-US" dirty="0"/>
+              <a:t>change much as computation progresses</a:t>
+            </a:r>
+          </a:p>
+          <a:p>
+            <a:pPr lvl="1"/>
+            <a:r>
+              <a:rPr lang="en-US" dirty="0" smtClean="0"/>
+              <a:t>You</a:t>
+            </a:r>
+            <a:r>
+              <a:rPr lang="en-US" dirty="0"/>
+              <a:t>, the programmer, may want to control which </a:t>
             </a:r>
             <a:r>
               <a:rPr lang="en-US" dirty="0" err="1"/>
-              <a:t>refcounted</a:t>
-            </a:r>
-            <a:r>
-              <a:rPr lang="en-US" dirty="0"/>
-              <a:t> message pointers to avoid copying</a:t>
-            </a:r>
-          </a:p>
-          <a:p>
-            <a:r>
-              <a:rPr lang="en-US" dirty="0"/>
-              <a:t>Avoids packing/unpacking within node</a:t>
-            </a:r>
-          </a:p>
-          <a:p>
-            <a:r>
-              <a:rPr lang="en-US" dirty="0"/>
-              <a:t>Single copy of node level read only structures </a:t>
-            </a:r>
-            <a:endParaRPr lang="en-US" dirty="0" smtClean="0"/>
-          </a:p>
-          <a:p>
-            <a:r>
-              <a:rPr lang="en-US" dirty="0" smtClean="0"/>
-              <a:t>Dedicated </a:t>
-            </a:r>
-            <a:r>
-              <a:rPr lang="en-US" dirty="0"/>
-              <a:t>thread for intra-node </a:t>
-            </a:r>
-            <a:r>
-              <a:rPr lang="en-US" dirty="0" smtClean="0"/>
-              <a:t>communication</a:t>
+              <a:t>chare</a:t>
+            </a:r>
+            <a:r>
+              <a:rPr lang="en-US" dirty="0"/>
+              <a:t> lives on which processors</a:t>
+            </a:r>
+          </a:p>
+          <a:p>
+            <a:pPr lvl="1"/>
+            <a:r>
+              <a:rPr lang="en-US" dirty="0" smtClean="0"/>
+              <a:t>This </a:t>
+            </a:r>
+            <a:r>
+              <a:rPr lang="en-US" dirty="0"/>
+              <a:t>is also true when load may evolve over time, but you want to control initial placement of </a:t>
+            </a:r>
+            <a:r>
+              <a:rPr lang="en-US" dirty="0" err="1"/>
+              <a:t>chares</a:t>
             </a:r>
             <a:endParaRPr lang="en-US" dirty="0"/>
           </a:p>
+          <a:p>
+            <a:r>
+              <a:rPr lang="en-US" dirty="0"/>
+              <a:t>The feature in Charm++ for this purpose is called Map Objects</a:t>
+            </a:r>
+          </a:p>
+          <a:p>
+            <a:pPr lvl="1"/>
+            <a:r>
+              <a:rPr lang="en-US" dirty="0" smtClean="0"/>
+              <a:t>Sec</a:t>
+            </a:r>
+            <a:r>
+              <a:rPr lang="en-US" dirty="0"/>
+              <a:t>. 13.2.2 of the Charm++ manual</a:t>
+            </a:r>
+          </a:p>
         </p:txBody>
       </p:sp>
       <p:sp>
@@ -5873,7 +7368,7 @@
           <a:p>
             <a:fld id="{34621E95-60A9-FF44-9869-513D9D7A859F}" type="datetime2">
               <a:rPr lang="en-US" smtClean="0"/>
-              <a:t>Tuesday, September 9, 14</a:t>
+              <a:t>Wednesday, September 10, 14</a:t>
             </a:fld>
             <a:endParaRPr lang="en-US"/>
           </a:p>
@@ -5930,20 +7425,13 @@
     </p:spTree>
     <p:extLst>
       <p:ext uri="{BB962C8B-B14F-4D97-AF65-F5344CB8AC3E}">
-        <p14:creationId xmlns:p14="http://schemas.microsoft.com/office/powerpoint/2010/main" val="2166900457"/>
+        <p14:creationId xmlns:p14="http://schemas.microsoft.com/office/powerpoint/2010/main" val="3288311627"/>
       </p:ext>
     </p:extLst>
   </p:cSld>
   <p:clrMapOvr>
     <a:masterClrMapping/>
   </p:clrMapOvr>
-  <p:timing>
-    <p:tnLst>
-      <p:par>
-        <p:cTn xmlns:p14="http://schemas.microsoft.com/office/powerpoint/2010/main" id="1" dur="indefinite" restart="never" nodeType="tmRoot"/>
-      </p:par>
-    </p:tnLst>
-  </p:timing>
 </p:sld>
 </file>
 
@@ -5977,14 +7465,15 @@
         <p:spPr/>
         <p:txBody>
           <a:bodyPr>
-            <a:normAutofit fontScale="90000"/>
+            <a:normAutofit/>
           </a:bodyPr>
           <a:lstStyle/>
           <a:p>
             <a:r>
-              <a:rPr lang="en-US" dirty="0"/>
-              <a:t>Controlling Placement</a:t>
-            </a:r>
+              <a:rPr lang="en-US" dirty="0" smtClean="0"/>
+              <a:t>Messages</a:t>
+            </a:r>
+            <a:endParaRPr lang="en-US" dirty="0"/>
           </a:p>
         </p:txBody>
       </p:sp>
@@ -6005,67 +7494,43 @@
           <a:p>
             <a:r>
               <a:rPr lang="en-US" dirty="0"/>
-              <a:t>In some applications, load patterns </a:t>
-            </a:r>
-            <a:r>
-              <a:rPr lang="en-US" dirty="0" smtClean="0"/>
-              <a:t>don’t </a:t>
-            </a:r>
-            <a:r>
-              <a:rPr lang="en-US" dirty="0"/>
-              <a:t>change much as computation progresses</a:t>
-            </a:r>
-          </a:p>
-          <a:p>
-            <a:pPr lvl="1"/>
-            <a:r>
-              <a:rPr lang="en-US" dirty="0" smtClean="0"/>
-              <a:t>You</a:t>
-            </a:r>
-            <a:r>
-              <a:rPr lang="en-US" dirty="0"/>
-              <a:t>, the programmer, may want to control which </a:t>
-            </a:r>
-            <a:r>
-              <a:rPr lang="en-US" dirty="0" err="1"/>
-              <a:t>chare</a:t>
-            </a:r>
-            <a:r>
-              <a:rPr lang="en-US" dirty="0"/>
-              <a:t> lives on which processors</a:t>
-            </a:r>
-          </a:p>
-          <a:p>
-            <a:pPr lvl="1"/>
-            <a:r>
-              <a:rPr lang="en-US" dirty="0" smtClean="0"/>
-              <a:t>This </a:t>
-            </a:r>
-            <a:r>
-              <a:rPr lang="en-US" dirty="0"/>
-              <a:t>is also true when load may evolve over time, but you want to control initial placement of </a:t>
-            </a:r>
-            <a:r>
-              <a:rPr lang="en-US" dirty="0" err="1"/>
-              <a:t>chares</a:t>
-            </a:r>
-            <a:endParaRPr lang="en-US" dirty="0"/>
-          </a:p>
-          <a:p>
-            <a:r>
-              <a:rPr lang="en-US" dirty="0"/>
-              <a:t>The feature in Charm++ for this purpose is called Map Objects</a:t>
-            </a:r>
-          </a:p>
-          <a:p>
-            <a:pPr lvl="1"/>
-            <a:r>
-              <a:rPr lang="en-US" dirty="0" smtClean="0"/>
-              <a:t>Sec</a:t>
-            </a:r>
-            <a:r>
-              <a:rPr lang="en-US" dirty="0"/>
-              <a:t>. 13.2.2 of the Charm++ manual</a:t>
+              <a:t>Avoids extra copy</a:t>
+            </a:r>
+          </a:p>
+          <a:p>
+            <a:r>
+              <a:rPr lang="en-US" dirty="0"/>
+              <a:t>Can be custom packed</a:t>
+            </a:r>
+          </a:p>
+          <a:p>
+            <a:r>
+              <a:rPr lang="en-US" dirty="0"/>
+              <a:t>Reusable</a:t>
+            </a:r>
+          </a:p>
+          <a:p>
+            <a:r>
+              <a:rPr lang="en-US" dirty="0"/>
+              <a:t>Useful for transfer of complex data structures</a:t>
+            </a:r>
+          </a:p>
+          <a:p>
+            <a:r>
+              <a:rPr lang="en-US" dirty="0"/>
+              <a:t>It provides explicit control for the application over allocation, reuse, and scope</a:t>
+            </a:r>
+          </a:p>
+          <a:p>
+            <a:r>
+              <a:rPr lang="en-US" dirty="0"/>
+              <a:t>Encapsulates variable size quantities</a:t>
+            </a:r>
+          </a:p>
+          <a:p>
+            <a:r>
+              <a:rPr lang="en-US" dirty="0"/>
+              <a:t>Execution order of messages in the queue can be prioritized</a:t>
             </a:r>
           </a:p>
         </p:txBody>
@@ -6087,7 +7552,7 @@
           <a:p>
             <a:fld id="{34621E95-60A9-FF44-9869-513D9D7A859F}" type="datetime2">
               <a:rPr lang="en-US" smtClean="0"/>
-              <a:t>Tuesday, September 9, 14</a:t>
+              <a:t>Wednesday, September 10, 14</a:t>
             </a:fld>
             <a:endParaRPr lang="en-US"/>
           </a:p>
@@ -6144,7 +7609,7 @@
     </p:spTree>
     <p:extLst>
       <p:ext uri="{BB962C8B-B14F-4D97-AF65-F5344CB8AC3E}">
-        <p14:creationId xmlns:p14="http://schemas.microsoft.com/office/powerpoint/2010/main" val="3288311627"/>
+        <p14:creationId xmlns:p14="http://schemas.microsoft.com/office/powerpoint/2010/main" val="3545334323"/>
       </p:ext>
     </p:extLst>
   </p:cSld>
@@ -6184,13 +7649,13 @@
         <p:spPr/>
         <p:txBody>
           <a:bodyPr>
-            <a:normAutofit fontScale="90000"/>
+            <a:normAutofit/>
           </a:bodyPr>
           <a:lstStyle/>
           <a:p>
             <a:r>
               <a:rPr lang="en-US" dirty="0" smtClean="0"/>
-              <a:t>Messages</a:t>
+              <a:t>Groups</a:t>
             </a:r>
             <a:endParaRPr lang="en-US" dirty="0"/>
           </a:p>
@@ -6198,65 +7663,7 @@
       </p:sp>
       <p:sp>
         <p:nvSpPr>
-          <p:cNvPr id="3" name="Content Placeholder 2"/>
-          <p:cNvSpPr>
-            <a:spLocks noGrp="1"/>
-          </p:cNvSpPr>
-          <p:nvPr>
-            <p:ph idx="1"/>
-          </p:nvPr>
-        </p:nvSpPr>
-        <p:spPr/>
-        <p:txBody>
-          <a:bodyPr/>
-          <a:lstStyle/>
-          <a:p>
-            <a:r>
-              <a:rPr lang="en-US" dirty="0"/>
-              <a:t>Avoids extra copy</a:t>
-            </a:r>
-          </a:p>
-          <a:p>
-            <a:r>
-              <a:rPr lang="en-US" dirty="0"/>
-              <a:t>Can be custom packed</a:t>
-            </a:r>
-          </a:p>
-          <a:p>
-            <a:r>
-              <a:rPr lang="en-US" dirty="0"/>
-              <a:t>Reusable</a:t>
-            </a:r>
-          </a:p>
-          <a:p>
-            <a:r>
-              <a:rPr lang="en-US" dirty="0"/>
-              <a:t>Useful for transfer of complex data structures</a:t>
-            </a:r>
-          </a:p>
-          <a:p>
-            <a:r>
-              <a:rPr lang="en-US" dirty="0"/>
-              <a:t>It provides explicit control for the application over allocation, reuse, and scope</a:t>
-            </a:r>
-          </a:p>
-          <a:p>
-            <a:r>
-              <a:rPr lang="en-US" dirty="0"/>
-              <a:t>Encapsulates variable size quantities</a:t>
-            </a:r>
-          </a:p>
-          <a:p>
-            <a:r>
-              <a:rPr lang="en-US" dirty="0"/>
-              <a:t>Execution order of messages in the queue can be prioritized</a:t>
-            </a:r>
-          </a:p>
-        </p:txBody>
-      </p:sp>
-      <p:sp>
-        <p:nvSpPr>
-          <p:cNvPr id="4" name="Date Placeholder 3"/>
+          <p:cNvPr id="3" name="Date Placeholder 2"/>
           <p:cNvSpPr>
             <a:spLocks noGrp="1"/>
           </p:cNvSpPr>
@@ -6269,17 +7676,17 @@
           <a:bodyPr/>
           <a:lstStyle/>
           <a:p>
-            <a:fld id="{34621E95-60A9-FF44-9869-513D9D7A859F}" type="datetime2">
-              <a:rPr lang="en-US" smtClean="0"/>
-              <a:t>Tuesday, September 9, 14</a:t>
+            <a:fld id="{BD5AFB16-13FE-DF4A-8CB7-09756A57B2EA}" type="datetime2">
+              <a:rPr lang="en-US" smtClean="0"/>
+              <a:t>Wednesday, September 10, 14</a:t>
             </a:fld>
-            <a:endParaRPr lang="en-US"/>
-          </a:p>
-        </p:txBody>
-      </p:sp>
-      <p:sp>
-        <p:nvSpPr>
-          <p:cNvPr id="5" name="Footer Placeholder 4"/>
+            <a:endParaRPr lang="en-US" dirty="0"/>
+          </a:p>
+        </p:txBody>
+      </p:sp>
+      <p:sp>
+        <p:nvSpPr>
+          <p:cNvPr id="4" name="Footer Placeholder 3"/>
           <p:cNvSpPr>
             <a:spLocks noGrp="1"/>
           </p:cNvSpPr>
@@ -6303,7 +7710,7 @@
       </p:sp>
       <p:sp>
         <p:nvSpPr>
-          <p:cNvPr id="6" name="Slide Number Placeholder 5"/>
+          <p:cNvPr id="5" name="Slide Number Placeholder 4"/>
           <p:cNvSpPr>
             <a:spLocks noGrp="1"/>
           </p:cNvSpPr>
@@ -6321,14 +7728,367 @@
               <a:pPr/>
               <a:t>13</a:t>
             </a:fld>
-            <a:endParaRPr lang="en-US"/>
+            <a:endParaRPr lang="en-US" dirty="0"/>
+          </a:p>
+        </p:txBody>
+      </p:sp>
+      <p:sp>
+        <p:nvSpPr>
+          <p:cNvPr id="6" name="Content Placeholder 5"/>
+          <p:cNvSpPr>
+            <a:spLocks noGrp="1"/>
+          </p:cNvSpPr>
+          <p:nvPr>
+            <p:ph sz="quarter" idx="13"/>
+          </p:nvPr>
+        </p:nvSpPr>
+        <p:spPr>
+          <a:xfrm>
+            <a:off x="261865" y="909976"/>
+            <a:ext cx="8615360" cy="1779435"/>
+          </a:xfrm>
+        </p:spPr>
+        <p:txBody>
+          <a:bodyPr/>
+          <a:lstStyle/>
+          <a:p>
+            <a:r>
+              <a:rPr lang="en-US" dirty="0"/>
+              <a:t>Like a </a:t>
+            </a:r>
+            <a:r>
+              <a:rPr lang="en-US" dirty="0" err="1"/>
+              <a:t>chare</a:t>
+            </a:r>
+            <a:r>
+              <a:rPr lang="en-US" dirty="0"/>
+              <a:t>-array with one </a:t>
+            </a:r>
+            <a:r>
+              <a:rPr lang="en-US" dirty="0" err="1"/>
+              <a:t>chare</a:t>
+            </a:r>
+            <a:r>
+              <a:rPr lang="en-US" dirty="0"/>
+              <a:t> per PE</a:t>
+            </a:r>
+          </a:p>
+          <a:p>
+            <a:r>
+              <a:rPr lang="en-US" dirty="0"/>
+              <a:t>Encapsulate processor local data</a:t>
+            </a:r>
+          </a:p>
+          <a:p>
+            <a:r>
+              <a:rPr lang="en-US" dirty="0"/>
+              <a:t>May access the local member as a regular C++ object </a:t>
+            </a:r>
+            <a:endParaRPr lang="en-US" dirty="0" smtClean="0"/>
+          </a:p>
+          <a:p>
+            <a:r>
+              <a:rPr lang="en-US" dirty="0" smtClean="0"/>
+              <a:t>In </a:t>
+            </a:r>
+            <a:r>
+              <a:rPr lang="en-US" dirty="0"/>
+              <a:t>.ci file,</a:t>
+            </a:r>
+          </a:p>
+        </p:txBody>
+      </p:sp>
+      <p:sp>
+        <p:nvSpPr>
+          <p:cNvPr id="8" name="Content Placeholder 7"/>
+          <p:cNvSpPr>
+            <a:spLocks noGrp="1"/>
+          </p:cNvSpPr>
+          <p:nvPr>
+            <p:ph sz="quarter" idx="14"/>
+          </p:nvPr>
+        </p:nvSpPr>
+        <p:spPr>
+          <a:xfrm>
+            <a:off x="261865" y="2794000"/>
+            <a:ext cx="8615360" cy="2644588"/>
+          </a:xfrm>
+          <a:solidFill>
+            <a:srgbClr val="CCD1D9"/>
+          </a:solidFill>
+          <a:ln>
+            <a:solidFill>
+              <a:srgbClr val="292934"/>
+            </a:solidFill>
+          </a:ln>
+        </p:spPr>
+        <p:txBody>
+          <a:bodyPr>
+            <a:normAutofit fontScale="92500" lnSpcReduction="10000"/>
+          </a:bodyPr>
+          <a:lstStyle/>
+          <a:p>
+            <a:pPr marL="0" indent="0">
+              <a:buNone/>
+            </a:pPr>
+            <a:r>
+              <a:rPr lang="en-US" b="1" dirty="0">
+                <a:latin typeface="Consolas"/>
+                <a:cs typeface="Consolas"/>
+              </a:rPr>
+              <a:t>group</a:t>
+            </a:r>
+            <a:r>
+              <a:rPr lang="en-US" dirty="0">
+                <a:latin typeface="Consolas"/>
+                <a:cs typeface="Consolas"/>
+              </a:rPr>
+              <a:t> </a:t>
+            </a:r>
+            <a:r>
+              <a:rPr lang="en-US" dirty="0" err="1">
+                <a:latin typeface="Consolas"/>
+                <a:cs typeface="Consolas"/>
+              </a:rPr>
+              <a:t>ExampleGroup</a:t>
+            </a:r>
+            <a:r>
+              <a:rPr lang="en-US" dirty="0">
+                <a:latin typeface="Consolas"/>
+                <a:cs typeface="Consolas"/>
+              </a:rPr>
+              <a:t> {</a:t>
+            </a:r>
+          </a:p>
+          <a:p>
+            <a:pPr marL="0" indent="0">
+              <a:buNone/>
+            </a:pPr>
+            <a:r>
+              <a:rPr lang="en-US" dirty="0" smtClean="0">
+                <a:latin typeface="Consolas"/>
+                <a:cs typeface="Consolas"/>
+              </a:rPr>
+              <a:t>   </a:t>
+            </a:r>
+            <a:r>
+              <a:rPr lang="en-US" i="1" dirty="0" smtClean="0">
+                <a:latin typeface="Consolas"/>
+                <a:cs typeface="Consolas"/>
+              </a:rPr>
+              <a:t>/</a:t>
+            </a:r>
+            <a:r>
+              <a:rPr lang="en-US" i="1" dirty="0">
+                <a:latin typeface="Consolas"/>
+                <a:cs typeface="Consolas"/>
+              </a:rPr>
+              <a:t>/ Interface specifications as for normal </a:t>
+            </a:r>
+            <a:r>
+              <a:rPr lang="en-US" i="1" dirty="0" err="1">
+                <a:latin typeface="Consolas"/>
+                <a:cs typeface="Consolas"/>
+              </a:rPr>
+              <a:t>chares</a:t>
+            </a:r>
+            <a:r>
+              <a:rPr lang="en-US" i="1" dirty="0">
+                <a:latin typeface="Consolas"/>
+                <a:cs typeface="Consolas"/>
+              </a:rPr>
+              <a:t> </a:t>
+            </a:r>
+            <a:endParaRPr lang="en-US" i="1" dirty="0" smtClean="0">
+              <a:latin typeface="Consolas"/>
+              <a:cs typeface="Consolas"/>
+            </a:endParaRPr>
+          </a:p>
+          <a:p>
+            <a:pPr marL="0" indent="0">
+              <a:buNone/>
+            </a:pPr>
+            <a:r>
+              <a:rPr lang="en-US" dirty="0">
+                <a:latin typeface="Consolas"/>
+                <a:cs typeface="Consolas"/>
+              </a:rPr>
+              <a:t> </a:t>
+            </a:r>
+            <a:r>
+              <a:rPr lang="en-US" dirty="0" smtClean="0">
+                <a:latin typeface="Consolas"/>
+                <a:cs typeface="Consolas"/>
+              </a:rPr>
+              <a:t>  </a:t>
+            </a:r>
+            <a:r>
+              <a:rPr lang="en-US" i="1" dirty="0" smtClean="0">
+                <a:latin typeface="Consolas"/>
+                <a:cs typeface="Consolas"/>
+              </a:rPr>
+              <a:t>/</a:t>
+            </a:r>
+            <a:r>
+              <a:rPr lang="en-US" i="1" dirty="0">
+                <a:latin typeface="Consolas"/>
+                <a:cs typeface="Consolas"/>
+              </a:rPr>
+              <a:t>/ For instance, the constructor ...</a:t>
+            </a:r>
+          </a:p>
+          <a:p>
+            <a:pPr marL="0" indent="0">
+              <a:buNone/>
+            </a:pPr>
+            <a:r>
+              <a:rPr lang="en-US" dirty="0" smtClean="0">
+                <a:latin typeface="Consolas"/>
+                <a:cs typeface="Consolas"/>
+              </a:rPr>
+              <a:t>   </a:t>
+            </a:r>
+            <a:r>
+              <a:rPr lang="en-US" b="1" dirty="0" smtClean="0">
+                <a:latin typeface="Consolas"/>
+                <a:cs typeface="Consolas"/>
+              </a:rPr>
+              <a:t>entry </a:t>
+            </a:r>
+            <a:r>
+              <a:rPr lang="en-US" dirty="0" err="1">
+                <a:latin typeface="Consolas"/>
+                <a:cs typeface="Consolas"/>
+              </a:rPr>
+              <a:t>ExampleGroup</a:t>
+            </a:r>
+            <a:r>
+              <a:rPr lang="en-US" dirty="0">
+                <a:latin typeface="Consolas"/>
+                <a:cs typeface="Consolas"/>
+              </a:rPr>
+              <a:t>(parameters1);</a:t>
+            </a:r>
+          </a:p>
+          <a:p>
+            <a:pPr marL="0" indent="0">
+              <a:buNone/>
+            </a:pPr>
+            <a:r>
+              <a:rPr lang="en-US" dirty="0" smtClean="0">
+                <a:latin typeface="Consolas"/>
+                <a:cs typeface="Consolas"/>
+              </a:rPr>
+              <a:t>   </a:t>
+            </a:r>
+            <a:r>
+              <a:rPr lang="en-US" i="1" dirty="0" smtClean="0">
+                <a:latin typeface="Consolas"/>
+                <a:cs typeface="Consolas"/>
+              </a:rPr>
+              <a:t>/</a:t>
+            </a:r>
+            <a:r>
+              <a:rPr lang="en-US" i="1" dirty="0">
+                <a:latin typeface="Consolas"/>
+                <a:cs typeface="Consolas"/>
+              </a:rPr>
+              <a:t>/ ... and an entry method</a:t>
+            </a:r>
+          </a:p>
+          <a:p>
+            <a:pPr marL="0" indent="0">
+              <a:buNone/>
+            </a:pPr>
+            <a:r>
+              <a:rPr lang="en-US" dirty="0" smtClean="0">
+                <a:latin typeface="Consolas"/>
+                <a:cs typeface="Consolas"/>
+              </a:rPr>
+              <a:t>   </a:t>
+            </a:r>
+            <a:r>
+              <a:rPr lang="en-US" b="1" dirty="0" smtClean="0">
+                <a:latin typeface="Consolas"/>
+                <a:cs typeface="Consolas"/>
+              </a:rPr>
+              <a:t>entry </a:t>
+            </a:r>
+            <a:r>
+              <a:rPr lang="en-US" b="1" dirty="0">
+                <a:latin typeface="Consolas"/>
+                <a:cs typeface="Consolas"/>
+              </a:rPr>
+              <a:t>void </a:t>
+            </a:r>
+            <a:r>
+              <a:rPr lang="en-US" dirty="0" err="1">
+                <a:latin typeface="Consolas"/>
+                <a:cs typeface="Consolas"/>
+              </a:rPr>
+              <a:t>someEntryMethod</a:t>
+            </a:r>
+            <a:r>
+              <a:rPr lang="en-US" dirty="0">
+                <a:latin typeface="Consolas"/>
+                <a:cs typeface="Consolas"/>
+              </a:rPr>
+              <a:t>(parameters2);</a:t>
+            </a:r>
+          </a:p>
+          <a:p>
+            <a:pPr marL="0" indent="0">
+              <a:buNone/>
+            </a:pPr>
+            <a:r>
+              <a:rPr lang="en-US" dirty="0">
+                <a:latin typeface="Consolas"/>
+                <a:cs typeface="Consolas"/>
+              </a:rPr>
+              <a:t>};</a:t>
+            </a:r>
+          </a:p>
+        </p:txBody>
+      </p:sp>
+      <p:sp>
+        <p:nvSpPr>
+          <p:cNvPr id="9" name="Content Placeholder 8"/>
+          <p:cNvSpPr>
+            <a:spLocks noGrp="1"/>
+          </p:cNvSpPr>
+          <p:nvPr>
+            <p:ph sz="quarter" idx="15"/>
+          </p:nvPr>
+        </p:nvSpPr>
+        <p:spPr>
+          <a:xfrm>
+            <a:off x="261865" y="5573059"/>
+            <a:ext cx="8615360" cy="607197"/>
+          </a:xfrm>
+        </p:spPr>
+        <p:txBody>
+          <a:bodyPr/>
+          <a:lstStyle/>
+          <a:p>
+            <a:r>
+              <a:rPr lang="en-US" dirty="0"/>
+              <a:t>No </a:t>
+            </a:r>
+            <a:r>
+              <a:rPr lang="en-US" dirty="0" smtClean="0"/>
+              <a:t>difference </a:t>
+            </a:r>
+            <a:r>
+              <a:rPr lang="en-US" dirty="0"/>
+              <a:t>in .h and .C file definitions</a:t>
+            </a:r>
           </a:p>
         </p:txBody>
       </p:sp>
     </p:spTree>
     <p:extLst>
       <p:ext uri="{BB962C8B-B14F-4D97-AF65-F5344CB8AC3E}">
-        <p14:creationId xmlns:p14="http://schemas.microsoft.com/office/powerpoint/2010/main" val="3545334323"/>
+        <p14:creationId xmlns:p14="http://schemas.microsoft.com/office/powerpoint/2010/main" val="2080476016"/>
       </p:ext>
     </p:extLst>
   </p:cSld>
@@ -6368,13 +8128,13 @@
         <p:spPr/>
         <p:txBody>
           <a:bodyPr>
-            <a:normAutofit fontScale="90000"/>
+            <a:normAutofit/>
           </a:bodyPr>
           <a:lstStyle/>
           <a:p>
             <a:r>
               <a:rPr lang="en-US" dirty="0" smtClean="0"/>
-              <a:t>Groups</a:t>
+              <a:t>Node Groups</a:t>
             </a:r>
             <a:endParaRPr lang="en-US" dirty="0"/>
           </a:p>
@@ -6382,6 +8142,123 @@
       </p:sp>
       <p:sp>
         <p:nvSpPr>
+          <p:cNvPr id="10" name="Content Placeholder 9"/>
+          <p:cNvSpPr>
+            <a:spLocks noGrp="1"/>
+          </p:cNvSpPr>
+          <p:nvPr>
+            <p:ph idx="1"/>
+          </p:nvPr>
+        </p:nvSpPr>
+        <p:spPr/>
+        <p:txBody>
+          <a:bodyPr/>
+          <a:lstStyle/>
+          <a:p>
+            <a:r>
+              <a:rPr lang="en-US" dirty="0"/>
+              <a:t>A </a:t>
+            </a:r>
+            <a:r>
+              <a:rPr lang="en-US" dirty="0" err="1"/>
+              <a:t>chare</a:t>
+            </a:r>
+            <a:r>
+              <a:rPr lang="en-US" dirty="0"/>
+              <a:t>-array with one </a:t>
+            </a:r>
+            <a:r>
+              <a:rPr lang="en-US" dirty="0" err="1"/>
+              <a:t>chare</a:t>
+            </a:r>
+            <a:r>
+              <a:rPr lang="en-US" dirty="0"/>
+              <a:t> per node</a:t>
+            </a:r>
+          </a:p>
+          <a:p>
+            <a:pPr lvl="1"/>
+            <a:r>
+              <a:rPr lang="en-US" dirty="0" smtClean="0"/>
+              <a:t>In </a:t>
+            </a:r>
+            <a:r>
+              <a:rPr lang="en-US" dirty="0"/>
+              <a:t>non-</a:t>
+            </a:r>
+            <a:r>
+              <a:rPr lang="en-US" dirty="0" err="1"/>
+              <a:t>smp</a:t>
+            </a:r>
+            <a:r>
+              <a:rPr lang="en-US" dirty="0"/>
+              <a:t> </a:t>
+            </a:r>
+            <a:r>
+              <a:rPr lang="en-US" dirty="0" smtClean="0"/>
+              <a:t>mode </a:t>
+            </a:r>
+            <a:r>
+              <a:rPr lang="en-US" dirty="0"/>
+              <a:t>groups and node groups are same </a:t>
+            </a:r>
+            <a:endParaRPr lang="en-US" dirty="0" smtClean="0"/>
+          </a:p>
+          <a:p>
+            <a:r>
+              <a:rPr lang="en-US" dirty="0" smtClean="0"/>
+              <a:t>No difference </a:t>
+            </a:r>
+            <a:r>
+              <a:rPr lang="en-US" dirty="0"/>
+              <a:t>in .h and .C</a:t>
+            </a:r>
+          </a:p>
+          <a:p>
+            <a:r>
+              <a:rPr lang="en-US" dirty="0"/>
+              <a:t>Creation and usage same as others</a:t>
+            </a:r>
+          </a:p>
+          <a:p>
+            <a:r>
+              <a:rPr lang="en-US" dirty="0"/>
+              <a:t>An entry method on a node-group member may be executed on any PE of the node</a:t>
+            </a:r>
+          </a:p>
+          <a:p>
+            <a:r>
+              <a:rPr lang="en-US" dirty="0"/>
+              <a:t>Concurrent execution of two entry methods of a node-group member may happen</a:t>
+            </a:r>
+          </a:p>
+          <a:p>
+            <a:pPr lvl="1"/>
+            <a:r>
+              <a:rPr lang="en-US" dirty="0" smtClean="0"/>
+              <a:t>Use </a:t>
+            </a:r>
+            <a:r>
+              <a:rPr lang="en-US" dirty="0">
+                <a:latin typeface="Lucida Console"/>
+                <a:cs typeface="Lucida Console"/>
+              </a:rPr>
+              <a:t>[exclusive] </a:t>
+            </a:r>
+            <a:r>
+              <a:rPr lang="en-US" dirty="0"/>
+              <a:t>for entry methods which are unsuitable for reentrance </a:t>
+            </a:r>
+            <a:r>
+              <a:rPr lang="en-US" dirty="0" smtClean="0"/>
+              <a:t>safety </a:t>
+            </a:r>
+            <a:endParaRPr lang="en-US" dirty="0"/>
+          </a:p>
+        </p:txBody>
+      </p:sp>
+      <p:sp>
+        <p:nvSpPr>
           <p:cNvPr id="3" name="Date Placeholder 2"/>
           <p:cNvSpPr>
             <a:spLocks noGrp="1"/>
@@ -6397,7 +8274,7 @@
           <a:p>
             <a:fld id="{BD5AFB16-13FE-DF4A-8CB7-09756A57B2EA}" type="datetime2">
               <a:rPr lang="en-US" smtClean="0"/>
-              <a:t>Tuesday, September 9, 14</a:t>
+              <a:t>Wednesday, September 10, 14</a:t>
             </a:fld>
             <a:endParaRPr lang="en-US" dirty="0"/>
           </a:p>
@@ -6451,282 +8328,10 @@
           </a:p>
         </p:txBody>
       </p:sp>
-      <p:sp>
-        <p:nvSpPr>
-          <p:cNvPr id="6" name="Content Placeholder 5"/>
-          <p:cNvSpPr>
-            <a:spLocks noGrp="1"/>
-          </p:cNvSpPr>
-          <p:nvPr>
-            <p:ph sz="quarter" idx="13"/>
-          </p:nvPr>
-        </p:nvSpPr>
-        <p:spPr>
-          <a:xfrm>
-            <a:off x="457200" y="909976"/>
-            <a:ext cx="8229600" cy="1779435"/>
-          </a:xfrm>
-        </p:spPr>
-        <p:txBody>
-          <a:bodyPr/>
-          <a:lstStyle/>
-          <a:p>
-            <a:r>
-              <a:rPr lang="en-US" dirty="0"/>
-              <a:t>Like a </a:t>
-            </a:r>
-            <a:r>
-              <a:rPr lang="en-US" dirty="0" err="1"/>
-              <a:t>chare</a:t>
-            </a:r>
-            <a:r>
-              <a:rPr lang="en-US" dirty="0"/>
-              <a:t>-array with one </a:t>
-            </a:r>
-            <a:r>
-              <a:rPr lang="en-US" dirty="0" err="1"/>
-              <a:t>chare</a:t>
-            </a:r>
-            <a:r>
-              <a:rPr lang="en-US" dirty="0"/>
-              <a:t> per PE</a:t>
-            </a:r>
-          </a:p>
-          <a:p>
-            <a:r>
-              <a:rPr lang="en-US" dirty="0"/>
-              <a:t>Encapsulate processor local data</a:t>
-            </a:r>
-          </a:p>
-          <a:p>
-            <a:r>
-              <a:rPr lang="en-US" dirty="0"/>
-              <a:t>May access the local member as a regular C++ object </a:t>
-            </a:r>
-            <a:endParaRPr lang="en-US" dirty="0" smtClean="0"/>
-          </a:p>
-          <a:p>
-            <a:r>
-              <a:rPr lang="en-US" dirty="0" smtClean="0"/>
-              <a:t>In </a:t>
-            </a:r>
-            <a:r>
-              <a:rPr lang="en-US" dirty="0"/>
-              <a:t>.ci file,</a:t>
-            </a:r>
-          </a:p>
-        </p:txBody>
-      </p:sp>
-      <p:sp>
-        <p:nvSpPr>
-          <p:cNvPr id="8" name="Content Placeholder 7"/>
-          <p:cNvSpPr>
-            <a:spLocks noGrp="1"/>
-          </p:cNvSpPr>
-          <p:nvPr>
-            <p:ph sz="quarter" idx="15"/>
-          </p:nvPr>
-        </p:nvSpPr>
-        <p:spPr>
-          <a:xfrm>
-            <a:off x="457200" y="2794000"/>
-            <a:ext cx="8229600" cy="2644588"/>
-          </a:xfrm>
-          <a:solidFill>
-            <a:srgbClr val="CCD1D9"/>
-          </a:solidFill>
-          <a:ln>
-            <a:solidFill>
-              <a:srgbClr val="292934"/>
-            </a:solidFill>
-          </a:ln>
-        </p:spPr>
-        <p:txBody>
-          <a:bodyPr>
-            <a:normAutofit fontScale="92500" lnSpcReduction="10000"/>
-          </a:bodyPr>
-          <a:lstStyle/>
-          <a:p>
-            <a:pPr marL="0" indent="0">
-              <a:buNone/>
-            </a:pPr>
-            <a:r>
-              <a:rPr lang="en-US" b="1" dirty="0"/>
-              <a:t>group</a:t>
-            </a:r>
-            <a:r>
-              <a:rPr lang="en-US" dirty="0"/>
-              <a:t> </a:t>
-            </a:r>
-            <a:r>
-              <a:rPr lang="en-US" dirty="0" err="1"/>
-              <a:t>ExampleGroup</a:t>
-            </a:r>
-            <a:r>
-              <a:rPr lang="en-US" dirty="0"/>
-              <a:t> {</a:t>
-            </a:r>
-          </a:p>
-          <a:p>
-            <a:pPr marL="0" indent="0">
-              <a:buNone/>
-            </a:pPr>
-            <a:r>
-              <a:rPr lang="en-US" dirty="0" smtClean="0"/>
-              <a:t>   </a:t>
-            </a:r>
-            <a:r>
-              <a:rPr lang="en-US" i="1" dirty="0" smtClean="0"/>
-              <a:t>/</a:t>
-            </a:r>
-            <a:r>
-              <a:rPr lang="en-US" i="1" dirty="0"/>
-              <a:t>/ Interface specifications as for normal </a:t>
-            </a:r>
-            <a:r>
-              <a:rPr lang="en-US" i="1" dirty="0" err="1"/>
-              <a:t>chares</a:t>
-            </a:r>
-            <a:r>
-              <a:rPr lang="en-US" i="1" dirty="0"/>
-              <a:t> </a:t>
-            </a:r>
-            <a:endParaRPr lang="en-US" i="1" dirty="0" smtClean="0"/>
-          </a:p>
-          <a:p>
-            <a:pPr marL="0" indent="0">
-              <a:buNone/>
-            </a:pPr>
-            <a:r>
-              <a:rPr lang="en-US" dirty="0"/>
-              <a:t> </a:t>
-            </a:r>
-            <a:r>
-              <a:rPr lang="en-US" dirty="0" smtClean="0"/>
-              <a:t>  </a:t>
-            </a:r>
-            <a:r>
-              <a:rPr lang="en-US" i="1" dirty="0" smtClean="0"/>
-              <a:t>/</a:t>
-            </a:r>
-            <a:r>
-              <a:rPr lang="en-US" i="1" dirty="0"/>
-              <a:t>/ For instance, the constructor ...</a:t>
-            </a:r>
-          </a:p>
-          <a:p>
-            <a:pPr marL="0" indent="0">
-              <a:buNone/>
-            </a:pPr>
-            <a:r>
-              <a:rPr lang="en-US" dirty="0" smtClean="0"/>
-              <a:t>   </a:t>
-            </a:r>
-            <a:r>
-              <a:rPr lang="en-US" b="1" dirty="0" smtClean="0"/>
-              <a:t>entry </a:t>
-            </a:r>
-            <a:r>
-              <a:rPr lang="en-US" dirty="0" err="1"/>
-              <a:t>ExampleGroup</a:t>
-            </a:r>
-            <a:r>
-              <a:rPr lang="en-US" dirty="0"/>
-              <a:t>(parameters1);</a:t>
-            </a:r>
-          </a:p>
-          <a:p>
-            <a:pPr marL="0" indent="0">
-              <a:buNone/>
-            </a:pPr>
-            <a:r>
-              <a:rPr lang="en-US" dirty="0" smtClean="0"/>
-              <a:t>   </a:t>
-            </a:r>
-            <a:r>
-              <a:rPr lang="en-US" i="1" dirty="0" smtClean="0"/>
-              <a:t>/</a:t>
-            </a:r>
-            <a:r>
-              <a:rPr lang="en-US" i="1" dirty="0"/>
-              <a:t>/ ... and an entry method</a:t>
-            </a:r>
-          </a:p>
-          <a:p>
-            <a:pPr marL="0" indent="0">
-              <a:buNone/>
-            </a:pPr>
-            <a:r>
-              <a:rPr lang="en-US" dirty="0" smtClean="0"/>
-              <a:t>   </a:t>
-            </a:r>
-            <a:r>
-              <a:rPr lang="en-US" b="1" dirty="0" smtClean="0"/>
-              <a:t>entry </a:t>
-            </a:r>
-            <a:r>
-              <a:rPr lang="en-US" b="1" dirty="0"/>
-              <a:t>void </a:t>
-            </a:r>
-            <a:r>
-              <a:rPr lang="en-US" dirty="0" err="1"/>
-              <a:t>someEntryMethod</a:t>
-            </a:r>
-            <a:r>
-              <a:rPr lang="en-US" dirty="0"/>
-              <a:t>(parameters2);</a:t>
-            </a:r>
-          </a:p>
-          <a:p>
-            <a:pPr marL="0" indent="0">
-              <a:buNone/>
-            </a:pPr>
-            <a:r>
-              <a:rPr lang="en-US" dirty="0"/>
-              <a:t>};</a:t>
-            </a:r>
-          </a:p>
-        </p:txBody>
-      </p:sp>
-      <p:sp>
-        <p:nvSpPr>
-          <p:cNvPr id="9" name="Content Placeholder 8"/>
-          <p:cNvSpPr>
-            <a:spLocks noGrp="1"/>
-          </p:cNvSpPr>
-          <p:nvPr>
-            <p:ph sz="quarter" idx="16"/>
-          </p:nvPr>
-        </p:nvSpPr>
-        <p:spPr>
-          <a:xfrm>
-            <a:off x="457200" y="5573059"/>
-            <a:ext cx="8229600" cy="607197"/>
-          </a:xfrm>
-        </p:spPr>
-        <p:txBody>
-          <a:bodyPr/>
-          <a:lstStyle/>
-          <a:p>
-            <a:r>
-              <a:rPr lang="en-US" dirty="0"/>
-              <a:t>No </a:t>
-            </a:r>
-            <a:r>
-              <a:rPr lang="en-US" dirty="0" smtClean="0"/>
-              <a:t>difference </a:t>
-            </a:r>
-            <a:r>
-              <a:rPr lang="en-US" dirty="0"/>
-              <a:t>in .h and .C file definitions</a:t>
-            </a:r>
-          </a:p>
-        </p:txBody>
-      </p:sp>
     </p:spTree>
     <p:extLst>
       <p:ext uri="{BB962C8B-B14F-4D97-AF65-F5344CB8AC3E}">
-        <p14:creationId xmlns:p14="http://schemas.microsoft.com/office/powerpoint/2010/main" val="2080476016"/>
+        <p14:creationId xmlns:p14="http://schemas.microsoft.com/office/powerpoint/2010/main" val="1205437600"/>
       </p:ext>
     </p:extLst>
   </p:cSld>
@@ -6766,21 +8371,20 @@
         <p:spPr/>
         <p:txBody>
           <a:bodyPr>
-            <a:normAutofit fontScale="90000"/>
+            <a:normAutofit/>
           </a:bodyPr>
           <a:lstStyle/>
           <a:p>
             <a:r>
-              <a:rPr lang="en-US" dirty="0" smtClean="0"/>
-              <a:t>Node Groups</a:t>
-            </a:r>
-            <a:endParaRPr lang="en-US" dirty="0"/>
-          </a:p>
-        </p:txBody>
-      </p:sp>
-      <p:sp>
-        <p:nvSpPr>
-          <p:cNvPr id="10" name="Content Placeholder 9"/>
+              <a:rPr lang="en-US" dirty="0"/>
+              <a:t>Customizing Entry Method Attributes</a:t>
+            </a:r>
+          </a:p>
+        </p:txBody>
+      </p:sp>
+      <p:sp>
+        <p:nvSpPr>
+          <p:cNvPr id="3" name="Content Placeholder 2"/>
           <p:cNvSpPr>
             <a:spLocks noGrp="1"/>
           </p:cNvSpPr>
@@ -6793,111 +8397,153 @@
           <a:bodyPr/>
           <a:lstStyle/>
           <a:p>
-            <a:r>
-              <a:rPr lang="en-US" dirty="0"/>
-              <a:t>A </a:t>
-            </a:r>
-            <a:r>
-              <a:rPr lang="en-US" dirty="0" err="1"/>
-              <a:t>chare</a:t>
-            </a:r>
-            <a:r>
-              <a:rPr lang="en-US" dirty="0"/>
-              <a:t>-array with one </a:t>
-            </a:r>
-            <a:r>
-              <a:rPr lang="en-US" dirty="0" err="1"/>
-              <a:t>chare</a:t>
-            </a:r>
-            <a:r>
-              <a:rPr lang="en-US" dirty="0"/>
-              <a:t> per node</a:t>
-            </a:r>
-          </a:p>
-          <a:p>
-            <a:pPr lvl="1"/>
-            <a:r>
-              <a:rPr lang="en-US" dirty="0" smtClean="0"/>
-              <a:t>In </a:t>
-            </a:r>
-            <a:r>
-              <a:rPr lang="en-US" dirty="0"/>
-              <a:t>non-</a:t>
-            </a:r>
-            <a:r>
-              <a:rPr lang="en-US" dirty="0" err="1"/>
-              <a:t>smp</a:t>
-            </a:r>
-            <a:r>
-              <a:rPr lang="en-US" dirty="0"/>
-              <a:t> </a:t>
-            </a:r>
-            <a:r>
-              <a:rPr lang="en-US" dirty="0" smtClean="0"/>
-              <a:t>mode </a:t>
-            </a:r>
-            <a:r>
-              <a:rPr lang="en-US" dirty="0"/>
-              <a:t>groups and node groups are same </a:t>
-            </a:r>
-            <a:endParaRPr lang="en-US" dirty="0" smtClean="0"/>
-          </a:p>
-          <a:p>
-            <a:r>
-              <a:rPr lang="en-US" dirty="0" smtClean="0"/>
-              <a:t>No difference </a:t>
-            </a:r>
-            <a:r>
-              <a:rPr lang="en-US" dirty="0"/>
-              <a:t>in .h and .C</a:t>
-            </a:r>
-          </a:p>
-          <a:p>
-            <a:r>
-              <a:rPr lang="en-US" dirty="0"/>
-              <a:t>Creation and usage same as others</a:t>
-            </a:r>
-          </a:p>
-          <a:p>
-            <a:r>
-              <a:rPr lang="en-US" dirty="0"/>
-              <a:t>An entry method on a node-group member may be executed on any PE of the node</a:t>
-            </a:r>
-          </a:p>
-          <a:p>
-            <a:r>
-              <a:rPr lang="en-US" dirty="0"/>
-              <a:t>Concurrent execution of two entry methods of a node-group member may happen</a:t>
-            </a:r>
-          </a:p>
-          <a:p>
-            <a:pPr lvl="1"/>
-            <a:r>
-              <a:rPr lang="en-US" dirty="0" smtClean="0"/>
-              <a:t>Use </a:t>
-            </a:r>
             <a:r>
               <a:rPr lang="en-US" dirty="0">
                 <a:latin typeface="Lucida Console"/>
                 <a:cs typeface="Lucida Console"/>
               </a:rPr>
-              <a:t>[exclusive] </a:t>
-            </a:r>
-            <a:r>
-              <a:rPr lang="en-US" dirty="0"/>
-              <a:t>for entry methods which are unsuitable for reentrance </a:t>
-            </a:r>
-            <a:r>
-              <a:rPr lang="en-US" dirty="0" smtClean="0"/>
-              <a:t>safety </a:t>
+              <a:t>threaded</a:t>
+            </a:r>
+            <a:r>
+              <a:rPr lang="en-US" dirty="0"/>
+              <a:t> executed using separate thread</a:t>
+            </a:r>
+          </a:p>
+          <a:p>
+            <a:pPr lvl="1"/>
+            <a:r>
+              <a:rPr lang="en-US" dirty="0" smtClean="0"/>
+              <a:t>each </a:t>
+            </a:r>
+            <a:r>
+              <a:rPr lang="en-US" dirty="0"/>
+              <a:t>thread has a stack, and may be suspended, for sync methods </a:t>
+            </a:r>
+            <a:r>
+              <a:rPr lang="en-US" dirty="0" smtClean="0"/>
+              <a:t>or futures</a:t>
             </a:r>
             <a:endParaRPr lang="en-US" dirty="0"/>
           </a:p>
-        </p:txBody>
-      </p:sp>
-      <p:sp>
-        <p:nvSpPr>
-          <p:cNvPr id="3" name="Date Placeholder 2"/>
+          <a:p>
+            <a:pPr lvl="1"/>
+            <a:r>
+              <a:rPr lang="en-US" dirty="0" smtClean="0"/>
+              <a:t>to </a:t>
+            </a:r>
+            <a:r>
+              <a:rPr lang="en-US" dirty="0"/>
+              <a:t>set stacks size use +</a:t>
+            </a:r>
+            <a:r>
+              <a:rPr lang="en-US" dirty="0" err="1"/>
+              <a:t>stacksize</a:t>
+            </a:r>
+            <a:r>
+              <a:rPr lang="en-US" dirty="0"/>
+              <a:t> &lt; size in bytes &gt;</a:t>
+            </a:r>
+          </a:p>
+          <a:p>
+            <a:r>
+              <a:rPr lang="en-US" dirty="0" smtClean="0">
+                <a:latin typeface="Lucida Console"/>
+                <a:cs typeface="Lucida Console"/>
+              </a:rPr>
+              <a:t>sync</a:t>
+            </a:r>
+            <a:r>
+              <a:rPr lang="en-US" dirty="0" smtClean="0"/>
+              <a:t> - </a:t>
+            </a:r>
+            <a:r>
+              <a:rPr lang="en-US" dirty="0"/>
+              <a:t>returns a value</a:t>
+            </a:r>
+          </a:p>
+          <a:p>
+            <a:r>
+              <a:rPr lang="en-US" dirty="0" smtClean="0">
+                <a:latin typeface="Lucida Console"/>
+                <a:cs typeface="Lucida Console"/>
+              </a:rPr>
+              <a:t>inline</a:t>
+            </a:r>
+            <a:r>
+              <a:rPr lang="en-US" dirty="0" smtClean="0"/>
+              <a:t> entry </a:t>
+            </a:r>
+            <a:r>
+              <a:rPr lang="en-US" dirty="0"/>
+              <a:t>method invoked immediately if destination </a:t>
+            </a:r>
+            <a:r>
+              <a:rPr lang="en-US" dirty="0" err="1"/>
+              <a:t>chare</a:t>
+            </a:r>
+            <a:r>
+              <a:rPr lang="en-US" dirty="0"/>
+              <a:t> on same PE</a:t>
+            </a:r>
+          </a:p>
+          <a:p>
+            <a:pPr lvl="1"/>
+            <a:r>
+              <a:rPr lang="en-US" dirty="0" smtClean="0"/>
+              <a:t>blocking </a:t>
+            </a:r>
+            <a:r>
+              <a:rPr lang="en-US" dirty="0"/>
+              <a:t>call</a:t>
+            </a:r>
+          </a:p>
+          <a:p>
+            <a:r>
+              <a:rPr lang="en-US" dirty="0" err="1">
+                <a:latin typeface="Lucida Console"/>
+                <a:cs typeface="Lucida Console"/>
+              </a:rPr>
+              <a:t>reductiontarget</a:t>
+            </a:r>
+            <a:r>
+              <a:rPr lang="en-US" dirty="0"/>
+              <a:t> target of an array reduction</a:t>
+            </a:r>
+          </a:p>
+          <a:p>
+            <a:pPr lvl="1"/>
+            <a:r>
+              <a:rPr lang="en-US" dirty="0" smtClean="0"/>
+              <a:t>Takes </a:t>
+            </a:r>
+            <a:r>
+              <a:rPr lang="en-US" dirty="0"/>
+              <a:t>parameter marshaled arguments </a:t>
+            </a:r>
+            <a:endParaRPr lang="en-US" dirty="0" smtClean="0"/>
+          </a:p>
+          <a:p>
+            <a:r>
+              <a:rPr lang="en-US" dirty="0" err="1" smtClean="0">
+                <a:latin typeface="Lucida Console"/>
+                <a:cs typeface="Lucida Console"/>
+              </a:rPr>
+              <a:t>notrace</a:t>
+            </a:r>
+            <a:r>
+              <a:rPr lang="en-US" dirty="0" smtClean="0"/>
+              <a:t> </a:t>
+            </a:r>
+            <a:r>
+              <a:rPr lang="en-US" dirty="0"/>
+              <a:t>not traced for projections</a:t>
+            </a:r>
+          </a:p>
+        </p:txBody>
+      </p:sp>
+      <p:sp>
+        <p:nvSpPr>
+          <p:cNvPr id="4" name="Date Placeholder 3"/>
           <p:cNvSpPr>
             <a:spLocks noGrp="1"/>
           </p:cNvSpPr>
@@ -6910,41 +8556,41 @@
           <a:bodyPr/>
           <a:lstStyle/>
           <a:p>
-            <a:fld id="{BD5AFB16-13FE-DF4A-8CB7-09756A57B2EA}" type="datetime2">
-              <a:rPr lang="en-US" smtClean="0"/>
-              <a:t>Tuesday, September 9, 14</a:t>
+            <a:fld id="{34621E95-60A9-FF44-9869-513D9D7A859F}" type="datetime2">
+              <a:rPr lang="en-US" smtClean="0"/>
+              <a:t>Wednesday, September 10, 14</a:t>
             </a:fld>
+            <a:endParaRPr lang="en-US"/>
+          </a:p>
+        </p:txBody>
+      </p:sp>
+      <p:sp>
+        <p:nvSpPr>
+          <p:cNvPr id="5" name="Footer Placeholder 4"/>
+          <p:cNvSpPr>
+            <a:spLocks noGrp="1"/>
+          </p:cNvSpPr>
+          <p:nvPr>
+            <p:ph type="ftr" sz="quarter" idx="11"/>
+          </p:nvPr>
+        </p:nvSpPr>
+        <p:spPr/>
+        <p:txBody>
+          <a:bodyPr/>
+          <a:lstStyle/>
+          <a:p>
+            <a:pPr algn="r"/>
+            <a:r>
+              <a:rPr lang="en-US" smtClean="0"/>
+              <a:t>Sanjay Kalé and PPL (UIUC) – Parallel Migratable Objects </a:t>
+            </a:r>
             <a:endParaRPr lang="en-US" dirty="0"/>
           </a:p>
         </p:txBody>
       </p:sp>
       <p:sp>
         <p:nvSpPr>
-          <p:cNvPr id="4" name="Footer Placeholder 3"/>
-          <p:cNvSpPr>
-            <a:spLocks noGrp="1"/>
-          </p:cNvSpPr>
-          <p:nvPr>
-            <p:ph type="ftr" sz="quarter" idx="11"/>
-          </p:nvPr>
-        </p:nvSpPr>
-        <p:spPr/>
-        <p:txBody>
-          <a:bodyPr/>
-          <a:lstStyle/>
-          <a:p>
-            <a:pPr algn="r"/>
-            <a:r>
-              <a:rPr lang="en-US" smtClean="0"/>
-              <a:t>Sanjay Kalé and PPL (UIUC) – Parallel Migratable Objects </a:t>
-            </a:r>
-            <a:endParaRPr lang="en-US" dirty="0"/>
-          </a:p>
-        </p:txBody>
-      </p:sp>
-      <p:sp>
-        <p:nvSpPr>
-          <p:cNvPr id="5" name="Slide Number Placeholder 4"/>
+          <p:cNvPr id="6" name="Slide Number Placeholder 5"/>
           <p:cNvSpPr>
             <a:spLocks noGrp="1"/>
           </p:cNvSpPr>
@@ -6962,14 +8608,14 @@
               <a:pPr/>
               <a:t>15</a:t>
             </a:fld>
-            <a:endParaRPr lang="en-US" dirty="0"/>
+            <a:endParaRPr lang="en-US"/>
           </a:p>
         </p:txBody>
       </p:sp>
     </p:spTree>
     <p:extLst>
       <p:ext uri="{BB962C8B-B14F-4D97-AF65-F5344CB8AC3E}">
-        <p14:creationId xmlns:p14="http://schemas.microsoft.com/office/powerpoint/2010/main" val="1205437600"/>
+        <p14:creationId xmlns:p14="http://schemas.microsoft.com/office/powerpoint/2010/main" val="1807543166"/>
       </p:ext>
     </p:extLst>
   </p:cSld>
@@ -7009,14 +8655,19 @@
         <p:spPr/>
         <p:txBody>
           <a:bodyPr>
-            <a:normAutofit fontScale="90000"/>
+            <a:normAutofit/>
           </a:bodyPr>
           <a:lstStyle/>
           <a:p>
             <a:r>
               <a:rPr lang="en-US" dirty="0"/>
-              <a:t>Customizing Entry Method Attributes</a:t>
-            </a:r>
+              <a:t>Customizing Entry </a:t>
+            </a:r>
+            <a:r>
+              <a:rPr lang="en-US" dirty="0" smtClean="0"/>
+              <a:t>Methods</a:t>
+            </a:r>
+            <a:endParaRPr lang="en-US" dirty="0"/>
           </a:p>
         </p:txBody>
       </p:sp>
@@ -7040,46 +8691,49 @@
                 <a:latin typeface="Lucida Console"/>
                 <a:cs typeface="Lucida Console"/>
               </a:rPr>
-              <a:t>threaded</a:t>
-            </a:r>
-            <a:r>
-              <a:rPr lang="en-US" dirty="0"/>
-              <a:t> executed using separate thread</a:t>
-            </a:r>
-          </a:p>
-          <a:p>
-            <a:pPr lvl="1"/>
-            <a:r>
-              <a:rPr lang="en-US" dirty="0" smtClean="0"/>
-              <a:t>each </a:t>
-            </a:r>
-            <a:r>
-              <a:rPr lang="en-US" dirty="0"/>
-              <a:t>thread has a stack, and may be suspended, for sync methods </a:t>
-            </a:r>
-            <a:r>
-              <a:rPr lang="en-US" dirty="0" smtClean="0"/>
-              <a:t>or futures</a:t>
-            </a:r>
-            <a:endParaRPr lang="en-US" dirty="0"/>
-          </a:p>
-          <a:p>
-            <a:pPr lvl="1"/>
-            <a:r>
-              <a:rPr lang="en-US" dirty="0" smtClean="0"/>
-              <a:t>to </a:t>
-            </a:r>
-            <a:r>
-              <a:rPr lang="en-US" dirty="0"/>
-              <a:t>set stacks size use +</a:t>
+              <a:t>expedited</a:t>
+            </a:r>
+            <a:r>
+              <a:rPr lang="en-US" dirty="0"/>
+              <a:t> entry method skips the priority-based message queue in Charm++ runtime (for groups)</a:t>
+            </a:r>
+          </a:p>
+          <a:p>
+            <a:r>
+              <a:rPr lang="en-US" dirty="0">
+                <a:latin typeface="Lucida Console"/>
+                <a:cs typeface="Lucida Console"/>
+              </a:rPr>
+              <a:t>immediate</a:t>
+            </a:r>
+            <a:r>
+              <a:rPr lang="en-US" dirty="0"/>
+              <a:t> - skips the message scheduling queue (for any </a:t>
             </a:r>
             <a:r>
               <a:rPr lang="en-US" dirty="0" err="1"/>
-              <a:t>stacksize</a:t>
-            </a:r>
-            <a:r>
-              <a:rPr lang="en-US" dirty="0"/>
-              <a:t> &lt; size in bytes &gt;</a:t>
+              <a:t>chare</a:t>
+            </a:r>
+            <a:r>
+              <a:rPr lang="en-US" dirty="0"/>
+              <a:t> array)</a:t>
+            </a:r>
+          </a:p>
+          <a:p>
+            <a:r>
+              <a:rPr lang="en-US" dirty="0" err="1" smtClean="0">
+                <a:latin typeface="Lucida Console"/>
+                <a:cs typeface="Lucida Console"/>
+              </a:rPr>
+              <a:t>nokeep</a:t>
+            </a:r>
+            <a:r>
+              <a:rPr lang="en-US" dirty="0" smtClean="0"/>
+              <a:t> message </a:t>
+            </a:r>
+            <a:r>
+              <a:rPr lang="en-US" dirty="0"/>
+              <a:t>belongs to Charm</a:t>
             </a:r>
           </a:p>
           <a:p>
@@ -7088,93 +8742,36 @@
                 <a:latin typeface="Lucida Console"/>
                 <a:cs typeface="Lucida Console"/>
               </a:rPr>
-              <a:t>sync</a:t>
-            </a:r>
-            <a:r>
-              <a:rPr lang="en-US" dirty="0" smtClean="0"/>
-              <a:t> - </a:t>
-            </a:r>
-            <a:r>
-              <a:rPr lang="en-US" dirty="0"/>
-              <a:t>returns a value</a:t>
-            </a:r>
-          </a:p>
-          <a:p>
-            <a:r>
-              <a:rPr lang="en-US" dirty="0" smtClean="0">
+              <a:t>exclusive</a:t>
+            </a:r>
+            <a:r>
+              <a:rPr lang="en-US" dirty="0" smtClean="0"/>
+              <a:t> mutual </a:t>
+            </a:r>
+            <a:r>
+              <a:rPr lang="en-US" dirty="0"/>
+              <a:t>exclusion on execution of entry methods </a:t>
+            </a:r>
+            <a:r>
+              <a:rPr lang="en-US" dirty="0" smtClean="0"/>
+              <a:t>on node</a:t>
+            </a:r>
+            <a:r>
+              <a:rPr lang="en-US" dirty="0"/>
+              <a:t>-groups</a:t>
+            </a:r>
+          </a:p>
+          <a:p>
+            <a:r>
+              <a:rPr lang="en-US" dirty="0">
                 <a:latin typeface="Lucida Console"/>
                 <a:cs typeface="Lucida Console"/>
               </a:rPr>
-              <a:t>inline</a:t>
-            </a:r>
-            <a:r>
-              <a:rPr lang="en-US" dirty="0" smtClean="0"/>
-              <a:t> entry </a:t>
-            </a:r>
-            <a:r>
-              <a:rPr lang="en-US" dirty="0"/>
-              <a:t>method invoked immediately if destination </a:t>
-            </a:r>
-            <a:r>
-              <a:rPr lang="en-US" dirty="0" err="1"/>
-              <a:t>chare</a:t>
-            </a:r>
-            <a:r>
-              <a:rPr lang="en-US" dirty="0"/>
-              <a:t> on same PE</a:t>
-            </a:r>
-          </a:p>
-          <a:p>
-            <a:pPr lvl="1"/>
-            <a:r>
-              <a:rPr lang="en-US" dirty="0" smtClean="0"/>
-              <a:t>blocking </a:t>
-            </a:r>
-            <a:r>
-              <a:rPr lang="en-US" dirty="0"/>
-              <a:t>call</a:t>
-            </a:r>
-          </a:p>
-          <a:p>
-            <a:r>
-              <a:rPr lang="en-US" dirty="0" err="1">
-                <a:latin typeface="Lucida Console"/>
-                <a:cs typeface="Lucida Console"/>
-              </a:rPr>
-              <a:t>reductiontarget</a:t>
-            </a:r>
-            <a:r>
-              <a:rPr lang="en-US" dirty="0"/>
-              <a:t> target of an array reduction</a:t>
-            </a:r>
-          </a:p>
-          <a:p>
-            <a:pPr lvl="1"/>
-            <a:r>
-              <a:rPr lang="en-US" dirty="0" smtClean="0"/>
-              <a:t>Takes </a:t>
-            </a:r>
-            <a:r>
-              <a:rPr lang="en-US" dirty="0"/>
-              <a:t>parameter marshaled arguments </a:t>
-            </a:r>
-            <a:endParaRPr lang="en-US" dirty="0" smtClean="0"/>
-          </a:p>
-          <a:p>
-            <a:r>
-              <a:rPr lang="en-US" dirty="0" err="1" smtClean="0">
-                <a:latin typeface="Lucida Console"/>
-                <a:cs typeface="Lucida Console"/>
-              </a:rPr>
-              <a:t>notrace</a:t>
-            </a:r>
-            <a:r>
-              <a:rPr lang="en-US" dirty="0" smtClean="0"/>
-              <a:t> </a:t>
-            </a:r>
-            <a:r>
-              <a:rPr lang="en-US" dirty="0"/>
-              <a:t>not traced for projections</a:t>
+              <a:t>python</a:t>
+            </a:r>
+            <a:r>
+              <a:rPr lang="en-US" dirty="0"/>
+              <a:t> can be called from python scripts</a:t>
             </a:r>
           </a:p>
         </p:txBody>
@@ -7196,7 +8793,7 @@
           <a:p>
             <a:fld id="{34621E95-60A9-FF44-9869-513D9D7A859F}" type="datetime2">
               <a:rPr lang="en-US" smtClean="0"/>
-              <a:t>Tuesday, September 9, 14</a:t>
+              <a:t>Wednesday, September 10, 14</a:t>
             </a:fld>
             <a:endParaRPr lang="en-US"/>
           </a:p>
@@ -7253,7 +8850,7 @@
     </p:spTree>
     <p:extLst>
       <p:ext uri="{BB962C8B-B14F-4D97-AF65-F5344CB8AC3E}">
-        <p14:creationId xmlns:p14="http://schemas.microsoft.com/office/powerpoint/2010/main" val="1807543166"/>
+        <p14:creationId xmlns:p14="http://schemas.microsoft.com/office/powerpoint/2010/main" val="1975430562"/>
       </p:ext>
     </p:extLst>
   </p:cSld>
@@ -7293,17 +8890,13 @@
         <p:spPr/>
         <p:txBody>
           <a:bodyPr>
-            <a:normAutofit fontScale="90000"/>
+            <a:normAutofit/>
           </a:bodyPr>
           <a:lstStyle/>
           <a:p>
             <a:r>
-              <a:rPr lang="en-US" dirty="0"/>
-              <a:t>Customizing Entry </a:t>
-            </a:r>
-            <a:r>
-              <a:rPr lang="en-US" dirty="0" smtClean="0"/>
-              <a:t>Methods</a:t>
+              <a:rPr lang="en-US" dirty="0" smtClean="0"/>
+              <a:t>Sections</a:t>
             </a:r>
             <a:endParaRPr lang="en-US" dirty="0"/>
           </a:p>
@@ -7311,112 +8904,7 @@
       </p:sp>
       <p:sp>
         <p:nvSpPr>
-          <p:cNvPr id="3" name="Content Placeholder 2"/>
-          <p:cNvSpPr>
-            <a:spLocks noGrp="1"/>
-          </p:cNvSpPr>
-          <p:nvPr>
-            <p:ph idx="1"/>
-          </p:nvPr>
-        </p:nvSpPr>
-        <p:spPr/>
-        <p:txBody>
-          <a:bodyPr/>
-          <a:lstStyle/>
-          <a:p>
-            <a:r>
-              <a:rPr lang="en-US" dirty="0">
-                <a:latin typeface="Lucida Console"/>
-                <a:cs typeface="Lucida Console"/>
-              </a:rPr>
-              <a:t>expedited</a:t>
-            </a:r>
-            <a:r>
-              <a:rPr lang="en-US" dirty="0"/>
-              <a:t> entry method skips the priority-based message queue in Charm++ runtime (for groups)</a:t>
-            </a:r>
-          </a:p>
-          <a:p>
-            <a:r>
-              <a:rPr lang="en-US" dirty="0">
-                <a:latin typeface="Lucida Console"/>
-                <a:cs typeface="Lucida Console"/>
-              </a:rPr>
-              <a:t>immediate</a:t>
-            </a:r>
-            <a:r>
-              <a:rPr lang="en-US" dirty="0"/>
-              <a:t> - skips the message scheduling queue (for any </a:t>
-            </a:r>
-            <a:r>
-              <a:rPr lang="en-US" dirty="0" err="1"/>
-              <a:t>chare</a:t>
-            </a:r>
-            <a:r>
-              <a:rPr lang="en-US" dirty="0"/>
-              <a:t> array)</a:t>
-            </a:r>
-          </a:p>
-          <a:p>
-            <a:r>
-              <a:rPr lang="en-US" dirty="0" err="1" smtClean="0">
-                <a:latin typeface="Lucida Console"/>
-                <a:cs typeface="Lucida Console"/>
-              </a:rPr>
-              <a:t>nokeep</a:t>
-            </a:r>
-            <a:r>
-              <a:rPr lang="en-US" dirty="0" smtClean="0"/>
-              <a:t> message </a:t>
-            </a:r>
-            <a:r>
-              <a:rPr lang="en-US" dirty="0"/>
-              <a:t>belongs to Charm</a:t>
-            </a:r>
-          </a:p>
-          <a:p>
-            <a:r>
-              <a:rPr lang="en-US" dirty="0" smtClean="0">
-                <a:latin typeface="Lucida Console"/>
-                <a:cs typeface="Lucida Console"/>
-              </a:rPr>
-              <a:t>exclusive</a:t>
-            </a:r>
-            <a:r>
-              <a:rPr lang="en-US" dirty="0" smtClean="0"/>
-              <a:t> mutual </a:t>
-            </a:r>
-            <a:r>
-              <a:rPr lang="en-US" dirty="0"/>
-              <a:t>exclusion on execution of entry methods </a:t>
-            </a:r>
-            <a:r>
-              <a:rPr lang="en-US" dirty="0" smtClean="0"/>
-              <a:t>on node</a:t>
-            </a:r>
-            <a:r>
-              <a:rPr lang="en-US" dirty="0"/>
-              <a:t>-groups</a:t>
-            </a:r>
-          </a:p>
-          <a:p>
-            <a:r>
-              <a:rPr lang="en-US" dirty="0">
-                <a:latin typeface="Lucida Console"/>
-                <a:cs typeface="Lucida Console"/>
-              </a:rPr>
-              <a:t>python</a:t>
-            </a:r>
-            <a:r>
-              <a:rPr lang="en-US" dirty="0"/>
-              <a:t> can be called from python scripts</a:t>
-            </a:r>
-          </a:p>
-        </p:txBody>
-      </p:sp>
-      <p:sp>
-        <p:nvSpPr>
-          <p:cNvPr id="4" name="Date Placeholder 3"/>
+          <p:cNvPr id="3" name="Date Placeholder 2"/>
           <p:cNvSpPr>
             <a:spLocks noGrp="1"/>
           </p:cNvSpPr>
@@ -7429,17 +8917,17 @@
           <a:bodyPr/>
           <a:lstStyle/>
           <a:p>
-            <a:fld id="{34621E95-60A9-FF44-9869-513D9D7A859F}" type="datetime2">
-              <a:rPr lang="en-US" smtClean="0"/>
-              <a:t>Tuesday, September 9, 14</a:t>
+            <a:fld id="{BD5AFB16-13FE-DF4A-8CB7-09756A57B2EA}" type="datetime2">
+              <a:rPr lang="en-US" smtClean="0"/>
+              <a:t>Wednesday, September 10, 14</a:t>
             </a:fld>
-            <a:endParaRPr lang="en-US"/>
-          </a:p>
-        </p:txBody>
-      </p:sp>
-      <p:sp>
-        <p:nvSpPr>
-          <p:cNvPr id="5" name="Footer Placeholder 4"/>
+            <a:endParaRPr lang="en-US" dirty="0"/>
+          </a:p>
+        </p:txBody>
+      </p:sp>
+      <p:sp>
+        <p:nvSpPr>
+          <p:cNvPr id="4" name="Footer Placeholder 3"/>
           <p:cNvSpPr>
             <a:spLocks noGrp="1"/>
           </p:cNvSpPr>
@@ -7463,7 +8951,7 @@
       </p:sp>
       <p:sp>
         <p:nvSpPr>
-          <p:cNvPr id="6" name="Slide Number Placeholder 5"/>
+          <p:cNvPr id="5" name="Slide Number Placeholder 4"/>
           <p:cNvSpPr>
             <a:spLocks noGrp="1"/>
           </p:cNvSpPr>
@@ -7481,14 +8969,265 @@
               <a:pPr/>
               <a:t>17</a:t>
             </a:fld>
-            <a:endParaRPr lang="en-US"/>
+            <a:endParaRPr lang="en-US" dirty="0"/>
+          </a:p>
+        </p:txBody>
+      </p:sp>
+      <p:sp>
+        <p:nvSpPr>
+          <p:cNvPr id="6" name="Content Placeholder 5"/>
+          <p:cNvSpPr>
+            <a:spLocks noGrp="1"/>
+          </p:cNvSpPr>
+          <p:nvPr>
+            <p:ph sz="quarter" idx="13"/>
+          </p:nvPr>
+        </p:nvSpPr>
+        <p:spPr>
+          <a:xfrm>
+            <a:off x="261865" y="1680046"/>
+            <a:ext cx="8615360" cy="2521556"/>
+          </a:xfrm>
+        </p:spPr>
+        <p:txBody>
+          <a:bodyPr>
+            <a:normAutofit/>
+          </a:bodyPr>
+          <a:lstStyle/>
+          <a:p>
+            <a:r>
+              <a:rPr lang="en-US" dirty="0"/>
+              <a:t>It is often convenient to define </a:t>
+            </a:r>
+            <a:r>
+              <a:rPr lang="en-US" dirty="0" err="1"/>
+              <a:t>subcollections</a:t>
+            </a:r>
+            <a:r>
+              <a:rPr lang="en-US" dirty="0"/>
+              <a:t> of elements within a </a:t>
+            </a:r>
+            <a:r>
+              <a:rPr lang="en-US" dirty="0" err="1"/>
+              <a:t>chare</a:t>
+            </a:r>
+            <a:r>
+              <a:rPr lang="en-US" dirty="0"/>
+              <a:t> array</a:t>
+            </a:r>
+          </a:p>
+          <a:p>
+            <a:pPr lvl="1"/>
+            <a:r>
+              <a:rPr lang="en-US" dirty="0" smtClean="0"/>
+              <a:t>Example</a:t>
+            </a:r>
+            <a:r>
+              <a:rPr lang="en-US" dirty="0"/>
+              <a:t>: rows or columns of a 2D </a:t>
+            </a:r>
+            <a:r>
+              <a:rPr lang="en-US" dirty="0" err="1"/>
+              <a:t>chare</a:t>
+            </a:r>
+            <a:r>
+              <a:rPr lang="en-US" dirty="0"/>
+              <a:t> array</a:t>
+            </a:r>
+          </a:p>
+          <a:p>
+            <a:pPr lvl="1"/>
+            <a:r>
+              <a:rPr lang="en-US" dirty="0" smtClean="0"/>
+              <a:t>One </a:t>
+            </a:r>
+            <a:r>
+              <a:rPr lang="en-US" dirty="0"/>
+              <a:t>may wish to perform collective operations on the </a:t>
+            </a:r>
+            <a:r>
+              <a:rPr lang="en-US" dirty="0" err="1" smtClean="0"/>
+              <a:t>subcollection</a:t>
+            </a:r>
+            <a:r>
+              <a:rPr lang="en-US" dirty="0"/>
+              <a:t> </a:t>
+            </a:r>
+            <a:r>
+              <a:rPr lang="en-US" dirty="0" smtClean="0"/>
+              <a:t/>
+            </a:r>
+            <a:br>
+              <a:rPr lang="en-US" dirty="0" smtClean="0"/>
+            </a:br>
+            <a:r>
+              <a:rPr lang="en-US" dirty="0" smtClean="0"/>
+              <a:t>(e.g. broadcast, reduction)</a:t>
+            </a:r>
+          </a:p>
+          <a:p>
+            <a:r>
+              <a:rPr lang="en-US" dirty="0" smtClean="0"/>
+              <a:t>Sections </a:t>
+            </a:r>
+            <a:r>
+              <a:rPr lang="en-US" dirty="0"/>
+              <a:t>are the standard </a:t>
+            </a:r>
+            <a:r>
+              <a:rPr lang="en-US" dirty="0" err="1"/>
+              <a:t>subcollection</a:t>
+            </a:r>
+            <a:r>
+              <a:rPr lang="en-US" dirty="0"/>
+              <a:t> construct in Charm++</a:t>
+            </a:r>
+          </a:p>
+        </p:txBody>
+      </p:sp>
+      <p:sp>
+        <p:nvSpPr>
+          <p:cNvPr id="7" name="Content Placeholder 6"/>
+          <p:cNvSpPr>
+            <a:spLocks noGrp="1"/>
+          </p:cNvSpPr>
+          <p:nvPr>
+            <p:ph sz="quarter" idx="14"/>
+          </p:nvPr>
+        </p:nvSpPr>
+        <p:spPr>
+          <a:xfrm>
+            <a:off x="261865" y="4304355"/>
+            <a:ext cx="8615360" cy="895209"/>
+          </a:xfrm>
+          <a:solidFill>
+            <a:srgbClr val="CCD1D9"/>
+          </a:solidFill>
+          <a:ln>
+            <a:solidFill>
+              <a:srgbClr val="292934"/>
+            </a:solidFill>
+          </a:ln>
+        </p:spPr>
+        <p:txBody>
+          <a:bodyPr>
+            <a:noAutofit/>
+          </a:bodyPr>
+          <a:lstStyle/>
+          <a:p>
+            <a:pPr marL="0" indent="0">
+              <a:buNone/>
+            </a:pPr>
+            <a:r>
+              <a:rPr lang="en-US" sz="1600" dirty="0" err="1" smtClean="0">
+                <a:latin typeface="Consolas"/>
+                <a:cs typeface="Consolas"/>
+              </a:rPr>
+              <a:t>CProxySection</a:t>
+            </a:r>
+            <a:r>
+              <a:rPr lang="en-US" sz="1600" dirty="0" err="1">
+                <a:latin typeface="Consolas"/>
+                <a:cs typeface="Consolas"/>
+              </a:rPr>
+              <a:t>_</a:t>
+            </a:r>
+            <a:r>
+              <a:rPr lang="en-US" sz="1600" dirty="0" err="1" smtClean="0">
+                <a:latin typeface="Consolas"/>
+                <a:cs typeface="Consolas"/>
+              </a:rPr>
+              <a:t>Hello</a:t>
+            </a:r>
+            <a:r>
+              <a:rPr lang="en-US" sz="1600" dirty="0" smtClean="0">
+                <a:latin typeface="Consolas"/>
+                <a:cs typeface="Consolas"/>
+              </a:rPr>
+              <a:t> </a:t>
+            </a:r>
+            <a:r>
+              <a:rPr lang="en-US" sz="1600" dirty="0">
+                <a:latin typeface="Consolas"/>
+                <a:cs typeface="Consolas"/>
+              </a:rPr>
+              <a:t>proxy =</a:t>
+            </a:r>
+          </a:p>
+          <a:p>
+            <a:pPr marL="0" indent="0">
+              <a:buNone/>
+            </a:pPr>
+            <a:r>
+              <a:rPr lang="en-US" sz="1600" dirty="0" smtClean="0">
+                <a:latin typeface="Consolas"/>
+                <a:cs typeface="Consolas"/>
+              </a:rPr>
+              <a:t>  </a:t>
+            </a:r>
+            <a:r>
+              <a:rPr lang="en-US" sz="1600" dirty="0" err="1" smtClean="0">
+                <a:latin typeface="Consolas"/>
+                <a:cs typeface="Consolas"/>
+              </a:rPr>
+              <a:t>CProxySection</a:t>
+            </a:r>
+            <a:r>
+              <a:rPr lang="en-US" sz="1600" dirty="0" err="1">
+                <a:latin typeface="Consolas"/>
+                <a:cs typeface="Consolas"/>
+              </a:rPr>
+              <a:t>_</a:t>
+            </a:r>
+            <a:r>
+              <a:rPr lang="en-US" sz="1600" dirty="0" err="1" smtClean="0">
+                <a:latin typeface="Consolas"/>
+                <a:cs typeface="Consolas"/>
+              </a:rPr>
+              <a:t>Hello</a:t>
+            </a:r>
+            <a:r>
+              <a:rPr lang="en-US" sz="1600" dirty="0">
+                <a:latin typeface="Consolas"/>
+                <a:cs typeface="Consolas"/>
+              </a:rPr>
+              <a:t>::</a:t>
+            </a:r>
+            <a:r>
+              <a:rPr lang="en-US" sz="1600" dirty="0" err="1">
+                <a:latin typeface="Consolas"/>
+                <a:cs typeface="Consolas"/>
+              </a:rPr>
+              <a:t>ckNew</a:t>
+            </a:r>
+            <a:r>
+              <a:rPr lang="en-US" sz="1600" dirty="0">
+                <a:latin typeface="Consolas"/>
+                <a:cs typeface="Consolas"/>
+              </a:rPr>
+              <a:t>(</a:t>
+            </a:r>
+            <a:r>
+              <a:rPr lang="en-US" sz="1600" dirty="0" err="1">
+                <a:latin typeface="Consolas"/>
+                <a:cs typeface="Consolas"/>
+              </a:rPr>
+              <a:t>helloArrayID</a:t>
+            </a:r>
+            <a:r>
+              <a:rPr lang="en-US" sz="1600" dirty="0">
+                <a:latin typeface="Consolas"/>
+                <a:cs typeface="Consolas"/>
+              </a:rPr>
+              <a:t>, 0, 9, 1, 0, 19, 2, 0, 29, 2);</a:t>
+            </a:r>
           </a:p>
         </p:txBody>
       </p:sp>
     </p:spTree>
     <p:extLst>
       <p:ext uri="{BB962C8B-B14F-4D97-AF65-F5344CB8AC3E}">
-        <p14:creationId xmlns:p14="http://schemas.microsoft.com/office/powerpoint/2010/main" val="1975430562"/>
+        <p14:creationId xmlns:p14="http://schemas.microsoft.com/office/powerpoint/2010/main" val="788282961"/>
       </p:ext>
     </p:extLst>
   </p:cSld>
@@ -7528,13 +9267,20 @@
         <p:spPr/>
         <p:txBody>
           <a:bodyPr>
-            <a:normAutofit fontScale="90000"/>
+            <a:normAutofit/>
           </a:bodyPr>
           <a:lstStyle/>
           <a:p>
             <a:r>
-              <a:rPr lang="en-US" dirty="0" smtClean="0"/>
-              <a:t>Sections</a:t>
+              <a:rPr lang="en-US" dirty="0" smtClean="0">
+                <a:latin typeface="Lucida Console"/>
+                <a:cs typeface="Lucida Console"/>
+              </a:rPr>
+              <a:t>sync </a:t>
+            </a:r>
+            <a:r>
+              <a:rPr lang="en-US" dirty="0" smtClean="0"/>
+              <a:t>methods</a:t>
             </a:r>
             <a:endParaRPr lang="en-US" dirty="0"/>
           </a:p>
@@ -7557,7 +9303,7 @@
           <a:p>
             <a:fld id="{BD5AFB16-13FE-DF4A-8CB7-09756A57B2EA}" type="datetime2">
               <a:rPr lang="en-US" smtClean="0"/>
-              <a:t>Tuesday, September 9, 14</a:t>
+              <a:t>Wednesday, September 10, 14</a:t>
             </a:fld>
             <a:endParaRPr lang="en-US" dirty="0"/>
           </a:p>
@@ -7623,8 +9369,8 @@
         </p:nvSpPr>
         <p:spPr>
           <a:xfrm>
-            <a:off x="457200" y="1680046"/>
-            <a:ext cx="8229600" cy="2521556"/>
+            <a:off x="261865" y="909977"/>
+            <a:ext cx="8615360" cy="1846058"/>
           </a:xfrm>
         </p:spPr>
         <p:txBody>
@@ -7633,92 +9379,49 @@
           </a:bodyPr>
           <a:lstStyle/>
           <a:p>
-            <a:r>
-              <a:rPr lang="en-US" dirty="0"/>
-              <a:t>It is often convenient to define </a:t>
-            </a:r>
-            <a:r>
-              <a:rPr lang="en-US" dirty="0" err="1"/>
-              <a:t>subcollections</a:t>
-            </a:r>
-            <a:r>
-              <a:rPr lang="en-US" dirty="0"/>
-              <a:t> of elements within a </a:t>
-            </a:r>
-            <a:r>
-              <a:rPr lang="en-US" dirty="0" err="1"/>
-              <a:t>chare</a:t>
-            </a:r>
-            <a:r>
-              <a:rPr lang="en-US" dirty="0"/>
-              <a:t> array</a:t>
-            </a:r>
-          </a:p>
-          <a:p>
-            <a:pPr lvl="1"/>
-            <a:r>
-              <a:rPr lang="en-US" dirty="0" smtClean="0"/>
-              <a:t>Example</a:t>
-            </a:r>
-            <a:r>
-              <a:rPr lang="en-US" dirty="0"/>
-              <a:t>: rows or columns of a 2D </a:t>
-            </a:r>
-            <a:r>
-              <a:rPr lang="en-US" dirty="0" err="1"/>
-              <a:t>chare</a:t>
-            </a:r>
-            <a:r>
-              <a:rPr lang="en-US" dirty="0"/>
-              <a:t> array</a:t>
-            </a:r>
-          </a:p>
-          <a:p>
-            <a:pPr lvl="1"/>
-            <a:r>
-              <a:rPr lang="en-US" dirty="0" smtClean="0"/>
-              <a:t>One </a:t>
-            </a:r>
-            <a:r>
-              <a:rPr lang="en-US" dirty="0"/>
-              <a:t>may wish to perform collective operations on the </a:t>
-            </a:r>
-            <a:r>
-              <a:rPr lang="en-US" dirty="0" err="1" smtClean="0"/>
-              <a:t>subcollection</a:t>
-            </a:r>
-            <a:r>
-              <a:rPr lang="en-US" dirty="0"/>
-              <a:t> </a:t>
-            </a:r>
-            <a:r>
-              <a:rPr lang="en-US" dirty="0" smtClean="0"/>
-              <a:t/>
-            </a:r>
-            <a:br>
-              <a:rPr lang="en-US" dirty="0" smtClean="0"/>
-            </a:br>
-            <a:r>
-              <a:rPr lang="en-US" dirty="0" smtClean="0"/>
-              <a:t>(e.g. broadcast, reduction)</a:t>
-            </a:r>
-          </a:p>
-          <a:p>
-            <a:r>
-              <a:rPr lang="en-US" dirty="0" smtClean="0"/>
-              <a:t>Sections </a:t>
-            </a:r>
-            <a:r>
-              <a:rPr lang="en-US" dirty="0"/>
-              <a:t>are the standard </a:t>
-            </a:r>
-            <a:r>
-              <a:rPr lang="en-US" dirty="0" err="1"/>
-              <a:t>subcollection</a:t>
-            </a:r>
-            <a:r>
-              <a:rPr lang="en-US" dirty="0"/>
-              <a:t> construct in Charm++</a:t>
+            <a:pPr marL="277813" indent="-182563"/>
+            <a:r>
+              <a:rPr lang="en-US" dirty="0"/>
+              <a:t>Synchronous as opposed to asynchronous</a:t>
+            </a:r>
+          </a:p>
+          <a:p>
+            <a:pPr marL="277813" indent="-182563"/>
+            <a:r>
+              <a:rPr lang="en-US" dirty="0"/>
+              <a:t>They return a value - always a </a:t>
+            </a:r>
+            <a:r>
+              <a:rPr lang="en-US" dirty="0">
+                <a:latin typeface="Lucida Console"/>
+                <a:cs typeface="Lucida Console"/>
+              </a:rPr>
+              <a:t>message</a:t>
+            </a:r>
+            <a:r>
+              <a:rPr lang="en-US" dirty="0"/>
+              <a:t> type </a:t>
+            </a:r>
+            <a:endParaRPr lang="en-US" dirty="0" smtClean="0"/>
+          </a:p>
+          <a:p>
+            <a:pPr marL="277813" indent="-182563"/>
+            <a:r>
+              <a:rPr lang="en-US" dirty="0" smtClean="0"/>
+              <a:t>Other </a:t>
+            </a:r>
+            <a:r>
+              <a:rPr lang="en-US" dirty="0"/>
+              <a:t>than that, just like any other entry method:</a:t>
+            </a:r>
+          </a:p>
+          <a:p>
+            <a:pPr marL="0" indent="0">
+              <a:buNone/>
+            </a:pPr>
+            <a:r>
+              <a:rPr lang="en-US" dirty="0"/>
+              <a:t>In the interface file:</a:t>
             </a:r>
           </a:p>
         </p:txBody>
@@ -7735,8 +9438,8 @@
         </p:nvSpPr>
         <p:spPr>
           <a:xfrm>
-            <a:off x="457200" y="4304355"/>
-            <a:ext cx="8229600" cy="895209"/>
+            <a:off x="263779" y="2792747"/>
+            <a:ext cx="8615360" cy="557460"/>
           </a:xfrm>
           <a:solidFill>
             <a:srgbClr val="CCD1D9"/>
@@ -7748,74 +9451,328 @@
           </a:ln>
         </p:spPr>
         <p:txBody>
-          <a:bodyPr>
-            <a:normAutofit fontScale="85000" lnSpcReduction="10000"/>
-          </a:bodyPr>
+          <a:bodyPr/>
           <a:lstStyle/>
           <a:p>
             <a:pPr marL="0" indent="0">
               <a:buNone/>
             </a:pPr>
             <a:r>
-              <a:rPr lang="en-US" dirty="0" err="1" smtClean="0"/>
-              <a:t>CProxySection</a:t>
-            </a:r>
-            <a:r>
-              <a:rPr lang="en-US" dirty="0" err="1"/>
-              <a:t>_</a:t>
-            </a:r>
-            <a:r>
-              <a:rPr lang="en-US" dirty="0" err="1" smtClean="0"/>
-              <a:t>Hello</a:t>
-            </a:r>
-            <a:r>
-              <a:rPr lang="en-US" dirty="0" smtClean="0"/>
-              <a:t> </a:t>
-            </a:r>
-            <a:r>
-              <a:rPr lang="en-US" dirty="0"/>
-              <a:t>proxy =</a:t>
-            </a:r>
-          </a:p>
+              <a:rPr lang="en-US" b="1" dirty="0">
+                <a:latin typeface="Consolas"/>
+                <a:cs typeface="Consolas"/>
+              </a:rPr>
+              <a:t>entry</a:t>
+            </a:r>
+            <a:r>
+              <a:rPr lang="en-US" dirty="0">
+                <a:latin typeface="Consolas"/>
+                <a:cs typeface="Consolas"/>
+              </a:rPr>
+              <a:t> [</a:t>
+            </a:r>
+            <a:r>
+              <a:rPr lang="en-US" b="1" dirty="0">
+                <a:latin typeface="Consolas"/>
+                <a:cs typeface="Consolas"/>
+              </a:rPr>
+              <a:t>sync</a:t>
+            </a:r>
+            <a:r>
+              <a:rPr lang="en-US" dirty="0">
+                <a:latin typeface="Consolas"/>
+                <a:cs typeface="Consolas"/>
+              </a:rPr>
+              <a:t>] </a:t>
+            </a:r>
+            <a:r>
+              <a:rPr lang="en-US" dirty="0" err="1">
+                <a:latin typeface="Consolas"/>
+                <a:cs typeface="Consolas"/>
+              </a:rPr>
+              <a:t>MsgData</a:t>
+            </a:r>
+            <a:r>
+              <a:rPr lang="en-US" dirty="0">
+                <a:latin typeface="Consolas"/>
+                <a:cs typeface="Consolas"/>
+              </a:rPr>
+              <a:t> ∗ f(</a:t>
+            </a:r>
+            <a:r>
+              <a:rPr lang="en-US" b="1" dirty="0">
+                <a:latin typeface="Consolas"/>
+                <a:cs typeface="Consolas"/>
+              </a:rPr>
+              <a:t>double</a:t>
+            </a:r>
+            <a:r>
+              <a:rPr lang="en-US" dirty="0">
+                <a:latin typeface="Consolas"/>
+                <a:cs typeface="Consolas"/>
+              </a:rPr>
+              <a:t> A[2∗m], </a:t>
+            </a:r>
+            <a:r>
+              <a:rPr lang="en-US" b="1" dirty="0" err="1">
+                <a:latin typeface="Consolas"/>
+                <a:cs typeface="Consolas"/>
+              </a:rPr>
+              <a:t>int</a:t>
+            </a:r>
+            <a:r>
+              <a:rPr lang="en-US" dirty="0">
+                <a:latin typeface="Consolas"/>
+                <a:cs typeface="Consolas"/>
+              </a:rPr>
+              <a:t> m );</a:t>
+            </a:r>
+          </a:p>
+        </p:txBody>
+      </p:sp>
+      <p:sp>
+        <p:nvSpPr>
+          <p:cNvPr id="8" name="Content Placeholder 7"/>
+          <p:cNvSpPr>
+            <a:spLocks noGrp="1"/>
+          </p:cNvSpPr>
+          <p:nvPr>
+            <p:ph sz="quarter" idx="15"/>
+          </p:nvPr>
+        </p:nvSpPr>
+        <p:spPr>
+          <a:xfrm>
+            <a:off x="261865" y="3583427"/>
+            <a:ext cx="8615360" cy="537115"/>
+          </a:xfrm>
+        </p:spPr>
+        <p:txBody>
+          <a:bodyPr/>
+          <a:lstStyle/>
           <a:p>
             <a:pPr marL="0" indent="0">
               <a:buNone/>
             </a:pPr>
             <a:r>
               <a:rPr lang="en-US" dirty="0" smtClean="0"/>
-              <a:t>  </a:t>
-            </a:r>
-            <a:r>
-              <a:rPr lang="en-US" dirty="0" err="1" smtClean="0"/>
-              <a:t>CProxySection</a:t>
-            </a:r>
-            <a:r>
-              <a:rPr lang="en-US" dirty="0" err="1"/>
-              <a:t>_</a:t>
-            </a:r>
-            <a:r>
-              <a:rPr lang="en-US" dirty="0" err="1" smtClean="0"/>
-              <a:t>Hello</a:t>
-            </a:r>
-            <a:r>
-              <a:rPr lang="en-US" dirty="0"/>
-              <a:t>::</a:t>
-            </a:r>
-            <a:r>
-              <a:rPr lang="en-US" dirty="0" err="1"/>
-              <a:t>ckNew</a:t>
-            </a:r>
-            <a:r>
-              <a:rPr lang="en-US" dirty="0"/>
-              <a:t>(</a:t>
-            </a:r>
-            <a:r>
-              <a:rPr lang="en-US" dirty="0" err="1"/>
-              <a:t>helloArrayID</a:t>
-            </a:r>
-            <a:r>
-              <a:rPr lang="en-US" dirty="0"/>
-              <a:t>, 0, 9, 1, 0, 19, 2, 0, 29, 2);</a:t>
+              <a:t>In the C++ file:</a:t>
+            </a:r>
+            <a:endParaRPr lang="en-US" dirty="0"/>
+          </a:p>
+        </p:txBody>
+      </p:sp>
+      <p:sp>
+        <p:nvSpPr>
+          <p:cNvPr id="9" name="Content Placeholder 8"/>
+          <p:cNvSpPr>
+            <a:spLocks noGrp="1"/>
+          </p:cNvSpPr>
+          <p:nvPr>
+            <p:ph sz="quarter" idx="16"/>
+          </p:nvPr>
+        </p:nvSpPr>
+        <p:spPr>
+          <a:xfrm>
+            <a:off x="279205" y="4120542"/>
+            <a:ext cx="8615360" cy="2188615"/>
+          </a:xfrm>
+          <a:solidFill>
+            <a:srgbClr val="CCD1D9"/>
+          </a:solidFill>
+          <a:ln>
+            <a:solidFill>
+              <a:srgbClr val="292934"/>
+            </a:solidFill>
+          </a:ln>
+        </p:spPr>
+        <p:txBody>
+          <a:bodyPr>
+            <a:normAutofit fontScale="92500" lnSpcReduction="20000"/>
+          </a:bodyPr>
+          <a:lstStyle/>
+          <a:p>
+            <a:pPr marL="0" indent="0">
+              <a:buNone/>
+            </a:pPr>
+            <a:r>
+              <a:rPr lang="en-US" dirty="0" err="1">
+                <a:latin typeface="Consolas"/>
+                <a:cs typeface="Consolas"/>
+              </a:rPr>
+              <a:t>MsgData</a:t>
+            </a:r>
+            <a:r>
+              <a:rPr lang="en-US" dirty="0">
+                <a:latin typeface="Consolas"/>
+                <a:cs typeface="Consolas"/>
+              </a:rPr>
+              <a:t> ∗f(</a:t>
+            </a:r>
+            <a:r>
+              <a:rPr lang="en-US" b="1" dirty="0">
+                <a:latin typeface="Consolas"/>
+                <a:cs typeface="Consolas"/>
+              </a:rPr>
+              <a:t>double</a:t>
+            </a:r>
+            <a:r>
+              <a:rPr lang="en-US" dirty="0">
+                <a:latin typeface="Consolas"/>
+                <a:cs typeface="Consolas"/>
+              </a:rPr>
+              <a:t> X[], </a:t>
+            </a:r>
+            <a:r>
+              <a:rPr lang="en-US" b="1" dirty="0" err="1">
+                <a:latin typeface="Consolas"/>
+                <a:cs typeface="Consolas"/>
+              </a:rPr>
+              <a:t>int</a:t>
+            </a:r>
+            <a:r>
+              <a:rPr lang="en-US" dirty="0">
+                <a:latin typeface="Consolas"/>
+                <a:cs typeface="Consolas"/>
+              </a:rPr>
+              <a:t> size) { </a:t>
+            </a:r>
+            <a:endParaRPr lang="en-US" dirty="0" smtClean="0">
+              <a:latin typeface="Consolas"/>
+              <a:cs typeface="Consolas"/>
+            </a:endParaRPr>
+          </a:p>
+          <a:p>
+            <a:pPr marL="0" indent="0">
+              <a:buNone/>
+            </a:pPr>
+            <a:r>
+              <a:rPr lang="en-US" dirty="0">
+                <a:latin typeface="Consolas"/>
+                <a:cs typeface="Consolas"/>
+              </a:rPr>
+              <a:t> </a:t>
+            </a:r>
+            <a:r>
+              <a:rPr lang="en-US" dirty="0" smtClean="0">
+                <a:latin typeface="Consolas"/>
+                <a:cs typeface="Consolas"/>
+              </a:rPr>
+              <a:t>  .</a:t>
+            </a:r>
+            <a:r>
+              <a:rPr lang="en-US" dirty="0">
+                <a:latin typeface="Consolas"/>
+                <a:cs typeface="Consolas"/>
+              </a:rPr>
+              <a:t>..</a:t>
+            </a:r>
+          </a:p>
+          <a:p>
+            <a:pPr marL="0" indent="0">
+              <a:buNone/>
+            </a:pPr>
+            <a:r>
+              <a:rPr lang="en-US" dirty="0" smtClean="0">
+                <a:latin typeface="Consolas"/>
+                <a:cs typeface="Consolas"/>
+              </a:rPr>
+              <a:t>   m </a:t>
+            </a:r>
+            <a:r>
+              <a:rPr lang="en-US" dirty="0">
+                <a:latin typeface="Consolas"/>
+                <a:cs typeface="Consolas"/>
+              </a:rPr>
+              <a:t>= </a:t>
+            </a:r>
+            <a:r>
+              <a:rPr lang="en-US" b="1" dirty="0">
+                <a:latin typeface="Consolas"/>
+                <a:cs typeface="Consolas"/>
+              </a:rPr>
+              <a:t>new </a:t>
+            </a:r>
+            <a:r>
+              <a:rPr lang="en-US" dirty="0" err="1">
+                <a:latin typeface="Consolas"/>
+                <a:cs typeface="Consolas"/>
+              </a:rPr>
+              <a:t>MsgData</a:t>
+            </a:r>
+            <a:r>
+              <a:rPr lang="en-US" dirty="0">
+                <a:latin typeface="Consolas"/>
+                <a:cs typeface="Consolas"/>
+              </a:rPr>
+              <a:t>(..); </a:t>
+            </a:r>
+            <a:endParaRPr lang="en-US" dirty="0" smtClean="0">
+              <a:latin typeface="Consolas"/>
+              <a:cs typeface="Consolas"/>
+            </a:endParaRPr>
+          </a:p>
+          <a:p>
+            <a:pPr marL="0" indent="0">
+              <a:buNone/>
+            </a:pPr>
+            <a:r>
+              <a:rPr lang="en-US" dirty="0">
+                <a:latin typeface="Consolas"/>
+                <a:cs typeface="Consolas"/>
+              </a:rPr>
+              <a:t> </a:t>
+            </a:r>
+            <a:r>
+              <a:rPr lang="en-US" dirty="0" smtClean="0">
+                <a:latin typeface="Consolas"/>
+                <a:cs typeface="Consolas"/>
+              </a:rPr>
+              <a:t>  .</a:t>
+            </a:r>
+            <a:r>
+              <a:rPr lang="en-US" dirty="0">
+                <a:latin typeface="Consolas"/>
+                <a:cs typeface="Consolas"/>
+              </a:rPr>
+              <a:t>..</a:t>
+            </a:r>
+          </a:p>
+          <a:p>
+            <a:pPr marL="0" indent="0">
+              <a:buNone/>
+            </a:pPr>
+            <a:r>
+              <a:rPr lang="en-US" dirty="0" smtClean="0">
+                <a:latin typeface="Consolas"/>
+                <a:cs typeface="Consolas"/>
+              </a:rPr>
+              <a:t>   </a:t>
+            </a:r>
+            <a:r>
+              <a:rPr lang="en-US" b="1" dirty="0" smtClean="0">
+                <a:latin typeface="Consolas"/>
+                <a:cs typeface="Consolas"/>
+              </a:rPr>
+              <a:t>return </a:t>
+            </a:r>
+            <a:r>
+              <a:rPr lang="en-US" dirty="0">
+                <a:latin typeface="Consolas"/>
+                <a:cs typeface="Consolas"/>
+              </a:rPr>
+              <a:t>m;</a:t>
+            </a:r>
+          </a:p>
+          <a:p>
+            <a:pPr marL="0" indent="0">
+              <a:buNone/>
+            </a:pPr>
+            <a:r>
+              <a:rPr lang="en-US" dirty="0">
+                <a:latin typeface="Consolas"/>
+                <a:cs typeface="Consolas"/>
+              </a:rPr>
+              <a:t>}</a:t>
             </a:r>
           </a:p>
         </p:txBody>
@@ -7823,7 +9780,7 @@
     </p:spTree>
     <p:extLst>
       <p:ext uri="{BB962C8B-B14F-4D97-AF65-F5344CB8AC3E}">
-        <p14:creationId xmlns:p14="http://schemas.microsoft.com/office/powerpoint/2010/main" val="788282961"/>
+        <p14:creationId xmlns:p14="http://schemas.microsoft.com/office/powerpoint/2010/main" val="2227923110"/>
       </p:ext>
     </p:extLst>
   </p:cSld>
@@ -7852,7 +9809,7 @@
       </p:grpSpPr>
       <p:sp>
         <p:nvSpPr>
-          <p:cNvPr id="2" name="Title 1"/>
+          <p:cNvPr id="10" name="Title 9"/>
           <p:cNvSpPr>
             <a:spLocks noGrp="1"/>
           </p:cNvSpPr>
@@ -7863,22 +9820,230 @@
         <p:spPr/>
         <p:txBody>
           <a:bodyPr>
-            <a:normAutofit fontScale="90000"/>
+            <a:normAutofit/>
           </a:bodyPr>
           <a:lstStyle/>
           <a:p>
             <a:r>
-              <a:rPr lang="en-US" dirty="0" smtClean="0">
+              <a:rPr lang="en-US" dirty="0" smtClean="0"/>
+              <a:t>Threaded methods</a:t>
+            </a:r>
+            <a:endParaRPr lang="en-US" dirty="0"/>
+          </a:p>
+        </p:txBody>
+      </p:sp>
+      <p:sp>
+        <p:nvSpPr>
+          <p:cNvPr id="11" name="Content Placeholder 10"/>
+          <p:cNvSpPr>
+            <a:spLocks noGrp="1"/>
+          </p:cNvSpPr>
+          <p:nvPr>
+            <p:ph idx="1"/>
+          </p:nvPr>
+        </p:nvSpPr>
+        <p:spPr/>
+        <p:txBody>
+          <a:bodyPr/>
+          <a:lstStyle/>
+          <a:p>
+            <a:r>
+              <a:rPr lang="en-US" dirty="0"/>
+              <a:t>Any method that calls a sync method must be able to suspend:</a:t>
+            </a:r>
+          </a:p>
+          <a:p>
+            <a:pPr lvl="1"/>
+            <a:r>
+              <a:rPr lang="en-US" dirty="0" smtClean="0"/>
+              <a:t>Needs </a:t>
+            </a:r>
+            <a:r>
+              <a:rPr lang="en-US" dirty="0"/>
+              <a:t>to be declared as a </a:t>
+            </a:r>
+            <a:r>
+              <a:rPr lang="en-US" dirty="0">
                 <a:latin typeface="Lucida Console"/>
                 <a:cs typeface="Lucida Console"/>
               </a:rPr>
-              <a:t>sync </a:t>
-            </a:r>
-            <a:r>
-              <a:rPr lang="en-US" dirty="0" smtClean="0"/>
-              <a:t>methods</a:t>
-            </a:r>
-            <a:endParaRPr lang="en-US" dirty="0"/>
+              <a:t>threaded</a:t>
+            </a:r>
+            <a:r>
+              <a:rPr lang="en-US" dirty="0"/>
+              <a:t> method </a:t>
+            </a:r>
+            <a:endParaRPr lang="en-US" dirty="0" smtClean="0"/>
+          </a:p>
+          <a:p>
+            <a:pPr lvl="1"/>
+            <a:r>
+              <a:rPr lang="en-US" dirty="0" smtClean="0"/>
+              <a:t>A </a:t>
+            </a:r>
+            <a:r>
+              <a:rPr lang="en-US" dirty="0"/>
+              <a:t>threaded method of a </a:t>
+            </a:r>
+            <a:r>
+              <a:rPr lang="en-US" dirty="0" err="1"/>
+              <a:t>chare</a:t>
+            </a:r>
+            <a:r>
+              <a:rPr lang="en-US" dirty="0"/>
+              <a:t> C</a:t>
+            </a:r>
+          </a:p>
+          <a:p>
+            <a:pPr lvl="2"/>
+            <a:r>
+              <a:rPr lang="en-US" dirty="0" smtClean="0"/>
+              <a:t>Can </a:t>
+            </a:r>
+            <a:r>
+              <a:rPr lang="en-US" dirty="0"/>
+              <a:t>suspend, without blocking the processor</a:t>
+            </a:r>
+          </a:p>
+          <a:p>
+            <a:pPr lvl="2"/>
+            <a:r>
+              <a:rPr lang="en-US" dirty="0" smtClean="0"/>
+              <a:t>Other </a:t>
+            </a:r>
+            <a:r>
+              <a:rPr lang="en-US" dirty="0" err="1"/>
+              <a:t>chares</a:t>
+            </a:r>
+            <a:r>
+              <a:rPr lang="en-US" dirty="0"/>
+              <a:t> can then be executed</a:t>
+            </a:r>
+          </a:p>
+          <a:p>
+            <a:pPr lvl="2"/>
+            <a:r>
+              <a:rPr lang="en-US" dirty="0" smtClean="0"/>
+              <a:t>Even </a:t>
+            </a:r>
+            <a:r>
+              <a:rPr lang="en-US" dirty="0"/>
+              <a:t>other methods of </a:t>
+            </a:r>
+            <a:r>
+              <a:rPr lang="en-US" dirty="0" err="1"/>
+              <a:t>chare</a:t>
+            </a:r>
+            <a:r>
+              <a:rPr lang="en-US" dirty="0"/>
+              <a:t> C can be executed</a:t>
+            </a:r>
+          </a:p>
+          <a:p>
+            <a:r>
+              <a:rPr lang="en-US" dirty="0"/>
+              <a:t>Low level thread operations for advanced users:</a:t>
+            </a:r>
+          </a:p>
+          <a:p>
+            <a:pPr lvl="1"/>
+            <a:r>
+              <a:rPr lang="en-US" dirty="0" err="1" smtClean="0">
+                <a:latin typeface="Consolas"/>
+                <a:cs typeface="Consolas"/>
+              </a:rPr>
+              <a:t>CthThread</a:t>
+            </a:r>
+            <a:r>
+              <a:rPr lang="en-US" dirty="0" smtClean="0">
+                <a:latin typeface="Consolas"/>
+                <a:cs typeface="Consolas"/>
+              </a:rPr>
+              <a:t> </a:t>
+            </a:r>
+            <a:r>
+              <a:rPr lang="en-US" dirty="0" err="1">
+                <a:latin typeface="Consolas"/>
+                <a:cs typeface="Consolas"/>
+              </a:rPr>
+              <a:t>CthSelf</a:t>
+            </a:r>
+            <a:r>
+              <a:rPr lang="en-US" dirty="0">
+                <a:latin typeface="Consolas"/>
+                <a:cs typeface="Consolas"/>
+              </a:rPr>
+              <a:t>()</a:t>
+            </a:r>
+          </a:p>
+          <a:p>
+            <a:pPr lvl="1"/>
+            <a:r>
+              <a:rPr lang="en-US" dirty="0" err="1" smtClean="0">
+                <a:latin typeface="Consolas"/>
+                <a:cs typeface="Consolas"/>
+              </a:rPr>
+              <a:t>CthAwaken</a:t>
+            </a:r>
+            <a:r>
+              <a:rPr lang="en-US" dirty="0">
+                <a:latin typeface="Consolas"/>
+                <a:cs typeface="Consolas"/>
+              </a:rPr>
+              <a:t>(</a:t>
+            </a:r>
+            <a:r>
+              <a:rPr lang="en-US" dirty="0" err="1">
+                <a:latin typeface="Consolas"/>
+                <a:cs typeface="Consolas"/>
+              </a:rPr>
+              <a:t>CthThread</a:t>
+            </a:r>
+            <a:r>
+              <a:rPr lang="en-US" dirty="0">
+                <a:latin typeface="Consolas"/>
+                <a:cs typeface="Consolas"/>
+              </a:rPr>
+              <a:t> t) </a:t>
+            </a:r>
+            <a:endParaRPr lang="en-US" dirty="0" smtClean="0">
+              <a:latin typeface="Consolas"/>
+              <a:cs typeface="Consolas"/>
+            </a:endParaRPr>
+          </a:p>
+          <a:p>
+            <a:pPr lvl="1"/>
+            <a:r>
+              <a:rPr lang="en-US" dirty="0" err="1" smtClean="0">
+                <a:latin typeface="Consolas"/>
+                <a:cs typeface="Consolas"/>
+              </a:rPr>
+              <a:t>CthYield</a:t>
+            </a:r>
+            <a:r>
+              <a:rPr lang="en-US" dirty="0">
+                <a:latin typeface="Consolas"/>
+                <a:cs typeface="Consolas"/>
+              </a:rPr>
+              <a:t>()</a:t>
+            </a:r>
+          </a:p>
+          <a:p>
+            <a:pPr lvl="1"/>
+            <a:r>
+              <a:rPr lang="en-US" dirty="0" err="1" smtClean="0">
+                <a:latin typeface="Consolas"/>
+                <a:cs typeface="Consolas"/>
+              </a:rPr>
+              <a:t>CthSuspend</a:t>
+            </a:r>
+            <a:r>
+              <a:rPr lang="en-US" dirty="0">
+                <a:latin typeface="Consolas"/>
+                <a:cs typeface="Consolas"/>
+              </a:rPr>
+              <a:t>()</a:t>
+            </a:r>
           </a:p>
         </p:txBody>
       </p:sp>
@@ -7899,7 +10064,7 @@
           <a:p>
             <a:fld id="{BD5AFB16-13FE-DF4A-8CB7-09756A57B2EA}" type="datetime2">
               <a:rPr lang="en-US" smtClean="0"/>
-              <a:t>Tuesday, September 9, 14</a:t>
+              <a:t>Wednesday, September 10, 14</a:t>
             </a:fld>
             <a:endParaRPr lang="en-US" dirty="0"/>
           </a:p>
@@ -7953,331 +10118,10 @@
           </a:p>
         </p:txBody>
       </p:sp>
-      <p:sp>
-        <p:nvSpPr>
-          <p:cNvPr id="6" name="Content Placeholder 5"/>
-          <p:cNvSpPr>
-            <a:spLocks noGrp="1"/>
-          </p:cNvSpPr>
-          <p:nvPr>
-            <p:ph sz="quarter" idx="13"/>
-          </p:nvPr>
-        </p:nvSpPr>
-        <p:spPr>
-          <a:xfrm>
-            <a:off x="457200" y="909977"/>
-            <a:ext cx="8229600" cy="1846058"/>
-          </a:xfrm>
-        </p:spPr>
-        <p:txBody>
-          <a:bodyPr>
-            <a:normAutofit/>
-          </a:bodyPr>
-          <a:lstStyle/>
-          <a:p>
-            <a:pPr marL="277813" indent="-182563"/>
-            <a:r>
-              <a:rPr lang="en-US" dirty="0"/>
-              <a:t>Synchronous as opposed to asynchronous</a:t>
-            </a:r>
-          </a:p>
-          <a:p>
-            <a:pPr marL="277813" indent="-182563"/>
-            <a:r>
-              <a:rPr lang="en-US" dirty="0"/>
-              <a:t>They return a value - always a </a:t>
-            </a:r>
-            <a:r>
-              <a:rPr lang="en-US" dirty="0">
-                <a:latin typeface="Lucida Console"/>
-                <a:cs typeface="Lucida Console"/>
-              </a:rPr>
-              <a:t>message</a:t>
-            </a:r>
-            <a:r>
-              <a:rPr lang="en-US" dirty="0"/>
-              <a:t> type </a:t>
-            </a:r>
-            <a:endParaRPr lang="en-US" dirty="0" smtClean="0"/>
-          </a:p>
-          <a:p>
-            <a:pPr marL="277813" indent="-182563"/>
-            <a:r>
-              <a:rPr lang="en-US" dirty="0" smtClean="0"/>
-              <a:t>Other </a:t>
-            </a:r>
-            <a:r>
-              <a:rPr lang="en-US" dirty="0"/>
-              <a:t>than that, just like any other entry method:</a:t>
-            </a:r>
-          </a:p>
-          <a:p>
-            <a:pPr marL="0" indent="0">
-              <a:buNone/>
-            </a:pPr>
-            <a:r>
-              <a:rPr lang="en-US" dirty="0"/>
-              <a:t>In the interface file:</a:t>
-            </a:r>
-          </a:p>
-        </p:txBody>
-      </p:sp>
-      <p:sp>
-        <p:nvSpPr>
-          <p:cNvPr id="7" name="Content Placeholder 6"/>
-          <p:cNvSpPr>
-            <a:spLocks noGrp="1"/>
-          </p:cNvSpPr>
-          <p:nvPr>
-            <p:ph sz="quarter" idx="14"/>
-          </p:nvPr>
-        </p:nvSpPr>
-        <p:spPr>
-          <a:xfrm>
-            <a:off x="459114" y="2792747"/>
-            <a:ext cx="8229600" cy="557460"/>
-          </a:xfrm>
-          <a:solidFill>
-            <a:srgbClr val="CCD1D9"/>
-          </a:solidFill>
-          <a:ln>
-            <a:solidFill>
-              <a:srgbClr val="292934"/>
-            </a:solidFill>
-          </a:ln>
-        </p:spPr>
-        <p:txBody>
-          <a:bodyPr/>
-          <a:lstStyle/>
-          <a:p>
-            <a:pPr marL="0" indent="0">
-              <a:buNone/>
-            </a:pPr>
-            <a:r>
-              <a:rPr lang="en-US" b="1" dirty="0"/>
-              <a:t>entry</a:t>
-            </a:r>
-            <a:r>
-              <a:rPr lang="en-US" dirty="0"/>
-              <a:t> [</a:t>
-            </a:r>
-            <a:r>
-              <a:rPr lang="en-US" b="1" dirty="0"/>
-              <a:t>sync</a:t>
-            </a:r>
-            <a:r>
-              <a:rPr lang="en-US" dirty="0"/>
-              <a:t>] </a:t>
-            </a:r>
-            <a:r>
-              <a:rPr lang="en-US" dirty="0" err="1"/>
-              <a:t>MsgData</a:t>
-            </a:r>
-            <a:r>
-              <a:rPr lang="en-US" dirty="0"/>
-              <a:t> ∗ f(</a:t>
-            </a:r>
-            <a:r>
-              <a:rPr lang="en-US" b="1" dirty="0"/>
-              <a:t>double</a:t>
-            </a:r>
-            <a:r>
-              <a:rPr lang="en-US" dirty="0"/>
-              <a:t> A[2∗m], </a:t>
-            </a:r>
-            <a:r>
-              <a:rPr lang="en-US" b="1" dirty="0" err="1"/>
-              <a:t>int</a:t>
-            </a:r>
-            <a:r>
-              <a:rPr lang="en-US" dirty="0"/>
-              <a:t> m );</a:t>
-            </a:r>
-          </a:p>
-        </p:txBody>
-      </p:sp>
-      <p:sp>
-        <p:nvSpPr>
-          <p:cNvPr id="8" name="Content Placeholder 7"/>
-          <p:cNvSpPr>
-            <a:spLocks noGrp="1"/>
-          </p:cNvSpPr>
-          <p:nvPr>
-            <p:ph sz="quarter" idx="15"/>
-          </p:nvPr>
-        </p:nvSpPr>
-        <p:spPr>
-          <a:xfrm>
-            <a:off x="457200" y="3583427"/>
-            <a:ext cx="8229600" cy="537115"/>
-          </a:xfrm>
-        </p:spPr>
-        <p:txBody>
-          <a:bodyPr/>
-          <a:lstStyle/>
-          <a:p>
-            <a:pPr marL="0" indent="0">
-              <a:buNone/>
-            </a:pPr>
-            <a:r>
-              <a:rPr lang="en-US" dirty="0" smtClean="0"/>
-              <a:t>In the C++ file:</a:t>
-            </a:r>
-            <a:endParaRPr lang="en-US" dirty="0"/>
-          </a:p>
-        </p:txBody>
-      </p:sp>
-      <p:sp>
-        <p:nvSpPr>
-          <p:cNvPr id="9" name="Content Placeholder 8"/>
-          <p:cNvSpPr>
-            <a:spLocks noGrp="1"/>
-          </p:cNvSpPr>
-          <p:nvPr>
-            <p:ph sz="quarter" idx="16"/>
-          </p:nvPr>
-        </p:nvSpPr>
-        <p:spPr>
-          <a:xfrm>
-            <a:off x="474540" y="4120542"/>
-            <a:ext cx="8229600" cy="2188615"/>
-          </a:xfrm>
-          <a:solidFill>
-            <a:srgbClr val="CCD1D9"/>
-          </a:solidFill>
-          <a:ln>
-            <a:solidFill>
-              <a:srgbClr val="292934"/>
-            </a:solidFill>
-          </a:ln>
-        </p:spPr>
-        <p:txBody>
-          <a:bodyPr>
-            <a:normAutofit fontScale="92500" lnSpcReduction="20000"/>
-          </a:bodyPr>
-          <a:lstStyle/>
-          <a:p>
-            <a:pPr marL="0" indent="0">
-              <a:buNone/>
-            </a:pPr>
-            <a:r>
-              <a:rPr lang="en-US" dirty="0" err="1"/>
-              <a:t>MsgData</a:t>
-            </a:r>
-            <a:r>
-              <a:rPr lang="en-US" dirty="0"/>
-              <a:t> ∗f(</a:t>
-            </a:r>
-            <a:r>
-              <a:rPr lang="en-US" b="1" dirty="0"/>
-              <a:t>double</a:t>
-            </a:r>
-            <a:r>
-              <a:rPr lang="en-US" dirty="0"/>
-              <a:t> X[], </a:t>
-            </a:r>
-            <a:r>
-              <a:rPr lang="en-US" b="1" dirty="0" err="1"/>
-              <a:t>int</a:t>
-            </a:r>
-            <a:r>
-              <a:rPr lang="en-US" dirty="0"/>
-              <a:t> size) { </a:t>
-            </a:r>
-            <a:endParaRPr lang="en-US" dirty="0" smtClean="0"/>
-          </a:p>
-          <a:p>
-            <a:pPr marL="0" indent="0">
-              <a:buNone/>
-            </a:pPr>
-            <a:r>
-              <a:rPr lang="en-US" dirty="0"/>
-              <a:t> </a:t>
-            </a:r>
-            <a:r>
-              <a:rPr lang="en-US" dirty="0" smtClean="0"/>
-              <a:t>  .</a:t>
-            </a:r>
-            <a:r>
-              <a:rPr lang="en-US" dirty="0"/>
-              <a:t>..</a:t>
-            </a:r>
-          </a:p>
-          <a:p>
-            <a:pPr marL="0" indent="0">
-              <a:buNone/>
-            </a:pPr>
-            <a:r>
-              <a:rPr lang="en-US" dirty="0" smtClean="0"/>
-              <a:t>   m </a:t>
-            </a:r>
-            <a:r>
-              <a:rPr lang="en-US" dirty="0"/>
-              <a:t>= </a:t>
-            </a:r>
-            <a:r>
-              <a:rPr lang="en-US" b="1" dirty="0"/>
-              <a:t>new </a:t>
-            </a:r>
-            <a:r>
-              <a:rPr lang="en-US" dirty="0" err="1"/>
-              <a:t>MsgData</a:t>
-            </a:r>
-            <a:r>
-              <a:rPr lang="en-US" dirty="0"/>
-              <a:t>(..); </a:t>
-            </a:r>
-            <a:endParaRPr lang="en-US" dirty="0" smtClean="0"/>
-          </a:p>
-          <a:p>
-            <a:pPr marL="0" indent="0">
-              <a:buNone/>
-            </a:pPr>
-            <a:r>
-              <a:rPr lang="en-US" dirty="0"/>
-              <a:t> </a:t>
-            </a:r>
-            <a:r>
-              <a:rPr lang="en-US" dirty="0" smtClean="0"/>
-              <a:t>  .</a:t>
-            </a:r>
-            <a:r>
-              <a:rPr lang="en-US" dirty="0"/>
-              <a:t>..</a:t>
-            </a:r>
-          </a:p>
-          <a:p>
-            <a:pPr marL="0" indent="0">
-              <a:buNone/>
-            </a:pPr>
-            <a:r>
-              <a:rPr lang="en-US" dirty="0" smtClean="0"/>
-              <a:t>   </a:t>
-            </a:r>
-            <a:r>
-              <a:rPr lang="en-US" b="1" dirty="0" smtClean="0"/>
-              <a:t>return </a:t>
-            </a:r>
-            <a:r>
-              <a:rPr lang="en-US" dirty="0"/>
-              <a:t>m;</a:t>
-            </a:r>
-          </a:p>
-          <a:p>
-            <a:pPr marL="0" indent="0">
-              <a:buNone/>
-            </a:pPr>
-            <a:r>
-              <a:rPr lang="en-US" dirty="0"/>
-              <a:t>}</a:t>
-            </a:r>
-          </a:p>
-        </p:txBody>
-      </p:sp>
     </p:spTree>
     <p:extLst>
       <p:ext uri="{BB962C8B-B14F-4D97-AF65-F5344CB8AC3E}">
-        <p14:creationId xmlns:p14="http://schemas.microsoft.com/office/powerpoint/2010/main" val="2227923110"/>
+        <p14:creationId xmlns:p14="http://schemas.microsoft.com/office/powerpoint/2010/main" val="3106911642"/>
       </p:ext>
     </p:extLst>
   </p:cSld>
@@ -8317,7 +10161,7 @@
         <p:spPr/>
         <p:txBody>
           <a:bodyPr>
-            <a:normAutofit fontScale="90000"/>
+            <a:normAutofit/>
           </a:bodyPr>
           <a:lstStyle/>
           <a:p>
@@ -8523,7 +10367,7 @@
           <a:p>
             <a:fld id="{34621E95-60A9-FF44-9869-513D9D7A859F}" type="datetime2">
               <a:rPr lang="en-US" smtClean="0"/>
-              <a:t>Tuesday, September 9, 14</a:t>
+              <a:t>Wednesday, September 10, 14</a:t>
             </a:fld>
             <a:endParaRPr lang="en-US"/>
           </a:p>
@@ -8609,7 +10453,7 @@
       </p:grpSpPr>
       <p:sp>
         <p:nvSpPr>
-          <p:cNvPr id="10" name="Title 9"/>
+          <p:cNvPr id="2" name="Title 1"/>
           <p:cNvSpPr>
             <a:spLocks noGrp="1"/>
           </p:cNvSpPr>
@@ -8620,13 +10464,13 @@
         <p:spPr/>
         <p:txBody>
           <a:bodyPr>
-            <a:normAutofit fontScale="90000"/>
+            <a:normAutofit/>
           </a:bodyPr>
           <a:lstStyle/>
           <a:p>
             <a:r>
               <a:rPr lang="en-US" dirty="0" smtClean="0"/>
-              <a:t>Threaded methods</a:t>
+              <a:t>Customized Load Balancers</a:t>
             </a:r>
             <a:endParaRPr lang="en-US" dirty="0"/>
           </a:p>
@@ -8634,294 +10478,712 @@
       </p:sp>
       <p:sp>
         <p:nvSpPr>
-          <p:cNvPr id="11" name="Content Placeholder 10"/>
-          <p:cNvSpPr>
-            <a:spLocks noGrp="1"/>
-          </p:cNvSpPr>
-          <p:nvPr>
-            <p:ph idx="1"/>
-          </p:nvPr>
-        </p:nvSpPr>
-        <p:spPr/>
-        <p:txBody>
-          <a:bodyPr/>
-          <a:lstStyle/>
-          <a:p>
-            <a:r>
-              <a:rPr lang="en-US" dirty="0"/>
-              <a:t>Any method that calls a sync method must be able to suspend:</a:t>
-            </a:r>
-          </a:p>
-          <a:p>
-            <a:pPr lvl="1"/>
-            <a:r>
-              <a:rPr lang="en-US" dirty="0" smtClean="0"/>
-              <a:t>Needs </a:t>
-            </a:r>
-            <a:r>
-              <a:rPr lang="en-US" dirty="0"/>
-              <a:t>to be declared as a </a:t>
+          <p:cNvPr id="3" name="Date Placeholder 2"/>
+          <p:cNvSpPr>
+            <a:spLocks noGrp="1"/>
+          </p:cNvSpPr>
+          <p:nvPr>
+            <p:ph type="dt" sz="half" idx="10"/>
+          </p:nvPr>
+        </p:nvSpPr>
+        <p:spPr/>
+        <p:txBody>
+          <a:bodyPr/>
+          <a:lstStyle/>
+          <a:p>
+            <a:fld id="{BD5AFB16-13FE-DF4A-8CB7-09756A57B2EA}" type="datetime2">
+              <a:rPr lang="en-US" smtClean="0"/>
+              <a:t>Wednesday, September 10, 14</a:t>
+            </a:fld>
+            <a:endParaRPr lang="en-US" dirty="0"/>
+          </a:p>
+        </p:txBody>
+      </p:sp>
+      <p:sp>
+        <p:nvSpPr>
+          <p:cNvPr id="4" name="Footer Placeholder 3"/>
+          <p:cNvSpPr>
+            <a:spLocks noGrp="1"/>
+          </p:cNvSpPr>
+          <p:nvPr>
+            <p:ph type="ftr" sz="quarter" idx="11"/>
+          </p:nvPr>
+        </p:nvSpPr>
+        <p:spPr/>
+        <p:txBody>
+          <a:bodyPr/>
+          <a:lstStyle/>
+          <a:p>
+            <a:pPr algn="r"/>
+            <a:r>
+              <a:rPr lang="en-US" smtClean="0"/>
+              <a:t>Sanjay Kalé and PPL (UIUC) – Parallel Migratable Objects </a:t>
+            </a:r>
+            <a:endParaRPr lang="en-US" dirty="0"/>
+          </a:p>
+        </p:txBody>
+      </p:sp>
+      <p:sp>
+        <p:nvSpPr>
+          <p:cNvPr id="5" name="Slide Number Placeholder 4"/>
+          <p:cNvSpPr>
+            <a:spLocks noGrp="1"/>
+          </p:cNvSpPr>
+          <p:nvPr>
+            <p:ph type="sldNum" sz="quarter" idx="12"/>
+          </p:nvPr>
+        </p:nvSpPr>
+        <p:spPr/>
+        <p:txBody>
+          <a:bodyPr/>
+          <a:lstStyle/>
+          <a:p>
+            <a:fld id="{0CFEC368-1D7A-4F81-ABF6-AE0E36BAF64C}" type="slidenum">
+              <a:rPr lang="en-US" smtClean="0"/>
+              <a:pPr/>
+              <a:t>20</a:t>
+            </a:fld>
+            <a:endParaRPr lang="en-US" dirty="0"/>
+          </a:p>
+        </p:txBody>
+      </p:sp>
+      <p:sp>
+        <p:nvSpPr>
+          <p:cNvPr id="6" name="Content Placeholder 5"/>
+          <p:cNvSpPr>
+            <a:spLocks noGrp="1"/>
+          </p:cNvSpPr>
+          <p:nvPr>
+            <p:ph sz="quarter" idx="13"/>
+          </p:nvPr>
+        </p:nvSpPr>
+        <p:spPr>
+          <a:xfrm>
+            <a:off x="261865" y="1229391"/>
+            <a:ext cx="8615359" cy="409658"/>
+          </a:xfrm>
+        </p:spPr>
+        <p:txBody>
+          <a:bodyPr>
+            <a:normAutofit/>
+          </a:bodyPr>
+          <a:lstStyle/>
+          <a:p>
+            <a:r>
+              <a:rPr lang="en-US" sz="2000" dirty="0" smtClean="0"/>
+              <a:t>Statistics collected by Charm</a:t>
+            </a:r>
+            <a:endParaRPr lang="en-US" sz="2000" dirty="0"/>
+          </a:p>
+        </p:txBody>
+      </p:sp>
+      <p:sp>
+        <p:nvSpPr>
+          <p:cNvPr id="7" name="Content Placeholder 6"/>
+          <p:cNvSpPr>
+            <a:spLocks noGrp="1"/>
+          </p:cNvSpPr>
+          <p:nvPr>
+            <p:ph sz="quarter" idx="14"/>
+          </p:nvPr>
+        </p:nvSpPr>
+        <p:spPr>
+          <a:xfrm>
+            <a:off x="261865" y="1639049"/>
+            <a:ext cx="8615359" cy="3278581"/>
+          </a:xfrm>
+          <a:solidFill>
+            <a:srgbClr val="CCD1D9"/>
+          </a:solidFill>
+          <a:ln>
+            <a:solidFill>
+              <a:srgbClr val="292934"/>
+            </a:solidFill>
+          </a:ln>
+        </p:spPr>
+        <p:txBody>
+          <a:bodyPr>
+            <a:normAutofit fontScale="62500" lnSpcReduction="20000"/>
+          </a:bodyPr>
+          <a:lstStyle/>
+          <a:p>
+            <a:pPr marL="0" indent="0">
+              <a:buNone/>
+            </a:pPr>
+            <a:r>
+              <a:rPr lang="en-US" b="1" dirty="0" err="1" smtClean="0">
+                <a:latin typeface="Consolas"/>
+                <a:cs typeface="Consolas"/>
+              </a:rPr>
+              <a:t>struct</a:t>
+            </a:r>
+            <a:r>
+              <a:rPr lang="en-US" dirty="0" smtClean="0">
+                <a:latin typeface="Consolas"/>
+                <a:cs typeface="Consolas"/>
+              </a:rPr>
+              <a:t> </a:t>
+            </a:r>
+            <a:r>
+              <a:rPr lang="en-US" dirty="0" err="1">
+                <a:latin typeface="Consolas"/>
+                <a:cs typeface="Consolas"/>
+              </a:rPr>
+              <a:t>LDStats</a:t>
             </a:r>
             <a:r>
               <a:rPr lang="en-US" dirty="0">
-                <a:latin typeface="Lucida Console"/>
-                <a:cs typeface="Lucida Console"/>
-              </a:rPr>
-              <a:t>threaded</a:t>
-            </a:r>
-            <a:r>
-              <a:rPr lang="en-US" dirty="0"/>
-              <a:t> method </a:t>
-            </a:r>
-            <a:endParaRPr lang="en-US" dirty="0" smtClean="0"/>
-          </a:p>
-          <a:p>
-            <a:pPr lvl="1"/>
-            <a:r>
-              <a:rPr lang="en-US" dirty="0" smtClean="0"/>
-              <a:t>A </a:t>
-            </a:r>
-            <a:r>
-              <a:rPr lang="en-US" dirty="0"/>
-              <a:t>threaded method of a </a:t>
-            </a:r>
-            <a:r>
-              <a:rPr lang="en-US" dirty="0" err="1"/>
-              <a:t>chare</a:t>
-            </a:r>
-            <a:r>
-              <a:rPr lang="en-US" dirty="0"/>
-              <a:t> C</a:t>
-            </a:r>
-          </a:p>
-          <a:p>
-            <a:pPr lvl="2"/>
-            <a:r>
-              <a:rPr lang="en-US" dirty="0" smtClean="0"/>
-              <a:t>Can </a:t>
-            </a:r>
-            <a:r>
-              <a:rPr lang="en-US" dirty="0"/>
-              <a:t>suspend, without blocking the processor</a:t>
-            </a:r>
-          </a:p>
-          <a:p>
-            <a:pPr lvl="2"/>
-            <a:r>
-              <a:rPr lang="en-US" dirty="0" smtClean="0"/>
-              <a:t>Other </a:t>
-            </a:r>
-            <a:r>
-              <a:rPr lang="en-US" dirty="0" err="1"/>
+                <a:latin typeface="Consolas"/>
+                <a:cs typeface="Consolas"/>
+              </a:rPr>
+              <a:t> { </a:t>
+            </a:r>
+            <a:r>
+              <a:rPr lang="en-US" i="1" dirty="0">
+                <a:latin typeface="Consolas"/>
+                <a:cs typeface="Consolas"/>
+              </a:rPr>
+              <a:t>// load balancing database </a:t>
+            </a:r>
+            <a:endParaRPr lang="en-US" i="1" dirty="0" smtClean="0">
+              <a:latin typeface="Consolas"/>
+              <a:cs typeface="Consolas"/>
+            </a:endParaRPr>
+          </a:p>
+          <a:p>
+            <a:pPr marL="0" indent="0">
+              <a:buNone/>
+            </a:pPr>
+            <a:r>
+              <a:rPr lang="en-US" dirty="0">
+                <a:latin typeface="Consolas"/>
+                <a:cs typeface="Consolas"/>
+              </a:rPr>
+              <a:t> </a:t>
+            </a:r>
+            <a:r>
+              <a:rPr lang="en-US" dirty="0" smtClean="0">
+                <a:latin typeface="Consolas"/>
+                <a:cs typeface="Consolas"/>
+              </a:rPr>
+              <a:t>  </a:t>
+            </a:r>
+            <a:r>
+              <a:rPr lang="en-US" dirty="0" err="1" smtClean="0">
+                <a:latin typeface="Consolas"/>
+                <a:cs typeface="Consolas"/>
+              </a:rPr>
+              <a:t>ProcStats</a:t>
+            </a:r>
+            <a:r>
+              <a:rPr lang="en-US" dirty="0" smtClean="0">
+                <a:latin typeface="Consolas"/>
+                <a:cs typeface="Consolas"/>
+              </a:rPr>
+              <a:t> </a:t>
+            </a:r>
+            <a:r>
+              <a:rPr lang="en-US" dirty="0">
+                <a:latin typeface="Consolas"/>
+                <a:cs typeface="Consolas"/>
+              </a:rPr>
+              <a:t>∗</a:t>
+            </a:r>
+            <a:r>
+              <a:rPr lang="en-US" dirty="0" err="1">
+                <a:latin typeface="Consolas"/>
+                <a:cs typeface="Consolas"/>
+              </a:rPr>
+              <a:t>procs</a:t>
+            </a:r>
+            <a:r>
+              <a:rPr lang="en-US" dirty="0">
+                <a:latin typeface="Consolas"/>
+                <a:cs typeface="Consolas"/>
+              </a:rPr>
+              <a:t>; </a:t>
+            </a:r>
+            <a:r>
+              <a:rPr lang="en-US" i="1" dirty="0">
+                <a:latin typeface="Consolas"/>
+                <a:cs typeface="Consolas"/>
+              </a:rPr>
+              <a:t>//statistics of PEs</a:t>
+            </a:r>
+          </a:p>
+          <a:p>
+            <a:pPr marL="0" indent="0">
+              <a:buNone/>
+            </a:pPr>
+            <a:r>
+              <a:rPr lang="en-US" dirty="0" smtClean="0">
+                <a:latin typeface="Consolas"/>
+                <a:cs typeface="Consolas"/>
+              </a:rPr>
+              <a:t>   </a:t>
+            </a:r>
+            <a:r>
+              <a:rPr lang="en-US" b="1" dirty="0" err="1" smtClean="0">
+                <a:latin typeface="Consolas"/>
+                <a:cs typeface="Consolas"/>
+              </a:rPr>
+              <a:t>int</a:t>
+            </a:r>
+            <a:r>
+              <a:rPr lang="en-US" b="1" dirty="0" smtClean="0">
+                <a:latin typeface="Consolas"/>
+                <a:cs typeface="Consolas"/>
+              </a:rPr>
+              <a:t> </a:t>
+            </a:r>
+            <a:r>
+              <a:rPr lang="en-US" dirty="0">
+                <a:latin typeface="Consolas"/>
+                <a:cs typeface="Consolas"/>
+              </a:rPr>
+              <a:t>count</a:t>
+            </a:r>
+            <a:r>
+              <a:rPr lang="en-US" dirty="0" smtClean="0">
+                <a:latin typeface="Consolas"/>
+                <a:cs typeface="Consolas"/>
+              </a:rPr>
+              <a:t>;</a:t>
+            </a:r>
+          </a:p>
+          <a:p>
+            <a:pPr marL="0" indent="0">
+              <a:buNone/>
+            </a:pPr>
+            <a:endParaRPr lang="en-US" dirty="0">
+              <a:latin typeface="Consolas"/>
+              <a:cs typeface="Consolas"/>
+            </a:endParaRPr>
+          </a:p>
+          <a:p>
+            <a:pPr marL="0" indent="0">
+              <a:buNone/>
+            </a:pPr>
+            <a:r>
+              <a:rPr lang="en-US" dirty="0" smtClean="0">
+                <a:latin typeface="Consolas"/>
+                <a:cs typeface="Consolas"/>
+              </a:rPr>
+              <a:t>   </a:t>
+            </a:r>
+            <a:r>
+              <a:rPr lang="en-US" b="1" dirty="0" err="1" smtClean="0">
+                <a:latin typeface="Consolas"/>
+                <a:cs typeface="Consolas"/>
+              </a:rPr>
+              <a:t>int</a:t>
+            </a:r>
+            <a:r>
+              <a:rPr lang="en-US" b="1" dirty="0" smtClean="0">
+                <a:latin typeface="Consolas"/>
+                <a:cs typeface="Consolas"/>
+              </a:rPr>
+              <a:t> </a:t>
+            </a:r>
+            <a:r>
+              <a:rPr lang="en-US" dirty="0" err="1" smtClean="0">
+                <a:latin typeface="Consolas"/>
+                <a:cs typeface="Consolas"/>
+              </a:rPr>
+              <a:t>n_objs</a:t>
+            </a:r>
+            <a:r>
+              <a:rPr lang="en-US" dirty="0">
+                <a:latin typeface="Consolas"/>
+                <a:cs typeface="Consolas"/>
+              </a:rPr>
+              <a:t>;</a:t>
+            </a:r>
+          </a:p>
+          <a:p>
+            <a:pPr marL="0" indent="0">
+              <a:buNone/>
+            </a:pPr>
+            <a:r>
+              <a:rPr lang="en-US" dirty="0" smtClean="0">
+                <a:latin typeface="Consolas"/>
+                <a:cs typeface="Consolas"/>
+              </a:rPr>
+              <a:t>   </a:t>
+            </a:r>
+            <a:r>
+              <a:rPr lang="en-US" b="1" dirty="0" err="1" smtClean="0">
+                <a:latin typeface="Consolas"/>
+                <a:cs typeface="Consolas"/>
+              </a:rPr>
+              <a:t>int</a:t>
+            </a:r>
+            <a:r>
+              <a:rPr lang="en-US" b="1" dirty="0" smtClean="0">
+                <a:latin typeface="Consolas"/>
+                <a:cs typeface="Consolas"/>
+              </a:rPr>
+              <a:t> </a:t>
+            </a:r>
+            <a:r>
+              <a:rPr lang="en-US" dirty="0" err="1" smtClean="0">
+                <a:latin typeface="Consolas"/>
+                <a:cs typeface="Consolas"/>
+              </a:rPr>
+              <a:t>n_migrateobjs</a:t>
+            </a:r>
+            <a:r>
+              <a:rPr lang="en-US" dirty="0">
+                <a:latin typeface="Consolas"/>
+                <a:cs typeface="Consolas"/>
+              </a:rPr>
+              <a:t>;</a:t>
+            </a:r>
+          </a:p>
+          <a:p>
+            <a:pPr marL="0" indent="0">
+              <a:buNone/>
+            </a:pPr>
+            <a:r>
+              <a:rPr lang="en-US" dirty="0" smtClean="0">
+                <a:latin typeface="Consolas"/>
+                <a:cs typeface="Consolas"/>
+              </a:rPr>
+              <a:t>   </a:t>
+            </a:r>
+            <a:r>
+              <a:rPr lang="en-US" dirty="0" err="1" smtClean="0">
+                <a:latin typeface="Consolas"/>
+                <a:cs typeface="Consolas"/>
+              </a:rPr>
+              <a:t>LDObjData</a:t>
+            </a:r>
+            <a:r>
+              <a:rPr lang="en-US" dirty="0">
+                <a:latin typeface="Consolas"/>
+                <a:cs typeface="Consolas"/>
+              </a:rPr>
+              <a:t>∗ </a:t>
+            </a:r>
+            <a:r>
+              <a:rPr lang="en-US" dirty="0" err="1">
+                <a:latin typeface="Consolas"/>
+                <a:cs typeface="Consolas"/>
+              </a:rPr>
+              <a:t>objData</a:t>
+            </a:r>
+            <a:r>
+              <a:rPr lang="en-US" dirty="0">
+                <a:latin typeface="Consolas"/>
+                <a:cs typeface="Consolas"/>
+              </a:rPr>
+              <a:t>; </a:t>
+            </a:r>
+            <a:r>
+              <a:rPr lang="en-US" i="1" dirty="0">
+                <a:latin typeface="Consolas"/>
+                <a:cs typeface="Consolas"/>
+              </a:rPr>
+              <a:t>//info regarding </a:t>
+            </a:r>
+            <a:r>
+              <a:rPr lang="en-US" i="1" dirty="0" err="1">
+                <a:latin typeface="Consolas"/>
+                <a:cs typeface="Consolas"/>
+              </a:rPr>
               <a:t>chares</a:t>
             </a:r>
-            <a:r>
-              <a:rPr lang="en-US" dirty="0"/>
-              <a:t> can then be executed</a:t>
-            </a:r>
-          </a:p>
-          <a:p>
-            <a:pPr lvl="2"/>
-            <a:r>
-              <a:rPr lang="en-US" dirty="0" smtClean="0"/>
-              <a:t>Even </a:t>
-            </a:r>
-            <a:r>
-              <a:rPr lang="en-US" dirty="0"/>
-              <a:t>other methods of </a:t>
-            </a:r>
-            <a:r>
-              <a:rPr lang="en-US" dirty="0" err="1"/>
-              <a:t>chare</a:t>
-            </a:r>
-            <a:r>
-              <a:rPr lang="en-US" dirty="0"/>
-              <a:t> C can be executed</a:t>
-            </a:r>
-          </a:p>
-          <a:p>
-            <a:r>
-              <a:rPr lang="en-US" dirty="0"/>
-              <a:t>Low level thread operations for advanced users:</a:t>
-            </a:r>
-          </a:p>
-          <a:p>
-            <a:pPr lvl="1"/>
-            <a:r>
-              <a:rPr lang="en-US" dirty="0" err="1" smtClean="0">
-                <a:latin typeface="Consolas"/>
-                <a:cs typeface="Consolas"/>
-              </a:rPr>
-              <a:t>CthThread</a:t>
-            </a:r>
-            <a:r>
-              <a:rPr lang="en-US" dirty="0" smtClean="0">
-                <a:latin typeface="Consolas"/>
-                <a:cs typeface="Consolas"/>
-              </a:rPr>
-              <a:t> </a:t>
-            </a:r>
-            <a:r>
-              <a:rPr lang="en-US" dirty="0" err="1">
-                <a:latin typeface="Consolas"/>
-                <a:cs typeface="Consolas"/>
-              </a:rPr>
-              <a:t>CthSelf</a:t>
-            </a:r>
-            <a:r>
-              <a:rPr lang="en-US" dirty="0">
-                <a:latin typeface="Consolas"/>
-                <a:cs typeface="Consolas"/>
-              </a:rPr>
-              <a:t>()</a:t>
-            </a:r>
-          </a:p>
-          <a:p>
-            <a:pPr lvl="1"/>
-            <a:r>
-              <a:rPr lang="en-US" dirty="0" err="1" smtClean="0">
-                <a:latin typeface="Consolas"/>
-                <a:cs typeface="Consolas"/>
-              </a:rPr>
-              <a:t>CthAwaken</a:t>
-            </a:r>
-            <a:r>
-              <a:rPr lang="en-US" dirty="0">
-                <a:latin typeface="Consolas"/>
-                <a:cs typeface="Consolas"/>
-              </a:rPr>
-              <a:t>(</a:t>
-            </a:r>
-            <a:r>
-              <a:rPr lang="en-US" dirty="0" err="1">
-                <a:latin typeface="Consolas"/>
-                <a:cs typeface="Consolas"/>
-              </a:rPr>
-              <a:t>CthThread</a:t>
-            </a:r>
-            <a:r>
-              <a:rPr lang="en-US" dirty="0">
-                <a:latin typeface="Consolas"/>
-                <a:cs typeface="Consolas"/>
-              </a:rPr>
-              <a:t> t) </a:t>
-            </a:r>
+            <a:endParaRPr lang="en-US" i="1" dirty="0">
+              <a:latin typeface="Consolas"/>
+              <a:cs typeface="Consolas"/>
+            </a:endParaRPr>
+          </a:p>
+          <a:p>
+            <a:pPr marL="0" indent="0">
+              <a:buNone/>
+            </a:pPr>
             <a:endParaRPr lang="en-US" dirty="0" smtClean="0">
               <a:latin typeface="Consolas"/>
               <a:cs typeface="Consolas"/>
             </a:endParaRPr>
           </a:p>
           <a:p>
-            <a:pPr lvl="1"/>
+            <a:pPr marL="0" indent="0">
+              <a:buNone/>
+            </a:pPr>
+            <a:r>
+              <a:rPr lang="en-US" dirty="0">
+                <a:latin typeface="Consolas"/>
+                <a:cs typeface="Consolas"/>
+              </a:rPr>
+              <a:t> </a:t>
+            </a:r>
+            <a:r>
+              <a:rPr lang="en-US" dirty="0" smtClean="0">
+                <a:latin typeface="Consolas"/>
+                <a:cs typeface="Consolas"/>
+              </a:rPr>
+              <a:t>  </a:t>
+            </a:r>
+            <a:r>
+              <a:rPr lang="en-US" b="1" dirty="0" err="1" smtClean="0">
+                <a:latin typeface="Consolas"/>
+                <a:cs typeface="Consolas"/>
+              </a:rPr>
+              <a:t>int</a:t>
+            </a:r>
+            <a:r>
+              <a:rPr lang="en-US" b="1" dirty="0" smtClean="0">
+                <a:latin typeface="Consolas"/>
+                <a:cs typeface="Consolas"/>
+              </a:rPr>
+              <a:t> </a:t>
+            </a:r>
             <a:r>
               <a:rPr lang="en-US" dirty="0" err="1" smtClean="0">
                 <a:latin typeface="Consolas"/>
                 <a:cs typeface="Consolas"/>
               </a:rPr>
-              <a:t>CthYield</a:t>
+              <a:t>n_comm</a:t>
             </a:r>
             <a:r>
               <a:rPr lang="en-US" dirty="0">
                 <a:latin typeface="Consolas"/>
                 <a:cs typeface="Consolas"/>
               </a:rPr>
-              <a:t>()</a:t>
-            </a:r>
-          </a:p>
-          <a:p>
-            <a:pPr lvl="1"/>
+              <a:t>;</a:t>
+            </a:r>
+          </a:p>
+          <a:p>
+            <a:pPr marL="0" indent="0">
+              <a:buNone/>
+            </a:pPr>
+            <a:r>
+              <a:rPr lang="en-US" dirty="0" smtClean="0">
+                <a:latin typeface="Consolas"/>
+                <a:cs typeface="Consolas"/>
+              </a:rPr>
+              <a:t>   </a:t>
+            </a:r>
             <a:r>
               <a:rPr lang="en-US" dirty="0" err="1" smtClean="0">
                 <a:latin typeface="Consolas"/>
                 <a:cs typeface="Consolas"/>
               </a:rPr>
-              <a:t>CthSuspend</a:t>
+              <a:t>LDCommData</a:t>
             </a:r>
             <a:r>
               <a:rPr lang="en-US" dirty="0">
                 <a:latin typeface="Consolas"/>
                 <a:cs typeface="Consolas"/>
               </a:rPr>
-              <a:t>()</a:t>
-            </a:r>
-          </a:p>
-        </p:txBody>
-      </p:sp>
-      <p:sp>
-        <p:nvSpPr>
-          <p:cNvPr id="3" name="Date Placeholder 2"/>
-          <p:cNvSpPr>
-            <a:spLocks noGrp="1"/>
-          </p:cNvSpPr>
-          <p:nvPr>
-            <p:ph type="dt" sz="half" idx="10"/>
-          </p:nvPr>
-        </p:nvSpPr>
-        <p:spPr/>
-        <p:txBody>
-          <a:bodyPr/>
-          <a:lstStyle/>
-          <a:p>
-            <a:fld id="{BD5AFB16-13FE-DF4A-8CB7-09756A57B2EA}" type="datetime2">
-              <a:rPr lang="en-US" smtClean="0"/>
-              <a:t>Tuesday, September 9, 14</a:t>
-            </a:fld>
-            <a:endParaRPr lang="en-US" dirty="0"/>
-          </a:p>
-        </p:txBody>
-      </p:sp>
-      <p:sp>
-        <p:nvSpPr>
-          <p:cNvPr id="4" name="Footer Placeholder 3"/>
-          <p:cNvSpPr>
-            <a:spLocks noGrp="1"/>
-          </p:cNvSpPr>
-          <p:nvPr>
-            <p:ph type="ftr" sz="quarter" idx="11"/>
-          </p:nvPr>
-        </p:nvSpPr>
-        <p:spPr/>
-        <p:txBody>
-          <a:bodyPr/>
-          <a:lstStyle/>
-          <a:p>
-            <a:pPr algn="r"/>
-            <a:r>
-              <a:rPr lang="en-US" smtClean="0"/>
-              <a:t>Sanjay Kalé and PPL (UIUC) – Parallel Migratable Objects </a:t>
-            </a:r>
-            <a:endParaRPr lang="en-US" dirty="0"/>
-          </a:p>
-        </p:txBody>
-      </p:sp>
-      <p:sp>
-        <p:nvSpPr>
-          <p:cNvPr id="5" name="Slide Number Placeholder 4"/>
-          <p:cNvSpPr>
-            <a:spLocks noGrp="1"/>
-          </p:cNvSpPr>
-          <p:nvPr>
-            <p:ph type="sldNum" sz="quarter" idx="12"/>
-          </p:nvPr>
-        </p:nvSpPr>
-        <p:spPr/>
-        <p:txBody>
-          <a:bodyPr/>
-          <a:lstStyle/>
-          <a:p>
-            <a:fld id="{0CFEC368-1D7A-4F81-ABF6-AE0E36BAF64C}" type="slidenum">
-              <a:rPr lang="en-US" smtClean="0"/>
-              <a:pPr/>
-              <a:t>20</a:t>
-            </a:fld>
-            <a:endParaRPr lang="en-US" dirty="0"/>
+              <a:t>∗ </a:t>
+            </a:r>
+            <a:r>
+              <a:rPr lang="en-US" dirty="0" err="1">
+                <a:latin typeface="Consolas"/>
+                <a:cs typeface="Consolas"/>
+              </a:rPr>
+              <a:t>commData</a:t>
+            </a:r>
+            <a:r>
+              <a:rPr lang="en-US" dirty="0">
+                <a:latin typeface="Consolas"/>
+                <a:cs typeface="Consolas"/>
+              </a:rPr>
+              <a:t>; </a:t>
+            </a:r>
+            <a:r>
+              <a:rPr lang="en-US" i="1" dirty="0">
+                <a:latin typeface="Consolas"/>
+                <a:cs typeface="Consolas"/>
+              </a:rPr>
+              <a:t>//communication information</a:t>
+            </a:r>
+          </a:p>
+          <a:p>
+            <a:pPr marL="0" indent="0">
+              <a:buNone/>
+            </a:pPr>
+            <a:endParaRPr lang="en-US" dirty="0" smtClean="0">
+              <a:latin typeface="Consolas"/>
+              <a:cs typeface="Consolas"/>
+            </a:endParaRPr>
+          </a:p>
+          <a:p>
+            <a:pPr marL="0" indent="0">
+              <a:buNone/>
+            </a:pPr>
+            <a:r>
+              <a:rPr lang="en-US" dirty="0">
+                <a:latin typeface="Consolas"/>
+                <a:cs typeface="Consolas"/>
+              </a:rPr>
+              <a:t> </a:t>
+            </a:r>
+            <a:r>
+              <a:rPr lang="en-US" dirty="0" smtClean="0">
+                <a:latin typeface="Consolas"/>
+                <a:cs typeface="Consolas"/>
+              </a:rPr>
+              <a:t>  </a:t>
+            </a:r>
+            <a:r>
+              <a:rPr lang="en-US" b="1" dirty="0" err="1" smtClean="0">
+                <a:latin typeface="Consolas"/>
+                <a:cs typeface="Consolas"/>
+              </a:rPr>
+              <a:t>int</a:t>
+            </a:r>
+            <a:r>
+              <a:rPr lang="en-US" b="1" dirty="0" smtClean="0">
+                <a:latin typeface="Consolas"/>
+                <a:cs typeface="Consolas"/>
+              </a:rPr>
+              <a:t> </a:t>
+            </a:r>
+            <a:r>
+              <a:rPr lang="en-US" dirty="0">
+                <a:latin typeface="Consolas"/>
+                <a:cs typeface="Consolas"/>
+              </a:rPr>
+              <a:t>∗</a:t>
+            </a:r>
+            <a:r>
+              <a:rPr lang="en-US" dirty="0" err="1" smtClean="0">
+                <a:latin typeface="Consolas"/>
+                <a:cs typeface="Consolas"/>
+              </a:rPr>
+              <a:t>from_proc</a:t>
+            </a:r>
+            <a:r>
+              <a:rPr lang="en-US" dirty="0">
+                <a:latin typeface="Consolas"/>
+                <a:cs typeface="Consolas"/>
+              </a:rPr>
+              <a:t>, ∗</a:t>
+            </a:r>
+            <a:r>
+              <a:rPr lang="en-US" dirty="0" err="1" smtClean="0">
+                <a:latin typeface="Consolas"/>
+                <a:cs typeface="Consolas"/>
+              </a:rPr>
+              <a:t>to_proc</a:t>
+            </a:r>
+            <a:r>
+              <a:rPr lang="en-US" dirty="0">
+                <a:latin typeface="Consolas"/>
+                <a:cs typeface="Consolas"/>
+              </a:rPr>
+              <a:t>; </a:t>
+            </a:r>
+            <a:r>
+              <a:rPr lang="en-US" i="1" dirty="0">
+                <a:latin typeface="Consolas"/>
+                <a:cs typeface="Consolas"/>
+              </a:rPr>
+              <a:t>//residence </a:t>
+            </a:r>
+            <a:r>
+              <a:rPr lang="en-US" i="1" dirty="0" smtClean="0">
+                <a:latin typeface="Consolas"/>
+                <a:cs typeface="Consolas"/>
+              </a:rPr>
+              <a:t>of </a:t>
+            </a:r>
+            <a:r>
+              <a:rPr lang="en-US" dirty="0" err="1" smtClean="0">
+                <a:latin typeface="Consolas"/>
+                <a:cs typeface="Consolas"/>
+              </a:rPr>
+              <a:t>chares</a:t>
+            </a:r>
+            <a:endParaRPr lang="en-US" dirty="0">
+              <a:latin typeface="Consolas"/>
+              <a:cs typeface="Consolas"/>
+            </a:endParaRPr>
+          </a:p>
+          <a:p>
+            <a:pPr marL="0" indent="0">
+              <a:buNone/>
+            </a:pPr>
+            <a:r>
+              <a:rPr lang="en-US" dirty="0">
+                <a:latin typeface="Consolas"/>
+                <a:cs typeface="Consolas"/>
+              </a:rPr>
+              <a:t>}</a:t>
+            </a:r>
+          </a:p>
+        </p:txBody>
+      </p:sp>
+      <p:sp>
+        <p:nvSpPr>
+          <p:cNvPr id="8" name="Content Placeholder 7"/>
+          <p:cNvSpPr>
+            <a:spLocks noGrp="1"/>
+          </p:cNvSpPr>
+          <p:nvPr>
+            <p:ph sz="quarter" idx="15"/>
+          </p:nvPr>
+        </p:nvSpPr>
+        <p:spPr>
+          <a:xfrm>
+            <a:off x="261865" y="4935360"/>
+            <a:ext cx="8615359" cy="1136650"/>
+          </a:xfrm>
+        </p:spPr>
+        <p:txBody>
+          <a:bodyPr>
+            <a:normAutofit fontScale="92500" lnSpcReduction="10000"/>
+          </a:bodyPr>
+          <a:lstStyle/>
+          <a:p>
+            <a:r>
+              <a:rPr lang="en-US" dirty="0"/>
+              <a:t>Use </a:t>
+            </a:r>
+            <a:r>
+              <a:rPr lang="en-US" dirty="0" err="1"/>
+              <a:t>LDStats</a:t>
+            </a:r>
+            <a:r>
+              <a:rPr lang="en-US" dirty="0"/>
+              <a:t>, </a:t>
+            </a:r>
+            <a:r>
+              <a:rPr lang="en-US" dirty="0" err="1"/>
+              <a:t>ProcArray</a:t>
+            </a:r>
+            <a:r>
+              <a:rPr lang="en-US" dirty="0"/>
+              <a:t> and </a:t>
+            </a:r>
+            <a:r>
+              <a:rPr lang="en-US" dirty="0" err="1"/>
+              <a:t>ObjGraph</a:t>
+            </a:r>
+            <a:r>
+              <a:rPr lang="en-US" dirty="0"/>
+              <a:t> for processor load and communication statistics</a:t>
+            </a:r>
+          </a:p>
+          <a:p>
+            <a:r>
+              <a:rPr lang="en-US" i="1" dirty="0"/>
+              <a:t>work</a:t>
+            </a:r>
+            <a:r>
+              <a:rPr lang="en-US" dirty="0"/>
+              <a:t> is the function invoked by Charm RTS to perform load balancing</a:t>
+            </a:r>
           </a:p>
         </p:txBody>
       </p:sp>
     </p:spTree>
     <p:extLst>
       <p:ext uri="{BB962C8B-B14F-4D97-AF65-F5344CB8AC3E}">
-        <p14:creationId xmlns:p14="http://schemas.microsoft.com/office/powerpoint/2010/main" val="3106911642"/>
+        <p14:creationId xmlns:p14="http://schemas.microsoft.com/office/powerpoint/2010/main" val="3339181872"/>
       </p:ext>
     </p:extLst>
   </p:cSld>
@@ -8961,13 +11223,13 @@
         <p:spPr/>
         <p:txBody>
           <a:bodyPr>
-            <a:normAutofit fontScale="90000"/>
+            <a:normAutofit/>
           </a:bodyPr>
           <a:lstStyle/>
           <a:p>
             <a:r>
               <a:rPr lang="en-US" dirty="0" smtClean="0"/>
-              <a:t>Customized Load Balancers</a:t>
+              <a:t>Conclusion</a:t>
             </a:r>
             <a:endParaRPr lang="en-US" dirty="0"/>
           </a:p>
@@ -8975,91 +11237,15 @@
       </p:sp>
       <p:sp>
         <p:nvSpPr>
-          <p:cNvPr id="3" name="Date Placeholder 2"/>
-          <p:cNvSpPr>
-            <a:spLocks noGrp="1"/>
-          </p:cNvSpPr>
-          <p:nvPr>
-            <p:ph type="dt" sz="half" idx="10"/>
-          </p:nvPr>
-        </p:nvSpPr>
-        <p:spPr/>
-        <p:txBody>
-          <a:bodyPr/>
-          <a:lstStyle/>
-          <a:p>
-            <a:fld id="{BD5AFB16-13FE-DF4A-8CB7-09756A57B2EA}" type="datetime2">
-              <a:rPr lang="en-US" smtClean="0"/>
-              <a:t>Tuesday, September 9, 14</a:t>
-            </a:fld>
-            <a:endParaRPr lang="en-US" dirty="0"/>
-          </a:p>
-        </p:txBody>
-      </p:sp>
-      <p:sp>
-        <p:nvSpPr>
-          <p:cNvPr id="4" name="Footer Placeholder 3"/>
-          <p:cNvSpPr>
-            <a:spLocks noGrp="1"/>
-          </p:cNvSpPr>
-          <p:nvPr>
-            <p:ph type="ftr" sz="quarter" idx="11"/>
-          </p:nvPr>
-        </p:nvSpPr>
-        <p:spPr/>
-        <p:txBody>
-          <a:bodyPr/>
-          <a:lstStyle/>
-          <a:p>
-            <a:pPr algn="r"/>
-            <a:r>
-              <a:rPr lang="en-US" smtClean="0"/>
-              <a:t>Sanjay Kalé and PPL (UIUC) – Parallel Migratable Objects </a:t>
-            </a:r>
-            <a:endParaRPr lang="en-US" dirty="0"/>
-          </a:p>
-        </p:txBody>
-      </p:sp>
-      <p:sp>
-        <p:nvSpPr>
-          <p:cNvPr id="5" name="Slide Number Placeholder 4"/>
-          <p:cNvSpPr>
-            <a:spLocks noGrp="1"/>
-          </p:cNvSpPr>
-          <p:nvPr>
-            <p:ph type="sldNum" sz="quarter" idx="12"/>
-          </p:nvPr>
-        </p:nvSpPr>
-        <p:spPr/>
-        <p:txBody>
-          <a:bodyPr/>
-          <a:lstStyle/>
-          <a:p>
-            <a:fld id="{0CFEC368-1D7A-4F81-ABF6-AE0E36BAF64C}" type="slidenum">
-              <a:rPr lang="en-US" smtClean="0"/>
-              <a:pPr/>
-              <a:t>21</a:t>
-            </a:fld>
-            <a:endParaRPr lang="en-US" dirty="0"/>
-          </a:p>
-        </p:txBody>
-      </p:sp>
-      <p:sp>
-        <p:nvSpPr>
-          <p:cNvPr id="6" name="Content Placeholder 5"/>
-          <p:cNvSpPr>
-            <a:spLocks noGrp="1"/>
-          </p:cNvSpPr>
-          <p:nvPr>
-            <p:ph sz="quarter" idx="13"/>
-          </p:nvPr>
-        </p:nvSpPr>
-        <p:spPr>
-          <a:xfrm>
-            <a:off x="457200" y="1229391"/>
-            <a:ext cx="8229600" cy="409658"/>
-          </a:xfrm>
-        </p:spPr>
+          <p:cNvPr id="10" name="Content Placeholder 9"/>
+          <p:cNvSpPr>
+            <a:spLocks noGrp="1"/>
+          </p:cNvSpPr>
+          <p:nvPr>
+            <p:ph idx="1"/>
+          </p:nvPr>
+        </p:nvSpPr>
+        <p:spPr/>
         <p:txBody>
           <a:bodyPr>
             <a:normAutofit/>
@@ -9067,598 +11253,113 @@
           <a:lstStyle/>
           <a:p>
             <a:r>
-              <a:rPr lang="en-US" sz="2000" dirty="0" smtClean="0"/>
-              <a:t>Statistics collected by Charm</a:t>
-            </a:r>
-            <a:endParaRPr lang="en-US" sz="2000" dirty="0"/>
-          </a:p>
-        </p:txBody>
-      </p:sp>
-      <p:sp>
-        <p:nvSpPr>
-          <p:cNvPr id="7" name="Content Placeholder 6"/>
-          <p:cNvSpPr>
-            <a:spLocks noGrp="1"/>
-          </p:cNvSpPr>
-          <p:nvPr>
-            <p:ph sz="quarter" idx="14"/>
-          </p:nvPr>
-        </p:nvSpPr>
-        <p:spPr>
-          <a:xfrm>
-            <a:off x="457200" y="1639049"/>
-            <a:ext cx="8229600" cy="3278581"/>
-          </a:xfrm>
-          <a:solidFill>
-            <a:srgbClr val="CCD1D9"/>
-          </a:solidFill>
-          <a:ln>
-            <a:solidFill>
-              <a:srgbClr val="292934"/>
-            </a:solidFill>
-          </a:ln>
-        </p:spPr>
-        <p:txBody>
-          <a:bodyPr>
-            <a:normAutofit fontScale="62500" lnSpcReduction="20000"/>
-          </a:bodyPr>
-          <a:lstStyle/>
-          <a:p>
-            <a:pPr marL="0" indent="0">
-              <a:buNone/>
-            </a:pPr>
-            <a:r>
-              <a:rPr lang="en-US" b="1" dirty="0" err="1" smtClean="0"/>
-              <a:t>struct</a:t>
-            </a:r>
-            <a:r>
-              <a:rPr lang="en-US" dirty="0" smtClean="0"/>
-              <a:t> </a:t>
-            </a:r>
-            <a:r>
-              <a:rPr lang="en-US" dirty="0" err="1"/>
-              <a:t>LDStats</a:t>
-            </a:r>
-            <a:r>
-              <a:rPr lang="en-US" dirty="0"/>
-              <a:t> { </a:t>
-            </a:r>
-            <a:r>
-              <a:rPr lang="en-US" i="1" dirty="0"/>
-              <a:t>// load balancing database </a:t>
-            </a:r>
-            <a:endParaRPr lang="en-US" i="1" dirty="0" smtClean="0"/>
-          </a:p>
-          <a:p>
-            <a:pPr marL="0" indent="0">
-              <a:buNone/>
-            </a:pPr>
-            <a:r>
-              <a:rPr lang="en-US" dirty="0"/>
-              <a:t> </a:t>
-            </a:r>
-            <a:r>
-              <a:rPr lang="en-US" dirty="0" smtClean="0"/>
-              <a:t>  </a:t>
-            </a:r>
-            <a:r>
-              <a:rPr lang="en-US" dirty="0" err="1" smtClean="0"/>
-              <a:t>ProcStats</a:t>
-            </a:r>
-            <a:r>
-              <a:rPr lang="en-US" dirty="0" smtClean="0"/>
-              <a:t> </a:t>
-            </a:r>
-            <a:r>
-              <a:rPr lang="en-US" dirty="0"/>
-              <a:t>∗</a:t>
-            </a:r>
-            <a:r>
-              <a:rPr lang="en-US" dirty="0" err="1"/>
-              <a:t>procs</a:t>
-            </a:r>
-            <a:r>
-              <a:rPr lang="en-US" dirty="0"/>
-              <a:t>; </a:t>
-            </a:r>
-            <a:r>
-              <a:rPr lang="en-US" i="1" dirty="0"/>
-              <a:t>//statistics of PEs</a:t>
-            </a:r>
-          </a:p>
-          <a:p>
-            <a:pPr marL="0" indent="0">
-              <a:buNone/>
-            </a:pPr>
-            <a:r>
-              <a:rPr lang="en-US" dirty="0" smtClean="0"/>
-              <a:t>   </a:t>
-            </a:r>
-            <a:r>
-              <a:rPr lang="en-US" b="1" dirty="0" err="1" smtClean="0"/>
-              <a:t>int</a:t>
-            </a:r>
-            <a:r>
-              <a:rPr lang="en-US" b="1" dirty="0" smtClean="0"/>
-              <a:t> </a:t>
-            </a:r>
-            <a:r>
-              <a:rPr lang="en-US" dirty="0"/>
-              <a:t>count</a:t>
-            </a:r>
-            <a:r>
-              <a:rPr lang="en-US" dirty="0" smtClean="0"/>
-              <a:t>;</a:t>
-            </a:r>
-          </a:p>
-          <a:p>
-            <a:pPr marL="0" indent="0">
-              <a:buNone/>
-            </a:pPr>
+              <a:rPr lang="en-US" dirty="0"/>
+              <a:t>Charm++ is a production-ready parallel programming system </a:t>
+            </a:r>
+            <a:endParaRPr lang="en-US" dirty="0" smtClean="0"/>
+          </a:p>
+          <a:p>
+            <a:r>
+              <a:rPr lang="en-US" dirty="0" smtClean="0"/>
+              <a:t>Program </a:t>
+            </a:r>
+            <a:r>
+              <a:rPr lang="en-US" dirty="0"/>
+              <a:t>mostly in C++</a:t>
+            </a:r>
+          </a:p>
+          <a:p>
+            <a:r>
+              <a:rPr lang="en-US" dirty="0"/>
+              <a:t>Very powerful runtime system</a:t>
+            </a:r>
+          </a:p>
+          <a:p>
+            <a:pPr lvl="1"/>
+            <a:r>
+              <a:rPr lang="en-US" dirty="0" smtClean="0"/>
+              <a:t>Dynamic </a:t>
+            </a:r>
+            <a:r>
+              <a:rPr lang="en-US" dirty="0"/>
+              <a:t>load balancing</a:t>
+            </a:r>
+          </a:p>
+          <a:p>
+            <a:pPr lvl="1"/>
+            <a:r>
+              <a:rPr lang="en-US" dirty="0" smtClean="0"/>
+              <a:t>Automatic </a:t>
+            </a:r>
+            <a:r>
+              <a:rPr lang="en-US" dirty="0"/>
+              <a:t>overlap of computation and communication </a:t>
+            </a:r>
+            <a:endParaRPr lang="en-US" dirty="0" smtClean="0"/>
+          </a:p>
+          <a:p>
+            <a:pPr lvl="1"/>
+            <a:r>
+              <a:rPr lang="en-US" dirty="0" smtClean="0"/>
+              <a:t>Fault </a:t>
+            </a:r>
+            <a:r>
+              <a:rPr lang="en-US" dirty="0"/>
+              <a:t>tolerance built in</a:t>
+            </a:r>
+          </a:p>
+          <a:p>
+            <a:r>
+              <a:rPr lang="en-US" dirty="0"/>
+              <a:t>Topics we did not cover:</a:t>
+            </a:r>
+          </a:p>
+          <a:p>
+            <a:pPr lvl="1"/>
+            <a:r>
+              <a:rPr lang="en-US" dirty="0" smtClean="0"/>
+              <a:t>Many different </a:t>
+            </a:r>
+            <a:r>
+              <a:rPr lang="en-US" dirty="0"/>
+              <a:t>types of load balancers </a:t>
+            </a:r>
+            <a:endParaRPr lang="en-US" dirty="0" smtClean="0"/>
+          </a:p>
+          <a:p>
+            <a:pPr lvl="1"/>
+            <a:r>
+              <a:rPr lang="en-US" dirty="0" smtClean="0"/>
+              <a:t>Threaded </a:t>
+            </a:r>
+            <a:r>
+              <a:rPr lang="en-US" dirty="0"/>
+              <a:t>methods in detail</a:t>
+            </a:r>
+          </a:p>
+          <a:p>
+            <a:pPr lvl="1"/>
+            <a:r>
+              <a:rPr lang="en-US" dirty="0" smtClean="0"/>
+              <a:t>Futures</a:t>
+            </a:r>
             <a:endParaRPr lang="en-US" dirty="0"/>
           </a:p>
           <a:p>
-            <a:pPr marL="0" indent="0">
-              <a:buNone/>
-            </a:pPr>
-            <a:r>
-              <a:rPr lang="en-US" dirty="0" smtClean="0"/>
-              <a:t>   </a:t>
-            </a:r>
-            <a:r>
-              <a:rPr lang="en-US" b="1" dirty="0" err="1" smtClean="0"/>
-              <a:t>int</a:t>
-            </a:r>
-            <a:r>
-              <a:rPr lang="en-US" b="1" dirty="0" smtClean="0"/>
-              <a:t> </a:t>
-            </a:r>
-            <a:r>
-              <a:rPr lang="en-US" dirty="0" err="1" smtClean="0"/>
-              <a:t>n_objs</a:t>
-            </a:r>
-            <a:r>
-              <a:rPr lang="en-US" dirty="0"/>
-              <a:t>;</a:t>
-            </a:r>
-          </a:p>
-          <a:p>
-            <a:pPr marL="0" indent="0">
-              <a:buNone/>
-            </a:pPr>
-            <a:r>
-              <a:rPr lang="en-US" dirty="0" smtClean="0"/>
-              <a:t>   </a:t>
-            </a:r>
-            <a:r>
-              <a:rPr lang="en-US" b="1" dirty="0" err="1" smtClean="0"/>
-              <a:t>int</a:t>
-            </a:r>
-            <a:r>
-              <a:rPr lang="en-US" b="1" dirty="0" smtClean="0"/>
-              <a:t> </a:t>
-            </a:r>
-            <a:r>
-              <a:rPr lang="en-US" dirty="0" err="1" smtClean="0"/>
-              <a:t>n_migrateobjs</a:t>
-            </a:r>
-            <a:r>
-              <a:rPr lang="en-US" dirty="0"/>
-              <a:t>;</a:t>
-            </a:r>
-          </a:p>
-          <a:p>
-            <a:pPr marL="0" indent="0">
-              <a:buNone/>
-            </a:pPr>
-            <a:r>
-              <a:rPr lang="en-US" dirty="0" smtClean="0"/>
-              <a:t>   </a:t>
-            </a:r>
-            <a:r>
-              <a:rPr lang="en-US" dirty="0" err="1" smtClean="0"/>
-              <a:t>LDObjData</a:t>
-            </a:r>
-            <a:r>
-              <a:rPr lang="en-US" dirty="0"/>
-              <a:t>∗ </a:t>
-            </a:r>
-            <a:r>
-              <a:rPr lang="en-US" dirty="0" err="1"/>
-              <a:t>objData</a:t>
-            </a:r>
-            <a:r>
-              <a:rPr lang="en-US" dirty="0"/>
-              <a:t>; </a:t>
-            </a:r>
-            <a:r>
-              <a:rPr lang="en-US" i="1" dirty="0"/>
-              <a:t>//info regarding </a:t>
-            </a:r>
-            <a:r>
-              <a:rPr lang="en-US" i="1" dirty="0" err="1"/>
-              <a:t>chares</a:t>
-            </a:r>
-            <a:endParaRPr lang="en-US" i="1" dirty="0"/>
-          </a:p>
-          <a:p>
-            <a:pPr marL="0" indent="0">
-              <a:buNone/>
-            </a:pPr>
-            <a:endParaRPr lang="en-US" dirty="0" smtClean="0"/>
-          </a:p>
-          <a:p>
-            <a:pPr marL="0" indent="0">
-              <a:buNone/>
-            </a:pPr>
-            <a:r>
-              <a:rPr lang="en-US" dirty="0"/>
-              <a:t> </a:t>
-            </a:r>
-            <a:r>
-              <a:rPr lang="en-US" dirty="0" smtClean="0"/>
-              <a:t>  </a:t>
-            </a:r>
-            <a:r>
-              <a:rPr lang="en-US" b="1" dirty="0" err="1" smtClean="0"/>
-              <a:t>int</a:t>
-            </a:r>
-            <a:r>
-              <a:rPr lang="en-US" b="1" dirty="0" smtClean="0"/>
-              <a:t> </a:t>
-            </a:r>
-            <a:r>
-              <a:rPr lang="en-US" dirty="0" err="1" smtClean="0"/>
-              <a:t>n_comm</a:t>
-            </a:r>
-            <a:r>
-              <a:rPr lang="en-US" dirty="0"/>
-              <a:t>;</a:t>
-            </a:r>
-          </a:p>
-          <a:p>
-            <a:pPr marL="0" indent="0">
-              <a:buNone/>
-            </a:pPr>
-            <a:r>
-              <a:rPr lang="en-US" dirty="0" smtClean="0"/>
-              <a:t>   </a:t>
-            </a:r>
-            <a:r>
-              <a:rPr lang="en-US" dirty="0" err="1" smtClean="0"/>
-              <a:t>LDCommData</a:t>
-            </a:r>
-            <a:r>
-              <a:rPr lang="en-US" dirty="0"/>
-              <a:t>∗ </a:t>
-            </a:r>
-            <a:r>
-              <a:rPr lang="en-US" dirty="0" err="1"/>
-              <a:t>commData</a:t>
-            </a:r>
-            <a:r>
-              <a:rPr lang="en-US" dirty="0"/>
-              <a:t>; </a:t>
-            </a:r>
-            <a:r>
-              <a:rPr lang="en-US" i="1" dirty="0"/>
-              <a:t>//communication information</a:t>
-            </a:r>
-          </a:p>
-          <a:p>
-            <a:pPr marL="0" indent="0">
-              <a:buNone/>
-            </a:pPr>
-            <a:endParaRPr lang="en-US" dirty="0" smtClean="0"/>
-          </a:p>
-          <a:p>
-            <a:pPr marL="0" indent="0">
-              <a:buNone/>
-            </a:pPr>
-            <a:r>
-              <a:rPr lang="en-US" dirty="0"/>
-              <a:t> </a:t>
-            </a:r>
-            <a:r>
-              <a:rPr lang="en-US" dirty="0" smtClean="0"/>
-              <a:t>  </a:t>
-            </a:r>
-            <a:r>
-              <a:rPr lang="en-US" b="1" dirty="0" err="1" smtClean="0"/>
-              <a:t>int</a:t>
-            </a:r>
-            <a:r>
-              <a:rPr lang="en-US" b="1" dirty="0" smtClean="0"/>
-              <a:t> </a:t>
-            </a:r>
-            <a:r>
-              <a:rPr lang="en-US" dirty="0"/>
-              <a:t>∗</a:t>
-            </a:r>
-            <a:r>
-              <a:rPr lang="en-US" dirty="0" err="1" smtClean="0"/>
-              <a:t>from_proc</a:t>
-            </a:r>
-            <a:r>
-              <a:rPr lang="en-US" dirty="0"/>
-              <a:t>, ∗</a:t>
-            </a:r>
-            <a:r>
-              <a:rPr lang="en-US" dirty="0" err="1" smtClean="0"/>
-              <a:t>to_proc</a:t>
-            </a:r>
-            <a:r>
-              <a:rPr lang="en-US" dirty="0"/>
-              <a:t>; </a:t>
-            </a:r>
-            <a:r>
-              <a:rPr lang="en-US" i="1" dirty="0"/>
-              <a:t>//residence </a:t>
-            </a:r>
-            <a:r>
-              <a:rPr lang="en-US" i="1" dirty="0" smtClean="0"/>
-              <a:t>of </a:t>
-            </a:r>
-            <a:r>
-              <a:rPr lang="en-US" dirty="0" err="1" smtClean="0"/>
-              <a:t>chares</a:t>
-            </a:r>
-            <a:endParaRPr lang="en-US" dirty="0"/>
-          </a:p>
-          <a:p>
-            <a:pPr marL="0" indent="0">
-              <a:buNone/>
-            </a:pPr>
-            <a:r>
-              <a:rPr lang="en-US" dirty="0"/>
-              <a:t>}</a:t>
-            </a:r>
-          </a:p>
-        </p:txBody>
-      </p:sp>
-      <p:sp>
-        <p:nvSpPr>
-          <p:cNvPr id="8" name="Content Placeholder 7"/>
-          <p:cNvSpPr>
-            <a:spLocks noGrp="1"/>
-          </p:cNvSpPr>
-          <p:nvPr>
-            <p:ph sz="quarter" idx="15"/>
-          </p:nvPr>
-        </p:nvSpPr>
-        <p:spPr>
-          <a:xfrm>
-            <a:off x="457200" y="4935360"/>
-            <a:ext cx="8229600" cy="1136650"/>
-          </a:xfrm>
-        </p:spPr>
-        <p:txBody>
-          <a:bodyPr>
-            <a:normAutofit fontScale="85000" lnSpcReduction="10000"/>
-          </a:bodyPr>
-          <a:lstStyle/>
-          <a:p>
-            <a:r>
-              <a:rPr lang="en-US" dirty="0"/>
-              <a:t>Use </a:t>
-            </a:r>
-            <a:r>
-              <a:rPr lang="en-US" dirty="0" err="1"/>
-              <a:t>LDStats</a:t>
-            </a:r>
-            <a:r>
-              <a:rPr lang="en-US" dirty="0"/>
-              <a:t>, </a:t>
-            </a:r>
-            <a:r>
-              <a:rPr lang="en-US" dirty="0" err="1"/>
-              <a:t>ProcArray</a:t>
-            </a:r>
-            <a:r>
-              <a:rPr lang="en-US" dirty="0"/>
-              <a:t> and </a:t>
-            </a:r>
-            <a:r>
-              <a:rPr lang="en-US" dirty="0" err="1"/>
-              <a:t>ObjGraph</a:t>
-            </a:r>
-            <a:r>
-              <a:rPr lang="en-US" dirty="0"/>
-              <a:t> for processor load and communication statistics</a:t>
-            </a:r>
-          </a:p>
-          <a:p>
-            <a:r>
-              <a:rPr lang="en-US" i="1" dirty="0"/>
-              <a:t>work</a:t>
-            </a:r>
-            <a:r>
-              <a:rPr lang="en-US" dirty="0"/>
-              <a:t> is the function invoked by Charm RTS to perform load balancing</a:t>
-            </a:r>
-          </a:p>
-        </p:txBody>
-      </p:sp>
-    </p:spTree>
-    <p:extLst>
-      <p:ext uri="{BB962C8B-B14F-4D97-AF65-F5344CB8AC3E}">
-        <p14:creationId xmlns:p14="http://schemas.microsoft.com/office/powerpoint/2010/main" val="3339181872"/>
-      </p:ext>
-    </p:extLst>
-  </p:cSld>
-  <p:clrMapOvr>
-    <a:masterClrMapping/>
-  </p:clrMapOvr>
-</p:sld>
-</file>
-
-<file path=ppt/slides/slide22.xml><?xml version="1.0" encoding="utf-8"?>
-<p:sld xmlns:a="http://schemas.openxmlformats.org/drawingml/2006/main" xmlns:r="http://schemas.openxmlformats.org/officeDocument/2006/relationships" xmlns:p="http://schemas.openxmlformats.org/presentationml/2006/main">
-  <p:cSld>
-    <p:spTree>
-      <p:nvGrpSpPr>
-        <p:cNvPr id="1" name=""/>
-        <p:cNvGrpSpPr/>
-        <p:nvPr/>
-      </p:nvGrpSpPr>
-      <p:grpSpPr>
-        <a:xfrm>
-          <a:off x="0" y="0"/>
-          <a:ext cx="0" cy="0"/>
-          <a:chOff x="0" y="0"/>
-          <a:chExt cx="0" cy="0"/>
-        </a:xfrm>
-      </p:grpSpPr>
-      <p:sp>
-        <p:nvSpPr>
-          <p:cNvPr id="2" name="Title 1"/>
-          <p:cNvSpPr>
-            <a:spLocks noGrp="1"/>
-          </p:cNvSpPr>
-          <p:nvPr>
-            <p:ph type="title"/>
-          </p:nvPr>
-        </p:nvSpPr>
-        <p:spPr/>
-        <p:txBody>
-          <a:bodyPr>
-            <a:normAutofit fontScale="90000"/>
-          </a:bodyPr>
-          <a:lstStyle/>
-          <a:p>
-            <a:r>
-              <a:rPr lang="en-US" dirty="0" smtClean="0"/>
-              <a:t>Conclusion</a:t>
-            </a:r>
-            <a:endParaRPr lang="en-US" dirty="0"/>
-          </a:p>
-        </p:txBody>
-      </p:sp>
-      <p:sp>
-        <p:nvSpPr>
-          <p:cNvPr id="10" name="Content Placeholder 9"/>
-          <p:cNvSpPr>
-            <a:spLocks noGrp="1"/>
-          </p:cNvSpPr>
-          <p:nvPr>
-            <p:ph idx="1"/>
-          </p:nvPr>
-        </p:nvSpPr>
-        <p:spPr/>
-        <p:txBody>
-          <a:bodyPr>
-            <a:normAutofit/>
-          </a:bodyPr>
-          <a:lstStyle/>
-          <a:p>
-            <a:r>
-              <a:rPr lang="en-US" dirty="0"/>
-              <a:t>Charm++ is a production-ready parallel programming system </a:t>
-            </a:r>
-            <a:endParaRPr lang="en-US" dirty="0" smtClean="0"/>
-          </a:p>
-          <a:p>
-            <a:r>
-              <a:rPr lang="en-US" dirty="0" smtClean="0"/>
-              <a:t>Program </a:t>
-            </a:r>
-            <a:r>
-              <a:rPr lang="en-US" dirty="0"/>
-              <a:t>mostly in C++</a:t>
-            </a:r>
-          </a:p>
-          <a:p>
-            <a:r>
-              <a:rPr lang="en-US" dirty="0"/>
-              <a:t>Very powerful runtime system</a:t>
-            </a:r>
-          </a:p>
-          <a:p>
             <a:pPr lvl="1"/>
             <a:r>
               <a:rPr lang="en-US" dirty="0" smtClean="0"/>
-              <a:t>Dynamic </a:t>
-            </a:r>
-            <a:r>
-              <a:rPr lang="en-US" dirty="0"/>
-              <a:t>load balancing</a:t>
+              <a:t>Accelerator </a:t>
+            </a:r>
+            <a:r>
+              <a:rPr lang="en-US" dirty="0"/>
+              <a:t>support</a:t>
             </a:r>
           </a:p>
           <a:p>
             <a:pPr lvl="1"/>
             <a:r>
               <a:rPr lang="en-US" dirty="0" smtClean="0"/>
-              <a:t>Automatic </a:t>
-            </a:r>
-            <a:r>
-              <a:rPr lang="en-US" dirty="0"/>
-              <a:t>overlap of computation and communication </a:t>
-            </a:r>
-            <a:endParaRPr lang="en-US" dirty="0" smtClean="0"/>
-          </a:p>
-          <a:p>
-            <a:pPr lvl="1"/>
-            <a:r>
-              <a:rPr lang="en-US" dirty="0" smtClean="0"/>
-              <a:t>Fault </a:t>
-            </a:r>
-            <a:r>
-              <a:rPr lang="en-US" dirty="0"/>
-              <a:t>tolerance built in</a:t>
-            </a:r>
-          </a:p>
-          <a:p>
-            <a:r>
-              <a:rPr lang="en-US" dirty="0"/>
-              <a:t>Topics we did not cover:</a:t>
-            </a:r>
-          </a:p>
-          <a:p>
-            <a:pPr lvl="1"/>
-            <a:r>
-              <a:rPr lang="en-US" dirty="0" smtClean="0"/>
-              <a:t>Many different </a:t>
-            </a:r>
-            <a:r>
-              <a:rPr lang="en-US" dirty="0"/>
-              <a:t>types of load balancers </a:t>
-            </a:r>
-            <a:endParaRPr lang="en-US" dirty="0" smtClean="0"/>
-          </a:p>
-          <a:p>
-            <a:pPr lvl="1"/>
-            <a:r>
-              <a:rPr lang="en-US" dirty="0" smtClean="0"/>
-              <a:t>Threaded </a:t>
-            </a:r>
-            <a:r>
-              <a:rPr lang="en-US" dirty="0"/>
-              <a:t>methods in detail</a:t>
-            </a:r>
-          </a:p>
-          <a:p>
-            <a:pPr lvl="1"/>
-            <a:r>
-              <a:rPr lang="en-US" dirty="0" smtClean="0"/>
-              <a:t>Futures</a:t>
-            </a:r>
-            <a:endParaRPr lang="en-US" dirty="0"/>
-          </a:p>
-          <a:p>
-            <a:pPr lvl="1"/>
-            <a:r>
-              <a:rPr lang="en-US" dirty="0" smtClean="0"/>
-              <a:t>Accelerator </a:t>
-            </a:r>
-            <a:r>
-              <a:rPr lang="en-US" dirty="0"/>
-              <a:t>support</a:t>
-            </a:r>
-          </a:p>
-          <a:p>
-            <a:pPr lvl="1"/>
-            <a:r>
-              <a:rPr lang="en-US" dirty="0" smtClean="0"/>
               <a:t>Topology </a:t>
             </a:r>
             <a:r>
@@ -9712,7 +11413,7 @@
           <a:p>
             <a:fld id="{BD5AFB16-13FE-DF4A-8CB7-09756A57B2EA}" type="datetime2">
               <a:rPr lang="en-US" smtClean="0"/>
-              <a:t>Tuesday, September 9, 14</a:t>
+              <a:t>Wednesday, September 10, 14</a:t>
             </a:fld>
             <a:endParaRPr lang="en-US" dirty="0"/>
           </a:p>
@@ -9760,7 +11461,7 @@
             <a:fld id="{0CFEC368-1D7A-4F81-ABF6-AE0E36BAF64C}" type="slidenum">
               <a:rPr lang="en-US" smtClean="0"/>
               <a:pPr/>
-              <a:t>22</a:t>
+              <a:t>21</a:t>
             </a:fld>
             <a:endParaRPr lang="en-US" dirty="0"/>
           </a:p>
@@ -9809,7 +11510,7 @@
         <p:spPr/>
         <p:txBody>
           <a:bodyPr>
-            <a:normAutofit fontScale="90000"/>
+            <a:normAutofit/>
           </a:bodyPr>
           <a:lstStyle/>
           <a:p>
@@ -9843,7 +11544,7 @@
               </a:ext>
             </a:extLst>
           </a:blip>
-          <a:srcRect l="-4568" r="-4568"/>
+          <a:srcRect l="-5022" r="-5022"/>
           <a:stretch>
             <a:fillRect/>
           </a:stretch>
@@ -9867,7 +11568,7 @@
           <a:p>
             <a:fld id="{34621E95-60A9-FF44-9869-513D9D7A859F}" type="datetime2">
               <a:rPr lang="en-US" smtClean="0"/>
-              <a:t>Tuesday, September 9, 14</a:t>
+              <a:t>Wednesday, September 10, 14</a:t>
             </a:fld>
             <a:endParaRPr lang="en-US"/>
           </a:p>
@@ -9964,7 +11665,7 @@
         <p:spPr/>
         <p:txBody>
           <a:bodyPr>
-            <a:normAutofit fontScale="90000"/>
+            <a:normAutofit/>
           </a:bodyPr>
           <a:lstStyle/>
           <a:p>
@@ -9994,7 +11695,7 @@
               </a:ext>
             </a:extLst>
           </a:blip>
-          <a:srcRect t="-3251" b="-3251"/>
+          <a:srcRect t="-2812" b="-2812"/>
           <a:stretch>
             <a:fillRect/>
           </a:stretch>
@@ -10018,7 +11719,7 @@
           <a:p>
             <a:fld id="{34621E95-60A9-FF44-9869-513D9D7A859F}" type="datetime2">
               <a:rPr lang="en-US" smtClean="0"/>
-              <a:t>Tuesday, September 9, 14</a:t>
+              <a:t>Wednesday, September 10, 14</a:t>
             </a:fld>
             <a:endParaRPr lang="en-US"/>
           </a:p>
@@ -10115,7 +11816,7 @@
         <p:spPr/>
         <p:txBody>
           <a:bodyPr>
-            <a:normAutofit fontScale="90000"/>
+            <a:normAutofit/>
           </a:bodyPr>
           <a:lstStyle/>
           <a:p>
@@ -10269,7 +11970,7 @@
           <a:p>
             <a:fld id="{34621E95-60A9-FF44-9869-513D9D7A859F}" type="datetime2">
               <a:rPr lang="en-US" smtClean="0"/>
-              <a:t>Tuesday, September 9, 14</a:t>
+              <a:t>Wednesday, September 10, 14</a:t>
             </a:fld>
             <a:endParaRPr lang="en-US"/>
           </a:p>
@@ -10550,7 +12251,7 @@
           <a:p>
             <a:fld id="{34621E95-60A9-FF44-9869-513D9D7A859F}" type="datetime2">
               <a:rPr lang="en-US" smtClean="0"/>
-              <a:t>Tuesday, September 9, 14</a:t>
+              <a:t>Wednesday, September 10, 14</a:t>
             </a:fld>
             <a:endParaRPr lang="en-US"/>
           </a:p>
@@ -10647,7 +12348,7 @@
         <p:spPr/>
         <p:txBody>
           <a:bodyPr>
-            <a:normAutofit fontScale="90000"/>
+            <a:normAutofit/>
           </a:bodyPr>
           <a:lstStyle/>
           <a:p>
@@ -10797,7 +12498,7 @@
           <a:p>
             <a:fld id="{34621E95-60A9-FF44-9869-513D9D7A859F}" type="datetime2">
               <a:rPr lang="en-US" smtClean="0"/>
-              <a:t>Tuesday, September 9, 14</a:t>
+              <a:t>Wednesday, September 10, 14</a:t>
             </a:fld>
             <a:endParaRPr lang="en-US"/>
           </a:p>
@@ -10894,7 +12595,7 @@
         <p:spPr/>
         <p:txBody>
           <a:bodyPr>
-            <a:normAutofit fontScale="90000"/>
+            <a:normAutofit/>
           </a:bodyPr>
           <a:lstStyle/>
           <a:p>
@@ -11188,7 +12889,7 @@
           <a:p>
             <a:fld id="{7DCE861A-EA6B-EA43-8AA5-DB216DBB40BC}" type="datetime2">
               <a:rPr lang="en-US" smtClean="0"/>
-              <a:t>Tuesday, September 9, 14</a:t>
+              <a:t>Wednesday, September 10, 14</a:t>
             </a:fld>
             <a:endParaRPr lang="en-US"/>
           </a:p>
@@ -11338,7 +13039,7 @@
 </file>
 
 <file path=ppt/slides/slide9.xml><?xml version="1.0" encoding="utf-8"?>
-<p:sld xmlns:a="http://schemas.openxmlformats.org/drawingml/2006/main" xmlns:r="http://schemas.openxmlformats.org/officeDocument/2006/relationships" xmlns:p="http://schemas.openxmlformats.org/presentationml/2006/main" show="0">
+<p:sld xmlns:a="http://schemas.openxmlformats.org/drawingml/2006/main" xmlns:r="http://schemas.openxmlformats.org/officeDocument/2006/relationships" xmlns:p="http://schemas.openxmlformats.org/presentationml/2006/main">
   <p:cSld>
     <p:spTree>
       <p:nvGrpSpPr>
@@ -11356,7 +13057,178 @@
       </p:grpSpPr>
       <p:sp>
         <p:nvSpPr>
-          <p:cNvPr id="2" name="Date Placeholder 1"/>
+          <p:cNvPr id="2" name="Title 1"/>
+          <p:cNvSpPr>
+            <a:spLocks noGrp="1"/>
+          </p:cNvSpPr>
+          <p:nvPr>
+            <p:ph type="title"/>
+          </p:nvPr>
+        </p:nvSpPr>
+        <p:spPr/>
+        <p:txBody>
+          <a:bodyPr>
+            <a:normAutofit/>
+          </a:bodyPr>
+          <a:lstStyle/>
+          <a:p>
+            <a:r>
+              <a:rPr lang="en-US" dirty="0" err="1" smtClean="0"/>
+              <a:t>Quiesence</a:t>
+            </a:r>
+            <a:r>
+              <a:rPr lang="en-US" dirty="0" smtClean="0"/>
+              <a:t> Detection</a:t>
+            </a:r>
+            <a:endParaRPr lang="en-US" dirty="0"/>
+          </a:p>
+        </p:txBody>
+      </p:sp>
+      <p:sp>
+        <p:nvSpPr>
+          <p:cNvPr id="3" name="Content Placeholder 2"/>
+          <p:cNvSpPr>
+            <a:spLocks noGrp="1"/>
+          </p:cNvSpPr>
+          <p:nvPr>
+            <p:ph idx="1"/>
+          </p:nvPr>
+        </p:nvSpPr>
+        <p:spPr/>
+        <p:txBody>
+          <a:bodyPr/>
+          <a:lstStyle/>
+          <a:p>
+            <a:r>
+              <a:rPr lang="en-US" dirty="0"/>
+              <a:t>What if determining global termination of an application is </a:t>
+            </a:r>
+            <a:r>
+              <a:rPr lang="en-US" dirty="0" smtClean="0"/>
+              <a:t>difficult</a:t>
+            </a:r>
+            <a:r>
+              <a:rPr lang="en-US" dirty="0"/>
+              <a:t>? </a:t>
+            </a:r>
+          </a:p>
+          <a:p>
+            <a:r>
+              <a:rPr lang="en-US" dirty="0"/>
+              <a:t>Mechanism to detect completion - </a:t>
+            </a:r>
+            <a:r>
+              <a:rPr lang="en-US" dirty="0" err="1"/>
+              <a:t>Quiesence</a:t>
+            </a:r>
+            <a:r>
+              <a:rPr lang="en-US" dirty="0"/>
+              <a:t>! </a:t>
+            </a:r>
+          </a:p>
+          <a:p>
+            <a:r>
+              <a:rPr lang="en-US" dirty="0"/>
+              <a:t>From any </a:t>
+            </a:r>
+            <a:r>
+              <a:rPr lang="en-US" dirty="0" err="1"/>
+              <a:t>chare</a:t>
+            </a:r>
+            <a:r>
+              <a:rPr lang="en-US" dirty="0"/>
+              <a:t>, invoke </a:t>
+            </a:r>
+          </a:p>
+          <a:p>
+            <a:pPr marL="223838" indent="0">
+              <a:buNone/>
+            </a:pPr>
+            <a:r>
+              <a:rPr lang="en-US" i="1" dirty="0" err="1"/>
+              <a:t>CkStartQD</a:t>
+            </a:r>
+            <a:r>
+              <a:rPr lang="en-US" i="1" dirty="0"/>
+              <a:t>(</a:t>
+            </a:r>
+            <a:r>
+              <a:rPr lang="en-US" i="1" dirty="0" err="1"/>
+              <a:t>CkCallback</a:t>
+            </a:r>
+            <a:r>
+              <a:rPr lang="en-US" i="1" dirty="0"/>
+              <a:t>(</a:t>
+            </a:r>
+            <a:r>
+              <a:rPr lang="en-US" i="1" dirty="0" err="1" smtClean="0"/>
+              <a:t>CkIndex_Main</a:t>
+            </a:r>
+            <a:r>
+              <a:rPr lang="en-US" i="1" dirty="0"/>
+              <a:t>::finished(), </a:t>
+            </a:r>
+            <a:r>
+              <a:rPr lang="en-US" i="1" dirty="0" err="1"/>
+              <a:t>mainProxy</a:t>
+            </a:r>
+            <a:r>
+              <a:rPr lang="en-US" i="1" dirty="0"/>
+              <a:t>)); </a:t>
+            </a:r>
+            <a:endParaRPr lang="en-US" i="1" dirty="0" smtClean="0"/>
+          </a:p>
+          <a:p>
+            <a:r>
+              <a:rPr lang="en-US" dirty="0" smtClean="0"/>
+              <a:t>Runs </a:t>
+            </a:r>
+            <a:r>
+              <a:rPr lang="en-US" dirty="0"/>
+              <a:t>in background, waits for all outstanding messages to </a:t>
+            </a:r>
+            <a:r>
+              <a:rPr lang="en-US" dirty="0" smtClean="0"/>
+              <a:t>be consumed.</a:t>
+            </a:r>
+          </a:p>
+          <a:p>
+            <a:r>
+              <a:rPr lang="en-US" dirty="0" smtClean="0"/>
+              <a:t>Invokes </a:t>
+            </a:r>
+            <a:r>
+              <a:rPr lang="en-US" dirty="0"/>
+              <a:t>the callback </a:t>
+            </a:r>
+            <a:r>
+              <a:rPr lang="en-US" dirty="0">
+                <a:latin typeface="+mn-lt"/>
+                <a:cs typeface="Lucida Console"/>
+              </a:rPr>
+              <a:t>when</a:t>
+            </a:r>
+            <a:r>
+              <a:rPr lang="en-US" dirty="0"/>
+              <a:t> </a:t>
+            </a:r>
+            <a:r>
+              <a:rPr lang="en-US" dirty="0" err="1"/>
+              <a:t>quiesence</a:t>
+            </a:r>
+            <a:r>
+              <a:rPr lang="en-US" dirty="0"/>
+              <a:t> is detected. </a:t>
+            </a:r>
+            <a:endParaRPr lang="en-US" dirty="0">
+              <a:effectLst/>
+            </a:endParaRPr>
+          </a:p>
+        </p:txBody>
+      </p:sp>
+      <p:sp>
+        <p:nvSpPr>
+          <p:cNvPr id="4" name="Date Placeholder 3"/>
           <p:cNvSpPr>
             <a:spLocks noGrp="1"/>
           </p:cNvSpPr>
@@ -11369,9 +13241,9 @@
           <a:bodyPr/>
           <a:lstStyle/>
           <a:p>
-            <a:fld id="{C32F9216-0342-7440-9504-BD6C1382BF27}" type="datetime2">
-              <a:rPr lang="en-US" smtClean="0"/>
-              <a:t>Tuesday, September 9, 14</a:t>
+            <a:fld id="{34621E95-60A9-FF44-9869-513D9D7A859F}" type="datetime2">
+              <a:rPr lang="en-US" smtClean="0"/>
+              <a:t>Wednesday, September 10, 14</a:t>
             </a:fld>
             <a:endParaRPr lang="en-US"/>
           </a:p>
@@ -11379,7 +13251,7 @@
       </p:sp>
       <p:sp>
         <p:nvSpPr>
-          <p:cNvPr id="3" name="Footer Placeholder 2"/>
+          <p:cNvPr id="5" name="Footer Placeholder 4"/>
           <p:cNvSpPr>
             <a:spLocks noGrp="1"/>
           </p:cNvSpPr>
@@ -11403,7 +13275,7 @@
       </p:sp>
       <p:sp>
         <p:nvSpPr>
-          <p:cNvPr id="4" name="Slide Number Placeholder 3"/>
+          <p:cNvPr id="6" name="Slide Number Placeholder 5"/>
           <p:cNvSpPr>
             <a:spLocks noGrp="1"/>
           </p:cNvSpPr>
@@ -11425,55 +13297,16 @@
           </a:p>
         </p:txBody>
       </p:sp>
-      <p:sp>
-        <p:nvSpPr>
-          <p:cNvPr id="5" name="TextBox 4"/>
-          <p:cNvSpPr txBox="1"/>
-          <p:nvPr/>
-        </p:nvSpPr>
-        <p:spPr>
-          <a:xfrm>
-            <a:off x="824896" y="2228672"/>
-            <a:ext cx="7494208" cy="1077218"/>
-          </a:xfrm>
-          <a:prstGeom prst="rect">
-            <a:avLst/>
-          </a:prstGeom>
-          <a:noFill/>
-        </p:spPr>
-        <p:txBody>
-          <a:bodyPr wrap="square" rtlCol="0">
-            <a:spAutoFit/>
-          </a:bodyPr>
-          <a:lstStyle/>
-          <a:p>
-            <a:pPr algn="ctr"/>
-            <a:r>
-              <a:rPr lang="en-US" sz="3200" dirty="0" smtClean="0"/>
-              <a:t>Overview of Performance Enhancement Feature</a:t>
-            </a:r>
-            <a:endParaRPr lang="en-US" sz="3200" dirty="0"/>
-          </a:p>
-        </p:txBody>
-      </p:sp>
     </p:spTree>
     <p:extLst>
       <p:ext uri="{BB962C8B-B14F-4D97-AF65-F5344CB8AC3E}">
-        <p14:creationId xmlns:p14="http://schemas.microsoft.com/office/powerpoint/2010/main" val="1962562894"/>
+        <p14:creationId xmlns:p14="http://schemas.microsoft.com/office/powerpoint/2010/main" val="1607325296"/>
       </p:ext>
     </p:extLst>
   </p:cSld>
   <p:clrMapOvr>
     <a:masterClrMapping/>
   </p:clrMapOvr>
-  <mc:AlternateContent xmlns:mc="http://schemas.openxmlformats.org/markup-compatibility/2006">
-    <mc:Choice xmlns:p14="http://schemas.microsoft.com/office/powerpoint/2010/main" Requires="p14">
-      <p:transition spd="slow" p14:dur="2000"/>
-    </mc:Choice>
-    <mc:Fallback>
-      <p:transition xmlns:p14="http://schemas.microsoft.com/office/powerpoint/2010/main" spd="slow"/>
-    </mc:Fallback>
-  </mc:AlternateContent>
   <p:timing>
     <p:tnLst>
       <p:par>
@@ -11485,7 +13318,7 @@
 </file>
 
 <file path=ppt/theme/theme1.xml><?xml version="1.0" encoding="utf-8"?>
-<a:theme xmlns:a="http://schemas.openxmlformats.org/drawingml/2006/main" name="Clarity">
+<a:theme xmlns:a="http://schemas.openxmlformats.org/drawingml/2006/main" name="charm-pptx_theme">
   <a:themeElements>
     <a:clrScheme name="Clarity">
       <a:dk1>

--- a/tutorial-12-debugging-13-optimization.pptx
+++ b/tutorial-12-debugging-13-optimization.pptx
@@ -6963,18 +6963,17 @@
                             </p:stCondLst>
                             <p:childTnLst>
                               <p:par>
-                                <p:cTn id="5" presetID="1" presetClass="entr" presetSubtype="0" fill="hold" nodeType="withEffect">
+                                <p:cTn id="5" presetID="15" presetClass="emph" presetSubtype="0" nodeType="withEffect">
                                   <p:stCondLst>
                                     <p:cond delay="0"/>
                                   </p:stCondLst>
+                                  <p:iterate type="lt">
+                                    <p:tmAbs val="25"/>
+                                  </p:iterate>
                                   <p:childTnLst>
                                     <p:set>
-                                      <p:cBhvr>
-                                        <p:cTn id="6" dur="1" fill="hold">
-                                          <p:stCondLst>
-                                            <p:cond delay="0"/>
-                                          </p:stCondLst>
-                                        </p:cTn>
+                                      <p:cBhvr override="childStyle">
+                                        <p:cTn id="6" dur="indefinite"/>
                                         <p:tgtEl>
                                           <p:spTgt spid="3">
                                             <p:txEl>
@@ -6983,11 +6982,11 @@
                                           </p:spTgt>
                                         </p:tgtEl>
                                         <p:attrNameLst>
-                                          <p:attrName>style.visibility</p:attrName>
+                                          <p:attrName>style.fontWeight</p:attrName>
                                         </p:attrNameLst>
                                       </p:cBhvr>
                                       <p:to>
-                                        <p:strVal val="visible"/>
+                                        <p:strVal val="bold"/>
                                       </p:to>
                                     </p:set>
                                   </p:childTnLst>
@@ -12977,18 +12976,17 @@
                             </p:stCondLst>
                             <p:childTnLst>
                               <p:par>
-                                <p:cTn id="5" presetID="1" presetClass="entr" presetSubtype="0" fill="hold" nodeType="withEffect">
+                                <p:cTn id="5" presetID="15" presetClass="emph" presetSubtype="0" nodeType="withEffect">
                                   <p:stCondLst>
                                     <p:cond delay="0"/>
                                   </p:stCondLst>
+                                  <p:iterate type="lt">
+                                    <p:tmAbs val="25"/>
+                                  </p:iterate>
                                   <p:childTnLst>
                                     <p:set>
-                                      <p:cBhvr>
-                                        <p:cTn id="6" dur="1" fill="hold">
-                                          <p:stCondLst>
-                                            <p:cond delay="0"/>
-                                          </p:stCondLst>
-                                        </p:cTn>
+                                      <p:cBhvr override="childStyle">
+                                        <p:cTn id="6" dur="indefinite"/>
                                         <p:tgtEl>
                                           <p:spTgt spid="3">
                                             <p:txEl>
@@ -12997,11 +12995,11 @@
                                           </p:spTgt>
                                         </p:tgtEl>
                                         <p:attrNameLst>
-                                          <p:attrName>style.visibility</p:attrName>
+                                          <p:attrName>style.fontWeight</p:attrName>
                                         </p:attrNameLst>
                                       </p:cBhvr>
                                       <p:to>
-                                        <p:strVal val="visible"/>
+                                        <p:strVal val="bold"/>
                                       </p:to>
                                     </p:set>
                                   </p:childTnLst>

--- a/tutorial-12-debugging-13-optimization.pptx
+++ b/tutorial-12-debugging-13-optimization.pptx
@@ -6043,7 +6043,7 @@
           <a:bodyPr vert="horz" lIns="91440" tIns="45720" rIns="91440" bIns="45720" rtlCol="0" anchor="ctr"/>
           <a:lstStyle>
             <a:lvl1pPr algn="ctr">
-              <a:defRPr sz="1200" b="1">
+              <a:defRPr sz="1200" b="0">
                 <a:solidFill>
                   <a:srgbClr val="FFFFFF"/>
                 </a:solidFill>

--- a/tutorial-12-debugging-13-optimization.pptx
+++ b/tutorial-12-debugging-13-optimization.pptx
@@ -6266,6 +6266,13 @@
     <p:sldLayoutId id="2147483973" r:id="rId15"/>
     <p:sldLayoutId id="2147483972" r:id="rId16"/>
   </p:sldLayoutIdLst>
+  <p:timing>
+    <p:tnLst>
+      <p:par>
+        <p:cTn xmlns:p14="http://schemas.microsoft.com/office/powerpoint/2010/main" id="1" dur="indefinite" restart="never" nodeType="tmRoot"/>
+      </p:par>
+    </p:tnLst>
+  </p:timing>
   <p:hf hdr="0"/>
   <p:txStyles>
     <p:titleStyle>
@@ -6627,7 +6634,7 @@
             </a:r>
           </a:p>
           <a:p>
-            <a:pPr marL="681038" lvl="1" indent="-276225">
+            <a:pPr marL="955358" lvl="2" indent="-276225">
               <a:buClr>
                 <a:srgbClr val="0000FF"/>
               </a:buClr>
@@ -6636,12 +6643,12 @@
               <a:buChar char="•"/>
             </a:pPr>
             <a:r>
-              <a:rPr lang="en-US" dirty="0" smtClean="0"/>
+              <a:rPr lang="en-US" dirty="0"/>
               <a:t>Object Design</a:t>
             </a:r>
           </a:p>
           <a:p>
-            <a:pPr marL="681038" lvl="1" indent="-276225">
+            <a:pPr marL="955358" lvl="2" indent="-276225">
               <a:buClr>
                 <a:srgbClr val="0000FF"/>
               </a:buClr>
@@ -6650,7 +6657,7 @@
               <a:buChar char="•"/>
             </a:pPr>
             <a:r>
-              <a:rPr lang="en-US" dirty="0" smtClean="0"/>
+              <a:rPr lang="en-US" dirty="0"/>
               <a:t>Execution Model</a:t>
             </a:r>
           </a:p>
@@ -6665,7 +6672,11 @@
             </a:pPr>
             <a:r>
               <a:rPr lang="en-US" dirty="0" smtClean="0"/>
-              <a:t>Hello World</a:t>
+              <a:t>Hello </a:t>
+            </a:r>
+            <a:r>
+              <a:rPr lang="en-US" dirty="0" smtClean="0"/>
+              <a:t>World</a:t>
             </a:r>
           </a:p>
           <a:p>
@@ -6697,7 +6708,7 @@
             </a:r>
           </a:p>
           <a:p>
-            <a:pPr marL="681038" lvl="1" indent="-331788">
+            <a:pPr marL="954088" lvl="2" indent="-266700">
               <a:buClr>
                 <a:srgbClr val="0000FF"/>
               </a:buClr>
@@ -6706,7 +6717,7 @@
               <a:buChar char="•"/>
             </a:pPr>
             <a:r>
-              <a:rPr lang="en-US" dirty="0" smtClean="0"/>
+              <a:rPr lang="en-US" dirty="0"/>
               <a:t>Object Collections</a:t>
             </a:r>
           </a:p>
@@ -6741,7 +6752,7 @@
             <a:endParaRPr lang="en-US" dirty="0" smtClean="0"/>
           </a:p>
           <a:p>
-            <a:pPr marL="681038" lvl="1" indent="-385763">
+            <a:pPr marL="954088" lvl="2" indent="-266700">
               <a:buClr>
                 <a:srgbClr val="0000FF"/>
               </a:buClr>
@@ -6750,11 +6761,11 @@
               <a:buChar char="•"/>
             </a:pPr>
             <a:r>
-              <a:rPr lang="en-US" dirty="0" err="1" smtClean="0"/>
+              <a:rPr lang="en-US" dirty="0" err="1"/>
               <a:t>Checkpointing</a:t>
             </a:r>
             <a:r>
-              <a:rPr lang="en-US" dirty="0" smtClean="0"/>
+              <a:rPr lang="en-US" dirty="0"/>
               <a:t> and Resilience</a:t>
             </a:r>
           </a:p>
@@ -6769,7 +6780,11 @@
             </a:pPr>
             <a:r>
               <a:rPr lang="en-US" dirty="0" smtClean="0"/>
-              <a:t>Structured Dagger</a:t>
+              <a:t>Structured </a:t>
+            </a:r>
+            <a:r>
+              <a:rPr lang="en-US" dirty="0" smtClean="0"/>
+              <a:t>Dagger</a:t>
             </a:r>
           </a:p>
           <a:p>
@@ -7431,6 +7446,13 @@
   <p:clrMapOvr>
     <a:masterClrMapping/>
   </p:clrMapOvr>
+  <p:timing>
+    <p:tnLst>
+      <p:par>
+        <p:cTn xmlns:p14="http://schemas.microsoft.com/office/powerpoint/2010/main" id="1" dur="indefinite" restart="never" nodeType="tmRoot"/>
+      </p:par>
+    </p:tnLst>
+  </p:timing>
 </p:sld>
 </file>
 
@@ -7615,6 +7637,13 @@
   <p:clrMapOvr>
     <a:masterClrMapping/>
   </p:clrMapOvr>
+  <p:timing>
+    <p:tnLst>
+      <p:par>
+        <p:cTn xmlns:p14="http://schemas.microsoft.com/office/powerpoint/2010/main" id="1" dur="indefinite" restart="never" nodeType="tmRoot"/>
+      </p:par>
+    </p:tnLst>
+  </p:timing>
 </p:sld>
 </file>
 
@@ -8094,6 +8123,13 @@
   <p:clrMapOvr>
     <a:masterClrMapping/>
   </p:clrMapOvr>
+  <p:timing>
+    <p:tnLst>
+      <p:par>
+        <p:cTn xmlns:p14="http://schemas.microsoft.com/office/powerpoint/2010/main" id="1" dur="indefinite" restart="never" nodeType="tmRoot"/>
+      </p:par>
+    </p:tnLst>
+  </p:timing>
 </p:sld>
 </file>
 
@@ -8337,6 +8373,13 @@
   <p:clrMapOvr>
     <a:masterClrMapping/>
   </p:clrMapOvr>
+  <p:timing>
+    <p:tnLst>
+      <p:par>
+        <p:cTn xmlns:p14="http://schemas.microsoft.com/office/powerpoint/2010/main" id="1" dur="indefinite" restart="never" nodeType="tmRoot"/>
+      </p:par>
+    </p:tnLst>
+  </p:timing>
 </p:sld>
 </file>
 
@@ -8621,6 +8664,13 @@
   <p:clrMapOvr>
     <a:masterClrMapping/>
   </p:clrMapOvr>
+  <p:timing>
+    <p:tnLst>
+      <p:par>
+        <p:cTn xmlns:p14="http://schemas.microsoft.com/office/powerpoint/2010/main" id="1" dur="indefinite" restart="never" nodeType="tmRoot"/>
+      </p:par>
+    </p:tnLst>
+  </p:timing>
 </p:sld>
 </file>
 
@@ -8856,6 +8906,13 @@
   <p:clrMapOvr>
     <a:masterClrMapping/>
   </p:clrMapOvr>
+  <p:timing>
+    <p:tnLst>
+      <p:par>
+        <p:cTn xmlns:p14="http://schemas.microsoft.com/office/powerpoint/2010/main" id="1" dur="indefinite" restart="never" nodeType="tmRoot"/>
+      </p:par>
+    </p:tnLst>
+  </p:timing>
 </p:sld>
 </file>
 
@@ -9233,6 +9290,13 @@
   <p:clrMapOvr>
     <a:masterClrMapping/>
   </p:clrMapOvr>
+  <p:timing>
+    <p:tnLst>
+      <p:par>
+        <p:cTn xmlns:p14="http://schemas.microsoft.com/office/powerpoint/2010/main" id="1" dur="indefinite" restart="never" nodeType="tmRoot"/>
+      </p:par>
+    </p:tnLst>
+  </p:timing>
 </p:sld>
 </file>
 
@@ -9786,6 +9850,13 @@
   <p:clrMapOvr>
     <a:masterClrMapping/>
   </p:clrMapOvr>
+  <p:timing>
+    <p:tnLst>
+      <p:par>
+        <p:cTn xmlns:p14="http://schemas.microsoft.com/office/powerpoint/2010/main" id="1" dur="indefinite" restart="never" nodeType="tmRoot"/>
+      </p:par>
+    </p:tnLst>
+  </p:timing>
 </p:sld>
 </file>
 
@@ -10127,6 +10198,13 @@
   <p:clrMapOvr>
     <a:masterClrMapping/>
   </p:clrMapOvr>
+  <p:timing>
+    <p:tnLst>
+      <p:par>
+        <p:cTn xmlns:p14="http://schemas.microsoft.com/office/powerpoint/2010/main" id="1" dur="indefinite" restart="never" nodeType="tmRoot"/>
+      </p:par>
+    </p:tnLst>
+  </p:timing>
 </p:sld>
 </file>
 
@@ -10430,6 +10508,437 @@
   <p:clrMapOvr>
     <a:masterClrMapping/>
   </p:clrMapOvr>
+  <p:timing>
+    <p:tnLst>
+      <p:par>
+        <p:cTn xmlns:p14="http://schemas.microsoft.com/office/powerpoint/2010/main" id="1" dur="indefinite" restart="never" nodeType="tmRoot">
+          <p:childTnLst>
+            <p:seq concurrent="1" nextAc="seek">
+              <p:cTn id="2" dur="indefinite" nodeType="mainSeq">
+                <p:childTnLst>
+                  <p:par>
+                    <p:cTn id="3" fill="hold">
+                      <p:stCondLst>
+                        <p:cond delay="indefinite"/>
+                        <p:cond evt="onBegin" delay="0">
+                          <p:tn val="2"/>
+                        </p:cond>
+                      </p:stCondLst>
+                      <p:childTnLst>
+                        <p:par>
+                          <p:cTn id="4" fill="hold">
+                            <p:stCondLst>
+                              <p:cond delay="0"/>
+                            </p:stCondLst>
+                            <p:childTnLst>
+                              <p:par>
+                                <p:cTn id="5" presetID="1" presetClass="entr" presetSubtype="0" fill="hold" grpId="0" nodeType="withEffect">
+                                  <p:stCondLst>
+                                    <p:cond delay="0"/>
+                                  </p:stCondLst>
+                                  <p:childTnLst>
+                                    <p:set>
+                                      <p:cBhvr>
+                                        <p:cTn id="6" dur="1" fill="hold">
+                                          <p:stCondLst>
+                                            <p:cond delay="0"/>
+                                          </p:stCondLst>
+                                        </p:cTn>
+                                        <p:tgtEl>
+                                          <p:spTgt spid="3">
+                                            <p:txEl>
+                                              <p:pRg st="0" end="0"/>
+                                            </p:txEl>
+                                          </p:spTgt>
+                                        </p:tgtEl>
+                                        <p:attrNameLst>
+                                          <p:attrName>style.visibility</p:attrName>
+                                        </p:attrNameLst>
+                                      </p:cBhvr>
+                                      <p:to>
+                                        <p:strVal val="visible"/>
+                                      </p:to>
+                                    </p:set>
+                                  </p:childTnLst>
+                                </p:cTn>
+                              </p:par>
+                              <p:par>
+                                <p:cTn id="7" presetID="1" presetClass="entr" presetSubtype="0" fill="hold" grpId="0" nodeType="withEffect">
+                                  <p:stCondLst>
+                                    <p:cond delay="0"/>
+                                  </p:stCondLst>
+                                  <p:childTnLst>
+                                    <p:set>
+                                      <p:cBhvr>
+                                        <p:cTn id="8" dur="1" fill="hold">
+                                          <p:stCondLst>
+                                            <p:cond delay="0"/>
+                                          </p:stCondLst>
+                                        </p:cTn>
+                                        <p:tgtEl>
+                                          <p:spTgt spid="3">
+                                            <p:txEl>
+                                              <p:pRg st="1" end="1"/>
+                                            </p:txEl>
+                                          </p:spTgt>
+                                        </p:tgtEl>
+                                        <p:attrNameLst>
+                                          <p:attrName>style.visibility</p:attrName>
+                                        </p:attrNameLst>
+                                      </p:cBhvr>
+                                      <p:to>
+                                        <p:strVal val="visible"/>
+                                      </p:to>
+                                    </p:set>
+                                  </p:childTnLst>
+                                </p:cTn>
+                              </p:par>
+                            </p:childTnLst>
+                          </p:cTn>
+                        </p:par>
+                      </p:childTnLst>
+                    </p:cTn>
+                  </p:par>
+                  <p:par>
+                    <p:cTn id="9" fill="hold">
+                      <p:stCondLst>
+                        <p:cond delay="indefinite"/>
+                      </p:stCondLst>
+                      <p:childTnLst>
+                        <p:par>
+                          <p:cTn id="10" fill="hold">
+                            <p:stCondLst>
+                              <p:cond delay="0"/>
+                            </p:stCondLst>
+                            <p:childTnLst>
+                              <p:par>
+                                <p:cTn id="11" presetID="1" presetClass="entr" presetSubtype="0" fill="hold" grpId="0" nodeType="clickEffect">
+                                  <p:stCondLst>
+                                    <p:cond delay="0"/>
+                                  </p:stCondLst>
+                                  <p:childTnLst>
+                                    <p:set>
+                                      <p:cBhvr>
+                                        <p:cTn id="12" dur="1" fill="hold">
+                                          <p:stCondLst>
+                                            <p:cond delay="0"/>
+                                          </p:stCondLst>
+                                        </p:cTn>
+                                        <p:tgtEl>
+                                          <p:spTgt spid="3">
+                                            <p:txEl>
+                                              <p:pRg st="2" end="2"/>
+                                            </p:txEl>
+                                          </p:spTgt>
+                                        </p:tgtEl>
+                                        <p:attrNameLst>
+                                          <p:attrName>style.visibility</p:attrName>
+                                        </p:attrNameLst>
+                                      </p:cBhvr>
+                                      <p:to>
+                                        <p:strVal val="visible"/>
+                                      </p:to>
+                                    </p:set>
+                                  </p:childTnLst>
+                                </p:cTn>
+                              </p:par>
+                              <p:par>
+                                <p:cTn id="13" presetID="1" presetClass="entr" presetSubtype="0" fill="hold" grpId="0" nodeType="withEffect">
+                                  <p:stCondLst>
+                                    <p:cond delay="0"/>
+                                  </p:stCondLst>
+                                  <p:childTnLst>
+                                    <p:set>
+                                      <p:cBhvr>
+                                        <p:cTn id="14" dur="1" fill="hold">
+                                          <p:stCondLst>
+                                            <p:cond delay="0"/>
+                                          </p:stCondLst>
+                                        </p:cTn>
+                                        <p:tgtEl>
+                                          <p:spTgt spid="3">
+                                            <p:txEl>
+                                              <p:pRg st="3" end="3"/>
+                                            </p:txEl>
+                                          </p:spTgt>
+                                        </p:tgtEl>
+                                        <p:attrNameLst>
+                                          <p:attrName>style.visibility</p:attrName>
+                                        </p:attrNameLst>
+                                      </p:cBhvr>
+                                      <p:to>
+                                        <p:strVal val="visible"/>
+                                      </p:to>
+                                    </p:set>
+                                  </p:childTnLst>
+                                </p:cTn>
+                              </p:par>
+                              <p:par>
+                                <p:cTn id="15" presetID="1" presetClass="entr" presetSubtype="0" fill="hold" grpId="0" nodeType="withEffect">
+                                  <p:stCondLst>
+                                    <p:cond delay="0"/>
+                                  </p:stCondLst>
+                                  <p:childTnLst>
+                                    <p:set>
+                                      <p:cBhvr>
+                                        <p:cTn id="16" dur="1" fill="hold">
+                                          <p:stCondLst>
+                                            <p:cond delay="0"/>
+                                          </p:stCondLst>
+                                        </p:cTn>
+                                        <p:tgtEl>
+                                          <p:spTgt spid="3">
+                                            <p:txEl>
+                                              <p:pRg st="4" end="4"/>
+                                            </p:txEl>
+                                          </p:spTgt>
+                                        </p:tgtEl>
+                                        <p:attrNameLst>
+                                          <p:attrName>style.visibility</p:attrName>
+                                        </p:attrNameLst>
+                                      </p:cBhvr>
+                                      <p:to>
+                                        <p:strVal val="visible"/>
+                                      </p:to>
+                                    </p:set>
+                                  </p:childTnLst>
+                                </p:cTn>
+                              </p:par>
+                              <p:par>
+                                <p:cTn id="17" presetID="1" presetClass="entr" presetSubtype="0" fill="hold" grpId="0" nodeType="withEffect">
+                                  <p:stCondLst>
+                                    <p:cond delay="0"/>
+                                  </p:stCondLst>
+                                  <p:childTnLst>
+                                    <p:set>
+                                      <p:cBhvr>
+                                        <p:cTn id="18" dur="1" fill="hold">
+                                          <p:stCondLst>
+                                            <p:cond delay="0"/>
+                                          </p:stCondLst>
+                                        </p:cTn>
+                                        <p:tgtEl>
+                                          <p:spTgt spid="3">
+                                            <p:txEl>
+                                              <p:pRg st="5" end="5"/>
+                                            </p:txEl>
+                                          </p:spTgt>
+                                        </p:tgtEl>
+                                        <p:attrNameLst>
+                                          <p:attrName>style.visibility</p:attrName>
+                                        </p:attrNameLst>
+                                      </p:cBhvr>
+                                      <p:to>
+                                        <p:strVal val="visible"/>
+                                      </p:to>
+                                    </p:set>
+                                  </p:childTnLst>
+                                </p:cTn>
+                              </p:par>
+                            </p:childTnLst>
+                          </p:cTn>
+                        </p:par>
+                      </p:childTnLst>
+                    </p:cTn>
+                  </p:par>
+                  <p:par>
+                    <p:cTn id="19" fill="hold">
+                      <p:stCondLst>
+                        <p:cond delay="indefinite"/>
+                      </p:stCondLst>
+                      <p:childTnLst>
+                        <p:par>
+                          <p:cTn id="20" fill="hold">
+                            <p:stCondLst>
+                              <p:cond delay="0"/>
+                            </p:stCondLst>
+                            <p:childTnLst>
+                              <p:par>
+                                <p:cTn id="21" presetID="1" presetClass="entr" presetSubtype="0" fill="hold" grpId="0" nodeType="clickEffect">
+                                  <p:stCondLst>
+                                    <p:cond delay="0"/>
+                                  </p:stCondLst>
+                                  <p:childTnLst>
+                                    <p:set>
+                                      <p:cBhvr>
+                                        <p:cTn id="22" dur="1" fill="hold">
+                                          <p:stCondLst>
+                                            <p:cond delay="0"/>
+                                          </p:stCondLst>
+                                        </p:cTn>
+                                        <p:tgtEl>
+                                          <p:spTgt spid="3">
+                                            <p:txEl>
+                                              <p:pRg st="6" end="6"/>
+                                            </p:txEl>
+                                          </p:spTgt>
+                                        </p:tgtEl>
+                                        <p:attrNameLst>
+                                          <p:attrName>style.visibility</p:attrName>
+                                        </p:attrNameLst>
+                                      </p:cBhvr>
+                                      <p:to>
+                                        <p:strVal val="visible"/>
+                                      </p:to>
+                                    </p:set>
+                                  </p:childTnLst>
+                                </p:cTn>
+                              </p:par>
+                              <p:par>
+                                <p:cTn id="23" presetID="1" presetClass="entr" presetSubtype="0" fill="hold" grpId="0" nodeType="withEffect">
+                                  <p:stCondLst>
+                                    <p:cond delay="0"/>
+                                  </p:stCondLst>
+                                  <p:childTnLst>
+                                    <p:set>
+                                      <p:cBhvr>
+                                        <p:cTn id="24" dur="1" fill="hold">
+                                          <p:stCondLst>
+                                            <p:cond delay="0"/>
+                                          </p:stCondLst>
+                                        </p:cTn>
+                                        <p:tgtEl>
+                                          <p:spTgt spid="3">
+                                            <p:txEl>
+                                              <p:pRg st="7" end="7"/>
+                                            </p:txEl>
+                                          </p:spTgt>
+                                        </p:tgtEl>
+                                        <p:attrNameLst>
+                                          <p:attrName>style.visibility</p:attrName>
+                                        </p:attrNameLst>
+                                      </p:cBhvr>
+                                      <p:to>
+                                        <p:strVal val="visible"/>
+                                      </p:to>
+                                    </p:set>
+                                  </p:childTnLst>
+                                </p:cTn>
+                              </p:par>
+                              <p:par>
+                                <p:cTn id="25" presetID="1" presetClass="entr" presetSubtype="0" fill="hold" grpId="0" nodeType="withEffect">
+                                  <p:stCondLst>
+                                    <p:cond delay="0"/>
+                                  </p:stCondLst>
+                                  <p:childTnLst>
+                                    <p:set>
+                                      <p:cBhvr>
+                                        <p:cTn id="26" dur="1" fill="hold">
+                                          <p:stCondLst>
+                                            <p:cond delay="0"/>
+                                          </p:stCondLst>
+                                        </p:cTn>
+                                        <p:tgtEl>
+                                          <p:spTgt spid="3">
+                                            <p:txEl>
+                                              <p:pRg st="8" end="8"/>
+                                            </p:txEl>
+                                          </p:spTgt>
+                                        </p:tgtEl>
+                                        <p:attrNameLst>
+                                          <p:attrName>style.visibility</p:attrName>
+                                        </p:attrNameLst>
+                                      </p:cBhvr>
+                                      <p:to>
+                                        <p:strVal val="visible"/>
+                                      </p:to>
+                                    </p:set>
+                                  </p:childTnLst>
+                                </p:cTn>
+                              </p:par>
+                              <p:par>
+                                <p:cTn id="27" presetID="1" presetClass="entr" presetSubtype="0" fill="hold" grpId="0" nodeType="withEffect">
+                                  <p:stCondLst>
+                                    <p:cond delay="0"/>
+                                  </p:stCondLst>
+                                  <p:childTnLst>
+                                    <p:set>
+                                      <p:cBhvr>
+                                        <p:cTn id="28" dur="1" fill="hold">
+                                          <p:stCondLst>
+                                            <p:cond delay="0"/>
+                                          </p:stCondLst>
+                                        </p:cTn>
+                                        <p:tgtEl>
+                                          <p:spTgt spid="3">
+                                            <p:txEl>
+                                              <p:pRg st="9" end="9"/>
+                                            </p:txEl>
+                                          </p:spTgt>
+                                        </p:tgtEl>
+                                        <p:attrNameLst>
+                                          <p:attrName>style.visibility</p:attrName>
+                                        </p:attrNameLst>
+                                      </p:cBhvr>
+                                      <p:to>
+                                        <p:strVal val="visible"/>
+                                      </p:to>
+                                    </p:set>
+                                  </p:childTnLst>
+                                </p:cTn>
+                              </p:par>
+                              <p:par>
+                                <p:cTn id="29" presetID="1" presetClass="entr" presetSubtype="0" fill="hold" grpId="0" nodeType="withEffect">
+                                  <p:stCondLst>
+                                    <p:cond delay="0"/>
+                                  </p:stCondLst>
+                                  <p:childTnLst>
+                                    <p:set>
+                                      <p:cBhvr>
+                                        <p:cTn id="30" dur="1" fill="hold">
+                                          <p:stCondLst>
+                                            <p:cond delay="0"/>
+                                          </p:stCondLst>
+                                        </p:cTn>
+                                        <p:tgtEl>
+                                          <p:spTgt spid="3">
+                                            <p:txEl>
+                                              <p:pRg st="10" end="10"/>
+                                            </p:txEl>
+                                          </p:spTgt>
+                                        </p:tgtEl>
+                                        <p:attrNameLst>
+                                          <p:attrName>style.visibility</p:attrName>
+                                        </p:attrNameLst>
+                                      </p:cBhvr>
+                                      <p:to>
+                                        <p:strVal val="visible"/>
+                                      </p:to>
+                                    </p:set>
+                                  </p:childTnLst>
+                                </p:cTn>
+                              </p:par>
+                            </p:childTnLst>
+                          </p:cTn>
+                        </p:par>
+                      </p:childTnLst>
+                    </p:cTn>
+                  </p:par>
+                </p:childTnLst>
+              </p:cTn>
+              <p:prevCondLst>
+                <p:cond evt="onPrev" delay="0">
+                  <p:tgtEl>
+                    <p:sldTgt/>
+                  </p:tgtEl>
+                </p:cond>
+              </p:prevCondLst>
+              <p:nextCondLst>
+                <p:cond evt="onNext" delay="0">
+                  <p:tgtEl>
+                    <p:sldTgt/>
+                  </p:tgtEl>
+                </p:cond>
+              </p:nextCondLst>
+            </p:seq>
+          </p:childTnLst>
+        </p:cTn>
+      </p:par>
+    </p:tnLst>
+    <p:bldLst>
+      <p:bldP spid="3" grpId="0" build="p"/>
+    </p:bldLst>
+  </p:timing>
 </p:sld>
 </file>
 
@@ -11189,6 +11698,13 @@
   <p:clrMapOvr>
     <a:masterClrMapping/>
   </p:clrMapOvr>
+  <p:timing>
+    <p:tnLst>
+      <p:par>
+        <p:cTn xmlns:p14="http://schemas.microsoft.com/office/powerpoint/2010/main" id="1" dur="indefinite" restart="never" nodeType="tmRoot"/>
+      </p:par>
+    </p:tnLst>
+  </p:timing>
 </p:sld>
 </file>
 
@@ -11476,6 +11992,13 @@
   <p:clrMapOvr>
     <a:masterClrMapping/>
   </p:clrMapOvr>
+  <p:timing>
+    <p:tnLst>
+      <p:par>
+        <p:cTn xmlns:p14="http://schemas.microsoft.com/office/powerpoint/2010/main" id="1" dur="indefinite" restart="never" nodeType="tmRoot"/>
+      </p:par>
+    </p:tnLst>
+  </p:timing>
 </p:sld>
 </file>
 
@@ -11631,6 +12154,13 @@
   <p:clrMapOvr>
     <a:masterClrMapping/>
   </p:clrMapOvr>
+  <p:timing>
+    <p:tnLst>
+      <p:par>
+        <p:cTn xmlns:p14="http://schemas.microsoft.com/office/powerpoint/2010/main" id="1" dur="indefinite" restart="never" nodeType="tmRoot"/>
+      </p:par>
+    </p:tnLst>
+  </p:timing>
 </p:sld>
 </file>
 
@@ -11782,6 +12312,13 @@
   <p:clrMapOvr>
     <a:masterClrMapping/>
   </p:clrMapOvr>
+  <p:timing>
+    <p:tnLst>
+      <p:par>
+        <p:cTn xmlns:p14="http://schemas.microsoft.com/office/powerpoint/2010/main" id="1" dur="indefinite" restart="never" nodeType="tmRoot"/>
+      </p:par>
+    </p:tnLst>
+  </p:timing>
 </p:sld>
 </file>
 
@@ -12033,6 +12570,13 @@
   <p:clrMapOvr>
     <a:masterClrMapping/>
   </p:clrMapOvr>
+  <p:timing>
+    <p:tnLst>
+      <p:par>
+        <p:cTn xmlns:p14="http://schemas.microsoft.com/office/powerpoint/2010/main" id="1" dur="indefinite" restart="never" nodeType="tmRoot"/>
+      </p:par>
+    </p:tnLst>
+  </p:timing>
 </p:sld>
 </file>
 
@@ -12314,6 +12858,13 @@
   <p:clrMapOvr>
     <a:masterClrMapping/>
   </p:clrMapOvr>
+  <p:timing>
+    <p:tnLst>
+      <p:par>
+        <p:cTn xmlns:p14="http://schemas.microsoft.com/office/powerpoint/2010/main" id="1" dur="indefinite" restart="never" nodeType="tmRoot"/>
+      </p:par>
+    </p:tnLst>
+  </p:timing>
 </p:sld>
 </file>
 
@@ -12561,6 +13112,13 @@
   <p:clrMapOvr>
     <a:masterClrMapping/>
   </p:clrMapOvr>
+  <p:timing>
+    <p:tnLst>
+      <p:par>
+        <p:cTn xmlns:p14="http://schemas.microsoft.com/office/powerpoint/2010/main" id="1" dur="indefinite" restart="never" nodeType="tmRoot"/>
+      </p:par>
+    </p:tnLst>
+  </p:timing>
 </p:sld>
 </file>
 

--- a/tutorial-12-debugging-13-optimization.pptx
+++ b/tutorial-12-debugging-13-optimization.pptx
@@ -221,7 +221,7 @@
           <a:p>
             <a:fld id="{775CE290-E0F5-444C-B849-A8F17CD4104C}" type="datetimeFigureOut">
               <a:rPr lang="en-US" smtClean="0"/>
-              <a:t>9/10/14</a:t>
+              <a:t>9/12/14</a:t>
             </a:fld>
             <a:endParaRPr lang="en-US"/>
           </a:p>
@@ -387,7 +387,7 @@
           <a:p>
             <a:fld id="{AD53A24C-4135-094C-957B-35852E7EDFA4}" type="datetimeFigureOut">
               <a:rPr lang="en-US" smtClean="0"/>
-              <a:t>9/10/14</a:t>
+              <a:t>9/12/14</a:t>
             </a:fld>
             <a:endParaRPr lang="en-US"/>
           </a:p>
@@ -846,9 +846,9 @@
           <a:bodyPr/>
           <a:lstStyle/>
           <a:p>
-            <a:fld id="{B594EA25-E4F4-3746-A0BA-A11E27330E0F}" type="datetime2">
-              <a:rPr lang="en-US" smtClean="0"/>
-              <a:t>Wednesday, September 10, 14</a:t>
+            <a:fld id="{0DEAF0C0-3C89-B942-AEDB-9AE7673D1612}" type="datetime2">
+              <a:rPr lang="en-US" smtClean="0"/>
+              <a:t>Friday, September 12, 14</a:t>
             </a:fld>
             <a:endParaRPr lang="en-US"/>
           </a:p>
@@ -872,7 +872,7 @@
             <a:pPr algn="r"/>
             <a:r>
               <a:rPr lang="en-US" smtClean="0"/>
-              <a:t>Sanjay Kalé and PPL (UIUC) – Parallel Migratable Objects </a:t>
+              <a:t>Laxmikant Kalé and PPL (UIUC) – Parallel Migratable Objects </a:t>
             </a:r>
             <a:endParaRPr lang="en-US" dirty="0"/>
           </a:p>
@@ -1151,7 +1151,7 @@
                 <a:latin typeface="Times New Roman"/>
                 <a:cs typeface="Times New Roman"/>
               </a:rPr>
-              <a:t>September 10, 2014</a:t>
+              <a:t>September 12, 2014</a:t>
             </a:fld>
             <a:endParaRPr lang="en-US" dirty="0">
               <a:latin typeface="Times New Roman"/>
@@ -1425,7 +1425,7 @@
                 <a:latin typeface="Times New Roman"/>
                 <a:cs typeface="Times New Roman"/>
               </a:rPr>
-              <a:t>September 10, 2014</a:t>
+              <a:t>September 12, 2014</a:t>
             </a:fld>
             <a:endParaRPr lang="en-US" dirty="0">
               <a:latin typeface="Times New Roman"/>
@@ -1658,9 +1658,9 @@
           <a:bodyPr/>
           <a:lstStyle/>
           <a:p>
-            <a:fld id="{EA699BF9-66CB-F244-8E74-7B1BE1C77046}" type="datetime2">
-              <a:rPr lang="en-US" smtClean="0"/>
-              <a:t>Wednesday, September 10, 14</a:t>
+            <a:fld id="{0067D5F5-B5BA-2A4E-AAA1-8C1F7E6662D0}" type="datetime2">
+              <a:rPr lang="en-US" smtClean="0"/>
+              <a:t>Friday, September 12, 14</a:t>
             </a:fld>
             <a:endParaRPr lang="en-US"/>
           </a:p>
@@ -1684,7 +1684,7 @@
             <a:pPr algn="r"/>
             <a:r>
               <a:rPr lang="en-US" smtClean="0"/>
-              <a:t>Sanjay Kalé and PPL (UIUC) – Parallel Migratable Objects </a:t>
+              <a:t>Laxmikant Kalé and PPL (UIUC) – Parallel Migratable Objects </a:t>
             </a:r>
             <a:endParaRPr lang="en-US" dirty="0"/>
           </a:p>
@@ -1969,9 +1969,9 @@
           <a:bodyPr/>
           <a:lstStyle/>
           <a:p>
-            <a:fld id="{D300BE84-9843-8B4F-B3C8-647B06AC46C9}" type="datetime2">
-              <a:rPr lang="en-US" smtClean="0"/>
-              <a:t>Wednesday, September 10, 14</a:t>
+            <a:fld id="{BADA9614-43A2-684D-8F21-8E640CA3544C}" type="datetime2">
+              <a:rPr lang="en-US" smtClean="0"/>
+              <a:t>Friday, September 12, 14</a:t>
             </a:fld>
             <a:endParaRPr lang="en-US"/>
           </a:p>
@@ -1995,7 +1995,7 @@
             <a:pPr algn="r"/>
             <a:r>
               <a:rPr lang="en-US" smtClean="0"/>
-              <a:t>Sanjay Kalé and PPL (UIUC) – Parallel Migratable Objects </a:t>
+              <a:t>Laxmikant Kalé and PPL (UIUC) – Parallel Migratable Objects </a:t>
             </a:r>
             <a:endParaRPr lang="en-US" dirty="0"/>
           </a:p>
@@ -2140,9 +2140,9 @@
           <a:bodyPr/>
           <a:lstStyle/>
           <a:p>
-            <a:fld id="{C460AE39-2092-A945-8296-F25085B9A0F1}" type="datetime2">
-              <a:rPr lang="en-US" smtClean="0"/>
-              <a:t>Wednesday, September 10, 14</a:t>
+            <a:fld id="{08DEBC14-6641-A74F-A9E0-BB6101743F49}" type="datetime2">
+              <a:rPr lang="en-US" smtClean="0"/>
+              <a:t>Friday, September 12, 14</a:t>
             </a:fld>
             <a:endParaRPr lang="en-US"/>
           </a:p>
@@ -2166,7 +2166,7 @@
             <a:pPr algn="r"/>
             <a:r>
               <a:rPr lang="en-US" smtClean="0"/>
-              <a:t>Sanjay Kalé and PPL (UIUC) – Parallel Migratable Objects </a:t>
+              <a:t>Laxmikant Kalé and PPL (UIUC) – Parallel Migratable Objects </a:t>
             </a:r>
             <a:endParaRPr lang="en-US" dirty="0"/>
           </a:p>
@@ -2321,9 +2321,9 @@
           <a:bodyPr/>
           <a:lstStyle/>
           <a:p>
-            <a:fld id="{63BC7E9D-3218-5E49-A867-E087AB2F4618}" type="datetime2">
-              <a:rPr lang="en-US" smtClean="0"/>
-              <a:t>Wednesday, September 10, 14</a:t>
+            <a:fld id="{CF3AD0F0-AD1C-8340-B819-F1A7DA54555A}" type="datetime2">
+              <a:rPr lang="en-US" smtClean="0"/>
+              <a:t>Friday, September 12, 14</a:t>
             </a:fld>
             <a:endParaRPr lang="en-US"/>
           </a:p>
@@ -2347,7 +2347,7 @@
             <a:pPr algn="r"/>
             <a:r>
               <a:rPr lang="en-US" smtClean="0"/>
-              <a:t>Sanjay Kalé and PPL (UIUC) – Parallel Migratable Objects </a:t>
+              <a:t>Laxmikant Kalé and PPL (UIUC) – Parallel Migratable Objects </a:t>
             </a:r>
             <a:endParaRPr lang="en-US" dirty="0"/>
           </a:p>
@@ -2575,9 +2575,9 @@
           <a:bodyPr/>
           <a:lstStyle/>
           <a:p>
-            <a:fld id="{B594EA25-E4F4-3746-A0BA-A11E27330E0F}" type="datetime2">
-              <a:rPr lang="en-US" smtClean="0"/>
-              <a:t>Wednesday, September 10, 14</a:t>
+            <a:fld id="{7770D924-CAA5-6749-A3F7-706D109F6206}" type="datetime2">
+              <a:rPr lang="en-US" smtClean="0"/>
+              <a:t>Friday, September 12, 14</a:t>
             </a:fld>
             <a:endParaRPr lang="en-US"/>
           </a:p>
@@ -2601,7 +2601,7 @@
             <a:pPr algn="r"/>
             <a:r>
               <a:rPr lang="en-US" smtClean="0"/>
-              <a:t>Sanjay Kalé and PPL (UIUC) – Parallel Migratable Objects </a:t>
+              <a:t>Laxmikant Kalé and PPL (UIUC) – Parallel Migratable Objects </a:t>
             </a:r>
             <a:endParaRPr lang="en-US" dirty="0"/>
           </a:p>
@@ -2880,7 +2880,7 @@
                 <a:latin typeface="Times New Roman"/>
                 <a:cs typeface="Times New Roman"/>
               </a:rPr>
-              <a:t>September 10, 2014</a:t>
+              <a:t>September 12, 2014</a:t>
             </a:fld>
             <a:endParaRPr lang="en-US" dirty="0">
               <a:latin typeface="Times New Roman"/>
@@ -3004,9 +3004,9 @@
           <a:bodyPr/>
           <a:lstStyle/>
           <a:p>
-            <a:fld id="{BD5AFB16-13FE-DF4A-8CB7-09756A57B2EA}" type="datetime2">
-              <a:rPr lang="en-US" smtClean="0"/>
-              <a:t>Wednesday, September 10, 14</a:t>
+            <a:fld id="{E12FE8F6-6D59-3A43-8899-D866B815A8EE}" type="datetime2">
+              <a:rPr lang="en-US" smtClean="0"/>
+              <a:t>Friday, September 12, 14</a:t>
             </a:fld>
             <a:endParaRPr lang="en-US" dirty="0"/>
           </a:p>
@@ -3030,7 +3030,7 @@
             <a:pPr algn="r"/>
             <a:r>
               <a:rPr lang="en-US" smtClean="0"/>
-              <a:t>Sanjay Kalé and PPL (UIUC) – Parallel Migratable Objects </a:t>
+              <a:t>Laxmikant Kalé and PPL (UIUC) – Parallel Migratable Objects </a:t>
             </a:r>
             <a:endParaRPr lang="en-US" dirty="0"/>
           </a:p>
@@ -3533,9 +3533,9 @@
             </a:lvl1pPr>
           </a:lstStyle>
           <a:p>
-            <a:fld id="{30545249-FD76-6844-B252-CAB05FC2DAA8}" type="datetime2">
-              <a:rPr lang="en-US" smtClean="0"/>
-              <a:t>Wednesday, September 10, 14</a:t>
+            <a:fld id="{F9700A9A-524E-9D4E-9457-D28E18D330A3}" type="datetime2">
+              <a:rPr lang="en-US" smtClean="0"/>
+              <a:t>Friday, September 12, 14</a:t>
             </a:fld>
             <a:endParaRPr lang="en-US" dirty="0"/>
           </a:p>
@@ -3566,7 +3566,7 @@
             <a:pPr algn="r"/>
             <a:r>
               <a:rPr lang="en-US" smtClean="0"/>
-              <a:t>Sanjay Kalé and PPL (UIUC) – Parallel Migratable Objects </a:t>
+              <a:t>Laxmikant Kalé and PPL (UIUC) – Parallel Migratable Objects </a:t>
             </a:r>
             <a:endParaRPr lang="en-US" dirty="0"/>
           </a:p>
@@ -3829,9 +3829,9 @@
           <a:bodyPr/>
           <a:lstStyle/>
           <a:p>
-            <a:fld id="{34621E95-60A9-FF44-9869-513D9D7A859F}" type="datetime2">
-              <a:rPr lang="en-US" smtClean="0"/>
-              <a:t>Wednesday, September 10, 14</a:t>
+            <a:fld id="{27484097-C71F-964D-A5A7-1BD1C5B5F0AE}" type="datetime2">
+              <a:rPr lang="en-US" smtClean="0"/>
+              <a:t>Friday, September 12, 14</a:t>
             </a:fld>
             <a:endParaRPr lang="en-US"/>
           </a:p>
@@ -3855,7 +3855,7 @@
             <a:pPr algn="r"/>
             <a:r>
               <a:rPr lang="en-US" smtClean="0"/>
-              <a:t>Sanjay Kalé and PPL (UIUC) – Parallel Migratable Objects </a:t>
+              <a:t>Laxmikant Kalé and PPL (UIUC) – Parallel Migratable Objects </a:t>
             </a:r>
             <a:endParaRPr lang="en-US" dirty="0"/>
           </a:p>
@@ -3948,9 +3948,9 @@
           <a:bodyPr/>
           <a:lstStyle/>
           <a:p>
-            <a:fld id="{BD5AFB16-13FE-DF4A-8CB7-09756A57B2EA}" type="datetime2">
-              <a:rPr lang="en-US" smtClean="0"/>
-              <a:t>Wednesday, September 10, 14</a:t>
+            <a:fld id="{7DD07D68-B5F5-134F-B74E-EACA141EAA93}" type="datetime2">
+              <a:rPr lang="en-US" smtClean="0"/>
+              <a:t>Friday, September 12, 14</a:t>
             </a:fld>
             <a:endParaRPr lang="en-US" dirty="0"/>
           </a:p>
@@ -3974,7 +3974,7 @@
             <a:pPr algn="r"/>
             <a:r>
               <a:rPr lang="en-US" smtClean="0"/>
-              <a:t>Sanjay Kalé and PPL (UIUC) – Parallel Migratable Objects </a:t>
+              <a:t>Laxmikant Kalé and PPL (UIUC) – Parallel Migratable Objects </a:t>
             </a:r>
             <a:endParaRPr lang="en-US" dirty="0"/>
           </a:p>
@@ -4435,9 +4435,9 @@
           <a:bodyPr/>
           <a:lstStyle/>
           <a:p>
-            <a:fld id="{1BDEC705-8EA9-6C46-8E3B-2CAC7E2C0F7D}" type="datetime2">
-              <a:rPr lang="en-US" smtClean="0"/>
-              <a:t>Wednesday, September 10, 14</a:t>
+            <a:fld id="{F97D2F89-3A31-FD45-9901-38905D853B67}" type="datetime2">
+              <a:rPr lang="en-US" smtClean="0"/>
+              <a:t>Friday, September 12, 14</a:t>
             </a:fld>
             <a:endParaRPr lang="en-US"/>
           </a:p>
@@ -4461,7 +4461,7 @@
             <a:pPr algn="r"/>
             <a:r>
               <a:rPr lang="en-US" smtClean="0"/>
-              <a:t>Sanjay Kalé and PPL (UIUC) – Parallel Migratable Objects </a:t>
+              <a:t>Laxmikant Kalé and PPL (UIUC) – Parallel Migratable Objects </a:t>
             </a:r>
             <a:endParaRPr lang="en-US" dirty="0"/>
           </a:p>
@@ -4766,9 +4766,9 @@
             </a:lvl1pPr>
           </a:lstStyle>
           <a:p>
-            <a:fld id="{BF613BD3-C5FD-9543-B738-679BF38D8C83}" type="datetime2">
-              <a:rPr lang="en-US" smtClean="0"/>
-              <a:t>Wednesday, September 10, 14</a:t>
+            <a:fld id="{AD502B6E-797B-7944-BB44-0D97947FE773}" type="datetime2">
+              <a:rPr lang="en-US" smtClean="0"/>
+              <a:t>Friday, September 12, 14</a:t>
             </a:fld>
             <a:endParaRPr lang="en-US" dirty="0"/>
           </a:p>
@@ -4799,7 +4799,7 @@
             <a:pPr algn="r"/>
             <a:r>
               <a:rPr lang="en-US" smtClean="0"/>
-              <a:t>Sanjay Kalé and PPL (UIUC) – Parallel Migratable Objects </a:t>
+              <a:t>Laxmikant Kalé and PPL (UIUC) – Parallel Migratable Objects </a:t>
             </a:r>
             <a:endParaRPr lang="en-US" dirty="0"/>
           </a:p>
@@ -5245,9 +5245,9 @@
           <a:bodyPr/>
           <a:lstStyle/>
           <a:p>
-            <a:fld id="{4B5E4F0C-9A9C-5448-99FD-D30288B385C9}" type="datetime2">
-              <a:rPr lang="en-US" smtClean="0"/>
-              <a:t>Wednesday, September 10, 14</a:t>
+            <a:fld id="{A964665B-CFCD-194A-896A-FF7F45906BE8}" type="datetime2">
+              <a:rPr lang="en-US" smtClean="0"/>
+              <a:t>Friday, September 12, 14</a:t>
             </a:fld>
             <a:endParaRPr lang="en-US"/>
           </a:p>
@@ -5271,7 +5271,7 @@
             <a:pPr algn="r"/>
             <a:r>
               <a:rPr lang="en-US" smtClean="0"/>
-              <a:t>Sanjay Kalé and PPL (UIUC) – Parallel Migratable Objects </a:t>
+              <a:t>Laxmikant Kalé and PPL (UIUC) – Parallel Migratable Objects </a:t>
             </a:r>
             <a:endParaRPr lang="en-US" dirty="0"/>
           </a:p>
@@ -5541,9 +5541,9 @@
             </a:lvl1pPr>
           </a:lstStyle>
           <a:p>
-            <a:fld id="{30545249-FD76-6844-B252-CAB05FC2DAA8}" type="datetime2">
-              <a:rPr lang="en-US" smtClean="0"/>
-              <a:t>Wednesday, September 10, 14</a:t>
+            <a:fld id="{47DDF38E-6C22-354D-9967-0C0F96F21033}" type="datetime2">
+              <a:rPr lang="en-US" smtClean="0"/>
+              <a:t>Friday, September 12, 14</a:t>
             </a:fld>
             <a:endParaRPr lang="en-US" dirty="0"/>
           </a:p>
@@ -5574,7 +5574,7 @@
             <a:pPr algn="r"/>
             <a:r>
               <a:rPr lang="en-US" smtClean="0"/>
-              <a:t>Sanjay Kalé and PPL (UIUC) – Parallel Migratable Objects </a:t>
+              <a:t>Laxmikant Kalé and PPL (UIUC) – Parallel Migratable Objects </a:t>
             </a:r>
             <a:endParaRPr lang="en-US" dirty="0"/>
           </a:p>
@@ -5784,9 +5784,9 @@
           <a:bodyPr/>
           <a:lstStyle/>
           <a:p>
-            <a:fld id="{CC859171-EEDD-0B48-A5C0-E7218AE20EA7}" type="datetime2">
-              <a:rPr lang="en-US" smtClean="0"/>
-              <a:t>Wednesday, September 10, 14</a:t>
+            <a:fld id="{17A92E31-2BAF-9D41-938B-8C2BD4988230}" type="datetime2">
+              <a:rPr lang="en-US" smtClean="0"/>
+              <a:t>Friday, September 12, 14</a:t>
             </a:fld>
             <a:endParaRPr lang="en-US"/>
           </a:p>
@@ -5810,7 +5810,7 @@
             <a:pPr algn="r"/>
             <a:r>
               <a:rPr lang="en-US" smtClean="0"/>
-              <a:t>Sanjay Kalé and PPL (UIUC) – Parallel Migratable Objects </a:t>
+              <a:t>Laxmikant Kalé and PPL (UIUC) – Parallel Migratable Objects </a:t>
             </a:r>
             <a:endParaRPr lang="en-US" dirty="0"/>
           </a:p>
@@ -5880,9 +5880,9 @@
           <a:bodyPr/>
           <a:lstStyle/>
           <a:p>
-            <a:fld id="{C32F9216-0342-7440-9504-BD6C1382BF27}" type="datetime2">
-              <a:rPr lang="en-US" smtClean="0"/>
-              <a:t>Wednesday, September 10, 14</a:t>
+            <a:fld id="{D7966513-A3FA-9A45-AE32-F2A85AC7ED3A}" type="datetime2">
+              <a:rPr lang="en-US" smtClean="0"/>
+              <a:t>Friday, September 12, 14</a:t>
             </a:fld>
             <a:endParaRPr lang="en-US"/>
           </a:p>
@@ -5906,7 +5906,7 @@
             <a:pPr algn="r"/>
             <a:r>
               <a:rPr lang="en-US" smtClean="0"/>
-              <a:t>Sanjay Kalé and PPL (UIUC) – Parallel Migratable Objects </a:t>
+              <a:t>Laxmikant Kalé and PPL (UIUC) – Parallel Migratable Objects </a:t>
             </a:r>
             <a:endParaRPr lang="en-US" dirty="0"/>
           </a:p>
@@ -6055,7 +6055,7 @@
           <a:p>
             <a:r>
               <a:rPr lang="en-US" smtClean="0"/>
-              <a:t>Sanjay Kalé and PPL (UIUC) – Parallel Migratable Objects </a:t>
+              <a:t>Laxmikant Kalé and PPL (UIUC) – Parallel Migratable Objects </a:t>
             </a:r>
             <a:endParaRPr lang="en-US" dirty="0"/>
           </a:p>
@@ -6195,9 +6195,9 @@
             </a:lvl1pPr>
           </a:lstStyle>
           <a:p>
-            <a:fld id="{D36DC8F2-AD63-E841-8C23-5DC3A41041BE}" type="datetime2">
-              <a:rPr lang="en-US" smtClean="0"/>
-              <a:t>Wednesday, September 10, 14</a:t>
+            <a:fld id="{C72559CB-C815-E243-9FB5-93E1F6D31048}" type="datetime2">
+              <a:rPr lang="en-US" smtClean="0"/>
+              <a:t>Friday, September 12, 14</a:t>
             </a:fld>
             <a:endParaRPr lang="en-US" dirty="0"/>
           </a:p>
@@ -6273,7 +6273,7 @@
       </p:par>
     </p:tnLst>
   </p:timing>
-  <p:hf hdr="0"/>
+  <p:hf hdr="0" dt="0"/>
   <p:txStyles>
     <p:titleStyle>
       <a:lvl1pPr algn="l" defTabSz="914400" rtl="0" eaLnBrk="1" latinLnBrk="0" hangingPunct="1">
@@ -6672,11 +6672,7 @@
             </a:pPr>
             <a:r>
               <a:rPr lang="en-US" dirty="0" smtClean="0"/>
-              <a:t>Hello </a:t>
-            </a:r>
-            <a:r>
-              <a:rPr lang="en-US" dirty="0" smtClean="0"/>
-              <a:t>World</a:t>
+              <a:t>Hello World</a:t>
             </a:r>
           </a:p>
           <a:p>
@@ -6780,11 +6776,7 @@
             </a:pPr>
             <a:r>
               <a:rPr lang="en-US" dirty="0" smtClean="0"/>
-              <a:t>Structured </a:t>
-            </a:r>
-            <a:r>
-              <a:rPr lang="en-US" dirty="0" smtClean="0"/>
-              <a:t>Dagger</a:t>
+              <a:t>Structured Dagger</a:t>
             </a:r>
           </a:p>
           <a:p>
@@ -6875,12 +6867,12 @@
       </p:sp>
       <p:sp>
         <p:nvSpPr>
-          <p:cNvPr id="4" name="Date Placeholder 3"/>
-          <p:cNvSpPr>
-            <a:spLocks noGrp="1"/>
-          </p:cNvSpPr>
-          <p:nvPr>
-            <p:ph type="dt" sz="half" idx="10"/>
+          <p:cNvPr id="5" name="Footer Placeholder 4"/>
+          <p:cNvSpPr>
+            <a:spLocks noGrp="1"/>
+          </p:cNvSpPr>
+          <p:nvPr>
+            <p:ph type="ftr" sz="quarter" idx="11"/>
           </p:nvPr>
         </p:nvSpPr>
         <p:spPr/>
@@ -6888,33 +6880,10 @@
           <a:bodyPr/>
           <a:lstStyle/>
           <a:p>
-            <a:fld id="{7DCE861A-EA6B-EA43-8AA5-DB216DBB40BC}" type="datetime2">
-              <a:rPr lang="en-US" smtClean="0"/>
-              <a:t>Wednesday, September 10, 14</a:t>
-            </a:fld>
-            <a:endParaRPr lang="en-US"/>
-          </a:p>
-        </p:txBody>
-      </p:sp>
-      <p:sp>
-        <p:nvSpPr>
-          <p:cNvPr id="5" name="Footer Placeholder 4"/>
-          <p:cNvSpPr>
-            <a:spLocks noGrp="1"/>
-          </p:cNvSpPr>
-          <p:nvPr>
-            <p:ph type="ftr" sz="quarter" idx="11"/>
-          </p:nvPr>
-        </p:nvSpPr>
-        <p:spPr/>
-        <p:txBody>
-          <a:bodyPr/>
-          <a:lstStyle/>
-          <a:p>
             <a:pPr algn="r"/>
             <a:r>
               <a:rPr lang="en-US" smtClean="0"/>
-              <a:t>Sanjay Kalé and PPL (UIUC) – Parallel Migratable Objects </a:t>
+              <a:t>Laxmikant Kalé and PPL (UIUC) – Parallel Migratable Objects </a:t>
             </a:r>
             <a:endParaRPr lang="en-US" dirty="0"/>
           </a:p>
@@ -7153,12 +7122,12 @@
       </p:sp>
       <p:sp>
         <p:nvSpPr>
-          <p:cNvPr id="4" name="Date Placeholder 3"/>
-          <p:cNvSpPr>
-            <a:spLocks noGrp="1"/>
-          </p:cNvSpPr>
-          <p:nvPr>
-            <p:ph type="dt" sz="half" idx="10"/>
+          <p:cNvPr id="5" name="Footer Placeholder 4"/>
+          <p:cNvSpPr>
+            <a:spLocks noGrp="1"/>
+          </p:cNvSpPr>
+          <p:nvPr>
+            <p:ph type="ftr" sz="quarter" idx="11"/>
           </p:nvPr>
         </p:nvSpPr>
         <p:spPr/>
@@ -7166,33 +7135,10 @@
           <a:bodyPr/>
           <a:lstStyle/>
           <a:p>
-            <a:fld id="{34621E95-60A9-FF44-9869-513D9D7A859F}" type="datetime2">
-              <a:rPr lang="en-US" smtClean="0"/>
-              <a:t>Wednesday, September 10, 14</a:t>
-            </a:fld>
-            <a:endParaRPr lang="en-US"/>
-          </a:p>
-        </p:txBody>
-      </p:sp>
-      <p:sp>
-        <p:nvSpPr>
-          <p:cNvPr id="5" name="Footer Placeholder 4"/>
-          <p:cNvSpPr>
-            <a:spLocks noGrp="1"/>
-          </p:cNvSpPr>
-          <p:nvPr>
-            <p:ph type="ftr" sz="quarter" idx="11"/>
-          </p:nvPr>
-        </p:nvSpPr>
-        <p:spPr/>
-        <p:txBody>
-          <a:bodyPr/>
-          <a:lstStyle/>
-          <a:p>
             <a:pPr algn="r"/>
             <a:r>
               <a:rPr lang="en-US" smtClean="0"/>
-              <a:t>Sanjay Kalé and PPL (UIUC) – Parallel Migratable Objects </a:t>
+              <a:t>Laxmikant Kalé and PPL (UIUC) – Parallel Migratable Objects </a:t>
             </a:r>
             <a:endParaRPr lang="en-US" dirty="0"/>
           </a:p>
@@ -7367,12 +7313,12 @@
       </p:sp>
       <p:sp>
         <p:nvSpPr>
-          <p:cNvPr id="4" name="Date Placeholder 3"/>
-          <p:cNvSpPr>
-            <a:spLocks noGrp="1"/>
-          </p:cNvSpPr>
-          <p:nvPr>
-            <p:ph type="dt" sz="half" idx="10"/>
+          <p:cNvPr id="5" name="Footer Placeholder 4"/>
+          <p:cNvSpPr>
+            <a:spLocks noGrp="1"/>
+          </p:cNvSpPr>
+          <p:nvPr>
+            <p:ph type="ftr" sz="quarter" idx="11"/>
           </p:nvPr>
         </p:nvSpPr>
         <p:spPr/>
@@ -7380,33 +7326,10 @@
           <a:bodyPr/>
           <a:lstStyle/>
           <a:p>
-            <a:fld id="{34621E95-60A9-FF44-9869-513D9D7A859F}" type="datetime2">
-              <a:rPr lang="en-US" smtClean="0"/>
-              <a:t>Wednesday, September 10, 14</a:t>
-            </a:fld>
-            <a:endParaRPr lang="en-US"/>
-          </a:p>
-        </p:txBody>
-      </p:sp>
-      <p:sp>
-        <p:nvSpPr>
-          <p:cNvPr id="5" name="Footer Placeholder 4"/>
-          <p:cNvSpPr>
-            <a:spLocks noGrp="1"/>
-          </p:cNvSpPr>
-          <p:nvPr>
-            <p:ph type="ftr" sz="quarter" idx="11"/>
-          </p:nvPr>
-        </p:nvSpPr>
-        <p:spPr/>
-        <p:txBody>
-          <a:bodyPr/>
-          <a:lstStyle/>
-          <a:p>
             <a:pPr algn="r"/>
             <a:r>
               <a:rPr lang="en-US" smtClean="0"/>
-              <a:t>Sanjay Kalé and PPL (UIUC) – Parallel Migratable Objects </a:t>
+              <a:t>Laxmikant Kalé and PPL (UIUC) – Parallel Migratable Objects </a:t>
             </a:r>
             <a:endParaRPr lang="en-US" dirty="0"/>
           </a:p>
@@ -7558,12 +7481,12 @@
       </p:sp>
       <p:sp>
         <p:nvSpPr>
-          <p:cNvPr id="4" name="Date Placeholder 3"/>
-          <p:cNvSpPr>
-            <a:spLocks noGrp="1"/>
-          </p:cNvSpPr>
-          <p:nvPr>
-            <p:ph type="dt" sz="half" idx="10"/>
+          <p:cNvPr id="5" name="Footer Placeholder 4"/>
+          <p:cNvSpPr>
+            <a:spLocks noGrp="1"/>
+          </p:cNvSpPr>
+          <p:nvPr>
+            <p:ph type="ftr" sz="quarter" idx="11"/>
           </p:nvPr>
         </p:nvSpPr>
         <p:spPr/>
@@ -7571,33 +7494,10 @@
           <a:bodyPr/>
           <a:lstStyle/>
           <a:p>
-            <a:fld id="{34621E95-60A9-FF44-9869-513D9D7A859F}" type="datetime2">
-              <a:rPr lang="en-US" smtClean="0"/>
-              <a:t>Wednesday, September 10, 14</a:t>
-            </a:fld>
-            <a:endParaRPr lang="en-US"/>
-          </a:p>
-        </p:txBody>
-      </p:sp>
-      <p:sp>
-        <p:nvSpPr>
-          <p:cNvPr id="5" name="Footer Placeholder 4"/>
-          <p:cNvSpPr>
-            <a:spLocks noGrp="1"/>
-          </p:cNvSpPr>
-          <p:nvPr>
-            <p:ph type="ftr" sz="quarter" idx="11"/>
-          </p:nvPr>
-        </p:nvSpPr>
-        <p:spPr/>
-        <p:txBody>
-          <a:bodyPr/>
-          <a:lstStyle/>
-          <a:p>
             <a:pPr algn="r"/>
             <a:r>
               <a:rPr lang="en-US" smtClean="0"/>
-              <a:t>Sanjay Kalé and PPL (UIUC) – Parallel Migratable Objects </a:t>
+              <a:t>Laxmikant Kalé and PPL (UIUC) – Parallel Migratable Objects </a:t>
             </a:r>
             <a:endParaRPr lang="en-US" dirty="0"/>
           </a:p>
@@ -7691,12 +7591,12 @@
       </p:sp>
       <p:sp>
         <p:nvSpPr>
-          <p:cNvPr id="3" name="Date Placeholder 2"/>
-          <p:cNvSpPr>
-            <a:spLocks noGrp="1"/>
-          </p:cNvSpPr>
-          <p:nvPr>
-            <p:ph type="dt" sz="half" idx="10"/>
+          <p:cNvPr id="4" name="Footer Placeholder 3"/>
+          <p:cNvSpPr>
+            <a:spLocks noGrp="1"/>
+          </p:cNvSpPr>
+          <p:nvPr>
+            <p:ph type="ftr" sz="quarter" idx="11"/>
           </p:nvPr>
         </p:nvSpPr>
         <p:spPr/>
@@ -7704,33 +7604,10 @@
           <a:bodyPr/>
           <a:lstStyle/>
           <a:p>
-            <a:fld id="{BD5AFB16-13FE-DF4A-8CB7-09756A57B2EA}" type="datetime2">
-              <a:rPr lang="en-US" smtClean="0"/>
-              <a:t>Wednesday, September 10, 14</a:t>
-            </a:fld>
-            <a:endParaRPr lang="en-US" dirty="0"/>
-          </a:p>
-        </p:txBody>
-      </p:sp>
-      <p:sp>
-        <p:nvSpPr>
-          <p:cNvPr id="4" name="Footer Placeholder 3"/>
-          <p:cNvSpPr>
-            <a:spLocks noGrp="1"/>
-          </p:cNvSpPr>
-          <p:nvPr>
-            <p:ph type="ftr" sz="quarter" idx="11"/>
-          </p:nvPr>
-        </p:nvSpPr>
-        <p:spPr/>
-        <p:txBody>
-          <a:bodyPr/>
-          <a:lstStyle/>
-          <a:p>
             <a:pPr algn="r"/>
             <a:r>
               <a:rPr lang="en-US" smtClean="0"/>
-              <a:t>Sanjay Kalé and PPL (UIUC) – Parallel Migratable Objects </a:t>
+              <a:t>Laxmikant Kalé and PPL (UIUC) – Parallel Migratable Objects </a:t>
             </a:r>
             <a:endParaRPr lang="en-US" dirty="0"/>
           </a:p>
@@ -8294,12 +8171,12 @@
       </p:sp>
       <p:sp>
         <p:nvSpPr>
-          <p:cNvPr id="3" name="Date Placeholder 2"/>
-          <p:cNvSpPr>
-            <a:spLocks noGrp="1"/>
-          </p:cNvSpPr>
-          <p:nvPr>
-            <p:ph type="dt" sz="half" idx="10"/>
+          <p:cNvPr id="4" name="Footer Placeholder 3"/>
+          <p:cNvSpPr>
+            <a:spLocks noGrp="1"/>
+          </p:cNvSpPr>
+          <p:nvPr>
+            <p:ph type="ftr" sz="quarter" idx="11"/>
           </p:nvPr>
         </p:nvSpPr>
         <p:spPr/>
@@ -8307,33 +8184,10 @@
           <a:bodyPr/>
           <a:lstStyle/>
           <a:p>
-            <a:fld id="{BD5AFB16-13FE-DF4A-8CB7-09756A57B2EA}" type="datetime2">
-              <a:rPr lang="en-US" smtClean="0"/>
-              <a:t>Wednesday, September 10, 14</a:t>
-            </a:fld>
-            <a:endParaRPr lang="en-US" dirty="0"/>
-          </a:p>
-        </p:txBody>
-      </p:sp>
-      <p:sp>
-        <p:nvSpPr>
-          <p:cNvPr id="4" name="Footer Placeholder 3"/>
-          <p:cNvSpPr>
-            <a:spLocks noGrp="1"/>
-          </p:cNvSpPr>
-          <p:nvPr>
-            <p:ph type="ftr" sz="quarter" idx="11"/>
-          </p:nvPr>
-        </p:nvSpPr>
-        <p:spPr/>
-        <p:txBody>
-          <a:bodyPr/>
-          <a:lstStyle/>
-          <a:p>
             <a:pPr algn="r"/>
             <a:r>
               <a:rPr lang="en-US" smtClean="0"/>
-              <a:t>Sanjay Kalé and PPL (UIUC) – Parallel Migratable Objects </a:t>
+              <a:t>Laxmikant Kalé and PPL (UIUC) – Parallel Migratable Objects </a:t>
             </a:r>
             <a:endParaRPr lang="en-US" dirty="0"/>
           </a:p>
@@ -8585,12 +8439,12 @@
       </p:sp>
       <p:sp>
         <p:nvSpPr>
-          <p:cNvPr id="4" name="Date Placeholder 3"/>
-          <p:cNvSpPr>
-            <a:spLocks noGrp="1"/>
-          </p:cNvSpPr>
-          <p:nvPr>
-            <p:ph type="dt" sz="half" idx="10"/>
+          <p:cNvPr id="5" name="Footer Placeholder 4"/>
+          <p:cNvSpPr>
+            <a:spLocks noGrp="1"/>
+          </p:cNvSpPr>
+          <p:nvPr>
+            <p:ph type="ftr" sz="quarter" idx="11"/>
           </p:nvPr>
         </p:nvSpPr>
         <p:spPr/>
@@ -8598,33 +8452,10 @@
           <a:bodyPr/>
           <a:lstStyle/>
           <a:p>
-            <a:fld id="{34621E95-60A9-FF44-9869-513D9D7A859F}" type="datetime2">
-              <a:rPr lang="en-US" smtClean="0"/>
-              <a:t>Wednesday, September 10, 14</a:t>
-            </a:fld>
-            <a:endParaRPr lang="en-US"/>
-          </a:p>
-        </p:txBody>
-      </p:sp>
-      <p:sp>
-        <p:nvSpPr>
-          <p:cNvPr id="5" name="Footer Placeholder 4"/>
-          <p:cNvSpPr>
-            <a:spLocks noGrp="1"/>
-          </p:cNvSpPr>
-          <p:nvPr>
-            <p:ph type="ftr" sz="quarter" idx="11"/>
-          </p:nvPr>
-        </p:nvSpPr>
-        <p:spPr/>
-        <p:txBody>
-          <a:bodyPr/>
-          <a:lstStyle/>
-          <a:p>
             <a:pPr algn="r"/>
             <a:r>
               <a:rPr lang="en-US" smtClean="0"/>
-              <a:t>Sanjay Kalé and PPL (UIUC) – Parallel Migratable Objects </a:t>
+              <a:t>Laxmikant Kalé and PPL (UIUC) – Parallel Migratable Objects </a:t>
             </a:r>
             <a:endParaRPr lang="en-US" dirty="0"/>
           </a:p>
@@ -8827,12 +8658,12 @@
       </p:sp>
       <p:sp>
         <p:nvSpPr>
-          <p:cNvPr id="4" name="Date Placeholder 3"/>
-          <p:cNvSpPr>
-            <a:spLocks noGrp="1"/>
-          </p:cNvSpPr>
-          <p:nvPr>
-            <p:ph type="dt" sz="half" idx="10"/>
+          <p:cNvPr id="5" name="Footer Placeholder 4"/>
+          <p:cNvSpPr>
+            <a:spLocks noGrp="1"/>
+          </p:cNvSpPr>
+          <p:nvPr>
+            <p:ph type="ftr" sz="quarter" idx="11"/>
           </p:nvPr>
         </p:nvSpPr>
         <p:spPr/>
@@ -8840,33 +8671,10 @@
           <a:bodyPr/>
           <a:lstStyle/>
           <a:p>
-            <a:fld id="{34621E95-60A9-FF44-9869-513D9D7A859F}" type="datetime2">
-              <a:rPr lang="en-US" smtClean="0"/>
-              <a:t>Wednesday, September 10, 14</a:t>
-            </a:fld>
-            <a:endParaRPr lang="en-US"/>
-          </a:p>
-        </p:txBody>
-      </p:sp>
-      <p:sp>
-        <p:nvSpPr>
-          <p:cNvPr id="5" name="Footer Placeholder 4"/>
-          <p:cNvSpPr>
-            <a:spLocks noGrp="1"/>
-          </p:cNvSpPr>
-          <p:nvPr>
-            <p:ph type="ftr" sz="quarter" idx="11"/>
-          </p:nvPr>
-        </p:nvSpPr>
-        <p:spPr/>
-        <p:txBody>
-          <a:bodyPr/>
-          <a:lstStyle/>
-          <a:p>
             <a:pPr algn="r"/>
             <a:r>
               <a:rPr lang="en-US" smtClean="0"/>
-              <a:t>Sanjay Kalé and PPL (UIUC) – Parallel Migratable Objects </a:t>
+              <a:t>Laxmikant Kalé and PPL (UIUC) – Parallel Migratable Objects </a:t>
             </a:r>
             <a:endParaRPr lang="en-US" dirty="0"/>
           </a:p>
@@ -8960,12 +8768,12 @@
       </p:sp>
       <p:sp>
         <p:nvSpPr>
-          <p:cNvPr id="3" name="Date Placeholder 2"/>
-          <p:cNvSpPr>
-            <a:spLocks noGrp="1"/>
-          </p:cNvSpPr>
-          <p:nvPr>
-            <p:ph type="dt" sz="half" idx="10"/>
+          <p:cNvPr id="4" name="Footer Placeholder 3"/>
+          <p:cNvSpPr>
+            <a:spLocks noGrp="1"/>
+          </p:cNvSpPr>
+          <p:nvPr>
+            <p:ph type="ftr" sz="quarter" idx="11"/>
           </p:nvPr>
         </p:nvSpPr>
         <p:spPr/>
@@ -8973,33 +8781,10 @@
           <a:bodyPr/>
           <a:lstStyle/>
           <a:p>
-            <a:fld id="{BD5AFB16-13FE-DF4A-8CB7-09756A57B2EA}" type="datetime2">
-              <a:rPr lang="en-US" smtClean="0"/>
-              <a:t>Wednesday, September 10, 14</a:t>
-            </a:fld>
-            <a:endParaRPr lang="en-US" dirty="0"/>
-          </a:p>
-        </p:txBody>
-      </p:sp>
-      <p:sp>
-        <p:nvSpPr>
-          <p:cNvPr id="4" name="Footer Placeholder 3"/>
-          <p:cNvSpPr>
-            <a:spLocks noGrp="1"/>
-          </p:cNvSpPr>
-          <p:nvPr>
-            <p:ph type="ftr" sz="quarter" idx="11"/>
-          </p:nvPr>
-        </p:nvSpPr>
-        <p:spPr/>
-        <p:txBody>
-          <a:bodyPr/>
-          <a:lstStyle/>
-          <a:p>
             <a:pPr algn="r"/>
             <a:r>
               <a:rPr lang="en-US" smtClean="0"/>
-              <a:t>Sanjay Kalé and PPL (UIUC) – Parallel Migratable Objects </a:t>
+              <a:t>Laxmikant Kalé and PPL (UIUC) – Parallel Migratable Objects </a:t>
             </a:r>
             <a:endParaRPr lang="en-US" dirty="0"/>
           </a:p>
@@ -9351,12 +9136,12 @@
       </p:sp>
       <p:sp>
         <p:nvSpPr>
-          <p:cNvPr id="3" name="Date Placeholder 2"/>
-          <p:cNvSpPr>
-            <a:spLocks noGrp="1"/>
-          </p:cNvSpPr>
-          <p:nvPr>
-            <p:ph type="dt" sz="half" idx="10"/>
+          <p:cNvPr id="4" name="Footer Placeholder 3"/>
+          <p:cNvSpPr>
+            <a:spLocks noGrp="1"/>
+          </p:cNvSpPr>
+          <p:nvPr>
+            <p:ph type="ftr" sz="quarter" idx="11"/>
           </p:nvPr>
         </p:nvSpPr>
         <p:spPr/>
@@ -9364,33 +9149,10 @@
           <a:bodyPr/>
           <a:lstStyle/>
           <a:p>
-            <a:fld id="{BD5AFB16-13FE-DF4A-8CB7-09756A57B2EA}" type="datetime2">
-              <a:rPr lang="en-US" smtClean="0"/>
-              <a:t>Wednesday, September 10, 14</a:t>
-            </a:fld>
-            <a:endParaRPr lang="en-US" dirty="0"/>
-          </a:p>
-        </p:txBody>
-      </p:sp>
-      <p:sp>
-        <p:nvSpPr>
-          <p:cNvPr id="4" name="Footer Placeholder 3"/>
-          <p:cNvSpPr>
-            <a:spLocks noGrp="1"/>
-          </p:cNvSpPr>
-          <p:nvPr>
-            <p:ph type="ftr" sz="quarter" idx="11"/>
-          </p:nvPr>
-        </p:nvSpPr>
-        <p:spPr/>
-        <p:txBody>
-          <a:bodyPr/>
-          <a:lstStyle/>
-          <a:p>
             <a:pPr algn="r"/>
             <a:r>
               <a:rPr lang="en-US" smtClean="0"/>
-              <a:t>Sanjay Kalé and PPL (UIUC) – Parallel Migratable Objects </a:t>
+              <a:t>Laxmikant Kalé and PPL (UIUC) – Parallel Migratable Objects </a:t>
             </a:r>
             <a:endParaRPr lang="en-US" dirty="0"/>
           </a:p>
@@ -10119,12 +9881,12 @@
       </p:sp>
       <p:sp>
         <p:nvSpPr>
-          <p:cNvPr id="3" name="Date Placeholder 2"/>
-          <p:cNvSpPr>
-            <a:spLocks noGrp="1"/>
-          </p:cNvSpPr>
-          <p:nvPr>
-            <p:ph type="dt" sz="half" idx="10"/>
+          <p:cNvPr id="4" name="Footer Placeholder 3"/>
+          <p:cNvSpPr>
+            <a:spLocks noGrp="1"/>
+          </p:cNvSpPr>
+          <p:nvPr>
+            <p:ph type="ftr" sz="quarter" idx="11"/>
           </p:nvPr>
         </p:nvSpPr>
         <p:spPr/>
@@ -10132,33 +9894,10 @@
           <a:bodyPr/>
           <a:lstStyle/>
           <a:p>
-            <a:fld id="{BD5AFB16-13FE-DF4A-8CB7-09756A57B2EA}" type="datetime2">
-              <a:rPr lang="en-US" smtClean="0"/>
-              <a:t>Wednesday, September 10, 14</a:t>
-            </a:fld>
-            <a:endParaRPr lang="en-US" dirty="0"/>
-          </a:p>
-        </p:txBody>
-      </p:sp>
-      <p:sp>
-        <p:nvSpPr>
-          <p:cNvPr id="4" name="Footer Placeholder 3"/>
-          <p:cNvSpPr>
-            <a:spLocks noGrp="1"/>
-          </p:cNvSpPr>
-          <p:nvPr>
-            <p:ph type="ftr" sz="quarter" idx="11"/>
-          </p:nvPr>
-        </p:nvSpPr>
-        <p:spPr/>
-        <p:txBody>
-          <a:bodyPr/>
-          <a:lstStyle/>
-          <a:p>
             <a:pPr algn="r"/>
             <a:r>
               <a:rPr lang="en-US" smtClean="0"/>
-              <a:t>Sanjay Kalé and PPL (UIUC) – Parallel Migratable Objects </a:t>
+              <a:t>Laxmikant Kalé and PPL (UIUC) – Parallel Migratable Objects </a:t>
             </a:r>
             <a:endParaRPr lang="en-US" dirty="0"/>
           </a:p>
@@ -10429,12 +10168,12 @@
       </p:sp>
       <p:sp>
         <p:nvSpPr>
-          <p:cNvPr id="4" name="Date Placeholder 3"/>
-          <p:cNvSpPr>
-            <a:spLocks noGrp="1"/>
-          </p:cNvSpPr>
-          <p:nvPr>
-            <p:ph type="dt" sz="half" idx="10"/>
+          <p:cNvPr id="5" name="Footer Placeholder 4"/>
+          <p:cNvSpPr>
+            <a:spLocks noGrp="1"/>
+          </p:cNvSpPr>
+          <p:nvPr>
+            <p:ph type="ftr" sz="quarter" idx="11"/>
           </p:nvPr>
         </p:nvSpPr>
         <p:spPr/>
@@ -10442,33 +10181,10 @@
           <a:bodyPr/>
           <a:lstStyle/>
           <a:p>
-            <a:fld id="{34621E95-60A9-FF44-9869-513D9D7A859F}" type="datetime2">
-              <a:rPr lang="en-US" smtClean="0"/>
-              <a:t>Wednesday, September 10, 14</a:t>
-            </a:fld>
-            <a:endParaRPr lang="en-US"/>
-          </a:p>
-        </p:txBody>
-      </p:sp>
-      <p:sp>
-        <p:nvSpPr>
-          <p:cNvPr id="5" name="Footer Placeholder 4"/>
-          <p:cNvSpPr>
-            <a:spLocks noGrp="1"/>
-          </p:cNvSpPr>
-          <p:nvPr>
-            <p:ph type="ftr" sz="quarter" idx="11"/>
-          </p:nvPr>
-        </p:nvSpPr>
-        <p:spPr/>
-        <p:txBody>
-          <a:bodyPr/>
-          <a:lstStyle/>
-          <a:p>
             <a:pPr algn="r"/>
             <a:r>
               <a:rPr lang="en-US" smtClean="0"/>
-              <a:t>Sanjay Kalé and PPL (UIUC) – Parallel Migratable Objects </a:t>
+              <a:t>Laxmikant Kalé and PPL (UIUC) – Parallel Migratable Objects </a:t>
             </a:r>
             <a:endParaRPr lang="en-US" dirty="0"/>
           </a:p>
@@ -10986,12 +10702,12 @@
       </p:sp>
       <p:sp>
         <p:nvSpPr>
-          <p:cNvPr id="3" name="Date Placeholder 2"/>
-          <p:cNvSpPr>
-            <a:spLocks noGrp="1"/>
-          </p:cNvSpPr>
-          <p:nvPr>
-            <p:ph type="dt" sz="half" idx="10"/>
+          <p:cNvPr id="4" name="Footer Placeholder 3"/>
+          <p:cNvSpPr>
+            <a:spLocks noGrp="1"/>
+          </p:cNvSpPr>
+          <p:nvPr>
+            <p:ph type="ftr" sz="quarter" idx="11"/>
           </p:nvPr>
         </p:nvSpPr>
         <p:spPr/>
@@ -10999,33 +10715,10 @@
           <a:bodyPr/>
           <a:lstStyle/>
           <a:p>
-            <a:fld id="{BD5AFB16-13FE-DF4A-8CB7-09756A57B2EA}" type="datetime2">
-              <a:rPr lang="en-US" smtClean="0"/>
-              <a:t>Wednesday, September 10, 14</a:t>
-            </a:fld>
-            <a:endParaRPr lang="en-US" dirty="0"/>
-          </a:p>
-        </p:txBody>
-      </p:sp>
-      <p:sp>
-        <p:nvSpPr>
-          <p:cNvPr id="4" name="Footer Placeholder 3"/>
-          <p:cNvSpPr>
-            <a:spLocks noGrp="1"/>
-          </p:cNvSpPr>
-          <p:nvPr>
-            <p:ph type="ftr" sz="quarter" idx="11"/>
-          </p:nvPr>
-        </p:nvSpPr>
-        <p:spPr/>
-        <p:txBody>
-          <a:bodyPr/>
-          <a:lstStyle/>
-          <a:p>
             <a:pPr algn="r"/>
             <a:r>
               <a:rPr lang="en-US" smtClean="0"/>
-              <a:t>Sanjay Kalé and PPL (UIUC) – Parallel Migratable Objects </a:t>
+              <a:t>Laxmikant Kalé and PPL (UIUC) – Parallel Migratable Objects </a:t>
             </a:r>
             <a:endParaRPr lang="en-US" dirty="0"/>
           </a:p>
@@ -11913,12 +11606,12 @@
       </p:sp>
       <p:sp>
         <p:nvSpPr>
-          <p:cNvPr id="3" name="Date Placeholder 2"/>
-          <p:cNvSpPr>
-            <a:spLocks noGrp="1"/>
-          </p:cNvSpPr>
-          <p:nvPr>
-            <p:ph type="dt" sz="half" idx="10"/>
+          <p:cNvPr id="4" name="Footer Placeholder 3"/>
+          <p:cNvSpPr>
+            <a:spLocks noGrp="1"/>
+          </p:cNvSpPr>
+          <p:nvPr>
+            <p:ph type="ftr" sz="quarter" idx="11"/>
           </p:nvPr>
         </p:nvSpPr>
         <p:spPr/>
@@ -11926,33 +11619,10 @@
           <a:bodyPr/>
           <a:lstStyle/>
           <a:p>
-            <a:fld id="{BD5AFB16-13FE-DF4A-8CB7-09756A57B2EA}" type="datetime2">
-              <a:rPr lang="en-US" smtClean="0"/>
-              <a:t>Wednesday, September 10, 14</a:t>
-            </a:fld>
-            <a:endParaRPr lang="en-US" dirty="0"/>
-          </a:p>
-        </p:txBody>
-      </p:sp>
-      <p:sp>
-        <p:nvSpPr>
-          <p:cNvPr id="4" name="Footer Placeholder 3"/>
-          <p:cNvSpPr>
-            <a:spLocks noGrp="1"/>
-          </p:cNvSpPr>
-          <p:nvPr>
-            <p:ph type="ftr" sz="quarter" idx="11"/>
-          </p:nvPr>
-        </p:nvSpPr>
-        <p:spPr/>
-        <p:txBody>
-          <a:bodyPr/>
-          <a:lstStyle/>
-          <a:p>
             <a:pPr algn="r"/>
             <a:r>
               <a:rPr lang="en-US" smtClean="0"/>
-              <a:t>Sanjay Kalé and PPL (UIUC) – Parallel Migratable Objects </a:t>
+              <a:t>Laxmikant Kalé and PPL (UIUC) – Parallel Migratable Objects </a:t>
             </a:r>
             <a:endParaRPr lang="en-US" dirty="0"/>
           </a:p>
@@ -12075,12 +11745,12 @@
       </p:pic>
       <p:sp>
         <p:nvSpPr>
-          <p:cNvPr id="4" name="Date Placeholder 3"/>
-          <p:cNvSpPr>
-            <a:spLocks noGrp="1"/>
-          </p:cNvSpPr>
-          <p:nvPr>
-            <p:ph type="dt" sz="half" idx="10"/>
+          <p:cNvPr id="5" name="Footer Placeholder 4"/>
+          <p:cNvSpPr>
+            <a:spLocks noGrp="1"/>
+          </p:cNvSpPr>
+          <p:nvPr>
+            <p:ph type="ftr" sz="quarter" idx="11"/>
           </p:nvPr>
         </p:nvSpPr>
         <p:spPr/>
@@ -12088,33 +11758,10 @@
           <a:bodyPr/>
           <a:lstStyle/>
           <a:p>
-            <a:fld id="{34621E95-60A9-FF44-9869-513D9D7A859F}" type="datetime2">
-              <a:rPr lang="en-US" smtClean="0"/>
-              <a:t>Wednesday, September 10, 14</a:t>
-            </a:fld>
-            <a:endParaRPr lang="en-US"/>
-          </a:p>
-        </p:txBody>
-      </p:sp>
-      <p:sp>
-        <p:nvSpPr>
-          <p:cNvPr id="5" name="Footer Placeholder 4"/>
-          <p:cNvSpPr>
-            <a:spLocks noGrp="1"/>
-          </p:cNvSpPr>
-          <p:nvPr>
-            <p:ph type="ftr" sz="quarter" idx="11"/>
-          </p:nvPr>
-        </p:nvSpPr>
-        <p:spPr/>
-        <p:txBody>
-          <a:bodyPr/>
-          <a:lstStyle/>
-          <a:p>
             <a:pPr algn="r"/>
             <a:r>
               <a:rPr lang="en-US" smtClean="0"/>
-              <a:t>Sanjay Kalé and PPL (UIUC) – Parallel Migratable Objects </a:t>
+              <a:t>Laxmikant Kalé and PPL (UIUC) – Parallel Migratable Objects </a:t>
             </a:r>
             <a:endParaRPr lang="en-US" dirty="0"/>
           </a:p>
@@ -12233,12 +11880,12 @@
       </p:pic>
       <p:sp>
         <p:nvSpPr>
-          <p:cNvPr id="4" name="Date Placeholder 3"/>
-          <p:cNvSpPr>
-            <a:spLocks noGrp="1"/>
-          </p:cNvSpPr>
-          <p:nvPr>
-            <p:ph type="dt" sz="half" idx="10"/>
+          <p:cNvPr id="5" name="Footer Placeholder 4"/>
+          <p:cNvSpPr>
+            <a:spLocks noGrp="1"/>
+          </p:cNvSpPr>
+          <p:nvPr>
+            <p:ph type="ftr" sz="quarter" idx="11"/>
           </p:nvPr>
         </p:nvSpPr>
         <p:spPr/>
@@ -12246,33 +11893,10 @@
           <a:bodyPr/>
           <a:lstStyle/>
           <a:p>
-            <a:fld id="{34621E95-60A9-FF44-9869-513D9D7A859F}" type="datetime2">
-              <a:rPr lang="en-US" smtClean="0"/>
-              <a:t>Wednesday, September 10, 14</a:t>
-            </a:fld>
-            <a:endParaRPr lang="en-US"/>
-          </a:p>
-        </p:txBody>
-      </p:sp>
-      <p:sp>
-        <p:nvSpPr>
-          <p:cNvPr id="5" name="Footer Placeholder 4"/>
-          <p:cNvSpPr>
-            <a:spLocks noGrp="1"/>
-          </p:cNvSpPr>
-          <p:nvPr>
-            <p:ph type="ftr" sz="quarter" idx="11"/>
-          </p:nvPr>
-        </p:nvSpPr>
-        <p:spPr/>
-        <p:txBody>
-          <a:bodyPr/>
-          <a:lstStyle/>
-          <a:p>
             <a:pPr algn="r"/>
             <a:r>
               <a:rPr lang="en-US" smtClean="0"/>
-              <a:t>Sanjay Kalé and PPL (UIUC) – Parallel Migratable Objects </a:t>
+              <a:t>Laxmikant Kalé and PPL (UIUC) – Parallel Migratable Objects </a:t>
             </a:r>
             <a:endParaRPr lang="en-US" dirty="0"/>
           </a:p>
@@ -12491,12 +12115,12 @@
       </p:sp>
       <p:sp>
         <p:nvSpPr>
-          <p:cNvPr id="4" name="Date Placeholder 3"/>
-          <p:cNvSpPr>
-            <a:spLocks noGrp="1"/>
-          </p:cNvSpPr>
-          <p:nvPr>
-            <p:ph type="dt" sz="half" idx="10"/>
+          <p:cNvPr id="5" name="Footer Placeholder 4"/>
+          <p:cNvSpPr>
+            <a:spLocks noGrp="1"/>
+          </p:cNvSpPr>
+          <p:nvPr>
+            <p:ph type="ftr" sz="quarter" idx="11"/>
           </p:nvPr>
         </p:nvSpPr>
         <p:spPr/>
@@ -12504,33 +12128,10 @@
           <a:bodyPr/>
           <a:lstStyle/>
           <a:p>
-            <a:fld id="{34621E95-60A9-FF44-9869-513D9D7A859F}" type="datetime2">
-              <a:rPr lang="en-US" smtClean="0"/>
-              <a:t>Wednesday, September 10, 14</a:t>
-            </a:fld>
-            <a:endParaRPr lang="en-US"/>
-          </a:p>
-        </p:txBody>
-      </p:sp>
-      <p:sp>
-        <p:nvSpPr>
-          <p:cNvPr id="5" name="Footer Placeholder 4"/>
-          <p:cNvSpPr>
-            <a:spLocks noGrp="1"/>
-          </p:cNvSpPr>
-          <p:nvPr>
-            <p:ph type="ftr" sz="quarter" idx="11"/>
-          </p:nvPr>
-        </p:nvSpPr>
-        <p:spPr/>
-        <p:txBody>
-          <a:bodyPr/>
-          <a:lstStyle/>
-          <a:p>
             <a:pPr algn="r"/>
             <a:r>
               <a:rPr lang="en-US" smtClean="0"/>
-              <a:t>Sanjay Kalé and PPL (UIUC) – Parallel Migratable Objects </a:t>
+              <a:t>Laxmikant Kalé and PPL (UIUC) – Parallel Migratable Objects </a:t>
             </a:r>
             <a:endParaRPr lang="en-US" dirty="0"/>
           </a:p>
@@ -12779,12 +12380,12 @@
       </p:sp>
       <p:sp>
         <p:nvSpPr>
-          <p:cNvPr id="4" name="Date Placeholder 3"/>
-          <p:cNvSpPr>
-            <a:spLocks noGrp="1"/>
-          </p:cNvSpPr>
-          <p:nvPr>
-            <p:ph type="dt" sz="half" idx="10"/>
+          <p:cNvPr id="5" name="Footer Placeholder 4"/>
+          <p:cNvSpPr>
+            <a:spLocks noGrp="1"/>
+          </p:cNvSpPr>
+          <p:nvPr>
+            <p:ph type="ftr" sz="quarter" idx="11"/>
           </p:nvPr>
         </p:nvSpPr>
         <p:spPr/>
@@ -12792,33 +12393,10 @@
           <a:bodyPr/>
           <a:lstStyle/>
           <a:p>
-            <a:fld id="{34621E95-60A9-FF44-9869-513D9D7A859F}" type="datetime2">
-              <a:rPr lang="en-US" smtClean="0"/>
-              <a:t>Wednesday, September 10, 14</a:t>
-            </a:fld>
-            <a:endParaRPr lang="en-US"/>
-          </a:p>
-        </p:txBody>
-      </p:sp>
-      <p:sp>
-        <p:nvSpPr>
-          <p:cNvPr id="5" name="Footer Placeholder 4"/>
-          <p:cNvSpPr>
-            <a:spLocks noGrp="1"/>
-          </p:cNvSpPr>
-          <p:nvPr>
-            <p:ph type="ftr" sz="quarter" idx="11"/>
-          </p:nvPr>
-        </p:nvSpPr>
-        <p:spPr/>
-        <p:txBody>
-          <a:bodyPr/>
-          <a:lstStyle/>
-          <a:p>
             <a:pPr algn="r"/>
             <a:r>
               <a:rPr lang="en-US" smtClean="0"/>
-              <a:t>Sanjay Kalé and PPL (UIUC) – Parallel Migratable Objects </a:t>
+              <a:t>Laxmikant Kalé and PPL (UIUC) – Parallel Migratable Objects </a:t>
             </a:r>
             <a:endParaRPr lang="en-US" dirty="0"/>
           </a:p>
@@ -13033,12 +12611,12 @@
       </p:sp>
       <p:sp>
         <p:nvSpPr>
-          <p:cNvPr id="4" name="Date Placeholder 3"/>
-          <p:cNvSpPr>
-            <a:spLocks noGrp="1"/>
-          </p:cNvSpPr>
-          <p:nvPr>
-            <p:ph type="dt" sz="half" idx="10"/>
+          <p:cNvPr id="5" name="Footer Placeholder 4"/>
+          <p:cNvSpPr>
+            <a:spLocks noGrp="1"/>
+          </p:cNvSpPr>
+          <p:nvPr>
+            <p:ph type="ftr" sz="quarter" idx="11"/>
           </p:nvPr>
         </p:nvSpPr>
         <p:spPr/>
@@ -13046,33 +12624,10 @@
           <a:bodyPr/>
           <a:lstStyle/>
           <a:p>
-            <a:fld id="{34621E95-60A9-FF44-9869-513D9D7A859F}" type="datetime2">
-              <a:rPr lang="en-US" smtClean="0"/>
-              <a:t>Wednesday, September 10, 14</a:t>
-            </a:fld>
-            <a:endParaRPr lang="en-US"/>
-          </a:p>
-        </p:txBody>
-      </p:sp>
-      <p:sp>
-        <p:nvSpPr>
-          <p:cNvPr id="5" name="Footer Placeholder 4"/>
-          <p:cNvSpPr>
-            <a:spLocks noGrp="1"/>
-          </p:cNvSpPr>
-          <p:nvPr>
-            <p:ph type="ftr" sz="quarter" idx="11"/>
-          </p:nvPr>
-        </p:nvSpPr>
-        <p:spPr/>
-        <p:txBody>
-          <a:bodyPr/>
-          <a:lstStyle/>
-          <a:p>
             <a:pPr algn="r"/>
             <a:r>
               <a:rPr lang="en-US" smtClean="0"/>
-              <a:t>Sanjay Kalé and PPL (UIUC) – Parallel Migratable Objects </a:t>
+              <a:t>Laxmikant Kalé and PPL (UIUC) – Parallel Migratable Objects </a:t>
             </a:r>
             <a:endParaRPr lang="en-US" dirty="0"/>
           </a:p>
@@ -13431,12 +12986,12 @@
       </p:sp>
       <p:sp>
         <p:nvSpPr>
-          <p:cNvPr id="4" name="Date Placeholder 3"/>
-          <p:cNvSpPr>
-            <a:spLocks noGrp="1"/>
-          </p:cNvSpPr>
-          <p:nvPr>
-            <p:ph type="dt" sz="half" idx="10"/>
+          <p:cNvPr id="5" name="Footer Placeholder 4"/>
+          <p:cNvSpPr>
+            <a:spLocks noGrp="1"/>
+          </p:cNvSpPr>
+          <p:nvPr>
+            <p:ph type="ftr" sz="quarter" idx="11"/>
           </p:nvPr>
         </p:nvSpPr>
         <p:spPr/>
@@ -13444,33 +12999,10 @@
           <a:bodyPr/>
           <a:lstStyle/>
           <a:p>
-            <a:fld id="{7DCE861A-EA6B-EA43-8AA5-DB216DBB40BC}" type="datetime2">
-              <a:rPr lang="en-US" smtClean="0"/>
-              <a:t>Wednesday, September 10, 14</a:t>
-            </a:fld>
-            <a:endParaRPr lang="en-US"/>
-          </a:p>
-        </p:txBody>
-      </p:sp>
-      <p:sp>
-        <p:nvSpPr>
-          <p:cNvPr id="5" name="Footer Placeholder 4"/>
-          <p:cNvSpPr>
-            <a:spLocks noGrp="1"/>
-          </p:cNvSpPr>
-          <p:nvPr>
-            <p:ph type="ftr" sz="quarter" idx="11"/>
-          </p:nvPr>
-        </p:nvSpPr>
-        <p:spPr/>
-        <p:txBody>
-          <a:bodyPr/>
-          <a:lstStyle/>
-          <a:p>
             <a:pPr algn="r"/>
             <a:r>
               <a:rPr lang="en-US" smtClean="0"/>
-              <a:t>Sanjay Kalé and PPL (UIUC) – Parallel Migratable Objects </a:t>
+              <a:t>Laxmikant Kalé and PPL (UIUC) – Parallel Migratable Objects </a:t>
             </a:r>
             <a:endParaRPr lang="en-US" dirty="0"/>
           </a:p>
@@ -13784,12 +13316,12 @@
       </p:sp>
       <p:sp>
         <p:nvSpPr>
-          <p:cNvPr id="4" name="Date Placeholder 3"/>
-          <p:cNvSpPr>
-            <a:spLocks noGrp="1"/>
-          </p:cNvSpPr>
-          <p:nvPr>
-            <p:ph type="dt" sz="half" idx="10"/>
+          <p:cNvPr id="5" name="Footer Placeholder 4"/>
+          <p:cNvSpPr>
+            <a:spLocks noGrp="1"/>
+          </p:cNvSpPr>
+          <p:nvPr>
+            <p:ph type="ftr" sz="quarter" idx="11"/>
           </p:nvPr>
         </p:nvSpPr>
         <p:spPr/>
@@ -13797,33 +13329,10 @@
           <a:bodyPr/>
           <a:lstStyle/>
           <a:p>
-            <a:fld id="{34621E95-60A9-FF44-9869-513D9D7A859F}" type="datetime2">
-              <a:rPr lang="en-US" smtClean="0"/>
-              <a:t>Wednesday, September 10, 14</a:t>
-            </a:fld>
-            <a:endParaRPr lang="en-US"/>
-          </a:p>
-        </p:txBody>
-      </p:sp>
-      <p:sp>
-        <p:nvSpPr>
-          <p:cNvPr id="5" name="Footer Placeholder 4"/>
-          <p:cNvSpPr>
-            <a:spLocks noGrp="1"/>
-          </p:cNvSpPr>
-          <p:nvPr>
-            <p:ph type="ftr" sz="quarter" idx="11"/>
-          </p:nvPr>
-        </p:nvSpPr>
-        <p:spPr/>
-        <p:txBody>
-          <a:bodyPr/>
-          <a:lstStyle/>
-          <a:p>
             <a:pPr algn="r"/>
             <a:r>
               <a:rPr lang="en-US" smtClean="0"/>
-              <a:t>Sanjay Kalé and PPL (UIUC) – Parallel Migratable Objects </a:t>
+              <a:t>Laxmikant Kalé and PPL (UIUC) – Parallel Migratable Objects </a:t>
             </a:r>
             <a:endParaRPr lang="en-US" dirty="0"/>
           </a:p>
